--- a/Ethereum_Präsentation_Jannes/Ethereum-Transaktionen.pptx
+++ b/Ethereum_Präsentation_Jannes/Ethereum-Transaktionen.pptx
@@ -1,11 +1,11 @@
 
 <file path=ppt/presentation.xml><?xml version="1.0" encoding="utf-8"?>
-<p:presentation xmlns:a="http://schemas.openxmlformats.org/drawingml/2006/main" xmlns:r="http://schemas.openxmlformats.org/officeDocument/2006/relationships" xmlns:p="http://schemas.openxmlformats.org/presentationml/2006/main" saveSubsetFonts="1">
+<p:presentation xmlns:a="http://schemas.openxmlformats.org/drawingml/2006/main" xmlns:r="http://schemas.openxmlformats.org/officeDocument/2006/relationships" xmlns:p="http://schemas.openxmlformats.org/presentationml/2006/main" embedTrueTypeFonts="1">
   <p:sldMasterIdLst>
     <p:sldMasterId id="2147483648" r:id="rId1"/>
   </p:sldMasterIdLst>
   <p:notesMasterIdLst>
-    <p:notesMasterId r:id="rId39"/>
+    <p:notesMasterId r:id="rId41"/>
   </p:notesMasterIdLst>
   <p:sldIdLst>
     <p:sldId id="257" r:id="rId2"/>
@@ -20,36 +20,51 @@
     <p:sldId id="283" r:id="rId11"/>
     <p:sldId id="284" r:id="rId12"/>
     <p:sldId id="285" r:id="rId13"/>
-    <p:sldId id="286" r:id="rId14"/>
-    <p:sldId id="287" r:id="rId15"/>
-    <p:sldId id="288" r:id="rId16"/>
-    <p:sldId id="291" r:id="rId17"/>
-    <p:sldId id="290" r:id="rId18"/>
-    <p:sldId id="292" r:id="rId19"/>
-    <p:sldId id="296" r:id="rId20"/>
-    <p:sldId id="295" r:id="rId21"/>
-    <p:sldId id="294" r:id="rId22"/>
-    <p:sldId id="297" r:id="rId23"/>
-    <p:sldId id="298" r:id="rId24"/>
-    <p:sldId id="299" r:id="rId25"/>
-    <p:sldId id="300" r:id="rId26"/>
-    <p:sldId id="301" r:id="rId27"/>
-    <p:sldId id="302" r:id="rId28"/>
-    <p:sldId id="303" r:id="rId29"/>
-    <p:sldId id="304" r:id="rId30"/>
-    <p:sldId id="305" r:id="rId31"/>
-    <p:sldId id="306" r:id="rId32"/>
-    <p:sldId id="307" r:id="rId33"/>
-    <p:sldId id="308" r:id="rId34"/>
-    <p:sldId id="309" r:id="rId35"/>
-    <p:sldId id="311" r:id="rId36"/>
-    <p:sldId id="310" r:id="rId37"/>
-    <p:sldId id="275" r:id="rId38"/>
+    <p:sldId id="313" r:id="rId14"/>
+    <p:sldId id="286" r:id="rId15"/>
+    <p:sldId id="287" r:id="rId16"/>
+    <p:sldId id="288" r:id="rId17"/>
+    <p:sldId id="291" r:id="rId18"/>
+    <p:sldId id="290" r:id="rId19"/>
+    <p:sldId id="312" r:id="rId20"/>
+    <p:sldId id="292" r:id="rId21"/>
+    <p:sldId id="296" r:id="rId22"/>
+    <p:sldId id="295" r:id="rId23"/>
+    <p:sldId id="294" r:id="rId24"/>
+    <p:sldId id="297" r:id="rId25"/>
+    <p:sldId id="298" r:id="rId26"/>
+    <p:sldId id="299" r:id="rId27"/>
+    <p:sldId id="300" r:id="rId28"/>
+    <p:sldId id="301" r:id="rId29"/>
+    <p:sldId id="302" r:id="rId30"/>
+    <p:sldId id="303" r:id="rId31"/>
+    <p:sldId id="304" r:id="rId32"/>
+    <p:sldId id="305" r:id="rId33"/>
+    <p:sldId id="306" r:id="rId34"/>
+    <p:sldId id="307" r:id="rId35"/>
+    <p:sldId id="308" r:id="rId36"/>
+    <p:sldId id="309" r:id="rId37"/>
+    <p:sldId id="311" r:id="rId38"/>
+    <p:sldId id="310" r:id="rId39"/>
+    <p:sldId id="275" r:id="rId40"/>
   </p:sldIdLst>
   <p:sldSz cx="13444538" cy="7562850"/>
   <p:notesSz cx="6858000" cy="9144000"/>
+  <p:embeddedFontLst>
+    <p:embeddedFont>
+      <p:font typeface="Cambria Math" panose="02040503050406030204" pitchFamily="18" charset="0"/>
+      <p:regular r:id="rId42"/>
+    </p:embeddedFont>
+    <p:embeddedFont>
+      <p:font typeface="JetBrains Mono" panose="020B0509020102050004" pitchFamily="49" charset="0"/>
+      <p:regular r:id="rId43"/>
+      <p:bold r:id="rId44"/>
+      <p:italic r:id="rId45"/>
+      <p:boldItalic r:id="rId46"/>
+    </p:embeddedFont>
+  </p:embeddedFontLst>
   <p:custDataLst>
-    <p:tags r:id="rId40"/>
+    <p:tags r:id="rId47"/>
   </p:custDataLst>
   <p:defaultTextStyle>
     <a:defPPr>
@@ -5846,7 +5861,7 @@
         <p:spPr bwMode="auto">
           <a:xfrm>
             <a:off x="656659" y="2138364"/>
-            <a:ext cx="10592363" cy="1571053"/>
+            <a:ext cx="10592363" cy="1897869"/>
           </a:xfrm>
           <a:prstGeom prst="rect">
             <a:avLst/>
@@ -6105,7 +6120,7 @@
             </a:pPr>
             <a:r>
               <a:rPr lang="en-US" kern="0" dirty="0" err="1"/>
-              <a:t>Methodenparameter</a:t>
+              <a:t>Funktionsparameter</a:t>
             </a:r>
             <a:r>
               <a:rPr lang="en-US" kern="0" dirty="0"/>
@@ -6143,7 +6158,15 @@
             </a:r>
             <a:r>
               <a:rPr lang="en-US" kern="0" dirty="0"/>
-              <a:t> String (Byte-Array) </a:t>
+              <a:t> String (</a:t>
+            </a:r>
+            <a:r>
+              <a:rPr lang="en-US" kern="0" dirty="0" err="1"/>
+              <a:t>z.B</a:t>
+            </a:r>
+            <a:r>
+              <a:rPr lang="en-US" kern="0" dirty="0"/>
+              <a:t>. Byte-Array) </a:t>
             </a:r>
             <a:r>
               <a:rPr lang="en-US" kern="0" dirty="0" err="1"/>
@@ -6195,13 +6218,16 @@
               <a:rPr lang="en-US" kern="0" dirty="0" err="1"/>
               <a:t>gesetzt</a:t>
             </a:r>
-            <a:r>
-              <a:rPr lang="en-US" kern="0" dirty="0"/>
-              <a:t>  (</a:t>
-            </a:r>
+            <a:endParaRPr lang="en-US" kern="0" dirty="0"/>
+          </a:p>
+          <a:p>
+            <a:pPr marL="285750" indent="-285750">
+              <a:buFont typeface="Arial" panose="020B0604020202020204" pitchFamily="34" charset="0"/>
+              <a:buChar char="•"/>
+            </a:pPr>
             <a:r>
               <a:rPr lang="en-US" kern="0" dirty="0" err="1"/>
-              <a:t>verschiedene</a:t>
+              <a:t>Verschiedene</a:t>
             </a:r>
             <a:r>
               <a:rPr lang="en-US" kern="0" dirty="0"/>
@@ -6213,7 +6239,15 @@
             </a:r>
             <a:r>
               <a:rPr lang="en-US" kern="0" dirty="0"/>
-              <a:t>)</a:t>
+              <a:t> je </a:t>
+            </a:r>
+            <a:r>
+              <a:rPr lang="en-US" kern="0" dirty="0" err="1"/>
+              <a:t>nach</a:t>
+            </a:r>
+            <a:r>
+              <a:rPr lang="en-US" kern="0" dirty="0"/>
+              <a:t> Item</a:t>
             </a:r>
           </a:p>
         </p:txBody>
@@ -6460,7 +6494,7 @@
         </p:nvSpPr>
         <p:spPr>
           <a:xfrm>
-            <a:off x="656659" y="4071704"/>
+            <a:off x="872683" y="4215579"/>
             <a:ext cx="1309974" cy="338554"/>
           </a:xfrm>
           <a:prstGeom prst="rect">
@@ -6491,8 +6525,8 @@
           </a:p>
         </p:txBody>
       </p:sp>
-      <mc:AlternateContent xmlns:mc="http://schemas.openxmlformats.org/markup-compatibility/2006">
-        <mc:Choice xmlns:a14="http://schemas.microsoft.com/office/drawing/2010/main" Requires="a14">
+      <mc:AlternateContent xmlns:mc="http://schemas.openxmlformats.org/markup-compatibility/2006" xmlns:a14="http://schemas.microsoft.com/office/drawing/2010/main">
+        <mc:Choice Requires="a14">
           <p:sp>
             <p:nvSpPr>
               <p:cNvPr id="9" name="Rechteck 8">
@@ -6507,7 +6541,7 @@
             </p:nvSpPr>
             <p:spPr>
               <a:xfrm>
-                <a:off x="1609701" y="4071704"/>
+                <a:off x="1825725" y="4215579"/>
                 <a:ext cx="7941597" cy="338554"/>
               </a:xfrm>
               <a:prstGeom prst="rect">
@@ -6669,7 +6703,7 @@
             </p:txBody>
           </p:sp>
         </mc:Choice>
-        <mc:Fallback>
+        <mc:Fallback xmlns="">
           <p:sp>
             <p:nvSpPr>
               <p:cNvPr id="9" name="Rechteck 8">
@@ -6686,7 +6720,7 @@
             </p:nvSpPr>
             <p:spPr>
               <a:xfrm>
-                <a:off x="1609701" y="4071704"/>
+                <a:off x="1825725" y="4215579"/>
                 <a:ext cx="7941597" cy="338554"/>
               </a:xfrm>
               <a:prstGeom prst="rect">
@@ -6714,8 +6748,8 @@
           </p:sp>
         </mc:Fallback>
       </mc:AlternateContent>
-      <mc:AlternateContent xmlns:mc="http://schemas.openxmlformats.org/markup-compatibility/2006">
-        <mc:Choice xmlns:a14="http://schemas.microsoft.com/office/drawing/2010/main" Requires="a14">
+      <mc:AlternateContent xmlns:mc="http://schemas.openxmlformats.org/markup-compatibility/2006" xmlns:a14="http://schemas.microsoft.com/office/drawing/2010/main">
+        <mc:Choice Requires="a14">
           <p:sp>
             <p:nvSpPr>
               <p:cNvPr id="11" name="Rechteck 10">
@@ -6730,7 +6764,7 @@
             </p:nvSpPr>
             <p:spPr>
               <a:xfrm>
-                <a:off x="656659" y="5581625"/>
+                <a:off x="656659" y="5921112"/>
                 <a:ext cx="9372053" cy="338554"/>
               </a:xfrm>
               <a:prstGeom prst="rect">
@@ -6809,7 +6843,7 @@
             </p:txBody>
           </p:sp>
         </mc:Choice>
-        <mc:Fallback>
+        <mc:Fallback xmlns="">
           <p:sp>
             <p:nvSpPr>
               <p:cNvPr id="11" name="Rechteck 10">
@@ -6826,7 +6860,7 @@
             </p:nvSpPr>
             <p:spPr>
               <a:xfrm>
-                <a:off x="656659" y="5581625"/>
+                <a:off x="656659" y="5921112"/>
                 <a:ext cx="9372053" cy="338554"/>
               </a:xfrm>
               <a:prstGeom prst="rect">
@@ -6835,7 +6869,7 @@
               <a:blipFill>
                 <a:blip r:embed="rId3"/>
                 <a:stretch>
-                  <a:fillRect t="-5455" b="-25455"/>
+                  <a:fillRect t="-5357" b="-23214"/>
                 </a:stretch>
               </a:blipFill>
             </p:spPr>
@@ -6868,7 +6902,7 @@
         </p:nvSpPr>
         <p:spPr>
           <a:xfrm>
-            <a:off x="2187151" y="4790660"/>
+            <a:off x="2403175" y="4934535"/>
             <a:ext cx="6786694" cy="338554"/>
           </a:xfrm>
           <a:prstGeom prst="rect">
@@ -6926,8 +6960,8 @@
           </a:p>
         </p:txBody>
       </p:sp>
-      <mc:AlternateContent xmlns:mc="http://schemas.openxmlformats.org/markup-compatibility/2006">
-        <mc:Choice xmlns:a14="http://schemas.microsoft.com/office/drawing/2010/main" Requires="a14">
+      <mc:AlternateContent xmlns:mc="http://schemas.openxmlformats.org/markup-compatibility/2006" xmlns:a14="http://schemas.microsoft.com/office/drawing/2010/main">
+        <mc:Choice Requires="a14">
           <p:sp>
             <p:nvSpPr>
               <p:cNvPr id="13" name="Rechteck 12">
@@ -6942,7 +6976,7 @@
             </p:nvSpPr>
             <p:spPr>
               <a:xfrm rot="5400000">
-                <a:off x="5282981" y="4411628"/>
+                <a:off x="5499005" y="4555503"/>
                 <a:ext cx="595035" cy="523220"/>
               </a:xfrm>
               <a:prstGeom prst="rect">
@@ -6955,6 +6989,7 @@
               </a:bodyPr>
               <a:lstStyle/>
               <a:p>
+                <a:pPr/>
                 <a14:m>
                   <m:oMathPara xmlns:m="http://schemas.openxmlformats.org/officeDocument/2006/math">
                     <m:oMathParaPr>
@@ -6978,7 +7013,7 @@
             </p:txBody>
           </p:sp>
         </mc:Choice>
-        <mc:Fallback>
+        <mc:Fallback xmlns="">
           <p:sp>
             <p:nvSpPr>
               <p:cNvPr id="13" name="Rechteck 12">
@@ -6995,7 +7030,7 @@
             </p:nvSpPr>
             <p:spPr>
               <a:xfrm rot="5400000">
-                <a:off x="5282981" y="4411628"/>
+                <a:off x="5499005" y="4555503"/>
                 <a:ext cx="595035" cy="523220"/>
               </a:xfrm>
               <a:prstGeom prst="rect">
@@ -7037,7 +7072,7 @@
         </p:nvSpPr>
         <p:spPr>
           <a:xfrm>
-            <a:off x="2051332" y="6259666"/>
+            <a:off x="2051332" y="6599153"/>
             <a:ext cx="8442878" cy="338554"/>
           </a:xfrm>
           <a:prstGeom prst="rect">
@@ -7086,8 +7121,8 @@
           </a:p>
         </p:txBody>
       </p:sp>
-      <mc:AlternateContent xmlns:mc="http://schemas.openxmlformats.org/markup-compatibility/2006">
-        <mc:Choice xmlns:a14="http://schemas.microsoft.com/office/drawing/2010/main" Requires="a14">
+      <mc:AlternateContent xmlns:mc="http://schemas.openxmlformats.org/markup-compatibility/2006" xmlns:a14="http://schemas.microsoft.com/office/drawing/2010/main">
+        <mc:Choice Requires="a14">
           <p:sp>
             <p:nvSpPr>
               <p:cNvPr id="17" name="Rechteck 16">
@@ -7102,7 +7137,7 @@
             </p:nvSpPr>
             <p:spPr>
               <a:xfrm rot="5400000">
-                <a:off x="5975253" y="5877760"/>
+                <a:off x="5975253" y="6217247"/>
                 <a:ext cx="595035" cy="523220"/>
               </a:xfrm>
               <a:prstGeom prst="rect">
@@ -7115,6 +7150,7 @@
               </a:bodyPr>
               <a:lstStyle/>
               <a:p>
+                <a:pPr/>
                 <a14:m>
                   <m:oMathPara xmlns:m="http://schemas.openxmlformats.org/officeDocument/2006/math">
                     <m:oMathParaPr>
@@ -7138,7 +7174,7 @@
             </p:txBody>
           </p:sp>
         </mc:Choice>
-        <mc:Fallback>
+        <mc:Fallback xmlns="">
           <p:sp>
             <p:nvSpPr>
               <p:cNvPr id="17" name="Rechteck 16">
@@ -7155,7 +7191,7 @@
             </p:nvSpPr>
             <p:spPr>
               <a:xfrm rot="5400000">
-                <a:off x="5975253" y="5877760"/>
+                <a:off x="5975253" y="6217247"/>
                 <a:ext cx="595035" cy="523220"/>
               </a:xfrm>
               <a:prstGeom prst="rect">
@@ -7891,7 +7927,7 @@
             </a:r>
             <a:r>
               <a:rPr lang="en-US" kern="0" dirty="0" err="1"/>
-              <a:t>Kryprographie</a:t>
+              <a:t>Krythographie</a:t>
             </a:r>
             <a:r>
               <a:rPr lang="en-US" kern="0" dirty="0"/>
@@ -8523,7 +8559,7 @@
         <p:spPr>
           <a:xfrm>
             <a:off x="4919304" y="4762705"/>
-            <a:ext cx="2430345" cy="584775"/>
+            <a:ext cx="2430345" cy="338554"/>
           </a:xfrm>
           <a:prstGeom prst="rect">
             <a:avLst/>
@@ -8543,24 +8579,6 @@
                 </a:solidFill>
               </a:rPr>
               <a:t>Bob sendet Alice 4 Ether</a:t>
-            </a:r>
-          </a:p>
-          <a:p>
-            <a:r>
-              <a:rPr lang="de-DE" sz="1600" i="1" dirty="0" err="1">
-                <a:solidFill>
-                  <a:schemeClr val="tx1"/>
-                </a:solidFill>
-              </a:rPr>
-              <a:t>Nonce</a:t>
-            </a:r>
-            <a:r>
-              <a:rPr lang="de-DE" sz="1600" i="1" dirty="0">
-                <a:solidFill>
-                  <a:schemeClr val="tx1"/>
-                </a:solidFill>
-              </a:rPr>
-              <a:t>: 4</a:t>
             </a:r>
           </a:p>
         </p:txBody>
@@ -8758,7 +8776,7 @@
           <p:spPr>
             <a:xfrm>
               <a:off x="817613" y="4748102"/>
-              <a:ext cx="2430345" cy="584775"/>
+              <a:ext cx="2430345" cy="338554"/>
             </a:xfrm>
             <a:prstGeom prst="rect">
               <a:avLst/>
@@ -8778,24 +8796,6 @@
                   </a:solidFill>
                 </a:rPr>
                 <a:t>Bob sendet Alice 4 Ether</a:t>
-              </a:r>
-            </a:p>
-            <a:p>
-              <a:r>
-                <a:rPr lang="de-DE" sz="1600" i="1" dirty="0" err="1">
-                  <a:solidFill>
-                    <a:schemeClr val="tx1"/>
-                  </a:solidFill>
-                </a:rPr>
-                <a:t>Nonce</a:t>
-              </a:r>
-              <a:r>
-                <a:rPr lang="de-DE" sz="1600" i="1" dirty="0">
-                  <a:solidFill>
-                    <a:schemeClr val="tx1"/>
-                  </a:solidFill>
-                </a:rPr>
-                <a:t>: 4</a:t>
               </a:r>
             </a:p>
           </p:txBody>
@@ -9059,7 +9059,7 @@
           <p:nvPr/>
         </p:nvPicPr>
         <p:blipFill>
-          <a:blip r:embed="rId3">
+          <a:blip r:embed="rId3" cstate="print">
             <a:extLst>
               <a:ext uri="{28A0092B-C50C-407E-A947-70E740481C1C}">
                 <a14:useLocalDpi xmlns:a14="http://schemas.microsoft.com/office/drawing/2010/main" val="0"/>
@@ -9095,7 +9095,7 @@
           <p:nvPr/>
         </p:nvPicPr>
         <p:blipFill>
-          <a:blip r:embed="rId3">
+          <a:blip r:embed="rId3" cstate="print">
             <a:extLst>
               <a:ext uri="{28A0092B-C50C-407E-A947-70E740481C1C}">
                 <a14:useLocalDpi xmlns:a14="http://schemas.microsoft.com/office/drawing/2010/main" val="0"/>
@@ -9131,7 +9131,7 @@
           <p:nvPr/>
         </p:nvPicPr>
         <p:blipFill>
-          <a:blip r:embed="rId3">
+          <a:blip r:embed="rId3" cstate="print">
             <a:extLst>
               <a:ext uri="{28A0092B-C50C-407E-A947-70E740481C1C}">
                 <a14:useLocalDpi xmlns:a14="http://schemas.microsoft.com/office/drawing/2010/main" val="0"/>
@@ -9501,10 +9501,250 @@
           </a:extLst>
         </p:spPr>
       </p:cxnSp>
+      <p:sp>
+        <p:nvSpPr>
+          <p:cNvPr id="6" name="Rechteck 5">
+            <a:extLst>
+              <a:ext uri="{FF2B5EF4-FFF2-40B4-BE49-F238E27FC236}">
+                <a16:creationId xmlns:a16="http://schemas.microsoft.com/office/drawing/2014/main" id="{45FA8031-6CC9-44A1-81C0-06B78C5FEE99}"/>
+              </a:ext>
+            </a:extLst>
+          </p:cNvPr>
+          <p:cNvSpPr/>
+          <p:nvPr/>
+        </p:nvSpPr>
+        <p:spPr bwMode="auto">
+          <a:xfrm>
+            <a:off x="9098533" y="4429497"/>
+            <a:ext cx="792088" cy="144016"/>
+          </a:xfrm>
+          <a:prstGeom prst="rect">
+            <a:avLst/>
+          </a:prstGeom>
+          <a:solidFill>
+            <a:schemeClr val="bg1"/>
+          </a:solidFill>
+          <a:ln w="9525" cap="flat" cmpd="sng" algn="ctr">
+            <a:noFill/>
+            <a:prstDash val="solid"/>
+            <a:round/>
+            <a:headEnd type="none" w="med" len="med"/>
+            <a:tailEnd type="none" w="med" len="med"/>
+          </a:ln>
+          <a:effectLst/>
+          <a:extLst>
+            <a:ext uri="{AF507438-7753-43e0-B8FC-AC1667EBCBE1}">
+              <a14:hiddenEffects xmlns="" xmlns:a14="http://schemas.microsoft.com/office/drawing/2010/main">
+                <a:effectLst>
+                  <a:outerShdw dist="35921" dir="2700000" algn="ctr" rotWithShape="0">
+                    <a:schemeClr val="bg2"/>
+                  </a:outerShdw>
+                </a:effectLst>
+              </a14:hiddenEffects>
+            </a:ext>
+          </a:extLst>
+        </p:spPr>
+        <p:txBody>
+          <a:bodyPr vert="horz" wrap="none" lIns="182880" tIns="137160" rIns="182880" bIns="137160" numCol="1" rtlCol="0" anchor="ctr" anchorCtr="0" compatLnSpc="1">
+            <a:prstTxWarp prst="textNoShape">
+              <a:avLst/>
+            </a:prstTxWarp>
+          </a:bodyPr>
+          <a:lstStyle/>
+          <a:p>
+            <a:pPr marL="0" marR="0" indent="0" algn="ctr" defTabSz="914400" rtl="0" eaLnBrk="1" fontAlgn="base" latinLnBrk="0" hangingPunct="1">
+              <a:lnSpc>
+                <a:spcPct val="100000"/>
+              </a:lnSpc>
+              <a:spcBef>
+                <a:spcPct val="0"/>
+              </a:spcBef>
+              <a:spcAft>
+                <a:spcPct val="0"/>
+              </a:spcAft>
+              <a:buClrTx/>
+              <a:buSzTx/>
+              <a:buFontTx/>
+              <a:buNone/>
+              <a:tabLst/>
+            </a:pPr>
+            <a:endParaRPr kumimoji="0" lang="de-DE" sz="1400" b="0" i="0" u="none" strike="noStrike" cap="none" normalizeH="0" baseline="0">
+              <a:ln>
+                <a:noFill/>
+              </a:ln>
+              <a:solidFill>
+                <a:schemeClr val="bg1"/>
+              </a:solidFill>
+              <a:effectLst/>
+              <a:latin typeface="Arial" charset="0"/>
+            </a:endParaRPr>
+          </a:p>
+        </p:txBody>
+      </p:sp>
+      <p:sp>
+        <p:nvSpPr>
+          <p:cNvPr id="30" name="Rechteck 29">
+            <a:extLst>
+              <a:ext uri="{FF2B5EF4-FFF2-40B4-BE49-F238E27FC236}">
+                <a16:creationId xmlns:a16="http://schemas.microsoft.com/office/drawing/2014/main" id="{539E0EBC-27C1-4607-9C5F-A7F5B88BEE7A}"/>
+              </a:ext>
+            </a:extLst>
+          </p:cNvPr>
+          <p:cNvSpPr/>
+          <p:nvPr/>
+        </p:nvSpPr>
+        <p:spPr bwMode="auto">
+          <a:xfrm>
+            <a:off x="9107066" y="5124403"/>
+            <a:ext cx="792088" cy="144016"/>
+          </a:xfrm>
+          <a:prstGeom prst="rect">
+            <a:avLst/>
+          </a:prstGeom>
+          <a:solidFill>
+            <a:schemeClr val="bg1"/>
+          </a:solidFill>
+          <a:ln w="9525" cap="flat" cmpd="sng" algn="ctr">
+            <a:noFill/>
+            <a:prstDash val="solid"/>
+            <a:round/>
+            <a:headEnd type="none" w="med" len="med"/>
+            <a:tailEnd type="none" w="med" len="med"/>
+          </a:ln>
+          <a:effectLst/>
+          <a:extLst>
+            <a:ext uri="{AF507438-7753-43e0-B8FC-AC1667EBCBE1}">
+              <a14:hiddenEffects xmlns="" xmlns:a14="http://schemas.microsoft.com/office/drawing/2010/main">
+                <a:effectLst>
+                  <a:outerShdw dist="35921" dir="2700000" algn="ctr" rotWithShape="0">
+                    <a:schemeClr val="bg2"/>
+                  </a:outerShdw>
+                </a:effectLst>
+              </a14:hiddenEffects>
+            </a:ext>
+          </a:extLst>
+        </p:spPr>
+        <p:txBody>
+          <a:bodyPr vert="horz" wrap="none" lIns="182880" tIns="137160" rIns="182880" bIns="137160" numCol="1" rtlCol="0" anchor="ctr" anchorCtr="0" compatLnSpc="1">
+            <a:prstTxWarp prst="textNoShape">
+              <a:avLst/>
+            </a:prstTxWarp>
+          </a:bodyPr>
+          <a:lstStyle/>
+          <a:p>
+            <a:pPr marL="0" marR="0" indent="0" algn="ctr" defTabSz="914400" rtl="0" eaLnBrk="1" fontAlgn="base" latinLnBrk="0" hangingPunct="1">
+              <a:lnSpc>
+                <a:spcPct val="100000"/>
+              </a:lnSpc>
+              <a:spcBef>
+                <a:spcPct val="0"/>
+              </a:spcBef>
+              <a:spcAft>
+                <a:spcPct val="0"/>
+              </a:spcAft>
+              <a:buClrTx/>
+              <a:buSzTx/>
+              <a:buFontTx/>
+              <a:buNone/>
+              <a:tabLst/>
+            </a:pPr>
+            <a:endParaRPr kumimoji="0" lang="de-DE" sz="1400" b="0" i="0" u="none" strike="noStrike" cap="none" normalizeH="0" baseline="0">
+              <a:ln>
+                <a:noFill/>
+              </a:ln>
+              <a:solidFill>
+                <a:schemeClr val="bg1"/>
+              </a:solidFill>
+              <a:effectLst/>
+              <a:latin typeface="Arial" charset="0"/>
+            </a:endParaRPr>
+          </a:p>
+        </p:txBody>
+      </p:sp>
+      <p:sp>
+        <p:nvSpPr>
+          <p:cNvPr id="31" name="Rechteck 30">
+            <a:extLst>
+              <a:ext uri="{FF2B5EF4-FFF2-40B4-BE49-F238E27FC236}">
+                <a16:creationId xmlns:a16="http://schemas.microsoft.com/office/drawing/2014/main" id="{A4525C16-D54D-4A38-BEF6-B826D0C1D7E3}"/>
+              </a:ext>
+            </a:extLst>
+          </p:cNvPr>
+          <p:cNvSpPr/>
+          <p:nvPr/>
+        </p:nvSpPr>
+        <p:spPr bwMode="auto">
+          <a:xfrm>
+            <a:off x="9170541" y="5790749"/>
+            <a:ext cx="792088" cy="144016"/>
+          </a:xfrm>
+          <a:prstGeom prst="rect">
+            <a:avLst/>
+          </a:prstGeom>
+          <a:solidFill>
+            <a:schemeClr val="bg1"/>
+          </a:solidFill>
+          <a:ln w="9525" cap="flat" cmpd="sng" algn="ctr">
+            <a:noFill/>
+            <a:prstDash val="solid"/>
+            <a:round/>
+            <a:headEnd type="none" w="med" len="med"/>
+            <a:tailEnd type="none" w="med" len="med"/>
+          </a:ln>
+          <a:effectLst/>
+          <a:extLst>
+            <a:ext uri="{AF507438-7753-43e0-B8FC-AC1667EBCBE1}">
+              <a14:hiddenEffects xmlns="" xmlns:a14="http://schemas.microsoft.com/office/drawing/2010/main">
+                <a:effectLst>
+                  <a:outerShdw dist="35921" dir="2700000" algn="ctr" rotWithShape="0">
+                    <a:schemeClr val="bg2"/>
+                  </a:outerShdw>
+                </a:effectLst>
+              </a14:hiddenEffects>
+            </a:ext>
+          </a:extLst>
+        </p:spPr>
+        <p:txBody>
+          <a:bodyPr vert="horz" wrap="none" lIns="182880" tIns="137160" rIns="182880" bIns="137160" numCol="1" rtlCol="0" anchor="ctr" anchorCtr="0" compatLnSpc="1">
+            <a:prstTxWarp prst="textNoShape">
+              <a:avLst/>
+            </a:prstTxWarp>
+          </a:bodyPr>
+          <a:lstStyle/>
+          <a:p>
+            <a:pPr marL="0" marR="0" indent="0" algn="ctr" defTabSz="914400" rtl="0" eaLnBrk="1" fontAlgn="base" latinLnBrk="0" hangingPunct="1">
+              <a:lnSpc>
+                <a:spcPct val="100000"/>
+              </a:lnSpc>
+              <a:spcBef>
+                <a:spcPct val="0"/>
+              </a:spcBef>
+              <a:spcAft>
+                <a:spcPct val="0"/>
+              </a:spcAft>
+              <a:buClrTx/>
+              <a:buSzTx/>
+              <a:buFontTx/>
+              <a:buNone/>
+              <a:tabLst/>
+            </a:pPr>
+            <a:endParaRPr kumimoji="0" lang="de-DE" sz="1400" b="0" i="0" u="none" strike="noStrike" cap="none" normalizeH="0" baseline="0">
+              <a:ln>
+                <a:noFill/>
+              </a:ln>
+              <a:solidFill>
+                <a:schemeClr val="bg1"/>
+              </a:solidFill>
+              <a:effectLst/>
+              <a:latin typeface="Arial" charset="0"/>
+            </a:endParaRPr>
+          </a:p>
+        </p:txBody>
+      </p:sp>
     </p:spTree>
     <p:extLst>
       <p:ext uri="{BB962C8B-B14F-4D97-AF65-F5344CB8AC3E}">
-        <p14:creationId xmlns:p14="http://schemas.microsoft.com/office/powerpoint/2010/main" val="2806441055"/>
+        <p14:creationId xmlns:p14="http://schemas.microsoft.com/office/powerpoint/2010/main" val="4070870167"/>
       </p:ext>
     </p:extLst>
   </p:cSld>
@@ -9554,6 +9794,2143 @@
               <a:rPr lang="de-DE"/>
               <a:pPr/>
               <a:t>14</a:t>
+            </a:fld>
+            <a:endParaRPr lang="de-DE"/>
+          </a:p>
+        </p:txBody>
+      </p:sp>
+      <p:sp>
+        <p:nvSpPr>
+          <p:cNvPr id="4" name="Rectangle 3">
+            <a:extLst>
+              <a:ext uri="{FF2B5EF4-FFF2-40B4-BE49-F238E27FC236}">
+                <a16:creationId xmlns:a16="http://schemas.microsoft.com/office/drawing/2014/main" id="{21277043-81F5-49A7-A315-BA39945ABDA8}"/>
+              </a:ext>
+            </a:extLst>
+          </p:cNvPr>
+          <p:cNvSpPr txBox="1">
+            <a:spLocks noChangeArrowheads="1"/>
+          </p:cNvSpPr>
+          <p:nvPr/>
+        </p:nvSpPr>
+        <p:spPr bwMode="auto">
+          <a:xfrm>
+            <a:off x="666410" y="2138364"/>
+            <a:ext cx="10592363" cy="1427037"/>
+          </a:xfrm>
+          <a:prstGeom prst="rect">
+            <a:avLst/>
+          </a:prstGeom>
+          <a:noFill/>
+          <a:ln>
+            <a:noFill/>
+          </a:ln>
+          <a:effectLst/>
+          <a:extLst>
+            <a:ext uri="{909E8E84-426E-40dd-AFC4-6F175D3DCCD1}">
+              <a14:hiddenFill xmlns:a14="http://schemas.microsoft.com/office/drawing/2010/main" xmlns="">
+                <a:solidFill>
+                  <a:schemeClr val="accent1"/>
+                </a:solidFill>
+              </a14:hiddenFill>
+            </a:ext>
+            <a:ext uri="{91240B29-F687-4f45-9708-019B960494DF}">
+              <a14:hiddenLine xmlns:a14="http://schemas.microsoft.com/office/drawing/2010/main" xmlns="" w="9525">
+                <a:solidFill>
+                  <a:schemeClr val="tx1"/>
+                </a:solidFill>
+                <a:miter lim="800000"/>
+                <a:headEnd/>
+                <a:tailEnd/>
+              </a14:hiddenLine>
+            </a:ext>
+            <a:ext uri="{AF507438-7753-43e0-B8FC-AC1667EBCBE1}">
+              <a14:hiddenEffects xmlns:a14="http://schemas.microsoft.com/office/drawing/2010/main" xmlns="">
+                <a:effectLst>
+                  <a:outerShdw dist="35921" dir="2700000" algn="ctr" rotWithShape="0">
+                    <a:schemeClr val="bg2"/>
+                  </a:outerShdw>
+                </a:effectLst>
+              </a14:hiddenEffects>
+            </a:ext>
+          </a:extLst>
+        </p:spPr>
+        <p:txBody>
+          <a:bodyPr vert="horz" wrap="square" lIns="0" tIns="0" rIns="0" bIns="0" numCol="1" anchor="t" anchorCtr="0" compatLnSpc="1">
+            <a:prstTxWarp prst="textNoShape">
+              <a:avLst/>
+            </a:prstTxWarp>
+          </a:bodyPr>
+          <a:lstStyle>
+            <a:lvl1pPr algn="l" defTabSz="1054100" rtl="0" eaLnBrk="1" fontAlgn="base" hangingPunct="1">
+              <a:lnSpc>
+                <a:spcPct val="110000"/>
+              </a:lnSpc>
+              <a:spcBef>
+                <a:spcPct val="0"/>
+              </a:spcBef>
+              <a:spcAft>
+                <a:spcPct val="40000"/>
+              </a:spcAft>
+              <a:defRPr sz="1700">
+                <a:solidFill>
+                  <a:schemeClr val="tx1"/>
+                </a:solidFill>
+                <a:latin typeface="+mn-lt"/>
+                <a:ea typeface="+mn-ea"/>
+                <a:cs typeface="+mn-cs"/>
+              </a:defRPr>
+            </a:lvl1pPr>
+            <a:lvl2pPr marL="269875" indent="-268288" algn="l" defTabSz="1054100" rtl="0" eaLnBrk="1" fontAlgn="base" hangingPunct="1">
+              <a:lnSpc>
+                <a:spcPct val="110000"/>
+              </a:lnSpc>
+              <a:spcBef>
+                <a:spcPct val="0"/>
+              </a:spcBef>
+              <a:spcAft>
+                <a:spcPct val="40000"/>
+              </a:spcAft>
+              <a:buChar char="•"/>
+              <a:defRPr sz="1700">
+                <a:solidFill>
+                  <a:schemeClr val="tx1"/>
+                </a:solidFill>
+                <a:latin typeface="+mn-lt"/>
+              </a:defRPr>
+            </a:lvl2pPr>
+            <a:lvl3pPr marL="627063" indent="-177800" algn="l" defTabSz="1054100" rtl="0" eaLnBrk="1" fontAlgn="base" hangingPunct="1">
+              <a:lnSpc>
+                <a:spcPct val="110000"/>
+              </a:lnSpc>
+              <a:spcBef>
+                <a:spcPct val="0"/>
+              </a:spcBef>
+              <a:spcAft>
+                <a:spcPct val="40000"/>
+              </a:spcAft>
+              <a:buFont typeface="Arial" charset="0"/>
+              <a:buChar char="-"/>
+              <a:defRPr sz="1700">
+                <a:solidFill>
+                  <a:schemeClr val="tx1"/>
+                </a:solidFill>
+                <a:latin typeface="+mn-lt"/>
+              </a:defRPr>
+            </a:lvl3pPr>
+            <a:lvl4pPr marL="1074738" indent="-174625" algn="l" defTabSz="1054100" rtl="0" eaLnBrk="1" fontAlgn="base" hangingPunct="1">
+              <a:lnSpc>
+                <a:spcPct val="110000"/>
+              </a:lnSpc>
+              <a:spcBef>
+                <a:spcPct val="0"/>
+              </a:spcBef>
+              <a:spcAft>
+                <a:spcPct val="40000"/>
+              </a:spcAft>
+              <a:buFont typeface="Arial" charset="0"/>
+              <a:buChar char="-"/>
+              <a:defRPr sz="1700" i="1">
+                <a:solidFill>
+                  <a:schemeClr val="tx1"/>
+                </a:solidFill>
+                <a:latin typeface="+mn-lt"/>
+              </a:defRPr>
+            </a:lvl4pPr>
+            <a:lvl5pPr marL="1616075" indent="-176213" algn="l" defTabSz="1054100" rtl="0" eaLnBrk="1" fontAlgn="base" hangingPunct="1">
+              <a:lnSpc>
+                <a:spcPct val="110000"/>
+              </a:lnSpc>
+              <a:spcBef>
+                <a:spcPct val="0"/>
+              </a:spcBef>
+              <a:spcAft>
+                <a:spcPct val="40000"/>
+              </a:spcAft>
+              <a:buFont typeface="Arial" charset="0"/>
+              <a:buChar char="-"/>
+              <a:defRPr sz="1700">
+                <a:solidFill>
+                  <a:schemeClr val="tx1"/>
+                </a:solidFill>
+                <a:latin typeface="+mn-lt"/>
+              </a:defRPr>
+            </a:lvl5pPr>
+            <a:lvl6pPr marL="2073275" indent="-176213" algn="l" defTabSz="1054100" rtl="0" eaLnBrk="1" fontAlgn="base" hangingPunct="1">
+              <a:lnSpc>
+                <a:spcPct val="110000"/>
+              </a:lnSpc>
+              <a:spcBef>
+                <a:spcPct val="0"/>
+              </a:spcBef>
+              <a:spcAft>
+                <a:spcPct val="40000"/>
+              </a:spcAft>
+              <a:buFont typeface="Arial" charset="0"/>
+              <a:buChar char="-"/>
+              <a:defRPr sz="1700">
+                <a:solidFill>
+                  <a:schemeClr val="tx1"/>
+                </a:solidFill>
+                <a:latin typeface="+mn-lt"/>
+              </a:defRPr>
+            </a:lvl6pPr>
+            <a:lvl7pPr marL="2530475" indent="-176213" algn="l" defTabSz="1054100" rtl="0" eaLnBrk="1" fontAlgn="base" hangingPunct="1">
+              <a:lnSpc>
+                <a:spcPct val="110000"/>
+              </a:lnSpc>
+              <a:spcBef>
+                <a:spcPct val="0"/>
+              </a:spcBef>
+              <a:spcAft>
+                <a:spcPct val="40000"/>
+              </a:spcAft>
+              <a:buFont typeface="Arial" charset="0"/>
+              <a:buChar char="-"/>
+              <a:defRPr sz="1700">
+                <a:solidFill>
+                  <a:schemeClr val="tx1"/>
+                </a:solidFill>
+                <a:latin typeface="+mn-lt"/>
+              </a:defRPr>
+            </a:lvl7pPr>
+            <a:lvl8pPr marL="2987675" indent="-176213" algn="l" defTabSz="1054100" rtl="0" eaLnBrk="1" fontAlgn="base" hangingPunct="1">
+              <a:lnSpc>
+                <a:spcPct val="110000"/>
+              </a:lnSpc>
+              <a:spcBef>
+                <a:spcPct val="0"/>
+              </a:spcBef>
+              <a:spcAft>
+                <a:spcPct val="40000"/>
+              </a:spcAft>
+              <a:buFont typeface="Arial" charset="0"/>
+              <a:buChar char="-"/>
+              <a:defRPr sz="1700">
+                <a:solidFill>
+                  <a:schemeClr val="tx1"/>
+                </a:solidFill>
+                <a:latin typeface="+mn-lt"/>
+              </a:defRPr>
+            </a:lvl8pPr>
+            <a:lvl9pPr marL="3444875" indent="-176213" algn="l" defTabSz="1054100" rtl="0" eaLnBrk="1" fontAlgn="base" hangingPunct="1">
+              <a:lnSpc>
+                <a:spcPct val="110000"/>
+              </a:lnSpc>
+              <a:spcBef>
+                <a:spcPct val="0"/>
+              </a:spcBef>
+              <a:spcAft>
+                <a:spcPct val="40000"/>
+              </a:spcAft>
+              <a:buFont typeface="Arial" charset="0"/>
+              <a:buChar char="-"/>
+              <a:defRPr sz="1700">
+                <a:solidFill>
+                  <a:schemeClr val="tx1"/>
+                </a:solidFill>
+                <a:latin typeface="+mn-lt"/>
+              </a:defRPr>
+            </a:lvl9pPr>
+          </a:lstStyle>
+          <a:p>
+            <a:pPr marL="285750" indent="-285750">
+              <a:buFont typeface="Arial" panose="020B0604020202020204" pitchFamily="34" charset="0"/>
+              <a:buChar char="•"/>
+            </a:pPr>
+            <a:r>
+              <a:rPr lang="en-US" kern="0" dirty="0" err="1"/>
+              <a:t>Konzept</a:t>
+            </a:r>
+            <a:r>
+              <a:rPr lang="en-US" kern="0" dirty="0"/>
+              <a:t> </a:t>
+            </a:r>
+            <a:r>
+              <a:rPr lang="en-US" kern="0" dirty="0" err="1"/>
+              <a:t>aus</a:t>
+            </a:r>
+            <a:r>
+              <a:rPr lang="en-US" kern="0" dirty="0"/>
+              <a:t> der </a:t>
+            </a:r>
+            <a:r>
+              <a:rPr lang="en-US" kern="0" dirty="0" err="1"/>
+              <a:t>Krythographie</a:t>
+            </a:r>
+            <a:r>
+              <a:rPr lang="en-US" kern="0" dirty="0"/>
+              <a:t>:   </a:t>
+            </a:r>
+          </a:p>
+          <a:p>
+            <a:r>
+              <a:rPr lang="en-US" i="1" kern="0" dirty="0"/>
+              <a:t>	“</a:t>
+            </a:r>
+            <a:r>
+              <a:rPr lang="en-US" dirty="0"/>
+              <a:t> a nonce is an arbitrary number that can be used just once in a cryptographic communication”</a:t>
+            </a:r>
+            <a:r>
+              <a:rPr lang="en-US" baseline="30000" dirty="0"/>
+              <a:t>[1]</a:t>
+            </a:r>
+            <a:endParaRPr lang="en-US" i="1" kern="0" dirty="0"/>
+          </a:p>
+          <a:p>
+            <a:pPr marL="285750" indent="-285750">
+              <a:buFont typeface="Arial" panose="020B0604020202020204" pitchFamily="34" charset="0"/>
+              <a:buChar char="•"/>
+            </a:pPr>
+            <a:r>
+              <a:rPr lang="en-US" kern="0" dirty="0" err="1"/>
+              <a:t>Inkrementierende</a:t>
+            </a:r>
+            <a:r>
+              <a:rPr lang="en-US" kern="0" dirty="0"/>
+              <a:t> </a:t>
+            </a:r>
+            <a:r>
+              <a:rPr lang="en-US" kern="0" dirty="0" err="1"/>
+              <a:t>Zahl</a:t>
+            </a:r>
+            <a:r>
+              <a:rPr lang="en-US" kern="0" dirty="0"/>
+              <a:t> </a:t>
+            </a:r>
+            <a:r>
+              <a:rPr lang="en-US" kern="0" dirty="0" err="1"/>
+              <a:t>ermöglicht</a:t>
+            </a:r>
+            <a:r>
+              <a:rPr lang="en-US" kern="0" dirty="0"/>
+              <a:t> </a:t>
+            </a:r>
+            <a:r>
+              <a:rPr lang="en-US" kern="0" dirty="0" err="1"/>
+              <a:t>Einmaligkeit</a:t>
+            </a:r>
+            <a:r>
+              <a:rPr lang="en-US" kern="0" dirty="0"/>
+              <a:t> </a:t>
+            </a:r>
+            <a:r>
+              <a:rPr lang="en-US" kern="0" dirty="0" err="1"/>
+              <a:t>einer</a:t>
+            </a:r>
+            <a:r>
+              <a:rPr lang="en-US" kern="0" dirty="0"/>
+              <a:t> </a:t>
+            </a:r>
+            <a:r>
+              <a:rPr lang="en-US" kern="0" dirty="0" err="1"/>
+              <a:t>Transaktion</a:t>
+            </a:r>
+            <a:endParaRPr lang="en-US" kern="0" dirty="0"/>
+          </a:p>
+          <a:p>
+            <a:pPr marL="285750" indent="-285750">
+              <a:buFont typeface="Arial" panose="020B0604020202020204" pitchFamily="34" charset="0"/>
+              <a:buChar char="•"/>
+            </a:pPr>
+            <a:r>
+              <a:rPr lang="en-US" kern="0" dirty="0"/>
+              <a:t>Schutz </a:t>
+            </a:r>
+            <a:r>
+              <a:rPr lang="en-US" kern="0" dirty="0" err="1"/>
+              <a:t>gegen</a:t>
+            </a:r>
+            <a:r>
+              <a:rPr lang="en-US" kern="0" dirty="0"/>
+              <a:t> “Replay-</a:t>
+            </a:r>
+            <a:r>
+              <a:rPr lang="en-US" kern="0" dirty="0" err="1"/>
+              <a:t>Angriffe</a:t>
+            </a:r>
+            <a:r>
+              <a:rPr lang="en-US" kern="0" dirty="0"/>
+              <a:t>”</a:t>
+            </a:r>
+          </a:p>
+        </p:txBody>
+      </p:sp>
+      <p:sp>
+        <p:nvSpPr>
+          <p:cNvPr id="7" name="Rectangle 4">
+            <a:extLst>
+              <a:ext uri="{FF2B5EF4-FFF2-40B4-BE49-F238E27FC236}">
+                <a16:creationId xmlns:a16="http://schemas.microsoft.com/office/drawing/2014/main" id="{B0EC8EEE-386C-4418-B19F-0D9C78587149}"/>
+              </a:ext>
+            </a:extLst>
+          </p:cNvPr>
+          <p:cNvSpPr txBox="1">
+            <a:spLocks noChangeArrowheads="1"/>
+          </p:cNvSpPr>
+          <p:nvPr/>
+        </p:nvSpPr>
+        <p:spPr bwMode="auto">
+          <a:xfrm>
+            <a:off x="656659" y="675876"/>
+            <a:ext cx="12131221" cy="949325"/>
+          </a:xfrm>
+          <a:prstGeom prst="rect">
+            <a:avLst/>
+          </a:prstGeom>
+          <a:noFill/>
+          <a:ln>
+            <a:noFill/>
+          </a:ln>
+          <a:effectLst/>
+          <a:extLst>
+            <a:ext uri="{909E8E84-426E-40dd-AFC4-6F175D3DCCD1}">
+              <a14:hiddenFill xmlns:a14="http://schemas.microsoft.com/office/drawing/2010/main" xmlns="">
+                <a:solidFill>
+                  <a:schemeClr val="accent1"/>
+                </a:solidFill>
+              </a14:hiddenFill>
+            </a:ext>
+            <a:ext uri="{91240B29-F687-4f45-9708-019B960494DF}">
+              <a14:hiddenLine xmlns:a14="http://schemas.microsoft.com/office/drawing/2010/main" xmlns="" w="9525">
+                <a:solidFill>
+                  <a:schemeClr val="tx1"/>
+                </a:solidFill>
+                <a:miter lim="800000"/>
+                <a:headEnd/>
+                <a:tailEnd/>
+              </a14:hiddenLine>
+            </a:ext>
+            <a:ext uri="{AF507438-7753-43e0-B8FC-AC1667EBCBE1}">
+              <a14:hiddenEffects xmlns:a14="http://schemas.microsoft.com/office/drawing/2010/main" xmlns="">
+                <a:effectLst>
+                  <a:outerShdw dist="35921" dir="2700000" algn="ctr" rotWithShape="0">
+                    <a:schemeClr val="bg2"/>
+                  </a:outerShdw>
+                </a:effectLst>
+              </a14:hiddenEffects>
+            </a:ext>
+          </a:extLst>
+        </p:spPr>
+        <p:txBody>
+          <a:bodyPr vert="horz" wrap="square" lIns="0" tIns="0" rIns="0" bIns="0" numCol="1" anchor="t" anchorCtr="0" compatLnSpc="1">
+            <a:prstTxWarp prst="textNoShape">
+              <a:avLst/>
+            </a:prstTxWarp>
+          </a:bodyPr>
+          <a:lstStyle>
+            <a:lvl1pPr algn="l" defTabSz="1054100" rtl="0" eaLnBrk="1" fontAlgn="base" hangingPunct="1">
+              <a:spcBef>
+                <a:spcPct val="0"/>
+              </a:spcBef>
+              <a:spcAft>
+                <a:spcPct val="0"/>
+              </a:spcAft>
+              <a:defRPr sz="3000" b="1">
+                <a:solidFill>
+                  <a:schemeClr val="tx2"/>
+                </a:solidFill>
+                <a:latin typeface="+mj-lt"/>
+                <a:ea typeface="+mj-ea"/>
+                <a:cs typeface="+mj-cs"/>
+              </a:defRPr>
+            </a:lvl1pPr>
+            <a:lvl2pPr algn="l" defTabSz="1054100" rtl="0" eaLnBrk="1" fontAlgn="base" hangingPunct="1">
+              <a:spcBef>
+                <a:spcPct val="0"/>
+              </a:spcBef>
+              <a:spcAft>
+                <a:spcPct val="0"/>
+              </a:spcAft>
+              <a:defRPr sz="3000" b="1">
+                <a:solidFill>
+                  <a:schemeClr val="tx2"/>
+                </a:solidFill>
+                <a:latin typeface="Arial" charset="0"/>
+              </a:defRPr>
+            </a:lvl2pPr>
+            <a:lvl3pPr algn="l" defTabSz="1054100" rtl="0" eaLnBrk="1" fontAlgn="base" hangingPunct="1">
+              <a:spcBef>
+                <a:spcPct val="0"/>
+              </a:spcBef>
+              <a:spcAft>
+                <a:spcPct val="0"/>
+              </a:spcAft>
+              <a:defRPr sz="3000" b="1">
+                <a:solidFill>
+                  <a:schemeClr val="tx2"/>
+                </a:solidFill>
+                <a:latin typeface="Arial" charset="0"/>
+              </a:defRPr>
+            </a:lvl3pPr>
+            <a:lvl4pPr algn="l" defTabSz="1054100" rtl="0" eaLnBrk="1" fontAlgn="base" hangingPunct="1">
+              <a:spcBef>
+                <a:spcPct val="0"/>
+              </a:spcBef>
+              <a:spcAft>
+                <a:spcPct val="0"/>
+              </a:spcAft>
+              <a:defRPr sz="3000" b="1">
+                <a:solidFill>
+                  <a:schemeClr val="tx2"/>
+                </a:solidFill>
+                <a:latin typeface="Arial" charset="0"/>
+              </a:defRPr>
+            </a:lvl4pPr>
+            <a:lvl5pPr algn="l" defTabSz="1054100" rtl="0" eaLnBrk="1" fontAlgn="base" hangingPunct="1">
+              <a:spcBef>
+                <a:spcPct val="0"/>
+              </a:spcBef>
+              <a:spcAft>
+                <a:spcPct val="0"/>
+              </a:spcAft>
+              <a:defRPr sz="3000" b="1">
+                <a:solidFill>
+                  <a:schemeClr val="tx2"/>
+                </a:solidFill>
+                <a:latin typeface="Arial" charset="0"/>
+              </a:defRPr>
+            </a:lvl5pPr>
+            <a:lvl6pPr marL="457200" algn="l" defTabSz="1054100" rtl="0" eaLnBrk="1" fontAlgn="base" hangingPunct="1">
+              <a:spcBef>
+                <a:spcPct val="0"/>
+              </a:spcBef>
+              <a:spcAft>
+                <a:spcPct val="0"/>
+              </a:spcAft>
+              <a:defRPr sz="3000" b="1">
+                <a:solidFill>
+                  <a:schemeClr val="tx2"/>
+                </a:solidFill>
+                <a:latin typeface="Arial" charset="0"/>
+              </a:defRPr>
+            </a:lvl6pPr>
+            <a:lvl7pPr marL="914400" algn="l" defTabSz="1054100" rtl="0" eaLnBrk="1" fontAlgn="base" hangingPunct="1">
+              <a:spcBef>
+                <a:spcPct val="0"/>
+              </a:spcBef>
+              <a:spcAft>
+                <a:spcPct val="0"/>
+              </a:spcAft>
+              <a:defRPr sz="3000" b="1">
+                <a:solidFill>
+                  <a:schemeClr val="tx2"/>
+                </a:solidFill>
+                <a:latin typeface="Arial" charset="0"/>
+              </a:defRPr>
+            </a:lvl7pPr>
+            <a:lvl8pPr marL="1371600" algn="l" defTabSz="1054100" rtl="0" eaLnBrk="1" fontAlgn="base" hangingPunct="1">
+              <a:spcBef>
+                <a:spcPct val="0"/>
+              </a:spcBef>
+              <a:spcAft>
+                <a:spcPct val="0"/>
+              </a:spcAft>
+              <a:defRPr sz="3000" b="1">
+                <a:solidFill>
+                  <a:schemeClr val="tx2"/>
+                </a:solidFill>
+                <a:latin typeface="Arial" charset="0"/>
+              </a:defRPr>
+            </a:lvl8pPr>
+            <a:lvl9pPr marL="1828800" algn="l" defTabSz="1054100" rtl="0" eaLnBrk="1" fontAlgn="base" hangingPunct="1">
+              <a:spcBef>
+                <a:spcPct val="0"/>
+              </a:spcBef>
+              <a:spcAft>
+                <a:spcPct val="0"/>
+              </a:spcAft>
+              <a:defRPr sz="3000" b="1">
+                <a:solidFill>
+                  <a:schemeClr val="tx2"/>
+                </a:solidFill>
+                <a:latin typeface="Arial" charset="0"/>
+              </a:defRPr>
+            </a:lvl9pPr>
+          </a:lstStyle>
+          <a:p>
+            <a:r>
+              <a:rPr lang="de-DE" kern="0" dirty="0" err="1"/>
+              <a:t>Nonce</a:t>
+            </a:r>
+            <a:endParaRPr lang="en-US" sz="2400" b="0" i="1" kern="0" dirty="0"/>
+          </a:p>
+        </p:txBody>
+      </p:sp>
+      <p:sp>
+        <p:nvSpPr>
+          <p:cNvPr id="12" name="Rectangle 5">
+            <a:extLst>
+              <a:ext uri="{FF2B5EF4-FFF2-40B4-BE49-F238E27FC236}">
+                <a16:creationId xmlns:a16="http://schemas.microsoft.com/office/drawing/2014/main" id="{C115A1B0-EC3F-4DF3-8FA5-C68BD481CC30}"/>
+              </a:ext>
+            </a:extLst>
+          </p:cNvPr>
+          <p:cNvSpPr txBox="1">
+            <a:spLocks noChangeArrowheads="1"/>
+          </p:cNvSpPr>
+          <p:nvPr/>
+        </p:nvSpPr>
+        <p:spPr bwMode="auto">
+          <a:xfrm>
+            <a:off x="666409" y="6553258"/>
+            <a:ext cx="10592363" cy="416746"/>
+          </a:xfrm>
+          <a:prstGeom prst="rect">
+            <a:avLst/>
+          </a:prstGeom>
+          <a:noFill/>
+          <a:ln>
+            <a:noFill/>
+          </a:ln>
+          <a:effectLst/>
+          <a:extLst>
+            <a:ext uri="{909E8E84-426E-40dd-AFC4-6F175D3DCCD1}">
+              <a14:hiddenFill xmlns:a14="http://schemas.microsoft.com/office/drawing/2010/main" xmlns="">
+                <a:solidFill>
+                  <a:schemeClr val="accent1"/>
+                </a:solidFill>
+              </a14:hiddenFill>
+            </a:ext>
+            <a:ext uri="{91240B29-F687-4f45-9708-019B960494DF}">
+              <a14:hiddenLine xmlns:a14="http://schemas.microsoft.com/office/drawing/2010/main" xmlns="" w="9525">
+                <a:solidFill>
+                  <a:schemeClr val="tx1"/>
+                </a:solidFill>
+                <a:miter lim="800000"/>
+                <a:headEnd/>
+                <a:tailEnd/>
+              </a14:hiddenLine>
+            </a:ext>
+            <a:ext uri="{AF507438-7753-43e0-B8FC-AC1667EBCBE1}">
+              <a14:hiddenEffects xmlns:a14="http://schemas.microsoft.com/office/drawing/2010/main" xmlns="">
+                <a:effectLst>
+                  <a:outerShdw dist="35921" dir="2700000" algn="ctr" rotWithShape="0">
+                    <a:schemeClr val="bg2"/>
+                  </a:outerShdw>
+                </a:effectLst>
+              </a14:hiddenEffects>
+            </a:ext>
+          </a:extLst>
+        </p:spPr>
+        <p:txBody>
+          <a:bodyPr vert="horz" wrap="square" lIns="0" tIns="0" rIns="0" bIns="0" numCol="1" anchor="t" anchorCtr="0" compatLnSpc="1">
+            <a:prstTxWarp prst="textNoShape">
+              <a:avLst/>
+            </a:prstTxWarp>
+          </a:bodyPr>
+          <a:lstStyle>
+            <a:lvl1pPr algn="l" defTabSz="1054100" rtl="0" eaLnBrk="1" fontAlgn="base" hangingPunct="1">
+              <a:lnSpc>
+                <a:spcPct val="110000"/>
+              </a:lnSpc>
+              <a:spcBef>
+                <a:spcPct val="0"/>
+              </a:spcBef>
+              <a:spcAft>
+                <a:spcPct val="40000"/>
+              </a:spcAft>
+              <a:defRPr lang="de-DE" sz="1700" dirty="0" smtClean="0">
+                <a:solidFill>
+                  <a:schemeClr val="tx1"/>
+                </a:solidFill>
+                <a:latin typeface="+mn-lt"/>
+                <a:ea typeface="+mn-ea"/>
+                <a:cs typeface="+mn-cs"/>
+              </a:defRPr>
+            </a:lvl1pPr>
+            <a:lvl2pPr marL="269875" indent="-268288" algn="l" defTabSz="1054100" rtl="0" eaLnBrk="1" fontAlgn="base" hangingPunct="1">
+              <a:lnSpc>
+                <a:spcPct val="110000"/>
+              </a:lnSpc>
+              <a:spcBef>
+                <a:spcPct val="0"/>
+              </a:spcBef>
+              <a:spcAft>
+                <a:spcPct val="40000"/>
+              </a:spcAft>
+              <a:buChar char="•"/>
+              <a:defRPr lang="de-DE" sz="1700" dirty="0" smtClean="0">
+                <a:solidFill>
+                  <a:schemeClr val="tx1"/>
+                </a:solidFill>
+                <a:latin typeface="+mn-lt"/>
+                <a:ea typeface="+mn-ea"/>
+                <a:cs typeface="+mn-cs"/>
+              </a:defRPr>
+            </a:lvl2pPr>
+            <a:lvl3pPr marL="627063" indent="-177800" algn="l" defTabSz="1054100" rtl="0" eaLnBrk="1" fontAlgn="base" hangingPunct="1">
+              <a:lnSpc>
+                <a:spcPct val="110000"/>
+              </a:lnSpc>
+              <a:spcBef>
+                <a:spcPct val="0"/>
+              </a:spcBef>
+              <a:spcAft>
+                <a:spcPct val="40000"/>
+              </a:spcAft>
+              <a:buFont typeface="Arial" charset="0"/>
+              <a:buChar char="-"/>
+              <a:defRPr lang="de-DE" sz="1700" dirty="0" smtClean="0">
+                <a:solidFill>
+                  <a:schemeClr val="tx1"/>
+                </a:solidFill>
+                <a:latin typeface="+mn-lt"/>
+                <a:ea typeface="+mn-ea"/>
+                <a:cs typeface="+mn-cs"/>
+              </a:defRPr>
+            </a:lvl3pPr>
+            <a:lvl4pPr marL="1074738" indent="-174625" algn="l" defTabSz="1054100" rtl="0" eaLnBrk="1" fontAlgn="base" hangingPunct="1">
+              <a:lnSpc>
+                <a:spcPct val="110000"/>
+              </a:lnSpc>
+              <a:spcBef>
+                <a:spcPct val="0"/>
+              </a:spcBef>
+              <a:spcAft>
+                <a:spcPct val="40000"/>
+              </a:spcAft>
+              <a:buFont typeface="Arial" charset="0"/>
+              <a:buChar char="-"/>
+              <a:defRPr lang="de-DE" sz="1700" i="1" dirty="0" smtClean="0">
+                <a:solidFill>
+                  <a:schemeClr val="tx1"/>
+                </a:solidFill>
+                <a:latin typeface="+mn-lt"/>
+                <a:ea typeface="+mn-ea"/>
+                <a:cs typeface="+mn-cs"/>
+              </a:defRPr>
+            </a:lvl4pPr>
+            <a:lvl5pPr marL="1616075" indent="-176213" algn="l" defTabSz="1054100" rtl="0" eaLnBrk="1" fontAlgn="base" hangingPunct="1">
+              <a:lnSpc>
+                <a:spcPct val="110000"/>
+              </a:lnSpc>
+              <a:spcBef>
+                <a:spcPct val="0"/>
+              </a:spcBef>
+              <a:spcAft>
+                <a:spcPct val="40000"/>
+              </a:spcAft>
+              <a:buFont typeface="Arial" charset="0"/>
+              <a:buChar char="-"/>
+              <a:defRPr lang="en-US" sz="1700" dirty="0">
+                <a:solidFill>
+                  <a:schemeClr val="tx1"/>
+                </a:solidFill>
+                <a:latin typeface="+mn-lt"/>
+                <a:ea typeface="+mn-ea"/>
+                <a:cs typeface="+mn-cs"/>
+              </a:defRPr>
+            </a:lvl5pPr>
+            <a:lvl6pPr marL="2073275" indent="-176213" algn="l" defTabSz="1054100" rtl="0" eaLnBrk="1" fontAlgn="base" hangingPunct="1">
+              <a:lnSpc>
+                <a:spcPct val="110000"/>
+              </a:lnSpc>
+              <a:spcBef>
+                <a:spcPct val="0"/>
+              </a:spcBef>
+              <a:spcAft>
+                <a:spcPct val="40000"/>
+              </a:spcAft>
+              <a:buFont typeface="Arial" charset="0"/>
+              <a:buChar char="-"/>
+              <a:defRPr sz="1800">
+                <a:solidFill>
+                  <a:schemeClr val="tx1"/>
+                </a:solidFill>
+                <a:latin typeface="+mn-lt"/>
+              </a:defRPr>
+            </a:lvl6pPr>
+            <a:lvl7pPr marL="2530475" indent="-176213" algn="l" defTabSz="1054100" rtl="0" eaLnBrk="1" fontAlgn="base" hangingPunct="1">
+              <a:lnSpc>
+                <a:spcPct val="110000"/>
+              </a:lnSpc>
+              <a:spcBef>
+                <a:spcPct val="0"/>
+              </a:spcBef>
+              <a:spcAft>
+                <a:spcPct val="40000"/>
+              </a:spcAft>
+              <a:buFont typeface="Arial" charset="0"/>
+              <a:buChar char="-"/>
+              <a:defRPr sz="1800">
+                <a:solidFill>
+                  <a:schemeClr val="tx1"/>
+                </a:solidFill>
+                <a:latin typeface="+mn-lt"/>
+              </a:defRPr>
+            </a:lvl7pPr>
+            <a:lvl8pPr marL="2987675" indent="-176213" algn="l" defTabSz="1054100" rtl="0" eaLnBrk="1" fontAlgn="base" hangingPunct="1">
+              <a:lnSpc>
+                <a:spcPct val="110000"/>
+              </a:lnSpc>
+              <a:spcBef>
+                <a:spcPct val="0"/>
+              </a:spcBef>
+              <a:spcAft>
+                <a:spcPct val="40000"/>
+              </a:spcAft>
+              <a:buFont typeface="Arial" charset="0"/>
+              <a:buChar char="-"/>
+              <a:defRPr sz="1800">
+                <a:solidFill>
+                  <a:schemeClr val="tx1"/>
+                </a:solidFill>
+                <a:latin typeface="+mn-lt"/>
+              </a:defRPr>
+            </a:lvl8pPr>
+            <a:lvl9pPr marL="3444875" indent="-176213" algn="l" defTabSz="1054100" rtl="0" eaLnBrk="1" fontAlgn="base" hangingPunct="1">
+              <a:lnSpc>
+                <a:spcPct val="110000"/>
+              </a:lnSpc>
+              <a:spcBef>
+                <a:spcPct val="0"/>
+              </a:spcBef>
+              <a:spcAft>
+                <a:spcPct val="40000"/>
+              </a:spcAft>
+              <a:buFont typeface="Arial" charset="0"/>
+              <a:buChar char="-"/>
+              <a:defRPr sz="1800">
+                <a:solidFill>
+                  <a:schemeClr val="tx1"/>
+                </a:solidFill>
+                <a:latin typeface="+mn-lt"/>
+              </a:defRPr>
+            </a:lvl9pPr>
+          </a:lstStyle>
+          <a:p>
+            <a:r>
+              <a:rPr lang="en-US" sz="1100" kern="0" baseline="30000" dirty="0">
+                <a:latin typeface="+mj-lt"/>
+              </a:rPr>
+              <a:t>[1]</a:t>
+            </a:r>
+            <a:r>
+              <a:rPr lang="en-US" sz="1100" kern="0" dirty="0">
+                <a:latin typeface="+mj-lt"/>
+              </a:rPr>
+              <a:t>Quelle: Wikipedia, Cryptographic nonce</a:t>
+            </a:r>
+            <a:br>
+              <a:rPr lang="en-US" sz="1100" kern="0" dirty="0">
+                <a:latin typeface="+mj-lt"/>
+              </a:rPr>
+            </a:br>
+            <a:r>
+              <a:rPr lang="en-US" sz="1100" kern="0" dirty="0">
+                <a:latin typeface="+mj-lt"/>
+                <a:hlinkClick r:id="rId2"/>
+              </a:rPr>
+              <a:t>https://en.wikipedia.org/wiki/Cryptographic_nonce</a:t>
+            </a:r>
+            <a:r>
+              <a:rPr lang="en-US" sz="1100" kern="0" dirty="0">
+                <a:latin typeface="+mj-lt"/>
+              </a:rPr>
+              <a:t>  </a:t>
+            </a:r>
+          </a:p>
+        </p:txBody>
+      </p:sp>
+      <p:sp>
+        <p:nvSpPr>
+          <p:cNvPr id="19" name="Textfeld 18">
+            <a:extLst>
+              <a:ext uri="{FF2B5EF4-FFF2-40B4-BE49-F238E27FC236}">
+                <a16:creationId xmlns:a16="http://schemas.microsoft.com/office/drawing/2014/main" id="{FBE7BB4C-1E9D-4389-8C35-24518D5622B7}"/>
+              </a:ext>
+            </a:extLst>
+          </p:cNvPr>
+          <p:cNvSpPr txBox="1"/>
+          <p:nvPr/>
+        </p:nvSpPr>
+        <p:spPr>
+          <a:xfrm>
+            <a:off x="4778053" y="4061946"/>
+            <a:ext cx="1051891" cy="307777"/>
+          </a:xfrm>
+          <a:prstGeom prst="rect">
+            <a:avLst/>
+          </a:prstGeom>
+          <a:noFill/>
+        </p:spPr>
+        <p:txBody>
+          <a:bodyPr wrap="none" rtlCol="0">
+            <a:spAutoFit/>
+          </a:bodyPr>
+          <a:lstStyle/>
+          <a:p>
+            <a:r>
+              <a:rPr lang="de-DE" i="1" dirty="0">
+                <a:solidFill>
+                  <a:schemeClr val="tx1"/>
+                </a:solidFill>
+              </a:rPr>
+              <a:t>Blockchain</a:t>
+            </a:r>
+          </a:p>
+        </p:txBody>
+      </p:sp>
+      <p:sp>
+        <p:nvSpPr>
+          <p:cNvPr id="20" name="Textfeld 19">
+            <a:extLst>
+              <a:ext uri="{FF2B5EF4-FFF2-40B4-BE49-F238E27FC236}">
+                <a16:creationId xmlns:a16="http://schemas.microsoft.com/office/drawing/2014/main" id="{433DD51D-B805-4B56-9763-90ACDECC5A4C}"/>
+              </a:ext>
+            </a:extLst>
+          </p:cNvPr>
+          <p:cNvSpPr txBox="1"/>
+          <p:nvPr/>
+        </p:nvSpPr>
+        <p:spPr>
+          <a:xfrm>
+            <a:off x="4919304" y="4762705"/>
+            <a:ext cx="2430345" cy="584775"/>
+          </a:xfrm>
+          <a:prstGeom prst="rect">
+            <a:avLst/>
+          </a:prstGeom>
+          <a:noFill/>
+        </p:spPr>
+        <p:txBody>
+          <a:bodyPr wrap="none" rtlCol="0">
+            <a:spAutoFit/>
+          </a:bodyPr>
+          <a:lstStyle/>
+          <a:p>
+            <a:r>
+              <a:rPr lang="de-DE" sz="1600" dirty="0">
+                <a:solidFill>
+                  <a:schemeClr val="tx1"/>
+                </a:solidFill>
+              </a:rPr>
+              <a:t>Bob sendet Alice 4 Ether</a:t>
+            </a:r>
+          </a:p>
+          <a:p>
+            <a:r>
+              <a:rPr lang="de-DE" sz="1600" i="1" dirty="0" err="1">
+                <a:solidFill>
+                  <a:schemeClr val="tx1"/>
+                </a:solidFill>
+              </a:rPr>
+              <a:t>Nonce</a:t>
+            </a:r>
+            <a:r>
+              <a:rPr lang="de-DE" sz="1600" i="1" dirty="0">
+                <a:solidFill>
+                  <a:schemeClr val="tx1"/>
+                </a:solidFill>
+              </a:rPr>
+              <a:t>: 4</a:t>
+            </a:r>
+          </a:p>
+        </p:txBody>
+      </p:sp>
+      <p:sp>
+        <p:nvSpPr>
+          <p:cNvPr id="21" name="Rechteck 20">
+            <a:extLst>
+              <a:ext uri="{FF2B5EF4-FFF2-40B4-BE49-F238E27FC236}">
+                <a16:creationId xmlns:a16="http://schemas.microsoft.com/office/drawing/2014/main" id="{B98F5991-EB26-4383-A13C-266A702849A3}"/>
+              </a:ext>
+            </a:extLst>
+          </p:cNvPr>
+          <p:cNvSpPr/>
+          <p:nvPr/>
+        </p:nvSpPr>
+        <p:spPr bwMode="auto">
+          <a:xfrm>
+            <a:off x="4919304" y="4728681"/>
+            <a:ext cx="2430345" cy="634817"/>
+          </a:xfrm>
+          <a:prstGeom prst="rect">
+            <a:avLst/>
+          </a:prstGeom>
+          <a:noFill/>
+          <a:ln w="38100" cap="rnd" cmpd="sng" algn="ctr">
+            <a:solidFill>
+              <a:srgbClr val="96BE00"/>
+            </a:solidFill>
+            <a:prstDash val="solid"/>
+            <a:round/>
+            <a:headEnd type="none" w="med" len="med"/>
+            <a:tailEnd type="none" w="med" len="med"/>
+          </a:ln>
+          <a:effectLst/>
+          <a:extLst>
+            <a:ext uri="{AF507438-7753-43e0-B8FC-AC1667EBCBE1}">
+              <a14:hiddenEffects xmlns="" xmlns:a14="http://schemas.microsoft.com/office/drawing/2010/main">
+                <a:effectLst>
+                  <a:outerShdw dist="35921" dir="2700000" algn="ctr" rotWithShape="0">
+                    <a:schemeClr val="bg2"/>
+                  </a:outerShdw>
+                </a:effectLst>
+              </a14:hiddenEffects>
+            </a:ext>
+          </a:extLst>
+        </p:spPr>
+        <p:txBody>
+          <a:bodyPr vert="horz" wrap="none" lIns="182880" tIns="137160" rIns="182880" bIns="137160" numCol="1" rtlCol="0" anchor="ctr" anchorCtr="0" compatLnSpc="1">
+            <a:prstTxWarp prst="textNoShape">
+              <a:avLst/>
+            </a:prstTxWarp>
+          </a:bodyPr>
+          <a:lstStyle/>
+          <a:p>
+            <a:pPr marL="0" marR="0" indent="0" algn="ctr" defTabSz="914400" rtl="0" eaLnBrk="1" fontAlgn="base" latinLnBrk="0" hangingPunct="1">
+              <a:lnSpc>
+                <a:spcPct val="100000"/>
+              </a:lnSpc>
+              <a:spcBef>
+                <a:spcPct val="0"/>
+              </a:spcBef>
+              <a:spcAft>
+                <a:spcPct val="0"/>
+              </a:spcAft>
+              <a:buClrTx/>
+              <a:buSzTx/>
+              <a:buFontTx/>
+              <a:buNone/>
+              <a:tabLst/>
+            </a:pPr>
+            <a:endParaRPr kumimoji="0" lang="de-DE" sz="1600" b="0" i="0" u="none" strike="noStrike" cap="none" normalizeH="0" baseline="0">
+              <a:ln>
+                <a:noFill/>
+              </a:ln>
+              <a:solidFill>
+                <a:schemeClr val="bg1"/>
+              </a:solidFill>
+              <a:effectLst/>
+              <a:latin typeface="Arial" charset="0"/>
+            </a:endParaRPr>
+          </a:p>
+        </p:txBody>
+      </p:sp>
+      <p:sp>
+        <p:nvSpPr>
+          <p:cNvPr id="23" name="Textfeld 22">
+            <a:extLst>
+              <a:ext uri="{FF2B5EF4-FFF2-40B4-BE49-F238E27FC236}">
+                <a16:creationId xmlns:a16="http://schemas.microsoft.com/office/drawing/2014/main" id="{AFBC8A08-88C3-40DD-AE32-339773C175D7}"/>
+              </a:ext>
+            </a:extLst>
+          </p:cNvPr>
+          <p:cNvSpPr txBox="1"/>
+          <p:nvPr/>
+        </p:nvSpPr>
+        <p:spPr>
+          <a:xfrm>
+            <a:off x="5915277" y="4305907"/>
+            <a:ext cx="389851" cy="338554"/>
+          </a:xfrm>
+          <a:prstGeom prst="rect">
+            <a:avLst/>
+          </a:prstGeom>
+          <a:noFill/>
+        </p:spPr>
+        <p:txBody>
+          <a:bodyPr wrap="none" rtlCol="0">
+            <a:spAutoFit/>
+          </a:bodyPr>
+          <a:lstStyle/>
+          <a:p>
+            <a:r>
+              <a:rPr lang="de-DE" sz="1600" dirty="0">
+                <a:solidFill>
+                  <a:schemeClr val="tx1"/>
+                </a:solidFill>
+              </a:rPr>
+              <a:t>…</a:t>
+            </a:r>
+          </a:p>
+        </p:txBody>
+      </p:sp>
+      <p:sp>
+        <p:nvSpPr>
+          <p:cNvPr id="25" name="Textfeld 24">
+            <a:extLst>
+              <a:ext uri="{FF2B5EF4-FFF2-40B4-BE49-F238E27FC236}">
+                <a16:creationId xmlns:a16="http://schemas.microsoft.com/office/drawing/2014/main" id="{B5823F47-983E-4399-B73E-548C4E928602}"/>
+              </a:ext>
+            </a:extLst>
+          </p:cNvPr>
+          <p:cNvSpPr txBox="1"/>
+          <p:nvPr/>
+        </p:nvSpPr>
+        <p:spPr>
+          <a:xfrm>
+            <a:off x="5939550" y="5327582"/>
+            <a:ext cx="389851" cy="338554"/>
+          </a:xfrm>
+          <a:prstGeom prst="rect">
+            <a:avLst/>
+          </a:prstGeom>
+          <a:noFill/>
+        </p:spPr>
+        <p:txBody>
+          <a:bodyPr wrap="none" rtlCol="0">
+            <a:spAutoFit/>
+          </a:bodyPr>
+          <a:lstStyle/>
+          <a:p>
+            <a:r>
+              <a:rPr lang="de-DE" sz="1600" dirty="0">
+                <a:solidFill>
+                  <a:schemeClr val="tx1"/>
+                </a:solidFill>
+              </a:rPr>
+              <a:t>…</a:t>
+            </a:r>
+          </a:p>
+        </p:txBody>
+      </p:sp>
+      <p:grpSp>
+        <p:nvGrpSpPr>
+          <p:cNvPr id="35" name="Gruppieren 34">
+            <a:extLst>
+              <a:ext uri="{FF2B5EF4-FFF2-40B4-BE49-F238E27FC236}">
+                <a16:creationId xmlns:a16="http://schemas.microsoft.com/office/drawing/2014/main" id="{4D65B416-9FC3-493B-9A76-768B7685D288}"/>
+              </a:ext>
+            </a:extLst>
+          </p:cNvPr>
+          <p:cNvGrpSpPr/>
+          <p:nvPr/>
+        </p:nvGrpSpPr>
+        <p:grpSpPr>
+          <a:xfrm>
+            <a:off x="817613" y="4440325"/>
+            <a:ext cx="2430345" cy="930232"/>
+            <a:chOff x="817613" y="4440325"/>
+            <a:chExt cx="2430345" cy="930232"/>
+          </a:xfrm>
+        </p:grpSpPr>
+        <p:sp>
+          <p:nvSpPr>
+            <p:cNvPr id="2" name="Textfeld 1">
+              <a:extLst>
+                <a:ext uri="{FF2B5EF4-FFF2-40B4-BE49-F238E27FC236}">
+                  <a16:creationId xmlns:a16="http://schemas.microsoft.com/office/drawing/2014/main" id="{F1F81E0F-10DA-4F2D-9CE7-560D1ED747D8}"/>
+                </a:ext>
+              </a:extLst>
+            </p:cNvPr>
+            <p:cNvSpPr txBox="1"/>
+            <p:nvPr/>
+          </p:nvSpPr>
+          <p:spPr>
+            <a:xfrm>
+              <a:off x="817613" y="4748102"/>
+              <a:ext cx="2430345" cy="584775"/>
+            </a:xfrm>
+            <a:prstGeom prst="rect">
+              <a:avLst/>
+            </a:prstGeom>
+            <a:noFill/>
+          </p:spPr>
+          <p:txBody>
+            <a:bodyPr wrap="none" rtlCol="0">
+              <a:spAutoFit/>
+            </a:bodyPr>
+            <a:lstStyle/>
+            <a:p>
+              <a:r>
+                <a:rPr lang="de-DE" sz="1600" dirty="0">
+                  <a:solidFill>
+                    <a:schemeClr val="tx1"/>
+                  </a:solidFill>
+                </a:rPr>
+                <a:t>Bob sendet Alice 4 Ether</a:t>
+              </a:r>
+            </a:p>
+            <a:p>
+              <a:r>
+                <a:rPr lang="de-DE" sz="1600" i="1" dirty="0" err="1">
+                  <a:solidFill>
+                    <a:schemeClr val="tx1"/>
+                  </a:solidFill>
+                </a:rPr>
+                <a:t>Nonce</a:t>
+              </a:r>
+              <a:r>
+                <a:rPr lang="de-DE" sz="1600" i="1" dirty="0">
+                  <a:solidFill>
+                    <a:schemeClr val="tx1"/>
+                  </a:solidFill>
+                </a:rPr>
+                <a:t>: 4</a:t>
+              </a:r>
+            </a:p>
+          </p:txBody>
+        </p:sp>
+        <p:sp>
+          <p:nvSpPr>
+            <p:cNvPr id="15" name="Textfeld 14">
+              <a:extLst>
+                <a:ext uri="{FF2B5EF4-FFF2-40B4-BE49-F238E27FC236}">
+                  <a16:creationId xmlns:a16="http://schemas.microsoft.com/office/drawing/2014/main" id="{A1967126-363F-4774-AD41-F129F8AE3520}"/>
+                </a:ext>
+              </a:extLst>
+            </p:cNvPr>
+            <p:cNvSpPr txBox="1"/>
+            <p:nvPr/>
+          </p:nvSpPr>
+          <p:spPr>
+            <a:xfrm>
+              <a:off x="817613" y="4440325"/>
+              <a:ext cx="1492460" cy="307777"/>
+            </a:xfrm>
+            <a:prstGeom prst="rect">
+              <a:avLst/>
+            </a:prstGeom>
+            <a:noFill/>
+          </p:spPr>
+          <p:txBody>
+            <a:bodyPr wrap="none" rtlCol="0">
+              <a:spAutoFit/>
+            </a:bodyPr>
+            <a:lstStyle/>
+            <a:p>
+              <a:r>
+                <a:rPr lang="de-DE" i="1" dirty="0">
+                  <a:solidFill>
+                    <a:schemeClr val="tx1"/>
+                  </a:solidFill>
+                </a:rPr>
+                <a:t>Von Bob signiert</a:t>
+              </a:r>
+            </a:p>
+          </p:txBody>
+        </p:sp>
+        <p:sp>
+          <p:nvSpPr>
+            <p:cNvPr id="3" name="Rechteck 2">
+              <a:extLst>
+                <a:ext uri="{FF2B5EF4-FFF2-40B4-BE49-F238E27FC236}">
+                  <a16:creationId xmlns:a16="http://schemas.microsoft.com/office/drawing/2014/main" id="{6FA04479-4A22-4C14-BCF0-08EA4A53BACD}"/>
+                </a:ext>
+              </a:extLst>
+            </p:cNvPr>
+            <p:cNvSpPr/>
+            <p:nvPr/>
+          </p:nvSpPr>
+          <p:spPr bwMode="auto">
+            <a:xfrm>
+              <a:off x="817613" y="4714079"/>
+              <a:ext cx="2430345" cy="656478"/>
+            </a:xfrm>
+            <a:prstGeom prst="rect">
+              <a:avLst/>
+            </a:prstGeom>
+            <a:noFill/>
+            <a:ln w="38100" cap="rnd" cmpd="sng" algn="ctr">
+              <a:solidFill>
+                <a:srgbClr val="96BE00"/>
+              </a:solidFill>
+              <a:prstDash val="solid"/>
+              <a:round/>
+              <a:headEnd type="none" w="med" len="med"/>
+              <a:tailEnd type="none" w="med" len="med"/>
+            </a:ln>
+            <a:effectLst/>
+            <a:extLst>
+              <a:ext uri="{AF507438-7753-43e0-B8FC-AC1667EBCBE1}">
+                <a14:hiddenEffects xmlns="" xmlns:a14="http://schemas.microsoft.com/office/drawing/2010/main">
+                  <a:effectLst>
+                    <a:outerShdw dist="35921" dir="2700000" algn="ctr" rotWithShape="0">
+                      <a:schemeClr val="bg2"/>
+                    </a:outerShdw>
+                  </a:effectLst>
+                </a14:hiddenEffects>
+              </a:ext>
+            </a:extLst>
+          </p:spPr>
+          <p:txBody>
+            <a:bodyPr vert="horz" wrap="none" lIns="182880" tIns="137160" rIns="182880" bIns="137160" numCol="1" rtlCol="0" anchor="ctr" anchorCtr="0" compatLnSpc="1">
+              <a:prstTxWarp prst="textNoShape">
+                <a:avLst/>
+              </a:prstTxWarp>
+            </a:bodyPr>
+            <a:lstStyle/>
+            <a:p>
+              <a:pPr marL="0" marR="0" indent="0" algn="ctr" defTabSz="914400" rtl="0" eaLnBrk="1" fontAlgn="base" latinLnBrk="0" hangingPunct="1">
+                <a:lnSpc>
+                  <a:spcPct val="100000"/>
+                </a:lnSpc>
+                <a:spcBef>
+                  <a:spcPct val="0"/>
+                </a:spcBef>
+                <a:spcAft>
+                  <a:spcPct val="0"/>
+                </a:spcAft>
+                <a:buClrTx/>
+                <a:buSzTx/>
+                <a:buFontTx/>
+                <a:buNone/>
+                <a:tabLst/>
+              </a:pPr>
+              <a:endParaRPr kumimoji="0" lang="de-DE" sz="1600" b="0" i="0" u="none" strike="noStrike" cap="none" normalizeH="0" baseline="0">
+                <a:ln>
+                  <a:noFill/>
+                </a:ln>
+                <a:solidFill>
+                  <a:schemeClr val="bg1"/>
+                </a:solidFill>
+                <a:effectLst/>
+                <a:latin typeface="Arial" charset="0"/>
+              </a:endParaRPr>
+            </a:p>
+          </p:txBody>
+        </p:sp>
+      </p:grpSp>
+      <p:sp>
+        <p:nvSpPr>
+          <p:cNvPr id="18" name="Rechteck 17">
+            <a:extLst>
+              <a:ext uri="{FF2B5EF4-FFF2-40B4-BE49-F238E27FC236}">
+                <a16:creationId xmlns:a16="http://schemas.microsoft.com/office/drawing/2014/main" id="{2F2E4126-A249-4974-9B78-BF044AF7C635}"/>
+              </a:ext>
+            </a:extLst>
+          </p:cNvPr>
+          <p:cNvSpPr/>
+          <p:nvPr/>
+        </p:nvSpPr>
+        <p:spPr bwMode="auto">
+          <a:xfrm>
+            <a:off x="4778055" y="4344381"/>
+            <a:ext cx="2736301" cy="1382633"/>
+          </a:xfrm>
+          <a:prstGeom prst="rect">
+            <a:avLst/>
+          </a:prstGeom>
+          <a:noFill/>
+          <a:ln w="38100" cap="rnd" cmpd="sng" algn="ctr">
+            <a:solidFill>
+              <a:srgbClr val="1EBEEB"/>
+            </a:solidFill>
+            <a:prstDash val="solid"/>
+            <a:round/>
+            <a:headEnd type="none" w="med" len="med"/>
+            <a:tailEnd type="none" w="med" len="med"/>
+          </a:ln>
+          <a:effectLst/>
+          <a:extLst>
+            <a:ext uri="{AF507438-7753-43e0-B8FC-AC1667EBCBE1}">
+              <a14:hiddenEffects xmlns="" xmlns:a14="http://schemas.microsoft.com/office/drawing/2010/main">
+                <a:effectLst>
+                  <a:outerShdw dist="35921" dir="2700000" algn="ctr" rotWithShape="0">
+                    <a:schemeClr val="bg2"/>
+                  </a:outerShdw>
+                </a:effectLst>
+              </a14:hiddenEffects>
+            </a:ext>
+          </a:extLst>
+        </p:spPr>
+        <p:txBody>
+          <a:bodyPr vert="horz" wrap="none" lIns="182880" tIns="137160" rIns="182880" bIns="137160" numCol="1" rtlCol="0" anchor="ctr" anchorCtr="0" compatLnSpc="1">
+            <a:prstTxWarp prst="textNoShape">
+              <a:avLst/>
+            </a:prstTxWarp>
+          </a:bodyPr>
+          <a:lstStyle/>
+          <a:p>
+            <a:pPr marL="0" marR="0" indent="0" algn="ctr" defTabSz="914400" rtl="0" eaLnBrk="1" fontAlgn="base" latinLnBrk="0" hangingPunct="1">
+              <a:lnSpc>
+                <a:spcPct val="100000"/>
+              </a:lnSpc>
+              <a:spcBef>
+                <a:spcPct val="0"/>
+              </a:spcBef>
+              <a:spcAft>
+                <a:spcPct val="0"/>
+              </a:spcAft>
+              <a:buClrTx/>
+              <a:buSzTx/>
+              <a:buFontTx/>
+              <a:buNone/>
+              <a:tabLst/>
+            </a:pPr>
+            <a:endParaRPr kumimoji="0" lang="de-DE" sz="1600" b="0" i="0" u="none" strike="noStrike" cap="none" normalizeH="0" baseline="0">
+              <a:ln>
+                <a:noFill/>
+              </a:ln>
+              <a:solidFill>
+                <a:schemeClr val="bg1"/>
+              </a:solidFill>
+              <a:effectLst/>
+              <a:latin typeface="Arial" charset="0"/>
+            </a:endParaRPr>
+          </a:p>
+        </p:txBody>
+      </p:sp>
+      <p:sp>
+        <p:nvSpPr>
+          <p:cNvPr id="34" name="Textfeld 33">
+            <a:extLst>
+              <a:ext uri="{FF2B5EF4-FFF2-40B4-BE49-F238E27FC236}">
+                <a16:creationId xmlns:a16="http://schemas.microsoft.com/office/drawing/2014/main" id="{AD94AD9F-C0B9-42B1-98F4-668E6A2764F5}"/>
+              </a:ext>
+            </a:extLst>
+          </p:cNvPr>
+          <p:cNvSpPr txBox="1"/>
+          <p:nvPr/>
+        </p:nvSpPr>
+        <p:spPr>
+          <a:xfrm>
+            <a:off x="10892325" y="4857857"/>
+            <a:ext cx="732894" cy="338554"/>
+          </a:xfrm>
+          <a:prstGeom prst="rect">
+            <a:avLst/>
+          </a:prstGeom>
+          <a:noFill/>
+        </p:spPr>
+        <p:txBody>
+          <a:bodyPr wrap="none" rtlCol="0">
+            <a:spAutoFit/>
+          </a:bodyPr>
+          <a:lstStyle/>
+          <a:p>
+            <a:r>
+              <a:rPr lang="de-DE" sz="1600" dirty="0">
+                <a:solidFill>
+                  <a:schemeClr val="tx1"/>
+                </a:solidFill>
+              </a:rPr>
+              <a:t>Oskar</a:t>
+            </a:r>
+            <a:endParaRPr lang="de-DE" sz="1600" i="1" dirty="0">
+              <a:solidFill>
+                <a:schemeClr val="tx1"/>
+              </a:solidFill>
+            </a:endParaRPr>
+          </a:p>
+        </p:txBody>
+      </p:sp>
+      <p:pic>
+        <p:nvPicPr>
+          <p:cNvPr id="41" name="Grafik 40">
+            <a:extLst>
+              <a:ext uri="{FF2B5EF4-FFF2-40B4-BE49-F238E27FC236}">
+                <a16:creationId xmlns:a16="http://schemas.microsoft.com/office/drawing/2014/main" id="{F29128A4-CAFB-4525-97D6-3930B93F8DEE}"/>
+              </a:ext>
+            </a:extLst>
+          </p:cNvPr>
+          <p:cNvPicPr>
+            <a:picLocks noChangeAspect="1"/>
+          </p:cNvPicPr>
+          <p:nvPr/>
+        </p:nvPicPr>
+        <p:blipFill>
+          <a:blip r:embed="rId3" cstate="print">
+            <a:extLst>
+              <a:ext uri="{28A0092B-C50C-407E-A947-70E740481C1C}">
+                <a14:useLocalDpi xmlns:a14="http://schemas.microsoft.com/office/drawing/2010/main" val="0"/>
+              </a:ext>
+            </a:extLst>
+          </a:blip>
+          <a:stretch>
+            <a:fillRect/>
+          </a:stretch>
+        </p:blipFill>
+        <p:spPr>
+          <a:xfrm>
+            <a:off x="8675851" y="4043366"/>
+            <a:ext cx="1615599" cy="636690"/>
+          </a:xfrm>
+          <a:prstGeom prst="rect">
+            <a:avLst/>
+          </a:prstGeom>
+        </p:spPr>
+      </p:pic>
+      <p:pic>
+        <p:nvPicPr>
+          <p:cNvPr id="42" name="Grafik 41">
+            <a:extLst>
+              <a:ext uri="{FF2B5EF4-FFF2-40B4-BE49-F238E27FC236}">
+                <a16:creationId xmlns:a16="http://schemas.microsoft.com/office/drawing/2014/main" id="{063362D7-2CB8-4E2E-81AE-EFE5C26D2712}"/>
+              </a:ext>
+            </a:extLst>
+          </p:cNvPr>
+          <p:cNvPicPr>
+            <a:picLocks noChangeAspect="1"/>
+          </p:cNvPicPr>
+          <p:nvPr/>
+        </p:nvPicPr>
+        <p:blipFill>
+          <a:blip r:embed="rId3" cstate="print">
+            <a:extLst>
+              <a:ext uri="{28A0092B-C50C-407E-A947-70E740481C1C}">
+                <a14:useLocalDpi xmlns:a14="http://schemas.microsoft.com/office/drawing/2010/main" val="0"/>
+              </a:ext>
+            </a:extLst>
+          </a:blip>
+          <a:stretch>
+            <a:fillRect/>
+          </a:stretch>
+        </p:blipFill>
+        <p:spPr>
+          <a:xfrm>
+            <a:off x="8674852" y="4714079"/>
+            <a:ext cx="1615599" cy="636690"/>
+          </a:xfrm>
+          <a:prstGeom prst="rect">
+            <a:avLst/>
+          </a:prstGeom>
+        </p:spPr>
+      </p:pic>
+      <p:pic>
+        <p:nvPicPr>
+          <p:cNvPr id="43" name="Grafik 42">
+            <a:extLst>
+              <a:ext uri="{FF2B5EF4-FFF2-40B4-BE49-F238E27FC236}">
+                <a16:creationId xmlns:a16="http://schemas.microsoft.com/office/drawing/2014/main" id="{2762DA0E-9F95-43D0-AFA8-21280DBE300D}"/>
+              </a:ext>
+            </a:extLst>
+          </p:cNvPr>
+          <p:cNvPicPr>
+            <a:picLocks noChangeAspect="1"/>
+          </p:cNvPicPr>
+          <p:nvPr/>
+        </p:nvPicPr>
+        <p:blipFill>
+          <a:blip r:embed="rId3" cstate="print">
+            <a:extLst>
+              <a:ext uri="{28A0092B-C50C-407E-A947-70E740481C1C}">
+                <a14:useLocalDpi xmlns:a14="http://schemas.microsoft.com/office/drawing/2010/main" val="0"/>
+              </a:ext>
+            </a:extLst>
+          </a:blip>
+          <a:stretch>
+            <a:fillRect/>
+          </a:stretch>
+        </p:blipFill>
+        <p:spPr>
+          <a:xfrm>
+            <a:off x="8674852" y="5384792"/>
+            <a:ext cx="1615599" cy="636690"/>
+          </a:xfrm>
+          <a:prstGeom prst="rect">
+            <a:avLst/>
+          </a:prstGeom>
+        </p:spPr>
+      </p:pic>
+      <p:cxnSp>
+        <p:nvCxnSpPr>
+          <p:cNvPr id="44" name="Gerade Verbindung mit Pfeil 43">
+            <a:extLst>
+              <a:ext uri="{FF2B5EF4-FFF2-40B4-BE49-F238E27FC236}">
+                <a16:creationId xmlns:a16="http://schemas.microsoft.com/office/drawing/2014/main" id="{DEC81B41-EB64-4C69-BBB8-CF0F00E1B483}"/>
+              </a:ext>
+            </a:extLst>
+          </p:cNvPr>
+          <p:cNvCxnSpPr>
+            <a:cxnSpLocks/>
+            <a:stCxn id="34" idx="1"/>
+            <a:endCxn id="41" idx="3"/>
+          </p:cNvCxnSpPr>
+          <p:nvPr/>
+        </p:nvCxnSpPr>
+        <p:spPr bwMode="auto">
+          <a:xfrm flipH="1" flipV="1">
+            <a:off x="10291450" y="4361711"/>
+            <a:ext cx="600875" cy="665423"/>
+          </a:xfrm>
+          <a:prstGeom prst="straightConnector1">
+            <a:avLst/>
+          </a:prstGeom>
+          <a:solidFill>
+            <a:srgbClr val="FFA500"/>
+          </a:solidFill>
+          <a:ln w="38100" cap="rnd" cmpd="sng" algn="ctr">
+            <a:solidFill>
+              <a:srgbClr val="DC3C05"/>
+            </a:solidFill>
+            <a:prstDash val="solid"/>
+            <a:round/>
+            <a:headEnd type="none" w="med" len="med"/>
+            <a:tailEnd type="triangle"/>
+          </a:ln>
+          <a:effectLst/>
+          <a:extLst>
+            <a:ext uri="{AF507438-7753-43e0-B8FC-AC1667EBCBE1}">
+              <a14:hiddenEffects xmlns="" xmlns:a14="http://schemas.microsoft.com/office/drawing/2010/main">
+                <a:effectLst>
+                  <a:outerShdw dist="35921" dir="2700000" algn="ctr" rotWithShape="0">
+                    <a:schemeClr val="bg2"/>
+                  </a:outerShdw>
+                </a:effectLst>
+              </a14:hiddenEffects>
+            </a:ext>
+          </a:extLst>
+        </p:spPr>
+      </p:cxnSp>
+      <p:cxnSp>
+        <p:nvCxnSpPr>
+          <p:cNvPr id="47" name="Gerade Verbindung mit Pfeil 46">
+            <a:extLst>
+              <a:ext uri="{FF2B5EF4-FFF2-40B4-BE49-F238E27FC236}">
+                <a16:creationId xmlns:a16="http://schemas.microsoft.com/office/drawing/2014/main" id="{AF012096-CC6E-449F-AA78-3E83A43D24F3}"/>
+              </a:ext>
+            </a:extLst>
+          </p:cNvPr>
+          <p:cNvCxnSpPr>
+            <a:cxnSpLocks/>
+            <a:stCxn id="34" idx="1"/>
+            <a:endCxn id="42" idx="3"/>
+          </p:cNvCxnSpPr>
+          <p:nvPr/>
+        </p:nvCxnSpPr>
+        <p:spPr bwMode="auto">
+          <a:xfrm flipH="1">
+            <a:off x="10290451" y="5027134"/>
+            <a:ext cx="601874" cy="5290"/>
+          </a:xfrm>
+          <a:prstGeom prst="straightConnector1">
+            <a:avLst/>
+          </a:prstGeom>
+          <a:solidFill>
+            <a:srgbClr val="FFA500"/>
+          </a:solidFill>
+          <a:ln w="38100" cap="rnd" cmpd="sng" algn="ctr">
+            <a:solidFill>
+              <a:srgbClr val="DC3C05"/>
+            </a:solidFill>
+            <a:prstDash val="solid"/>
+            <a:round/>
+            <a:headEnd type="none" w="med" len="med"/>
+            <a:tailEnd type="triangle"/>
+          </a:ln>
+          <a:effectLst/>
+          <a:extLst>
+            <a:ext uri="{AF507438-7753-43e0-B8FC-AC1667EBCBE1}">
+              <a14:hiddenEffects xmlns="" xmlns:a14="http://schemas.microsoft.com/office/drawing/2010/main">
+                <a:effectLst>
+                  <a:outerShdw dist="35921" dir="2700000" algn="ctr" rotWithShape="0">
+                    <a:schemeClr val="bg2"/>
+                  </a:outerShdw>
+                </a:effectLst>
+              </a14:hiddenEffects>
+            </a:ext>
+          </a:extLst>
+        </p:spPr>
+      </p:cxnSp>
+      <p:cxnSp>
+        <p:nvCxnSpPr>
+          <p:cNvPr id="50" name="Gerade Verbindung mit Pfeil 49">
+            <a:extLst>
+              <a:ext uri="{FF2B5EF4-FFF2-40B4-BE49-F238E27FC236}">
+                <a16:creationId xmlns:a16="http://schemas.microsoft.com/office/drawing/2014/main" id="{DBEF7595-F79E-477A-9ABD-C6B03548A46E}"/>
+              </a:ext>
+            </a:extLst>
+          </p:cNvPr>
+          <p:cNvCxnSpPr>
+            <a:cxnSpLocks/>
+            <a:stCxn id="34" idx="1"/>
+            <a:endCxn id="43" idx="3"/>
+          </p:cNvCxnSpPr>
+          <p:nvPr/>
+        </p:nvCxnSpPr>
+        <p:spPr bwMode="auto">
+          <a:xfrm flipH="1">
+            <a:off x="10290451" y="5027134"/>
+            <a:ext cx="601874" cy="676003"/>
+          </a:xfrm>
+          <a:prstGeom prst="straightConnector1">
+            <a:avLst/>
+          </a:prstGeom>
+          <a:solidFill>
+            <a:srgbClr val="FFA500"/>
+          </a:solidFill>
+          <a:ln w="38100" cap="rnd" cmpd="sng" algn="ctr">
+            <a:solidFill>
+              <a:srgbClr val="DC3C05"/>
+            </a:solidFill>
+            <a:prstDash val="solid"/>
+            <a:round/>
+            <a:headEnd type="none" w="med" len="med"/>
+            <a:tailEnd type="triangle"/>
+          </a:ln>
+          <a:effectLst/>
+          <a:extLst>
+            <a:ext uri="{AF507438-7753-43e0-B8FC-AC1667EBCBE1}">
+              <a14:hiddenEffects xmlns="" xmlns:a14="http://schemas.microsoft.com/office/drawing/2010/main">
+                <a:effectLst>
+                  <a:outerShdw dist="35921" dir="2700000" algn="ctr" rotWithShape="0">
+                    <a:schemeClr val="bg2"/>
+                  </a:outerShdw>
+                </a:effectLst>
+              </a14:hiddenEffects>
+            </a:ext>
+          </a:extLst>
+        </p:spPr>
+      </p:cxnSp>
+      <p:cxnSp>
+        <p:nvCxnSpPr>
+          <p:cNvPr id="70" name="Verbinder: gewinkelt 69">
+            <a:extLst>
+              <a:ext uri="{FF2B5EF4-FFF2-40B4-BE49-F238E27FC236}">
+                <a16:creationId xmlns:a16="http://schemas.microsoft.com/office/drawing/2014/main" id="{C55E8E45-0AD1-4CD8-9E22-7245D21D4720}"/>
+              </a:ext>
+            </a:extLst>
+          </p:cNvPr>
+          <p:cNvCxnSpPr>
+            <a:stCxn id="41" idx="1"/>
+            <a:endCxn id="18" idx="3"/>
+          </p:cNvCxnSpPr>
+          <p:nvPr/>
+        </p:nvCxnSpPr>
+        <p:spPr bwMode="auto">
+          <a:xfrm rot="10800000" flipV="1">
+            <a:off x="7514357" y="4361710"/>
+            <a:ext cx="1161495" cy="673987"/>
+          </a:xfrm>
+          <a:prstGeom prst="bentConnector3">
+            <a:avLst/>
+          </a:prstGeom>
+          <a:solidFill>
+            <a:srgbClr val="FFA500"/>
+          </a:solidFill>
+          <a:ln w="38100" cap="flat" cmpd="sng" algn="ctr">
+            <a:solidFill>
+              <a:srgbClr val="DC3C05"/>
+            </a:solidFill>
+            <a:prstDash val="solid"/>
+            <a:round/>
+            <a:headEnd type="none" w="med" len="med"/>
+            <a:tailEnd type="triangle"/>
+          </a:ln>
+          <a:effectLst/>
+          <a:extLst>
+            <a:ext uri="{AF507438-7753-43e0-B8FC-AC1667EBCBE1}">
+              <a14:hiddenEffects xmlns="" xmlns:a14="http://schemas.microsoft.com/office/drawing/2010/main">
+                <a:effectLst>
+                  <a:outerShdw dist="35921" dir="2700000" algn="ctr" rotWithShape="0">
+                    <a:schemeClr val="bg2"/>
+                  </a:outerShdw>
+                </a:effectLst>
+              </a14:hiddenEffects>
+            </a:ext>
+          </a:extLst>
+        </p:spPr>
+      </p:cxnSp>
+      <p:cxnSp>
+        <p:nvCxnSpPr>
+          <p:cNvPr id="71" name="Verbinder: gewinkelt 70">
+            <a:extLst>
+              <a:ext uri="{FF2B5EF4-FFF2-40B4-BE49-F238E27FC236}">
+                <a16:creationId xmlns:a16="http://schemas.microsoft.com/office/drawing/2014/main" id="{B00CEDA9-A81B-45F2-BB9C-BF8BBE5966E0}"/>
+              </a:ext>
+            </a:extLst>
+          </p:cNvPr>
+          <p:cNvCxnSpPr>
+            <a:cxnSpLocks/>
+            <a:stCxn id="42" idx="1"/>
+            <a:endCxn id="18" idx="3"/>
+          </p:cNvCxnSpPr>
+          <p:nvPr/>
+        </p:nvCxnSpPr>
+        <p:spPr bwMode="auto">
+          <a:xfrm rot="10800000" flipV="1">
+            <a:off x="7514356" y="5032424"/>
+            <a:ext cx="1160496" cy="3274"/>
+          </a:xfrm>
+          <a:prstGeom prst="bentConnector3">
+            <a:avLst/>
+          </a:prstGeom>
+          <a:solidFill>
+            <a:srgbClr val="FFA500"/>
+          </a:solidFill>
+          <a:ln w="38100" cap="flat" cmpd="sng" algn="ctr">
+            <a:solidFill>
+              <a:srgbClr val="DC3C05"/>
+            </a:solidFill>
+            <a:prstDash val="solid"/>
+            <a:round/>
+            <a:headEnd type="none" w="med" len="med"/>
+            <a:tailEnd type="triangle"/>
+          </a:ln>
+          <a:effectLst/>
+          <a:extLst>
+            <a:ext uri="{AF507438-7753-43e0-B8FC-AC1667EBCBE1}">
+              <a14:hiddenEffects xmlns="" xmlns:a14="http://schemas.microsoft.com/office/drawing/2010/main">
+                <a:effectLst>
+                  <a:outerShdw dist="35921" dir="2700000" algn="ctr" rotWithShape="0">
+                    <a:schemeClr val="bg2"/>
+                  </a:outerShdw>
+                </a:effectLst>
+              </a14:hiddenEffects>
+            </a:ext>
+          </a:extLst>
+        </p:spPr>
+      </p:cxnSp>
+      <p:cxnSp>
+        <p:nvCxnSpPr>
+          <p:cNvPr id="74" name="Verbinder: gewinkelt 73">
+            <a:extLst>
+              <a:ext uri="{FF2B5EF4-FFF2-40B4-BE49-F238E27FC236}">
+                <a16:creationId xmlns:a16="http://schemas.microsoft.com/office/drawing/2014/main" id="{26701453-CC53-4366-9E6A-B95CDE3563C0}"/>
+              </a:ext>
+            </a:extLst>
+          </p:cNvPr>
+          <p:cNvCxnSpPr>
+            <a:cxnSpLocks/>
+            <a:stCxn id="43" idx="1"/>
+            <a:endCxn id="18" idx="3"/>
+          </p:cNvCxnSpPr>
+          <p:nvPr/>
+        </p:nvCxnSpPr>
+        <p:spPr bwMode="auto">
+          <a:xfrm rot="10800000">
+            <a:off x="7514356" y="5035699"/>
+            <a:ext cx="1160496" cy="667439"/>
+          </a:xfrm>
+          <a:prstGeom prst="bentConnector3">
+            <a:avLst/>
+          </a:prstGeom>
+          <a:solidFill>
+            <a:srgbClr val="FFA500"/>
+          </a:solidFill>
+          <a:ln w="38100" cap="flat" cmpd="sng" algn="ctr">
+            <a:solidFill>
+              <a:srgbClr val="DC3C05"/>
+            </a:solidFill>
+            <a:prstDash val="solid"/>
+            <a:round/>
+            <a:headEnd type="none" w="med" len="med"/>
+            <a:tailEnd type="triangle"/>
+          </a:ln>
+          <a:effectLst/>
+          <a:extLst>
+            <a:ext uri="{AF507438-7753-43e0-B8FC-AC1667EBCBE1}">
+              <a14:hiddenEffects xmlns="" xmlns:a14="http://schemas.microsoft.com/office/drawing/2010/main">
+                <a:effectLst>
+                  <a:outerShdw dist="35921" dir="2700000" algn="ctr" rotWithShape="0">
+                    <a:schemeClr val="bg2"/>
+                  </a:outerShdw>
+                </a:effectLst>
+              </a14:hiddenEffects>
+            </a:ext>
+          </a:extLst>
+        </p:spPr>
+      </p:cxnSp>
+      <p:cxnSp>
+        <p:nvCxnSpPr>
+          <p:cNvPr id="10" name="Gerade Verbindung mit Pfeil 9">
+            <a:extLst>
+              <a:ext uri="{FF2B5EF4-FFF2-40B4-BE49-F238E27FC236}">
+                <a16:creationId xmlns:a16="http://schemas.microsoft.com/office/drawing/2014/main" id="{F86C23D8-3A0E-4DBE-A36E-0BC06C7A28A4}"/>
+              </a:ext>
+            </a:extLst>
+          </p:cNvPr>
+          <p:cNvCxnSpPr>
+            <a:cxnSpLocks/>
+            <a:stCxn id="3" idx="3"/>
+            <a:endCxn id="18" idx="1"/>
+          </p:cNvCxnSpPr>
+          <p:nvPr/>
+        </p:nvCxnSpPr>
+        <p:spPr bwMode="auto">
+          <a:xfrm flipV="1">
+            <a:off x="3247958" y="5035698"/>
+            <a:ext cx="1530097" cy="6620"/>
+          </a:xfrm>
+          <a:prstGeom prst="straightConnector1">
+            <a:avLst/>
+          </a:prstGeom>
+          <a:solidFill>
+            <a:srgbClr val="FFA500"/>
+          </a:solidFill>
+          <a:ln w="38100" cap="flat" cmpd="sng" algn="ctr">
+            <a:solidFill>
+              <a:srgbClr val="DC3C05"/>
+            </a:solidFill>
+            <a:prstDash val="solid"/>
+            <a:round/>
+            <a:headEnd type="none" w="med" len="med"/>
+            <a:tailEnd type="triangle"/>
+          </a:ln>
+          <a:effectLst/>
+          <a:extLst>
+            <a:ext uri="{AF507438-7753-43e0-B8FC-AC1667EBCBE1}">
+              <a14:hiddenEffects xmlns="" xmlns:a14="http://schemas.microsoft.com/office/drawing/2010/main">
+                <a:effectLst>
+                  <a:outerShdw dist="35921" dir="2700000" algn="ctr" rotWithShape="0">
+                    <a:schemeClr val="bg2"/>
+                  </a:outerShdw>
+                </a:effectLst>
+              </a14:hiddenEffects>
+            </a:ext>
+          </a:extLst>
+        </p:spPr>
+      </p:cxnSp>
+      <p:sp>
+        <p:nvSpPr>
+          <p:cNvPr id="8" name="Bogen 7">
+            <a:extLst>
+              <a:ext uri="{FF2B5EF4-FFF2-40B4-BE49-F238E27FC236}">
+                <a16:creationId xmlns:a16="http://schemas.microsoft.com/office/drawing/2014/main" id="{1DDB48AD-C73E-48CD-B750-7F4D6CCCE6AC}"/>
+              </a:ext>
+            </a:extLst>
+          </p:cNvPr>
+          <p:cNvSpPr/>
+          <p:nvPr/>
+        </p:nvSpPr>
+        <p:spPr bwMode="auto">
+          <a:xfrm rot="17280045">
+            <a:off x="6916671" y="3437130"/>
+            <a:ext cx="2114379" cy="2485850"/>
+          </a:xfrm>
+          <a:prstGeom prst="arc">
+            <a:avLst>
+              <a:gd name="adj1" fmla="val 16200000"/>
+              <a:gd name="adj2" fmla="val 1729139"/>
+            </a:avLst>
+          </a:prstGeom>
+          <a:noFill/>
+          <a:ln w="38100" cap="flat" cmpd="sng" algn="ctr">
+            <a:solidFill>
+              <a:srgbClr val="FFC000"/>
+            </a:solidFill>
+            <a:prstDash val="solid"/>
+            <a:round/>
+            <a:headEnd type="none" w="med" len="med"/>
+            <a:tailEnd type="triangle" w="med" len="med"/>
+          </a:ln>
+          <a:effectLst/>
+          <a:extLst>
+            <a:ext uri="{AF507438-7753-43e0-B8FC-AC1667EBCBE1}">
+              <a14:hiddenEffects xmlns="" xmlns:a14="http://schemas.microsoft.com/office/drawing/2010/main">
+                <a:effectLst>
+                  <a:outerShdw dist="35921" dir="2700000" algn="ctr" rotWithShape="0">
+                    <a:schemeClr val="bg2"/>
+                  </a:outerShdw>
+                </a:effectLst>
+              </a14:hiddenEffects>
+            </a:ext>
+          </a:extLst>
+        </p:spPr>
+        <p:txBody>
+          <a:bodyPr vert="horz" wrap="none" lIns="182880" tIns="137160" rIns="182880" bIns="137160" numCol="1" rtlCol="0" anchor="ctr" anchorCtr="0" compatLnSpc="1">
+            <a:prstTxWarp prst="textNoShape">
+              <a:avLst/>
+            </a:prstTxWarp>
+          </a:bodyPr>
+          <a:lstStyle/>
+          <a:p>
+            <a:pPr marL="0" marR="0" indent="0" algn="ctr" defTabSz="914400" rtl="0" eaLnBrk="1" fontAlgn="base" latinLnBrk="0" hangingPunct="1">
+              <a:lnSpc>
+                <a:spcPct val="100000"/>
+              </a:lnSpc>
+              <a:spcBef>
+                <a:spcPct val="0"/>
+              </a:spcBef>
+              <a:spcAft>
+                <a:spcPct val="0"/>
+              </a:spcAft>
+              <a:buClrTx/>
+              <a:buSzTx/>
+              <a:buFontTx/>
+              <a:buNone/>
+              <a:tabLst/>
+            </a:pPr>
+            <a:endParaRPr kumimoji="0" lang="de-DE" sz="1400" b="0" i="0" u="none" strike="noStrike" cap="none" normalizeH="0" baseline="0">
+              <a:ln>
+                <a:noFill/>
+              </a:ln>
+              <a:solidFill>
+                <a:schemeClr val="bg1"/>
+              </a:solidFill>
+              <a:effectLst/>
+              <a:latin typeface="Arial" charset="0"/>
+            </a:endParaRPr>
+          </a:p>
+        </p:txBody>
+      </p:sp>
+      <p:sp>
+        <p:nvSpPr>
+          <p:cNvPr id="29" name="Textfeld 28">
+            <a:extLst>
+              <a:ext uri="{FF2B5EF4-FFF2-40B4-BE49-F238E27FC236}">
+                <a16:creationId xmlns:a16="http://schemas.microsoft.com/office/drawing/2014/main" id="{EB61D841-A25E-497F-9F34-4095AE3AD950}"/>
+              </a:ext>
+            </a:extLst>
+          </p:cNvPr>
+          <p:cNvSpPr txBox="1"/>
+          <p:nvPr/>
+        </p:nvSpPr>
+        <p:spPr>
+          <a:xfrm>
+            <a:off x="6922500" y="3323971"/>
+            <a:ext cx="1787669" cy="307777"/>
+          </a:xfrm>
+          <a:prstGeom prst="rect">
+            <a:avLst/>
+          </a:prstGeom>
+          <a:noFill/>
+        </p:spPr>
+        <p:txBody>
+          <a:bodyPr wrap="none" rtlCol="0">
+            <a:spAutoFit/>
+          </a:bodyPr>
+          <a:lstStyle/>
+          <a:p>
+            <a:r>
+              <a:rPr lang="de-DE" i="1" dirty="0" err="1">
+                <a:solidFill>
+                  <a:schemeClr val="tx1"/>
+                </a:solidFill>
+              </a:rPr>
+              <a:t>Nonce</a:t>
+            </a:r>
+            <a:r>
+              <a:rPr lang="de-DE" i="1" dirty="0">
+                <a:solidFill>
+                  <a:schemeClr val="tx1"/>
+                </a:solidFill>
+              </a:rPr>
+              <a:t> von Bob ist 5</a:t>
+            </a:r>
+          </a:p>
+        </p:txBody>
+      </p:sp>
+      <p:sp>
+        <p:nvSpPr>
+          <p:cNvPr id="11" name="Gewitterblitz 10">
+            <a:extLst>
+              <a:ext uri="{FF2B5EF4-FFF2-40B4-BE49-F238E27FC236}">
+                <a16:creationId xmlns:a16="http://schemas.microsoft.com/office/drawing/2014/main" id="{233B7BA8-EAEE-47B1-80AE-1EC1F6D11665}"/>
+              </a:ext>
+            </a:extLst>
+          </p:cNvPr>
+          <p:cNvSpPr/>
+          <p:nvPr/>
+        </p:nvSpPr>
+        <p:spPr bwMode="auto">
+          <a:xfrm rot="2445625">
+            <a:off x="7642967" y="4789704"/>
+            <a:ext cx="464399" cy="464399"/>
+          </a:xfrm>
+          <a:prstGeom prst="lightningBolt">
+            <a:avLst/>
+          </a:prstGeom>
+          <a:solidFill>
+            <a:srgbClr val="FFA500"/>
+          </a:solidFill>
+          <a:ln w="9525" cap="flat" cmpd="sng" algn="ctr">
+            <a:solidFill>
+              <a:srgbClr val="FFA500"/>
+            </a:solidFill>
+            <a:prstDash val="solid"/>
+            <a:round/>
+            <a:headEnd type="none" w="med" len="med"/>
+            <a:tailEnd type="none" w="med" len="med"/>
+          </a:ln>
+          <a:effectLst/>
+          <a:extLst>
+            <a:ext uri="{AF507438-7753-43e0-B8FC-AC1667EBCBE1}">
+              <a14:hiddenEffects xmlns="" xmlns:a14="http://schemas.microsoft.com/office/drawing/2010/main">
+                <a:effectLst>
+                  <a:outerShdw dist="35921" dir="2700000" algn="ctr" rotWithShape="0">
+                    <a:schemeClr val="bg2"/>
+                  </a:outerShdw>
+                </a:effectLst>
+              </a14:hiddenEffects>
+            </a:ext>
+          </a:extLst>
+        </p:spPr>
+        <p:txBody>
+          <a:bodyPr vert="horz" wrap="none" lIns="182880" tIns="137160" rIns="182880" bIns="137160" numCol="1" rtlCol="0" anchor="ctr" anchorCtr="0" compatLnSpc="1">
+            <a:prstTxWarp prst="textNoShape">
+              <a:avLst/>
+            </a:prstTxWarp>
+          </a:bodyPr>
+          <a:lstStyle/>
+          <a:p>
+            <a:pPr marL="0" marR="0" indent="0" algn="ctr" defTabSz="914400" rtl="0" eaLnBrk="1" fontAlgn="base" latinLnBrk="0" hangingPunct="1">
+              <a:lnSpc>
+                <a:spcPct val="100000"/>
+              </a:lnSpc>
+              <a:spcBef>
+                <a:spcPct val="0"/>
+              </a:spcBef>
+              <a:spcAft>
+                <a:spcPct val="0"/>
+              </a:spcAft>
+              <a:buClrTx/>
+              <a:buSzTx/>
+              <a:buFontTx/>
+              <a:buNone/>
+              <a:tabLst/>
+            </a:pPr>
+            <a:endParaRPr kumimoji="0" lang="de-DE" sz="1400" b="0" i="0" u="none" strike="noStrike" cap="none" normalizeH="0" baseline="0">
+              <a:ln>
+                <a:noFill/>
+              </a:ln>
+              <a:solidFill>
+                <a:schemeClr val="bg1"/>
+              </a:solidFill>
+              <a:effectLst/>
+              <a:latin typeface="Arial" charset="0"/>
+            </a:endParaRPr>
+          </a:p>
+        </p:txBody>
+      </p:sp>
+    </p:spTree>
+    <p:extLst>
+      <p:ext uri="{BB962C8B-B14F-4D97-AF65-F5344CB8AC3E}">
+        <p14:creationId xmlns:p14="http://schemas.microsoft.com/office/powerpoint/2010/main" val="2806441055"/>
+      </p:ext>
+    </p:extLst>
+  </p:cSld>
+  <p:clrMapOvr>
+    <a:masterClrMapping/>
+  </p:clrMapOvr>
+</p:sld>
+</file>
+
+<file path=ppt/slides/slide15.xml><?xml version="1.0" encoding="utf-8"?>
+<p:sld xmlns:a="http://schemas.openxmlformats.org/drawingml/2006/main" xmlns:r="http://schemas.openxmlformats.org/officeDocument/2006/relationships" xmlns:p="http://schemas.openxmlformats.org/presentationml/2006/main" show="0">
+  <p:cSld>
+    <p:spTree>
+      <p:nvGrpSpPr>
+        <p:cNvPr id="1" name=""/>
+        <p:cNvGrpSpPr/>
+        <p:nvPr/>
+      </p:nvGrpSpPr>
+      <p:grpSpPr>
+        <a:xfrm>
+          <a:off x="0" y="0"/>
+          <a:ext cx="0" cy="0"/>
+          <a:chOff x="0" y="0"/>
+          <a:chExt cx="0" cy="0"/>
+        </a:xfrm>
+      </p:grpSpPr>
+      <p:sp>
+        <p:nvSpPr>
+          <p:cNvPr id="5" name="Foliennummernplatzhalter 4"/>
+          <p:cNvSpPr>
+            <a:spLocks noGrp="1"/>
+          </p:cNvSpPr>
+          <p:nvPr>
+            <p:ph type="sldNum" sz="quarter" idx="10"/>
+          </p:nvPr>
+        </p:nvSpPr>
+        <p:spPr/>
+        <p:txBody>
+          <a:bodyPr/>
+          <a:lstStyle/>
+          <a:p>
+            <a:r>
+              <a:rPr lang="de-DE"/>
+              <a:t>Seite </a:t>
+            </a:r>
+            <a:fld id="{CAEED438-B660-4C04-BC25-4C23CCFBC7F4}" type="slidenum">
+              <a:rPr lang="de-DE"/>
+              <a:pPr/>
+              <a:t>15</a:t>
             </a:fld>
             <a:endParaRPr lang="de-DE"/>
           </a:p>
@@ -9800,8 +12177,8 @@
               <a:chExt cx="2232246" cy="1527047"/>
             </a:xfrm>
           </p:grpSpPr>
-          <mc:AlternateContent xmlns:mc="http://schemas.openxmlformats.org/markup-compatibility/2006">
-            <mc:Choice xmlns:a14="http://schemas.microsoft.com/office/drawing/2010/main" Requires="a14">
+          <mc:AlternateContent xmlns:mc="http://schemas.openxmlformats.org/markup-compatibility/2006" xmlns:a14="http://schemas.microsoft.com/office/drawing/2010/main">
+            <mc:Choice Requires="a14">
               <p:sp>
                 <p:nvSpPr>
                   <p:cNvPr id="29" name="Rectangle 5">
@@ -10098,7 +12475,7 @@
                 </p:txBody>
               </p:sp>
             </mc:Choice>
-            <mc:Fallback>
+            <mc:Fallback xmlns="">
               <p:sp>
                 <p:nvSpPr>
                   <p:cNvPr id="29" name="Rectangle 5">
@@ -10331,8 +12708,8 @@
               <a:chExt cx="2016226" cy="1530220"/>
             </a:xfrm>
           </p:grpSpPr>
-          <mc:AlternateContent xmlns:mc="http://schemas.openxmlformats.org/markup-compatibility/2006">
-            <mc:Choice xmlns:a14="http://schemas.microsoft.com/office/drawing/2010/main" Requires="a14">
+          <mc:AlternateContent xmlns:mc="http://schemas.openxmlformats.org/markup-compatibility/2006" xmlns:a14="http://schemas.microsoft.com/office/drawing/2010/main">
+            <mc:Choice Requires="a14">
               <p:sp>
                 <p:nvSpPr>
                   <p:cNvPr id="32" name="Rectangle 5">
@@ -10647,7 +13024,7 @@
                 </p:txBody>
               </p:sp>
             </mc:Choice>
-            <mc:Fallback>
+            <mc:Fallback xmlns="">
               <p:sp>
                 <p:nvSpPr>
                   <p:cNvPr id="32" name="Rectangle 5">
@@ -10880,8 +13257,8 @@
               <a:chExt cx="2167426" cy="1854637"/>
             </a:xfrm>
           </p:grpSpPr>
-          <mc:AlternateContent xmlns:mc="http://schemas.openxmlformats.org/markup-compatibility/2006">
-            <mc:Choice xmlns:a14="http://schemas.microsoft.com/office/drawing/2010/main" Requires="a14">
+          <mc:AlternateContent xmlns:mc="http://schemas.openxmlformats.org/markup-compatibility/2006" xmlns:a14="http://schemas.microsoft.com/office/drawing/2010/main">
+            <mc:Choice Requires="a14">
               <p:sp>
                 <p:nvSpPr>
                   <p:cNvPr id="33" name="Rectangle 5">
@@ -11204,7 +13581,7 @@
                 </p:txBody>
               </p:sp>
             </mc:Choice>
-            <mc:Fallback>
+            <mc:Fallback xmlns="">
               <p:sp>
                 <p:nvSpPr>
                   <p:cNvPr id="33" name="Rectangle 5">
@@ -11422,8 +13799,8 @@
               <a:chExt cx="1944216" cy="1527047"/>
             </a:xfrm>
           </p:grpSpPr>
-          <mc:AlternateContent xmlns:mc="http://schemas.openxmlformats.org/markup-compatibility/2006">
-            <mc:Choice xmlns:a14="http://schemas.microsoft.com/office/drawing/2010/main" Requires="a14">
+          <mc:AlternateContent xmlns:mc="http://schemas.openxmlformats.org/markup-compatibility/2006" xmlns:a14="http://schemas.microsoft.com/office/drawing/2010/main">
+            <mc:Choice Requires="a14">
               <p:sp>
                 <p:nvSpPr>
                   <p:cNvPr id="36" name="Rectangle 5">
@@ -11712,7 +14089,7 @@
                 </p:txBody>
               </p:sp>
             </mc:Choice>
-            <mc:Fallback>
+            <mc:Fallback xmlns="">
               <p:sp>
                 <p:nvSpPr>
                   <p:cNvPr id="36" name="Rectangle 5">
@@ -11923,7 +14300,7 @@
 </p:sld>
 </file>
 
-<file path=ppt/slides/slide15.xml><?xml version="1.0" encoding="utf-8"?>
+<file path=ppt/slides/slide16.xml><?xml version="1.0" encoding="utf-8"?>
 <p:sld xmlns:a="http://schemas.openxmlformats.org/drawingml/2006/main" xmlns:r="http://schemas.openxmlformats.org/officeDocument/2006/relationships" xmlns:p="http://schemas.openxmlformats.org/presentationml/2006/main">
   <p:cSld>
     <p:spTree>
@@ -11962,7 +14339,7 @@
             <a:fld id="{CAEED438-B660-4C04-BC25-4C23CCFBC7F4}" type="slidenum">
               <a:rPr lang="de-DE"/>
               <a:pPr/>
-              <a:t>15</a:t>
+              <a:t>16</a:t>
             </a:fld>
             <a:endParaRPr lang="de-DE"/>
           </a:p>
@@ -12184,8 +14561,8 @@
           </a:p>
         </p:txBody>
       </p:sp>
-      <mc:AlternateContent xmlns:mc="http://schemas.openxmlformats.org/markup-compatibility/2006">
-        <mc:Choice xmlns:a14="http://schemas.microsoft.com/office/drawing/2010/main" Requires="a14">
+      <mc:AlternateContent xmlns:mc="http://schemas.openxmlformats.org/markup-compatibility/2006" xmlns:a14="http://schemas.microsoft.com/office/drawing/2010/main">
+        <mc:Choice Requires="a14">
           <p:sp>
             <p:nvSpPr>
               <p:cNvPr id="22" name="Rectangle 3">
@@ -12494,7 +14871,7 @@
             </p:txBody>
           </p:sp>
         </mc:Choice>
-        <mc:Fallback>
+        <mc:Fallback xmlns="">
           <p:sp>
             <p:nvSpPr>
               <p:cNvPr id="22" name="Rectangle 3">
@@ -12915,8 +15292,8 @@
 </p:sld>
 </file>
 
-<file path=ppt/slides/slide16.xml><?xml version="1.0" encoding="utf-8"?>
-<p:sld xmlns:a="http://schemas.openxmlformats.org/drawingml/2006/main" xmlns:r="http://schemas.openxmlformats.org/officeDocument/2006/relationships" xmlns:p="http://schemas.openxmlformats.org/presentationml/2006/main">
+<file path=ppt/slides/slide17.xml><?xml version="1.0" encoding="utf-8"?>
+<p:sld xmlns:a="http://schemas.openxmlformats.org/drawingml/2006/main" xmlns:r="http://schemas.openxmlformats.org/officeDocument/2006/relationships" xmlns:p="http://schemas.openxmlformats.org/presentationml/2006/main" show="0">
   <p:cSld>
     <p:spTree>
       <p:nvGrpSpPr>
@@ -12954,7 +15331,7 @@
             <a:fld id="{CAEED438-B660-4C04-BC25-4C23CCFBC7F4}" type="slidenum">
               <a:rPr lang="de-DE"/>
               <a:pPr/>
-              <a:t>16</a:t>
+              <a:t>17</a:t>
             </a:fld>
             <a:endParaRPr lang="de-DE"/>
           </a:p>
@@ -13176,8 +15553,8 @@
           </a:p>
         </p:txBody>
       </p:sp>
-      <mc:AlternateContent xmlns:mc="http://schemas.openxmlformats.org/markup-compatibility/2006">
-        <mc:Choice xmlns:a14="http://schemas.microsoft.com/office/drawing/2010/main" Requires="a14">
+      <mc:AlternateContent xmlns:mc="http://schemas.openxmlformats.org/markup-compatibility/2006" xmlns:a14="http://schemas.microsoft.com/office/drawing/2010/main">
+        <mc:Choice Requires="a14">
           <p:sp>
             <p:nvSpPr>
               <p:cNvPr id="22" name="Rectangle 3">
@@ -13514,7 +15891,7 @@
             </p:txBody>
           </p:sp>
         </mc:Choice>
-        <mc:Fallback>
+        <mc:Fallback xmlns="">
           <p:sp>
             <p:nvSpPr>
               <p:cNvPr id="22" name="Rectangle 3">
@@ -14090,8 +16467,8 @@
 </p:sld>
 </file>
 
-<file path=ppt/slides/slide17.xml><?xml version="1.0" encoding="utf-8"?>
-<p:sld xmlns:a="http://schemas.openxmlformats.org/drawingml/2006/main" xmlns:r="http://schemas.openxmlformats.org/officeDocument/2006/relationships" xmlns:p="http://schemas.openxmlformats.org/presentationml/2006/main">
+<file path=ppt/slides/slide18.xml><?xml version="1.0" encoding="utf-8"?>
+<p:sld xmlns:a="http://schemas.openxmlformats.org/drawingml/2006/main" xmlns:r="http://schemas.openxmlformats.org/officeDocument/2006/relationships" xmlns:p="http://schemas.openxmlformats.org/presentationml/2006/main" show="0">
   <p:cSld>
     <p:spTree>
       <p:nvGrpSpPr>
@@ -14129,7 +16506,7 @@
             <a:fld id="{CAEED438-B660-4C04-BC25-4C23CCFBC7F4}" type="slidenum">
               <a:rPr lang="de-DE"/>
               <a:pPr/>
-              <a:t>17</a:t>
+              <a:t>18</a:t>
             </a:fld>
             <a:endParaRPr lang="de-DE"/>
           </a:p>
@@ -14343,8 +16720,8 @@
           </a:p>
         </p:txBody>
       </p:sp>
-      <mc:AlternateContent xmlns:mc="http://schemas.openxmlformats.org/markup-compatibility/2006">
-        <mc:Choice xmlns:a14="http://schemas.microsoft.com/office/drawing/2010/main" Requires="a14">
+      <mc:AlternateContent xmlns:mc="http://schemas.openxmlformats.org/markup-compatibility/2006" xmlns:a14="http://schemas.microsoft.com/office/drawing/2010/main">
+        <mc:Choice Requires="a14">
           <p:sp>
             <p:nvSpPr>
               <p:cNvPr id="22" name="Rectangle 3">
@@ -14768,7 +17145,7 @@
             </p:txBody>
           </p:sp>
         </mc:Choice>
-        <mc:Fallback>
+        <mc:Fallback xmlns="">
           <p:sp>
             <p:nvSpPr>
               <p:cNvPr id="22" name="Rectangle 3">
@@ -15347,675 +17724,6 @@
 </p:sld>
 </file>
 
-<file path=ppt/slides/slide18.xml><?xml version="1.0" encoding="utf-8"?>
-<p:sld xmlns:a="http://schemas.openxmlformats.org/drawingml/2006/main" xmlns:r="http://schemas.openxmlformats.org/officeDocument/2006/relationships" xmlns:p="http://schemas.openxmlformats.org/presentationml/2006/main">
-  <p:cSld>
-    <p:spTree>
-      <p:nvGrpSpPr>
-        <p:cNvPr id="1" name=""/>
-        <p:cNvGrpSpPr/>
-        <p:nvPr/>
-      </p:nvGrpSpPr>
-      <p:grpSpPr>
-        <a:xfrm>
-          <a:off x="0" y="0"/>
-          <a:ext cx="0" cy="0"/>
-          <a:chOff x="0" y="0"/>
-          <a:chExt cx="0" cy="0"/>
-        </a:xfrm>
-      </p:grpSpPr>
-      <p:sp>
-        <p:nvSpPr>
-          <p:cNvPr id="5" name="Foliennummernplatzhalter 4"/>
-          <p:cNvSpPr>
-            <a:spLocks noGrp="1"/>
-          </p:cNvSpPr>
-          <p:nvPr>
-            <p:ph type="sldNum" sz="quarter" idx="10"/>
-          </p:nvPr>
-        </p:nvSpPr>
-        <p:spPr/>
-        <p:txBody>
-          <a:bodyPr/>
-          <a:lstStyle/>
-          <a:p>
-            <a:r>
-              <a:rPr lang="de-DE"/>
-              <a:t>Seite </a:t>
-            </a:r>
-            <a:fld id="{CAEED438-B660-4C04-BC25-4C23CCFBC7F4}" type="slidenum">
-              <a:rPr lang="de-DE"/>
-              <a:pPr/>
-              <a:t>18</a:t>
-            </a:fld>
-            <a:endParaRPr lang="de-DE"/>
-          </a:p>
-        </p:txBody>
-      </p:sp>
-      <p:sp>
-        <p:nvSpPr>
-          <p:cNvPr id="7" name="Rectangle 4">
-            <a:extLst>
-              <a:ext uri="{FF2B5EF4-FFF2-40B4-BE49-F238E27FC236}">
-                <a16:creationId xmlns:a16="http://schemas.microsoft.com/office/drawing/2014/main" id="{B0EC8EEE-386C-4418-B19F-0D9C78587149}"/>
-              </a:ext>
-            </a:extLst>
-          </p:cNvPr>
-          <p:cNvSpPr txBox="1">
-            <a:spLocks noChangeArrowheads="1"/>
-          </p:cNvSpPr>
-          <p:nvPr/>
-        </p:nvSpPr>
-        <p:spPr bwMode="auto">
-          <a:xfrm>
-            <a:off x="656659" y="675876"/>
-            <a:ext cx="12131221" cy="949325"/>
-          </a:xfrm>
-          <a:prstGeom prst="rect">
-            <a:avLst/>
-          </a:prstGeom>
-          <a:noFill/>
-          <a:ln>
-            <a:noFill/>
-          </a:ln>
-          <a:effectLst/>
-          <a:extLst>
-            <a:ext uri="{909E8E84-426E-40dd-AFC4-6F175D3DCCD1}">
-              <a14:hiddenFill xmlns:a14="http://schemas.microsoft.com/office/drawing/2010/main" xmlns="">
-                <a:solidFill>
-                  <a:schemeClr val="accent1"/>
-                </a:solidFill>
-              </a14:hiddenFill>
-            </a:ext>
-            <a:ext uri="{91240B29-F687-4f45-9708-019B960494DF}">
-              <a14:hiddenLine xmlns:a14="http://schemas.microsoft.com/office/drawing/2010/main" xmlns="" w="9525">
-                <a:solidFill>
-                  <a:schemeClr val="tx1"/>
-                </a:solidFill>
-                <a:miter lim="800000"/>
-                <a:headEnd/>
-                <a:tailEnd/>
-              </a14:hiddenLine>
-            </a:ext>
-            <a:ext uri="{AF507438-7753-43e0-B8FC-AC1667EBCBE1}">
-              <a14:hiddenEffects xmlns:a14="http://schemas.microsoft.com/office/drawing/2010/main" xmlns="">
-                <a:effectLst>
-                  <a:outerShdw dist="35921" dir="2700000" algn="ctr" rotWithShape="0">
-                    <a:schemeClr val="bg2"/>
-                  </a:outerShdw>
-                </a:effectLst>
-              </a14:hiddenEffects>
-            </a:ext>
-          </a:extLst>
-        </p:spPr>
-        <p:txBody>
-          <a:bodyPr vert="horz" wrap="square" lIns="0" tIns="0" rIns="0" bIns="0" numCol="1" anchor="t" anchorCtr="0" compatLnSpc="1">
-            <a:prstTxWarp prst="textNoShape">
-              <a:avLst/>
-            </a:prstTxWarp>
-          </a:bodyPr>
-          <a:lstStyle>
-            <a:lvl1pPr algn="l" defTabSz="1054100" rtl="0" eaLnBrk="1" fontAlgn="base" hangingPunct="1">
-              <a:spcBef>
-                <a:spcPct val="0"/>
-              </a:spcBef>
-              <a:spcAft>
-                <a:spcPct val="0"/>
-              </a:spcAft>
-              <a:defRPr sz="3000" b="1">
-                <a:solidFill>
-                  <a:schemeClr val="tx2"/>
-                </a:solidFill>
-                <a:latin typeface="+mj-lt"/>
-                <a:ea typeface="+mj-ea"/>
-                <a:cs typeface="+mj-cs"/>
-              </a:defRPr>
-            </a:lvl1pPr>
-            <a:lvl2pPr algn="l" defTabSz="1054100" rtl="0" eaLnBrk="1" fontAlgn="base" hangingPunct="1">
-              <a:spcBef>
-                <a:spcPct val="0"/>
-              </a:spcBef>
-              <a:spcAft>
-                <a:spcPct val="0"/>
-              </a:spcAft>
-              <a:defRPr sz="3000" b="1">
-                <a:solidFill>
-                  <a:schemeClr val="tx2"/>
-                </a:solidFill>
-                <a:latin typeface="Arial" charset="0"/>
-              </a:defRPr>
-            </a:lvl2pPr>
-            <a:lvl3pPr algn="l" defTabSz="1054100" rtl="0" eaLnBrk="1" fontAlgn="base" hangingPunct="1">
-              <a:spcBef>
-                <a:spcPct val="0"/>
-              </a:spcBef>
-              <a:spcAft>
-                <a:spcPct val="0"/>
-              </a:spcAft>
-              <a:defRPr sz="3000" b="1">
-                <a:solidFill>
-                  <a:schemeClr val="tx2"/>
-                </a:solidFill>
-                <a:latin typeface="Arial" charset="0"/>
-              </a:defRPr>
-            </a:lvl3pPr>
-            <a:lvl4pPr algn="l" defTabSz="1054100" rtl="0" eaLnBrk="1" fontAlgn="base" hangingPunct="1">
-              <a:spcBef>
-                <a:spcPct val="0"/>
-              </a:spcBef>
-              <a:spcAft>
-                <a:spcPct val="0"/>
-              </a:spcAft>
-              <a:defRPr sz="3000" b="1">
-                <a:solidFill>
-                  <a:schemeClr val="tx2"/>
-                </a:solidFill>
-                <a:latin typeface="Arial" charset="0"/>
-              </a:defRPr>
-            </a:lvl4pPr>
-            <a:lvl5pPr algn="l" defTabSz="1054100" rtl="0" eaLnBrk="1" fontAlgn="base" hangingPunct="1">
-              <a:spcBef>
-                <a:spcPct val="0"/>
-              </a:spcBef>
-              <a:spcAft>
-                <a:spcPct val="0"/>
-              </a:spcAft>
-              <a:defRPr sz="3000" b="1">
-                <a:solidFill>
-                  <a:schemeClr val="tx2"/>
-                </a:solidFill>
-                <a:latin typeface="Arial" charset="0"/>
-              </a:defRPr>
-            </a:lvl5pPr>
-            <a:lvl6pPr marL="457200" algn="l" defTabSz="1054100" rtl="0" eaLnBrk="1" fontAlgn="base" hangingPunct="1">
-              <a:spcBef>
-                <a:spcPct val="0"/>
-              </a:spcBef>
-              <a:spcAft>
-                <a:spcPct val="0"/>
-              </a:spcAft>
-              <a:defRPr sz="3000" b="1">
-                <a:solidFill>
-                  <a:schemeClr val="tx2"/>
-                </a:solidFill>
-                <a:latin typeface="Arial" charset="0"/>
-              </a:defRPr>
-            </a:lvl6pPr>
-            <a:lvl7pPr marL="914400" algn="l" defTabSz="1054100" rtl="0" eaLnBrk="1" fontAlgn="base" hangingPunct="1">
-              <a:spcBef>
-                <a:spcPct val="0"/>
-              </a:spcBef>
-              <a:spcAft>
-                <a:spcPct val="0"/>
-              </a:spcAft>
-              <a:defRPr sz="3000" b="1">
-                <a:solidFill>
-                  <a:schemeClr val="tx2"/>
-                </a:solidFill>
-                <a:latin typeface="Arial" charset="0"/>
-              </a:defRPr>
-            </a:lvl7pPr>
-            <a:lvl8pPr marL="1371600" algn="l" defTabSz="1054100" rtl="0" eaLnBrk="1" fontAlgn="base" hangingPunct="1">
-              <a:spcBef>
-                <a:spcPct val="0"/>
-              </a:spcBef>
-              <a:spcAft>
-                <a:spcPct val="0"/>
-              </a:spcAft>
-              <a:defRPr sz="3000" b="1">
-                <a:solidFill>
-                  <a:schemeClr val="tx2"/>
-                </a:solidFill>
-                <a:latin typeface="Arial" charset="0"/>
-              </a:defRPr>
-            </a:lvl8pPr>
-            <a:lvl9pPr marL="1828800" algn="l" defTabSz="1054100" rtl="0" eaLnBrk="1" fontAlgn="base" hangingPunct="1">
-              <a:spcBef>
-                <a:spcPct val="0"/>
-              </a:spcBef>
-              <a:spcAft>
-                <a:spcPct val="0"/>
-              </a:spcAft>
-              <a:defRPr sz="3000" b="1">
-                <a:solidFill>
-                  <a:schemeClr val="tx2"/>
-                </a:solidFill>
-                <a:latin typeface="Arial" charset="0"/>
-              </a:defRPr>
-            </a:lvl9pPr>
-          </a:lstStyle>
-          <a:p>
-            <a:r>
-              <a:rPr lang="de-DE" kern="0" dirty="0"/>
-              <a:t>Value und Data</a:t>
-            </a:r>
-            <a:br>
-              <a:rPr lang="de-DE" kern="0" dirty="0"/>
-            </a:br>
-            <a:r>
-              <a:rPr lang="de-DE" sz="2400" b="0" i="1" kern="0" dirty="0"/>
-              <a:t>ABI-Spezifikation</a:t>
-            </a:r>
-            <a:endParaRPr lang="en-US" sz="2400" b="0" i="1" kern="0" dirty="0"/>
-          </a:p>
-        </p:txBody>
-      </p:sp>
-      <p:sp>
-        <p:nvSpPr>
-          <p:cNvPr id="22" name="Rectangle 3">
-            <a:extLst>
-              <a:ext uri="{FF2B5EF4-FFF2-40B4-BE49-F238E27FC236}">
-                <a16:creationId xmlns:a16="http://schemas.microsoft.com/office/drawing/2014/main" id="{4E9E9FA4-818B-4D36-BD6E-223890B6648D}"/>
-              </a:ext>
-            </a:extLst>
-          </p:cNvPr>
-          <p:cNvSpPr txBox="1">
-            <a:spLocks noChangeArrowheads="1"/>
-          </p:cNvSpPr>
-          <p:nvPr/>
-        </p:nvSpPr>
-        <p:spPr bwMode="auto">
-          <a:xfrm>
-            <a:off x="656659" y="2138364"/>
-            <a:ext cx="10592363" cy="3083221"/>
-          </a:xfrm>
-          <a:prstGeom prst="rect">
-            <a:avLst/>
-          </a:prstGeom>
-          <a:noFill/>
-          <a:ln>
-            <a:noFill/>
-          </a:ln>
-          <a:effectLst/>
-          <a:extLst>
-            <a:ext uri="{909E8E84-426E-40dd-AFC4-6F175D3DCCD1}">
-              <a14:hiddenFill xmlns:a14="http://schemas.microsoft.com/office/drawing/2010/main" xmlns="">
-                <a:solidFill>
-                  <a:schemeClr val="accent1"/>
-                </a:solidFill>
-              </a14:hiddenFill>
-            </a:ext>
-            <a:ext uri="{91240B29-F687-4f45-9708-019B960494DF}">
-              <a14:hiddenLine xmlns:a14="http://schemas.microsoft.com/office/drawing/2010/main" xmlns="" w="9525">
-                <a:solidFill>
-                  <a:schemeClr val="tx1"/>
-                </a:solidFill>
-                <a:miter lim="800000"/>
-                <a:headEnd/>
-                <a:tailEnd/>
-              </a14:hiddenLine>
-            </a:ext>
-            <a:ext uri="{AF507438-7753-43e0-B8FC-AC1667EBCBE1}">
-              <a14:hiddenEffects xmlns:a14="http://schemas.microsoft.com/office/drawing/2010/main" xmlns="">
-                <a:effectLst>
-                  <a:outerShdw dist="35921" dir="2700000" algn="ctr" rotWithShape="0">
-                    <a:schemeClr val="bg2"/>
-                  </a:outerShdw>
-                </a:effectLst>
-              </a14:hiddenEffects>
-            </a:ext>
-          </a:extLst>
-        </p:spPr>
-        <p:txBody>
-          <a:bodyPr vert="horz" wrap="square" lIns="0" tIns="0" rIns="0" bIns="0" numCol="1" anchor="t" anchorCtr="0" compatLnSpc="1">
-            <a:prstTxWarp prst="textNoShape">
-              <a:avLst/>
-            </a:prstTxWarp>
-          </a:bodyPr>
-          <a:lstStyle>
-            <a:lvl1pPr algn="l" defTabSz="1054100" rtl="0" eaLnBrk="1" fontAlgn="base" hangingPunct="1">
-              <a:lnSpc>
-                <a:spcPct val="110000"/>
-              </a:lnSpc>
-              <a:spcBef>
-                <a:spcPct val="0"/>
-              </a:spcBef>
-              <a:spcAft>
-                <a:spcPct val="40000"/>
-              </a:spcAft>
-              <a:defRPr sz="1700">
-                <a:solidFill>
-                  <a:schemeClr val="tx1"/>
-                </a:solidFill>
-                <a:latin typeface="+mn-lt"/>
-                <a:ea typeface="+mn-ea"/>
-                <a:cs typeface="+mn-cs"/>
-              </a:defRPr>
-            </a:lvl1pPr>
-            <a:lvl2pPr marL="269875" indent="-268288" algn="l" defTabSz="1054100" rtl="0" eaLnBrk="1" fontAlgn="base" hangingPunct="1">
-              <a:lnSpc>
-                <a:spcPct val="110000"/>
-              </a:lnSpc>
-              <a:spcBef>
-                <a:spcPct val="0"/>
-              </a:spcBef>
-              <a:spcAft>
-                <a:spcPct val="40000"/>
-              </a:spcAft>
-              <a:buChar char="•"/>
-              <a:defRPr sz="1700">
-                <a:solidFill>
-                  <a:schemeClr val="tx1"/>
-                </a:solidFill>
-                <a:latin typeface="+mn-lt"/>
-              </a:defRPr>
-            </a:lvl2pPr>
-            <a:lvl3pPr marL="627063" indent="-177800" algn="l" defTabSz="1054100" rtl="0" eaLnBrk="1" fontAlgn="base" hangingPunct="1">
-              <a:lnSpc>
-                <a:spcPct val="110000"/>
-              </a:lnSpc>
-              <a:spcBef>
-                <a:spcPct val="0"/>
-              </a:spcBef>
-              <a:spcAft>
-                <a:spcPct val="40000"/>
-              </a:spcAft>
-              <a:buFont typeface="Arial" charset="0"/>
-              <a:buChar char="-"/>
-              <a:defRPr sz="1700">
-                <a:solidFill>
-                  <a:schemeClr val="tx1"/>
-                </a:solidFill>
-                <a:latin typeface="+mn-lt"/>
-              </a:defRPr>
-            </a:lvl3pPr>
-            <a:lvl4pPr marL="1074738" indent="-174625" algn="l" defTabSz="1054100" rtl="0" eaLnBrk="1" fontAlgn="base" hangingPunct="1">
-              <a:lnSpc>
-                <a:spcPct val="110000"/>
-              </a:lnSpc>
-              <a:spcBef>
-                <a:spcPct val="0"/>
-              </a:spcBef>
-              <a:spcAft>
-                <a:spcPct val="40000"/>
-              </a:spcAft>
-              <a:buFont typeface="Arial" charset="0"/>
-              <a:buChar char="-"/>
-              <a:defRPr sz="1700" i="1">
-                <a:solidFill>
-                  <a:schemeClr val="tx1"/>
-                </a:solidFill>
-                <a:latin typeface="+mn-lt"/>
-              </a:defRPr>
-            </a:lvl4pPr>
-            <a:lvl5pPr marL="1616075" indent="-176213" algn="l" defTabSz="1054100" rtl="0" eaLnBrk="1" fontAlgn="base" hangingPunct="1">
-              <a:lnSpc>
-                <a:spcPct val="110000"/>
-              </a:lnSpc>
-              <a:spcBef>
-                <a:spcPct val="0"/>
-              </a:spcBef>
-              <a:spcAft>
-                <a:spcPct val="40000"/>
-              </a:spcAft>
-              <a:buFont typeface="Arial" charset="0"/>
-              <a:buChar char="-"/>
-              <a:defRPr sz="1700">
-                <a:solidFill>
-                  <a:schemeClr val="tx1"/>
-                </a:solidFill>
-                <a:latin typeface="+mn-lt"/>
-              </a:defRPr>
-            </a:lvl5pPr>
-            <a:lvl6pPr marL="2073275" indent="-176213" algn="l" defTabSz="1054100" rtl="0" eaLnBrk="1" fontAlgn="base" hangingPunct="1">
-              <a:lnSpc>
-                <a:spcPct val="110000"/>
-              </a:lnSpc>
-              <a:spcBef>
-                <a:spcPct val="0"/>
-              </a:spcBef>
-              <a:spcAft>
-                <a:spcPct val="40000"/>
-              </a:spcAft>
-              <a:buFont typeface="Arial" charset="0"/>
-              <a:buChar char="-"/>
-              <a:defRPr sz="1700">
-                <a:solidFill>
-                  <a:schemeClr val="tx1"/>
-                </a:solidFill>
-                <a:latin typeface="+mn-lt"/>
-              </a:defRPr>
-            </a:lvl6pPr>
-            <a:lvl7pPr marL="2530475" indent="-176213" algn="l" defTabSz="1054100" rtl="0" eaLnBrk="1" fontAlgn="base" hangingPunct="1">
-              <a:lnSpc>
-                <a:spcPct val="110000"/>
-              </a:lnSpc>
-              <a:spcBef>
-                <a:spcPct val="0"/>
-              </a:spcBef>
-              <a:spcAft>
-                <a:spcPct val="40000"/>
-              </a:spcAft>
-              <a:buFont typeface="Arial" charset="0"/>
-              <a:buChar char="-"/>
-              <a:defRPr sz="1700">
-                <a:solidFill>
-                  <a:schemeClr val="tx1"/>
-                </a:solidFill>
-                <a:latin typeface="+mn-lt"/>
-              </a:defRPr>
-            </a:lvl7pPr>
-            <a:lvl8pPr marL="2987675" indent="-176213" algn="l" defTabSz="1054100" rtl="0" eaLnBrk="1" fontAlgn="base" hangingPunct="1">
-              <a:lnSpc>
-                <a:spcPct val="110000"/>
-              </a:lnSpc>
-              <a:spcBef>
-                <a:spcPct val="0"/>
-              </a:spcBef>
-              <a:spcAft>
-                <a:spcPct val="40000"/>
-              </a:spcAft>
-              <a:buFont typeface="Arial" charset="0"/>
-              <a:buChar char="-"/>
-              <a:defRPr sz="1700">
-                <a:solidFill>
-                  <a:schemeClr val="tx1"/>
-                </a:solidFill>
-                <a:latin typeface="+mn-lt"/>
-              </a:defRPr>
-            </a:lvl8pPr>
-            <a:lvl9pPr marL="3444875" indent="-176213" algn="l" defTabSz="1054100" rtl="0" eaLnBrk="1" fontAlgn="base" hangingPunct="1">
-              <a:lnSpc>
-                <a:spcPct val="110000"/>
-              </a:lnSpc>
-              <a:spcBef>
-                <a:spcPct val="0"/>
-              </a:spcBef>
-              <a:spcAft>
-                <a:spcPct val="40000"/>
-              </a:spcAft>
-              <a:buFont typeface="Arial" charset="0"/>
-              <a:buChar char="-"/>
-              <a:defRPr sz="1700">
-                <a:solidFill>
-                  <a:schemeClr val="tx1"/>
-                </a:solidFill>
-                <a:latin typeface="+mn-lt"/>
-              </a:defRPr>
-            </a:lvl9pPr>
-          </a:lstStyle>
-          <a:p>
-            <a:pPr marL="285750" indent="-285750">
-              <a:buFont typeface="Arial" panose="020B0604020202020204" pitchFamily="34" charset="0"/>
-              <a:buChar char="•"/>
-            </a:pPr>
-            <a:r>
-              <a:rPr lang="en-US" kern="0" dirty="0"/>
-              <a:t>Contract Application Binary Interface (ABI) </a:t>
-            </a:r>
-          </a:p>
-          <a:p>
-            <a:pPr marL="285750" indent="-285750">
-              <a:buFont typeface="Arial" panose="020B0604020202020204" pitchFamily="34" charset="0"/>
-              <a:buChar char="•"/>
-            </a:pPr>
-            <a:r>
-              <a:rPr lang="en-US" kern="0" dirty="0" err="1"/>
-              <a:t>Definiert</a:t>
-            </a:r>
-            <a:r>
-              <a:rPr lang="en-US" kern="0" dirty="0"/>
-              <a:t> </a:t>
-            </a:r>
-            <a:r>
-              <a:rPr lang="en-US" kern="0" dirty="0" err="1"/>
-              <a:t>wie</a:t>
-            </a:r>
-            <a:r>
-              <a:rPr lang="en-US" kern="0" dirty="0"/>
-              <a:t> </a:t>
-            </a:r>
-            <a:r>
-              <a:rPr lang="en-US" kern="0" dirty="0" err="1"/>
-              <a:t>mit</a:t>
-            </a:r>
-            <a:r>
-              <a:rPr lang="en-US" kern="0" dirty="0"/>
-              <a:t> </a:t>
-            </a:r>
-            <a:r>
-              <a:rPr lang="en-US" kern="0" dirty="0" err="1"/>
-              <a:t>einem</a:t>
-            </a:r>
-            <a:r>
-              <a:rPr lang="en-US" kern="0" dirty="0"/>
-              <a:t> </a:t>
-            </a:r>
-            <a:r>
-              <a:rPr lang="en-US" kern="0" dirty="0" err="1"/>
-              <a:t>Kontrakt</a:t>
-            </a:r>
-            <a:r>
-              <a:rPr lang="en-US" kern="0" dirty="0"/>
-              <a:t> </a:t>
-            </a:r>
-            <a:r>
-              <a:rPr lang="en-US" kern="0" dirty="0" err="1"/>
-              <a:t>über</a:t>
-            </a:r>
-            <a:r>
-              <a:rPr lang="en-US" kern="0" dirty="0"/>
-              <a:t> </a:t>
-            </a:r>
-            <a:r>
-              <a:rPr lang="en-US" kern="0" dirty="0" err="1"/>
-              <a:t>Transaktionen</a:t>
-            </a:r>
-            <a:r>
-              <a:rPr lang="en-US" kern="0" dirty="0"/>
-              <a:t> </a:t>
-            </a:r>
-            <a:r>
-              <a:rPr lang="en-US" kern="0" dirty="0" err="1"/>
-              <a:t>interargiert</a:t>
-            </a:r>
-            <a:r>
-              <a:rPr lang="en-US" kern="0" dirty="0"/>
-              <a:t> </a:t>
-            </a:r>
-            <a:r>
-              <a:rPr lang="en-US" kern="0" dirty="0" err="1"/>
-              <a:t>werden</a:t>
-            </a:r>
-            <a:r>
-              <a:rPr lang="en-US" kern="0" dirty="0"/>
-              <a:t> muss</a:t>
-            </a:r>
-          </a:p>
-          <a:p>
-            <a:pPr marL="285750" indent="-285750">
-              <a:buFont typeface="Arial" panose="020B0604020202020204" pitchFamily="34" charset="0"/>
-              <a:buChar char="•"/>
-            </a:pPr>
-            <a:r>
-              <a:rPr lang="en-US" kern="0" dirty="0"/>
-              <a:t>ABI </a:t>
-            </a:r>
-            <a:r>
-              <a:rPr lang="en-US" kern="0" dirty="0" err="1"/>
-              <a:t>konforme</a:t>
-            </a:r>
-            <a:r>
-              <a:rPr lang="en-US" kern="0" dirty="0"/>
-              <a:t> </a:t>
-            </a:r>
-            <a:r>
-              <a:rPr lang="en-US" kern="0" dirty="0" err="1"/>
-              <a:t>Funktionsaufruf</a:t>
-            </a:r>
-            <a:r>
-              <a:rPr lang="en-US" kern="0" dirty="0"/>
-              <a:t> </a:t>
-            </a:r>
-            <a:r>
-              <a:rPr lang="en-US" kern="0" dirty="0" err="1"/>
-              <a:t>besteht</a:t>
-            </a:r>
-            <a:r>
-              <a:rPr lang="en-US" kern="0" dirty="0"/>
-              <a:t> </a:t>
-            </a:r>
-            <a:r>
-              <a:rPr lang="en-US" kern="0" dirty="0" err="1"/>
-              <a:t>aus</a:t>
-            </a:r>
-            <a:r>
-              <a:rPr lang="en-US" kern="0" dirty="0"/>
-              <a:t> </a:t>
-            </a:r>
-            <a:r>
-              <a:rPr lang="en-US" kern="0" dirty="0" err="1"/>
-              <a:t>zwei</a:t>
-            </a:r>
-            <a:r>
-              <a:rPr lang="en-US" kern="0" dirty="0"/>
-              <a:t> </a:t>
-            </a:r>
-            <a:r>
-              <a:rPr lang="en-US" kern="0" dirty="0" err="1"/>
-              <a:t>Komponenten</a:t>
-            </a:r>
-            <a:r>
-              <a:rPr lang="en-US" kern="0" dirty="0"/>
-              <a:t>:</a:t>
-            </a:r>
-          </a:p>
-          <a:p>
-            <a:pPr marL="612775" lvl="1" indent="-342900">
-              <a:buFont typeface="+mj-lt"/>
-              <a:buAutoNum type="arabicPeriod"/>
-            </a:pPr>
-            <a:r>
-              <a:rPr lang="en-US" kern="0" dirty="0" err="1"/>
-              <a:t>Funktionsselektor</a:t>
-            </a:r>
-            <a:endParaRPr lang="en-US" kern="0" dirty="0"/>
-          </a:p>
-          <a:p>
-            <a:pPr marL="612775" lvl="1" indent="-342900">
-              <a:buFont typeface="+mj-lt"/>
-              <a:buAutoNum type="arabicPeriod"/>
-            </a:pPr>
-            <a:r>
-              <a:rPr lang="en-US" kern="0" dirty="0"/>
-              <a:t>Funktionsargumente</a:t>
-            </a:r>
-          </a:p>
-        </p:txBody>
-      </p:sp>
-    </p:spTree>
-    <p:extLst>
-      <p:ext uri="{BB962C8B-B14F-4D97-AF65-F5344CB8AC3E}">
-        <p14:creationId xmlns:p14="http://schemas.microsoft.com/office/powerpoint/2010/main" val="325971666"/>
-      </p:ext>
-    </p:extLst>
-  </p:cSld>
-  <p:clrMapOvr>
-    <a:masterClrMapping/>
-  </p:clrMapOvr>
-</p:sld>
-</file>
-
 <file path=ppt/slides/slide19.xml><?xml version="1.0" encoding="utf-8"?>
 <p:sld xmlns:a="http://schemas.openxmlformats.org/drawingml/2006/main" xmlns:r="http://schemas.openxmlformats.org/officeDocument/2006/relationships" xmlns:p="http://schemas.openxmlformats.org/presentationml/2006/main">
   <p:cSld>
@@ -16263,18 +17971,520 @@
             </a:br>
             <a:r>
               <a:rPr lang="de-DE" sz="2400" b="0" i="1" kern="0" dirty="0"/>
-              <a:t>ABI-Spezifikation</a:t>
+              <a:t>Der Funktionsaufruf</a:t>
             </a:r>
             <a:endParaRPr lang="en-US" sz="2400" b="0" i="1" kern="0" dirty="0"/>
           </a:p>
         </p:txBody>
       </p:sp>
+      <mc:AlternateContent xmlns:mc="http://schemas.openxmlformats.org/markup-compatibility/2006" xmlns:a14="http://schemas.microsoft.com/office/drawing/2010/main">
+        <mc:Choice Requires="a14">
+          <p:sp>
+            <p:nvSpPr>
+              <p:cNvPr id="22" name="Rectangle 3">
+                <a:extLst>
+                  <a:ext uri="{FF2B5EF4-FFF2-40B4-BE49-F238E27FC236}">
+                    <a16:creationId xmlns:a16="http://schemas.microsoft.com/office/drawing/2014/main" id="{4E9E9FA4-818B-4D36-BD6E-223890B6648D}"/>
+                  </a:ext>
+                </a:extLst>
+              </p:cNvPr>
+              <p:cNvSpPr txBox="1">
+                <a:spLocks noChangeArrowheads="1"/>
+              </p:cNvSpPr>
+              <p:nvPr/>
+            </p:nvSpPr>
+            <p:spPr bwMode="auto">
+              <a:xfrm>
+                <a:off x="656659" y="2138364"/>
+                <a:ext cx="10592363" cy="3083221"/>
+              </a:xfrm>
+              <a:prstGeom prst="rect">
+                <a:avLst/>
+              </a:prstGeom>
+              <a:noFill/>
+              <a:ln>
+                <a:noFill/>
+              </a:ln>
+              <a:effectLst/>
+              <a:extLst>
+                <a:ext uri="{909E8E84-426E-40dd-AFC4-6F175D3DCCD1}">
+                  <a14:hiddenFill xmlns="">
+                    <a:solidFill>
+                      <a:schemeClr val="accent1"/>
+                    </a:solidFill>
+                  </a14:hiddenFill>
+                </a:ext>
+                <a:ext uri="{91240B29-F687-4f45-9708-019B960494DF}">
+                  <a14:hiddenLine xmlns="" w="9525">
+                    <a:solidFill>
+                      <a:schemeClr val="tx1"/>
+                    </a:solidFill>
+                    <a:miter lim="800000"/>
+                    <a:headEnd/>
+                    <a:tailEnd/>
+                  </a14:hiddenLine>
+                </a:ext>
+                <a:ext uri="{AF507438-7753-43e0-B8FC-AC1667EBCBE1}">
+                  <a14:hiddenEffects xmlns="">
+                    <a:effectLst>
+                      <a:outerShdw dist="35921" dir="2700000" algn="ctr" rotWithShape="0">
+                        <a:schemeClr val="bg2"/>
+                      </a:outerShdw>
+                    </a:effectLst>
+                  </a14:hiddenEffects>
+                </a:ext>
+              </a:extLst>
+            </p:spPr>
+            <p:txBody>
+              <a:bodyPr vert="horz" wrap="square" lIns="0" tIns="0" rIns="0" bIns="0" numCol="1" anchor="t" anchorCtr="0" compatLnSpc="1">
+                <a:prstTxWarp prst="textNoShape">
+                  <a:avLst/>
+                </a:prstTxWarp>
+              </a:bodyPr>
+              <a:lstStyle>
+                <a:lvl1pPr algn="l" defTabSz="1054100" rtl="0" eaLnBrk="1" fontAlgn="base" hangingPunct="1">
+                  <a:lnSpc>
+                    <a:spcPct val="110000"/>
+                  </a:lnSpc>
+                  <a:spcBef>
+                    <a:spcPct val="0"/>
+                  </a:spcBef>
+                  <a:spcAft>
+                    <a:spcPct val="40000"/>
+                  </a:spcAft>
+                  <a:defRPr sz="1700">
+                    <a:solidFill>
+                      <a:schemeClr val="tx1"/>
+                    </a:solidFill>
+                    <a:latin typeface="+mn-lt"/>
+                    <a:ea typeface="+mn-ea"/>
+                    <a:cs typeface="+mn-cs"/>
+                  </a:defRPr>
+                </a:lvl1pPr>
+                <a:lvl2pPr marL="269875" indent="-268288" algn="l" defTabSz="1054100" rtl="0" eaLnBrk="1" fontAlgn="base" hangingPunct="1">
+                  <a:lnSpc>
+                    <a:spcPct val="110000"/>
+                  </a:lnSpc>
+                  <a:spcBef>
+                    <a:spcPct val="0"/>
+                  </a:spcBef>
+                  <a:spcAft>
+                    <a:spcPct val="40000"/>
+                  </a:spcAft>
+                  <a:buChar char="•"/>
+                  <a:defRPr sz="1700">
+                    <a:solidFill>
+                      <a:schemeClr val="tx1"/>
+                    </a:solidFill>
+                    <a:latin typeface="+mn-lt"/>
+                  </a:defRPr>
+                </a:lvl2pPr>
+                <a:lvl3pPr marL="627063" indent="-177800" algn="l" defTabSz="1054100" rtl="0" eaLnBrk="1" fontAlgn="base" hangingPunct="1">
+                  <a:lnSpc>
+                    <a:spcPct val="110000"/>
+                  </a:lnSpc>
+                  <a:spcBef>
+                    <a:spcPct val="0"/>
+                  </a:spcBef>
+                  <a:spcAft>
+                    <a:spcPct val="40000"/>
+                  </a:spcAft>
+                  <a:buFont typeface="Arial" charset="0"/>
+                  <a:buChar char="-"/>
+                  <a:defRPr sz="1700">
+                    <a:solidFill>
+                      <a:schemeClr val="tx1"/>
+                    </a:solidFill>
+                    <a:latin typeface="+mn-lt"/>
+                  </a:defRPr>
+                </a:lvl3pPr>
+                <a:lvl4pPr marL="1074738" indent="-174625" algn="l" defTabSz="1054100" rtl="0" eaLnBrk="1" fontAlgn="base" hangingPunct="1">
+                  <a:lnSpc>
+                    <a:spcPct val="110000"/>
+                  </a:lnSpc>
+                  <a:spcBef>
+                    <a:spcPct val="0"/>
+                  </a:spcBef>
+                  <a:spcAft>
+                    <a:spcPct val="40000"/>
+                  </a:spcAft>
+                  <a:buFont typeface="Arial" charset="0"/>
+                  <a:buChar char="-"/>
+                  <a:defRPr sz="1700" i="1">
+                    <a:solidFill>
+                      <a:schemeClr val="tx1"/>
+                    </a:solidFill>
+                    <a:latin typeface="+mn-lt"/>
+                  </a:defRPr>
+                </a:lvl4pPr>
+                <a:lvl5pPr marL="1616075" indent="-176213" algn="l" defTabSz="1054100" rtl="0" eaLnBrk="1" fontAlgn="base" hangingPunct="1">
+                  <a:lnSpc>
+                    <a:spcPct val="110000"/>
+                  </a:lnSpc>
+                  <a:spcBef>
+                    <a:spcPct val="0"/>
+                  </a:spcBef>
+                  <a:spcAft>
+                    <a:spcPct val="40000"/>
+                  </a:spcAft>
+                  <a:buFont typeface="Arial" charset="0"/>
+                  <a:buChar char="-"/>
+                  <a:defRPr sz="1700">
+                    <a:solidFill>
+                      <a:schemeClr val="tx1"/>
+                    </a:solidFill>
+                    <a:latin typeface="+mn-lt"/>
+                  </a:defRPr>
+                </a:lvl5pPr>
+                <a:lvl6pPr marL="2073275" indent="-176213" algn="l" defTabSz="1054100" rtl="0" eaLnBrk="1" fontAlgn="base" hangingPunct="1">
+                  <a:lnSpc>
+                    <a:spcPct val="110000"/>
+                  </a:lnSpc>
+                  <a:spcBef>
+                    <a:spcPct val="0"/>
+                  </a:spcBef>
+                  <a:spcAft>
+                    <a:spcPct val="40000"/>
+                  </a:spcAft>
+                  <a:buFont typeface="Arial" charset="0"/>
+                  <a:buChar char="-"/>
+                  <a:defRPr sz="1700">
+                    <a:solidFill>
+                      <a:schemeClr val="tx1"/>
+                    </a:solidFill>
+                    <a:latin typeface="+mn-lt"/>
+                  </a:defRPr>
+                </a:lvl6pPr>
+                <a:lvl7pPr marL="2530475" indent="-176213" algn="l" defTabSz="1054100" rtl="0" eaLnBrk="1" fontAlgn="base" hangingPunct="1">
+                  <a:lnSpc>
+                    <a:spcPct val="110000"/>
+                  </a:lnSpc>
+                  <a:spcBef>
+                    <a:spcPct val="0"/>
+                  </a:spcBef>
+                  <a:spcAft>
+                    <a:spcPct val="40000"/>
+                  </a:spcAft>
+                  <a:buFont typeface="Arial" charset="0"/>
+                  <a:buChar char="-"/>
+                  <a:defRPr sz="1700">
+                    <a:solidFill>
+                      <a:schemeClr val="tx1"/>
+                    </a:solidFill>
+                    <a:latin typeface="+mn-lt"/>
+                  </a:defRPr>
+                </a:lvl7pPr>
+                <a:lvl8pPr marL="2987675" indent="-176213" algn="l" defTabSz="1054100" rtl="0" eaLnBrk="1" fontAlgn="base" hangingPunct="1">
+                  <a:lnSpc>
+                    <a:spcPct val="110000"/>
+                  </a:lnSpc>
+                  <a:spcBef>
+                    <a:spcPct val="0"/>
+                  </a:spcBef>
+                  <a:spcAft>
+                    <a:spcPct val="40000"/>
+                  </a:spcAft>
+                  <a:buFont typeface="Arial" charset="0"/>
+                  <a:buChar char="-"/>
+                  <a:defRPr sz="1700">
+                    <a:solidFill>
+                      <a:schemeClr val="tx1"/>
+                    </a:solidFill>
+                    <a:latin typeface="+mn-lt"/>
+                  </a:defRPr>
+                </a:lvl8pPr>
+                <a:lvl9pPr marL="3444875" indent="-176213" algn="l" defTabSz="1054100" rtl="0" eaLnBrk="1" fontAlgn="base" hangingPunct="1">
+                  <a:lnSpc>
+                    <a:spcPct val="110000"/>
+                  </a:lnSpc>
+                  <a:spcBef>
+                    <a:spcPct val="0"/>
+                  </a:spcBef>
+                  <a:spcAft>
+                    <a:spcPct val="40000"/>
+                  </a:spcAft>
+                  <a:buFont typeface="Arial" charset="0"/>
+                  <a:buChar char="-"/>
+                  <a:defRPr sz="1700">
+                    <a:solidFill>
+                      <a:schemeClr val="tx1"/>
+                    </a:solidFill>
+                    <a:latin typeface="+mn-lt"/>
+                  </a:defRPr>
+                </a:lvl9pPr>
+              </a:lstStyle>
+              <a:p>
+                <a:pPr marL="285750" indent="-285750">
+                  <a:buFont typeface="Arial" panose="020B0604020202020204" pitchFamily="34" charset="0"/>
+                  <a:buChar char="•"/>
+                </a:pPr>
+                <a14:m>
+                  <m:oMath xmlns:m="http://schemas.openxmlformats.org/officeDocument/2006/math">
+                    <m:sSub>
+                      <m:sSubPr>
+                        <m:ctrlPr>
+                          <a:rPr lang="en-US" i="1" kern="0" smtClean="0">
+                            <a:latin typeface="Cambria Math" panose="02040503050406030204" pitchFamily="18" charset="0"/>
+                          </a:rPr>
+                        </m:ctrlPr>
+                      </m:sSubPr>
+                      <m:e>
+                        <m:r>
+                          <a:rPr lang="de-DE" b="0" i="1" kern="0" smtClean="0">
+                            <a:latin typeface="Cambria Math" panose="02040503050406030204" pitchFamily="18" charset="0"/>
+                          </a:rPr>
+                          <m:t>𝑇</m:t>
+                        </m:r>
+                      </m:e>
+                      <m:sub>
+                        <m:r>
+                          <a:rPr lang="de-DE" b="0" i="1" kern="0" smtClean="0">
+                            <a:latin typeface="Cambria Math" panose="02040503050406030204" pitchFamily="18" charset="0"/>
+                          </a:rPr>
+                          <m:t>𝑥</m:t>
+                        </m:r>
+                      </m:sub>
+                    </m:sSub>
+                  </m:oMath>
+                </a14:m>
+                <a:r>
+                  <a:rPr lang="en-US" kern="0" dirty="0"/>
+                  <a:t> </a:t>
+                </a:r>
+                <a:r>
+                  <a:rPr lang="en-US" kern="0" dirty="0" err="1"/>
+                  <a:t>soll</a:t>
+                </a:r>
+                <a:r>
+                  <a:rPr lang="en-US" kern="0" dirty="0"/>
+                  <a:t> </a:t>
+                </a:r>
+                <a:r>
+                  <a:rPr lang="en-US" kern="0" dirty="0" err="1"/>
+                  <a:t>folgende</a:t>
+                </a:r>
+                <a:r>
+                  <a:rPr lang="en-US" kern="0" dirty="0"/>
+                  <a:t> </a:t>
+                </a:r>
+                <a:r>
+                  <a:rPr lang="en-US" kern="0" dirty="0" err="1"/>
+                  <a:t>Funktion</a:t>
+                </a:r>
+                <a:r>
+                  <a:rPr lang="en-US" kern="0" dirty="0"/>
+                  <a:t> </a:t>
+                </a:r>
+                <a:r>
+                  <a:rPr lang="en-US" kern="0" dirty="0" err="1"/>
+                  <a:t>aufrufen</a:t>
+                </a:r>
+                <a:r>
+                  <a:rPr lang="en-US" kern="0" dirty="0"/>
+                  <a:t>:</a:t>
+                </a:r>
+              </a:p>
+              <a:p>
+                <a:pPr marL="285750" indent="-285750">
+                  <a:buFont typeface="Arial" panose="020B0604020202020204" pitchFamily="34" charset="0"/>
+                  <a:buChar char="•"/>
+                </a:pPr>
+                <a:endParaRPr lang="en-US" kern="0" dirty="0"/>
+              </a:p>
+              <a:p>
+                <a:pPr marL="285750" indent="-285750">
+                  <a:buFont typeface="Arial" panose="020B0604020202020204" pitchFamily="34" charset="0"/>
+                  <a:buChar char="•"/>
+                </a:pPr>
+                <a:endParaRPr lang="en-US" kern="0" dirty="0"/>
+              </a:p>
+              <a:p>
+                <a:pPr marL="285750" indent="-285750">
+                  <a:buFont typeface="Arial" panose="020B0604020202020204" pitchFamily="34" charset="0"/>
+                  <a:buChar char="•"/>
+                </a:pPr>
+                <a:endParaRPr lang="en-US" kern="0" dirty="0"/>
+              </a:p>
+              <a:p>
+                <a:pPr marL="285750" indent="-285750">
+                  <a:buFont typeface="Arial" panose="020B0604020202020204" pitchFamily="34" charset="0"/>
+                  <a:buChar char="•"/>
+                </a:pPr>
+                <a:endParaRPr lang="en-US" kern="0" dirty="0"/>
+              </a:p>
+              <a:p>
+                <a:pPr marL="285750" indent="-285750">
+                  <a:buFont typeface="Arial" panose="020B0604020202020204" pitchFamily="34" charset="0"/>
+                  <a:buChar char="•"/>
+                </a:pPr>
+                <a:endParaRPr lang="en-US" kern="0" dirty="0"/>
+              </a:p>
+              <a:p>
+                <a:pPr marL="285750" indent="-285750">
+                  <a:buFont typeface="Arial" panose="020B0604020202020204" pitchFamily="34" charset="0"/>
+                  <a:buChar char="•"/>
+                </a:pPr>
+                <a:r>
+                  <a:rPr lang="en-US" kern="0" dirty="0" err="1"/>
+                  <a:t>Funktion</a:t>
+                </a:r>
+                <a:r>
+                  <a:rPr lang="en-US" kern="0" dirty="0"/>
+                  <a:t> </a:t>
+                </a:r>
+                <a:r>
+                  <a:rPr lang="en-US" kern="0" dirty="0" err="1"/>
+                  <a:t>besitzt</a:t>
+                </a:r>
+                <a:r>
+                  <a:rPr lang="en-US" kern="0" dirty="0"/>
+                  <a:t> das </a:t>
+                </a:r>
+                <a:r>
+                  <a:rPr lang="en-US" kern="0" dirty="0" err="1"/>
+                  <a:t>Schlüsselwort</a:t>
+                </a:r>
+                <a:r>
+                  <a:rPr lang="en-US" kern="0" dirty="0"/>
+                  <a:t> </a:t>
+                </a:r>
+                <a:r>
+                  <a:rPr lang="en-US" kern="0" dirty="0">
+                    <a:latin typeface="JetBrains Mono" panose="020B0509020102050004" pitchFamily="49" charset="0"/>
+                  </a:rPr>
+                  <a:t>payable</a:t>
+                </a:r>
+                <a:r>
+                  <a:rPr lang="en-US" kern="0" dirty="0"/>
+                  <a:t>, </a:t>
+                </a:r>
+                <a:r>
+                  <a:rPr lang="en-US" kern="0" dirty="0" err="1"/>
+                  <a:t>damit</a:t>
+                </a:r>
+                <a:r>
+                  <a:rPr lang="en-US" kern="0" dirty="0"/>
+                  <a:t> </a:t>
+                </a:r>
+                <a:r>
+                  <a:rPr lang="en-US" kern="0" dirty="0" err="1"/>
+                  <a:t>sie</a:t>
+                </a:r>
+                <a:r>
+                  <a:rPr lang="en-US" kern="0" dirty="0"/>
+                  <a:t> Ether </a:t>
+                </a:r>
+                <a:r>
+                  <a:rPr lang="en-US" kern="0" dirty="0" err="1"/>
+                  <a:t>entgegen</a:t>
+                </a:r>
+                <a:r>
+                  <a:rPr lang="en-US" kern="0" dirty="0"/>
+                  <a:t> </a:t>
+                </a:r>
+                <a:r>
+                  <a:rPr lang="en-US" kern="0" dirty="0" err="1"/>
+                  <a:t>nehmen</a:t>
+                </a:r>
+                <a:r>
+                  <a:rPr lang="en-US" kern="0" dirty="0"/>
+                  <a:t> </a:t>
+                </a:r>
+                <a:r>
+                  <a:rPr lang="en-US" kern="0" dirty="0" err="1"/>
+                  <a:t>kann</a:t>
+                </a:r>
+                <a:r>
+                  <a:rPr lang="en-US" kern="0" dirty="0"/>
+                  <a:t> </a:t>
+                </a:r>
+              </a:p>
+            </p:txBody>
+          </p:sp>
+        </mc:Choice>
+        <mc:Fallback xmlns="">
+          <p:sp>
+            <p:nvSpPr>
+              <p:cNvPr id="22" name="Rectangle 3">
+                <a:extLst>
+                  <a:ext uri="{FF2B5EF4-FFF2-40B4-BE49-F238E27FC236}">
+                    <a16:creationId xmlns:a16="http://schemas.microsoft.com/office/drawing/2014/main" id="{4E9E9FA4-818B-4D36-BD6E-223890B6648D}"/>
+                  </a:ext>
+                </a:extLst>
+              </p:cNvPr>
+              <p:cNvSpPr txBox="1">
+                <a:spLocks noRot="1" noChangeAspect="1" noMove="1" noResize="1" noEditPoints="1" noAdjustHandles="1" noChangeArrowheads="1" noChangeShapeType="1" noTextEdit="1"/>
+              </p:cNvSpPr>
+              <p:nvPr/>
+            </p:nvSpPr>
+            <p:spPr bwMode="auto">
+              <a:xfrm>
+                <a:off x="656659" y="2138364"/>
+                <a:ext cx="10592363" cy="3083221"/>
+              </a:xfrm>
+              <a:prstGeom prst="rect">
+                <a:avLst/>
+              </a:prstGeom>
+              <a:blipFill>
+                <a:blip r:embed="rId2"/>
+                <a:stretch>
+                  <a:fillRect l="-1151" t="-1976"/>
+                </a:stretch>
+              </a:blipFill>
+              <a:ln>
+                <a:noFill/>
+              </a:ln>
+              <a:effectLst/>
+              <a:extLst>
+                <a:ext uri="{909E8E84-426E-40dd-AFC4-6F175D3DCCD1}">
+                  <a14:hiddenFill xmlns:a14="http://schemas.microsoft.com/office/drawing/2010/main" xmlns="">
+                    <a:solidFill>
+                      <a:schemeClr val="accent1"/>
+                    </a:solidFill>
+                  </a14:hiddenFill>
+                </a:ext>
+                <a:ext uri="{91240B29-F687-4f45-9708-019B960494DF}">
+                  <a14:hiddenLine xmlns:a14="http://schemas.microsoft.com/office/drawing/2010/main" xmlns="" w="9525">
+                    <a:solidFill>
+                      <a:schemeClr val="tx1"/>
+                    </a:solidFill>
+                    <a:miter lim="800000"/>
+                    <a:headEnd/>
+                    <a:tailEnd/>
+                  </a14:hiddenLine>
+                </a:ext>
+                <a:ext uri="{AF507438-7753-43e0-B8FC-AC1667EBCBE1}">
+                  <a14:hiddenEffects xmlns:a14="http://schemas.microsoft.com/office/drawing/2010/main" xmlns="">
+                    <a:effectLst>
+                      <a:outerShdw dist="35921" dir="2700000" algn="ctr" rotWithShape="0">
+                        <a:schemeClr val="bg2"/>
+                      </a:outerShdw>
+                    </a:effectLst>
+                  </a14:hiddenEffects>
+                </a:ext>
+              </a:extLst>
+            </p:spPr>
+            <p:txBody>
+              <a:bodyPr/>
+              <a:lstStyle/>
+              <a:p>
+                <a:r>
+                  <a:rPr lang="de-DE">
+                    <a:noFill/>
+                  </a:rPr>
+                  <a:t> </a:t>
+                </a:r>
+              </a:p>
+            </p:txBody>
+          </p:sp>
+        </mc:Fallback>
+      </mc:AlternateContent>
       <p:sp>
         <p:nvSpPr>
-          <p:cNvPr id="22" name="Rectangle 3">
+          <p:cNvPr id="8" name="Rectangle 3">
             <a:extLst>
               <a:ext uri="{FF2B5EF4-FFF2-40B4-BE49-F238E27FC236}">
-                <a16:creationId xmlns:a16="http://schemas.microsoft.com/office/drawing/2014/main" id="{4E9E9FA4-818B-4D36-BD6E-223890B6648D}"/>
+                <a16:creationId xmlns:a16="http://schemas.microsoft.com/office/drawing/2014/main" id="{C92C5137-02A5-4C6E-9670-A27BC6711332}"/>
               </a:ext>
             </a:extLst>
           </p:cNvPr>
@@ -16285,8 +18495,8 @@
         </p:nvSpPr>
         <p:spPr bwMode="auto">
           <a:xfrm>
-            <a:off x="656659" y="2138364"/>
-            <a:ext cx="10592363" cy="1139005"/>
+            <a:off x="961629" y="2773313"/>
+            <a:ext cx="10592363" cy="1417930"/>
           </a:xfrm>
           <a:prstGeom prst="rect">
             <a:avLst/>
@@ -16504,90 +18714,109 @@
             </a:lvl9pPr>
           </a:lstStyle>
           <a:p>
-            <a:pPr marL="342900" indent="-342900">
-              <a:buFont typeface="+mj-lt"/>
-              <a:buAutoNum type="arabicPeriod"/>
-            </a:pPr>
-            <a:r>
-              <a:rPr lang="en-US" kern="0" dirty="0" err="1"/>
-              <a:t>Funktionsselektor</a:t>
-            </a:r>
-            <a:endParaRPr lang="en-US" kern="0" dirty="0"/>
+            <a:r>
+              <a:rPr lang="en-US" sz="1600" kern="0" dirty="0">
+                <a:latin typeface="JetBrains Mono" panose="020B0509020102050004" pitchFamily="49" charset="0"/>
+              </a:rPr>
+              <a:t>function deposit(string _</a:t>
+            </a:r>
+            <a:r>
+              <a:rPr lang="en-US" sz="1600" kern="0" dirty="0" err="1">
+                <a:latin typeface="JetBrains Mono" panose="020B0509020102050004" pitchFamily="49" charset="0"/>
+              </a:rPr>
+              <a:t>depositReason</a:t>
+            </a:r>
+            <a:r>
+              <a:rPr lang="en-US" sz="1600" kern="0" dirty="0">
+                <a:latin typeface="JetBrains Mono" panose="020B0509020102050004" pitchFamily="49" charset="0"/>
+              </a:rPr>
+              <a:t>) public payable { </a:t>
+            </a:r>
           </a:p>
           <a:p>
-            <a:pPr marL="612775" lvl="1" indent="-342900">
-              <a:buFont typeface="Arial" panose="020B0604020202020204" pitchFamily="34" charset="0"/>
-              <a:buChar char="•"/>
-            </a:pPr>
-            <a:r>
-              <a:rPr lang="en-US" kern="0" dirty="0" err="1"/>
-              <a:t>Welche</a:t>
-            </a:r>
-            <a:r>
-              <a:rPr lang="en-US" kern="0" dirty="0"/>
-              <a:t> </a:t>
-            </a:r>
-            <a:r>
-              <a:rPr lang="en-US" kern="0" dirty="0" err="1"/>
-              <a:t>Funktion</a:t>
-            </a:r>
-            <a:r>
-              <a:rPr lang="en-US" kern="0" dirty="0"/>
-              <a:t> </a:t>
-            </a:r>
-            <a:r>
-              <a:rPr lang="en-US" kern="0" dirty="0" err="1"/>
-              <a:t>aufgerufen</a:t>
-            </a:r>
-            <a:r>
-              <a:rPr lang="en-US" kern="0" dirty="0"/>
-              <a:t> warden </a:t>
-            </a:r>
-            <a:r>
-              <a:rPr lang="en-US" kern="0" dirty="0" err="1"/>
-              <a:t>soll</a:t>
-            </a:r>
-            <a:endParaRPr lang="en-US" kern="0" dirty="0"/>
+            <a:r>
+              <a:rPr lang="en-US" sz="1600" kern="0" dirty="0">
+                <a:latin typeface="JetBrains Mono" panose="020B0509020102050004" pitchFamily="49" charset="0"/>
+              </a:rPr>
+              <a:t>   balances[</a:t>
+            </a:r>
+            <a:r>
+              <a:rPr lang="en-US" sz="1600" kern="0" dirty="0" err="1">
+                <a:latin typeface="JetBrains Mono" panose="020B0509020102050004" pitchFamily="49" charset="0"/>
+              </a:rPr>
+              <a:t>msg.sender</a:t>
+            </a:r>
+            <a:r>
+              <a:rPr lang="en-US" sz="1600" kern="0" dirty="0">
+                <a:latin typeface="JetBrains Mono" panose="020B0509020102050004" pitchFamily="49" charset="0"/>
+              </a:rPr>
+              <a:t>] += </a:t>
+            </a:r>
+            <a:r>
+              <a:rPr lang="en-US" sz="1600" kern="0" dirty="0" err="1">
+                <a:latin typeface="JetBrains Mono" panose="020B0509020102050004" pitchFamily="49" charset="0"/>
+              </a:rPr>
+              <a:t>msg.value</a:t>
+            </a:r>
+            <a:r>
+              <a:rPr lang="en-US" sz="1600" kern="0" dirty="0">
+                <a:latin typeface="JetBrains Mono" panose="020B0509020102050004" pitchFamily="49" charset="0"/>
+              </a:rPr>
+              <a:t>;  </a:t>
+            </a:r>
+            <a:endParaRPr lang="en-US" sz="1200" kern="0" dirty="0">
+              <a:solidFill>
+                <a:srgbClr val="DC3C05"/>
+              </a:solidFill>
+              <a:latin typeface="+mj-lt"/>
+            </a:endParaRPr>
           </a:p>
           <a:p>
-            <a:pPr marL="612775" lvl="1" indent="-342900">
-              <a:buFont typeface="Arial" panose="020B0604020202020204" pitchFamily="34" charset="0"/>
-              <a:buChar char="•"/>
-            </a:pPr>
-            <a:r>
-              <a:rPr lang="en-US" kern="0" dirty="0" err="1"/>
-              <a:t>Ersten</a:t>
-            </a:r>
-            <a:r>
-              <a:rPr lang="en-US" kern="0" dirty="0"/>
-              <a:t> </a:t>
-            </a:r>
-            <a:r>
-              <a:rPr lang="en-US" kern="0" dirty="0" err="1"/>
-              <a:t>vier</a:t>
-            </a:r>
-            <a:r>
-              <a:rPr lang="en-US" kern="0" dirty="0"/>
-              <a:t> Bytes des Keccak-256-Hash des </a:t>
-            </a:r>
-            <a:r>
-              <a:rPr lang="en-US" kern="0" dirty="0" err="1"/>
-              <a:t>Funktionsprototypen</a:t>
-            </a:r>
-            <a:endParaRPr lang="en-US" kern="0" dirty="0"/>
+            <a:r>
+              <a:rPr lang="en-US" sz="1600" kern="0" dirty="0">
+                <a:latin typeface="JetBrains Mono" panose="020B0509020102050004" pitchFamily="49" charset="0"/>
+              </a:rPr>
+              <a:t>   reasons[</a:t>
+            </a:r>
+            <a:r>
+              <a:rPr lang="en-US" sz="1600" kern="0" dirty="0" err="1">
+                <a:latin typeface="JetBrains Mono" panose="020B0509020102050004" pitchFamily="49" charset="0"/>
+              </a:rPr>
+              <a:t>msg.sender</a:t>
+            </a:r>
+            <a:r>
+              <a:rPr lang="en-US" sz="1600" kern="0" dirty="0">
+                <a:latin typeface="JetBrains Mono" panose="020B0509020102050004" pitchFamily="49" charset="0"/>
+              </a:rPr>
+              <a:t>].push(_</a:t>
+            </a:r>
+            <a:r>
+              <a:rPr lang="en-US" sz="1600" kern="0" dirty="0" err="1">
+                <a:latin typeface="JetBrains Mono" panose="020B0509020102050004" pitchFamily="49" charset="0"/>
+              </a:rPr>
+              <a:t>depositReason</a:t>
+            </a:r>
+            <a:r>
+              <a:rPr lang="en-US" sz="1600" kern="0" dirty="0">
+                <a:latin typeface="JetBrains Mono" panose="020B0509020102050004" pitchFamily="49" charset="0"/>
+              </a:rPr>
+              <a:t>);</a:t>
+            </a:r>
           </a:p>
           <a:p>
-            <a:pPr lvl="1" indent="0">
-              <a:buNone/>
-            </a:pPr>
-            <a:endParaRPr lang="en-US" kern="0" dirty="0"/>
+            <a:r>
+              <a:rPr lang="en-US" sz="1600" kern="0" dirty="0">
+                <a:latin typeface="JetBrains Mono" panose="020B0509020102050004" pitchFamily="49" charset="0"/>
+              </a:rPr>
+              <a:t>}</a:t>
+            </a:r>
           </a:p>
         </p:txBody>
       </p:sp>
     </p:spTree>
     <p:extLst>
       <p:ext uri="{BB962C8B-B14F-4D97-AF65-F5344CB8AC3E}">
-        <p14:creationId xmlns:p14="http://schemas.microsoft.com/office/powerpoint/2010/main" val="3523473760"/>
+        <p14:creationId xmlns:p14="http://schemas.microsoft.com/office/powerpoint/2010/main" val="2964884032"/>
       </p:ext>
     </p:extLst>
   </p:cSld>
@@ -17026,6 +19255,1264 @@
               <a:rPr lang="de-DE"/>
               <a:pPr/>
               <a:t>20</a:t>
+            </a:fld>
+            <a:endParaRPr lang="de-DE"/>
+          </a:p>
+        </p:txBody>
+      </p:sp>
+      <p:sp>
+        <p:nvSpPr>
+          <p:cNvPr id="7" name="Rectangle 4">
+            <a:extLst>
+              <a:ext uri="{FF2B5EF4-FFF2-40B4-BE49-F238E27FC236}">
+                <a16:creationId xmlns:a16="http://schemas.microsoft.com/office/drawing/2014/main" id="{B0EC8EEE-386C-4418-B19F-0D9C78587149}"/>
+              </a:ext>
+            </a:extLst>
+          </p:cNvPr>
+          <p:cNvSpPr txBox="1">
+            <a:spLocks noChangeArrowheads="1"/>
+          </p:cNvSpPr>
+          <p:nvPr/>
+        </p:nvSpPr>
+        <p:spPr bwMode="auto">
+          <a:xfrm>
+            <a:off x="656659" y="675876"/>
+            <a:ext cx="12131221" cy="949325"/>
+          </a:xfrm>
+          <a:prstGeom prst="rect">
+            <a:avLst/>
+          </a:prstGeom>
+          <a:noFill/>
+          <a:ln>
+            <a:noFill/>
+          </a:ln>
+          <a:effectLst/>
+          <a:extLst>
+            <a:ext uri="{909E8E84-426E-40dd-AFC4-6F175D3DCCD1}">
+              <a14:hiddenFill xmlns:a14="http://schemas.microsoft.com/office/drawing/2010/main" xmlns="">
+                <a:solidFill>
+                  <a:schemeClr val="accent1"/>
+                </a:solidFill>
+              </a14:hiddenFill>
+            </a:ext>
+            <a:ext uri="{91240B29-F687-4f45-9708-019B960494DF}">
+              <a14:hiddenLine xmlns:a14="http://schemas.microsoft.com/office/drawing/2010/main" xmlns="" w="9525">
+                <a:solidFill>
+                  <a:schemeClr val="tx1"/>
+                </a:solidFill>
+                <a:miter lim="800000"/>
+                <a:headEnd/>
+                <a:tailEnd/>
+              </a14:hiddenLine>
+            </a:ext>
+            <a:ext uri="{AF507438-7753-43e0-B8FC-AC1667EBCBE1}">
+              <a14:hiddenEffects xmlns:a14="http://schemas.microsoft.com/office/drawing/2010/main" xmlns="">
+                <a:effectLst>
+                  <a:outerShdw dist="35921" dir="2700000" algn="ctr" rotWithShape="0">
+                    <a:schemeClr val="bg2"/>
+                  </a:outerShdw>
+                </a:effectLst>
+              </a14:hiddenEffects>
+            </a:ext>
+          </a:extLst>
+        </p:spPr>
+        <p:txBody>
+          <a:bodyPr vert="horz" wrap="square" lIns="0" tIns="0" rIns="0" bIns="0" numCol="1" anchor="t" anchorCtr="0" compatLnSpc="1">
+            <a:prstTxWarp prst="textNoShape">
+              <a:avLst/>
+            </a:prstTxWarp>
+          </a:bodyPr>
+          <a:lstStyle>
+            <a:lvl1pPr algn="l" defTabSz="1054100" rtl="0" eaLnBrk="1" fontAlgn="base" hangingPunct="1">
+              <a:spcBef>
+                <a:spcPct val="0"/>
+              </a:spcBef>
+              <a:spcAft>
+                <a:spcPct val="0"/>
+              </a:spcAft>
+              <a:defRPr sz="3000" b="1">
+                <a:solidFill>
+                  <a:schemeClr val="tx2"/>
+                </a:solidFill>
+                <a:latin typeface="+mj-lt"/>
+                <a:ea typeface="+mj-ea"/>
+                <a:cs typeface="+mj-cs"/>
+              </a:defRPr>
+            </a:lvl1pPr>
+            <a:lvl2pPr algn="l" defTabSz="1054100" rtl="0" eaLnBrk="1" fontAlgn="base" hangingPunct="1">
+              <a:spcBef>
+                <a:spcPct val="0"/>
+              </a:spcBef>
+              <a:spcAft>
+                <a:spcPct val="0"/>
+              </a:spcAft>
+              <a:defRPr sz="3000" b="1">
+                <a:solidFill>
+                  <a:schemeClr val="tx2"/>
+                </a:solidFill>
+                <a:latin typeface="Arial" charset="0"/>
+              </a:defRPr>
+            </a:lvl2pPr>
+            <a:lvl3pPr algn="l" defTabSz="1054100" rtl="0" eaLnBrk="1" fontAlgn="base" hangingPunct="1">
+              <a:spcBef>
+                <a:spcPct val="0"/>
+              </a:spcBef>
+              <a:spcAft>
+                <a:spcPct val="0"/>
+              </a:spcAft>
+              <a:defRPr sz="3000" b="1">
+                <a:solidFill>
+                  <a:schemeClr val="tx2"/>
+                </a:solidFill>
+                <a:latin typeface="Arial" charset="0"/>
+              </a:defRPr>
+            </a:lvl3pPr>
+            <a:lvl4pPr algn="l" defTabSz="1054100" rtl="0" eaLnBrk="1" fontAlgn="base" hangingPunct="1">
+              <a:spcBef>
+                <a:spcPct val="0"/>
+              </a:spcBef>
+              <a:spcAft>
+                <a:spcPct val="0"/>
+              </a:spcAft>
+              <a:defRPr sz="3000" b="1">
+                <a:solidFill>
+                  <a:schemeClr val="tx2"/>
+                </a:solidFill>
+                <a:latin typeface="Arial" charset="0"/>
+              </a:defRPr>
+            </a:lvl4pPr>
+            <a:lvl5pPr algn="l" defTabSz="1054100" rtl="0" eaLnBrk="1" fontAlgn="base" hangingPunct="1">
+              <a:spcBef>
+                <a:spcPct val="0"/>
+              </a:spcBef>
+              <a:spcAft>
+                <a:spcPct val="0"/>
+              </a:spcAft>
+              <a:defRPr sz="3000" b="1">
+                <a:solidFill>
+                  <a:schemeClr val="tx2"/>
+                </a:solidFill>
+                <a:latin typeface="Arial" charset="0"/>
+              </a:defRPr>
+            </a:lvl5pPr>
+            <a:lvl6pPr marL="457200" algn="l" defTabSz="1054100" rtl="0" eaLnBrk="1" fontAlgn="base" hangingPunct="1">
+              <a:spcBef>
+                <a:spcPct val="0"/>
+              </a:spcBef>
+              <a:spcAft>
+                <a:spcPct val="0"/>
+              </a:spcAft>
+              <a:defRPr sz="3000" b="1">
+                <a:solidFill>
+                  <a:schemeClr val="tx2"/>
+                </a:solidFill>
+                <a:latin typeface="Arial" charset="0"/>
+              </a:defRPr>
+            </a:lvl6pPr>
+            <a:lvl7pPr marL="914400" algn="l" defTabSz="1054100" rtl="0" eaLnBrk="1" fontAlgn="base" hangingPunct="1">
+              <a:spcBef>
+                <a:spcPct val="0"/>
+              </a:spcBef>
+              <a:spcAft>
+                <a:spcPct val="0"/>
+              </a:spcAft>
+              <a:defRPr sz="3000" b="1">
+                <a:solidFill>
+                  <a:schemeClr val="tx2"/>
+                </a:solidFill>
+                <a:latin typeface="Arial" charset="0"/>
+              </a:defRPr>
+            </a:lvl7pPr>
+            <a:lvl8pPr marL="1371600" algn="l" defTabSz="1054100" rtl="0" eaLnBrk="1" fontAlgn="base" hangingPunct="1">
+              <a:spcBef>
+                <a:spcPct val="0"/>
+              </a:spcBef>
+              <a:spcAft>
+                <a:spcPct val="0"/>
+              </a:spcAft>
+              <a:defRPr sz="3000" b="1">
+                <a:solidFill>
+                  <a:schemeClr val="tx2"/>
+                </a:solidFill>
+                <a:latin typeface="Arial" charset="0"/>
+              </a:defRPr>
+            </a:lvl8pPr>
+            <a:lvl9pPr marL="1828800" algn="l" defTabSz="1054100" rtl="0" eaLnBrk="1" fontAlgn="base" hangingPunct="1">
+              <a:spcBef>
+                <a:spcPct val="0"/>
+              </a:spcBef>
+              <a:spcAft>
+                <a:spcPct val="0"/>
+              </a:spcAft>
+              <a:defRPr sz="3000" b="1">
+                <a:solidFill>
+                  <a:schemeClr val="tx2"/>
+                </a:solidFill>
+                <a:latin typeface="Arial" charset="0"/>
+              </a:defRPr>
+            </a:lvl9pPr>
+          </a:lstStyle>
+          <a:p>
+            <a:r>
+              <a:rPr lang="de-DE" kern="0" dirty="0"/>
+              <a:t>Value und Data</a:t>
+            </a:r>
+            <a:br>
+              <a:rPr lang="de-DE" kern="0" dirty="0"/>
+            </a:br>
+            <a:r>
+              <a:rPr lang="de-DE" sz="2400" b="0" i="1" kern="0" dirty="0"/>
+              <a:t>ABI-Spezifikation</a:t>
+            </a:r>
+            <a:endParaRPr lang="en-US" sz="2400" b="0" i="1" kern="0" dirty="0"/>
+          </a:p>
+        </p:txBody>
+      </p:sp>
+      <p:sp>
+        <p:nvSpPr>
+          <p:cNvPr id="22" name="Rectangle 3">
+            <a:extLst>
+              <a:ext uri="{FF2B5EF4-FFF2-40B4-BE49-F238E27FC236}">
+                <a16:creationId xmlns:a16="http://schemas.microsoft.com/office/drawing/2014/main" id="{4E9E9FA4-818B-4D36-BD6E-223890B6648D}"/>
+              </a:ext>
+            </a:extLst>
+          </p:cNvPr>
+          <p:cNvSpPr txBox="1">
+            <a:spLocks noChangeArrowheads="1"/>
+          </p:cNvSpPr>
+          <p:nvPr/>
+        </p:nvSpPr>
+        <p:spPr bwMode="auto">
+          <a:xfrm>
+            <a:off x="656659" y="2138364"/>
+            <a:ext cx="10592363" cy="3083221"/>
+          </a:xfrm>
+          <a:prstGeom prst="rect">
+            <a:avLst/>
+          </a:prstGeom>
+          <a:noFill/>
+          <a:ln>
+            <a:noFill/>
+          </a:ln>
+          <a:effectLst/>
+          <a:extLst>
+            <a:ext uri="{909E8E84-426E-40dd-AFC4-6F175D3DCCD1}">
+              <a14:hiddenFill xmlns:a14="http://schemas.microsoft.com/office/drawing/2010/main" xmlns="">
+                <a:solidFill>
+                  <a:schemeClr val="accent1"/>
+                </a:solidFill>
+              </a14:hiddenFill>
+            </a:ext>
+            <a:ext uri="{91240B29-F687-4f45-9708-019B960494DF}">
+              <a14:hiddenLine xmlns:a14="http://schemas.microsoft.com/office/drawing/2010/main" xmlns="" w="9525">
+                <a:solidFill>
+                  <a:schemeClr val="tx1"/>
+                </a:solidFill>
+                <a:miter lim="800000"/>
+                <a:headEnd/>
+                <a:tailEnd/>
+              </a14:hiddenLine>
+            </a:ext>
+            <a:ext uri="{AF507438-7753-43e0-B8FC-AC1667EBCBE1}">
+              <a14:hiddenEffects xmlns:a14="http://schemas.microsoft.com/office/drawing/2010/main" xmlns="">
+                <a:effectLst>
+                  <a:outerShdw dist="35921" dir="2700000" algn="ctr" rotWithShape="0">
+                    <a:schemeClr val="bg2"/>
+                  </a:outerShdw>
+                </a:effectLst>
+              </a14:hiddenEffects>
+            </a:ext>
+          </a:extLst>
+        </p:spPr>
+        <p:txBody>
+          <a:bodyPr vert="horz" wrap="square" lIns="0" tIns="0" rIns="0" bIns="0" numCol="1" anchor="t" anchorCtr="0" compatLnSpc="1">
+            <a:prstTxWarp prst="textNoShape">
+              <a:avLst/>
+            </a:prstTxWarp>
+          </a:bodyPr>
+          <a:lstStyle>
+            <a:lvl1pPr algn="l" defTabSz="1054100" rtl="0" eaLnBrk="1" fontAlgn="base" hangingPunct="1">
+              <a:lnSpc>
+                <a:spcPct val="110000"/>
+              </a:lnSpc>
+              <a:spcBef>
+                <a:spcPct val="0"/>
+              </a:spcBef>
+              <a:spcAft>
+                <a:spcPct val="40000"/>
+              </a:spcAft>
+              <a:defRPr sz="1700">
+                <a:solidFill>
+                  <a:schemeClr val="tx1"/>
+                </a:solidFill>
+                <a:latin typeface="+mn-lt"/>
+                <a:ea typeface="+mn-ea"/>
+                <a:cs typeface="+mn-cs"/>
+              </a:defRPr>
+            </a:lvl1pPr>
+            <a:lvl2pPr marL="269875" indent="-268288" algn="l" defTabSz="1054100" rtl="0" eaLnBrk="1" fontAlgn="base" hangingPunct="1">
+              <a:lnSpc>
+                <a:spcPct val="110000"/>
+              </a:lnSpc>
+              <a:spcBef>
+                <a:spcPct val="0"/>
+              </a:spcBef>
+              <a:spcAft>
+                <a:spcPct val="40000"/>
+              </a:spcAft>
+              <a:buChar char="•"/>
+              <a:defRPr sz="1700">
+                <a:solidFill>
+                  <a:schemeClr val="tx1"/>
+                </a:solidFill>
+                <a:latin typeface="+mn-lt"/>
+              </a:defRPr>
+            </a:lvl2pPr>
+            <a:lvl3pPr marL="627063" indent="-177800" algn="l" defTabSz="1054100" rtl="0" eaLnBrk="1" fontAlgn="base" hangingPunct="1">
+              <a:lnSpc>
+                <a:spcPct val="110000"/>
+              </a:lnSpc>
+              <a:spcBef>
+                <a:spcPct val="0"/>
+              </a:spcBef>
+              <a:spcAft>
+                <a:spcPct val="40000"/>
+              </a:spcAft>
+              <a:buFont typeface="Arial" charset="0"/>
+              <a:buChar char="-"/>
+              <a:defRPr sz="1700">
+                <a:solidFill>
+                  <a:schemeClr val="tx1"/>
+                </a:solidFill>
+                <a:latin typeface="+mn-lt"/>
+              </a:defRPr>
+            </a:lvl3pPr>
+            <a:lvl4pPr marL="1074738" indent="-174625" algn="l" defTabSz="1054100" rtl="0" eaLnBrk="1" fontAlgn="base" hangingPunct="1">
+              <a:lnSpc>
+                <a:spcPct val="110000"/>
+              </a:lnSpc>
+              <a:spcBef>
+                <a:spcPct val="0"/>
+              </a:spcBef>
+              <a:spcAft>
+                <a:spcPct val="40000"/>
+              </a:spcAft>
+              <a:buFont typeface="Arial" charset="0"/>
+              <a:buChar char="-"/>
+              <a:defRPr sz="1700" i="1">
+                <a:solidFill>
+                  <a:schemeClr val="tx1"/>
+                </a:solidFill>
+                <a:latin typeface="+mn-lt"/>
+              </a:defRPr>
+            </a:lvl4pPr>
+            <a:lvl5pPr marL="1616075" indent="-176213" algn="l" defTabSz="1054100" rtl="0" eaLnBrk="1" fontAlgn="base" hangingPunct="1">
+              <a:lnSpc>
+                <a:spcPct val="110000"/>
+              </a:lnSpc>
+              <a:spcBef>
+                <a:spcPct val="0"/>
+              </a:spcBef>
+              <a:spcAft>
+                <a:spcPct val="40000"/>
+              </a:spcAft>
+              <a:buFont typeface="Arial" charset="0"/>
+              <a:buChar char="-"/>
+              <a:defRPr sz="1700">
+                <a:solidFill>
+                  <a:schemeClr val="tx1"/>
+                </a:solidFill>
+                <a:latin typeface="+mn-lt"/>
+              </a:defRPr>
+            </a:lvl5pPr>
+            <a:lvl6pPr marL="2073275" indent="-176213" algn="l" defTabSz="1054100" rtl="0" eaLnBrk="1" fontAlgn="base" hangingPunct="1">
+              <a:lnSpc>
+                <a:spcPct val="110000"/>
+              </a:lnSpc>
+              <a:spcBef>
+                <a:spcPct val="0"/>
+              </a:spcBef>
+              <a:spcAft>
+                <a:spcPct val="40000"/>
+              </a:spcAft>
+              <a:buFont typeface="Arial" charset="0"/>
+              <a:buChar char="-"/>
+              <a:defRPr sz="1700">
+                <a:solidFill>
+                  <a:schemeClr val="tx1"/>
+                </a:solidFill>
+                <a:latin typeface="+mn-lt"/>
+              </a:defRPr>
+            </a:lvl6pPr>
+            <a:lvl7pPr marL="2530475" indent="-176213" algn="l" defTabSz="1054100" rtl="0" eaLnBrk="1" fontAlgn="base" hangingPunct="1">
+              <a:lnSpc>
+                <a:spcPct val="110000"/>
+              </a:lnSpc>
+              <a:spcBef>
+                <a:spcPct val="0"/>
+              </a:spcBef>
+              <a:spcAft>
+                <a:spcPct val="40000"/>
+              </a:spcAft>
+              <a:buFont typeface="Arial" charset="0"/>
+              <a:buChar char="-"/>
+              <a:defRPr sz="1700">
+                <a:solidFill>
+                  <a:schemeClr val="tx1"/>
+                </a:solidFill>
+                <a:latin typeface="+mn-lt"/>
+              </a:defRPr>
+            </a:lvl7pPr>
+            <a:lvl8pPr marL="2987675" indent="-176213" algn="l" defTabSz="1054100" rtl="0" eaLnBrk="1" fontAlgn="base" hangingPunct="1">
+              <a:lnSpc>
+                <a:spcPct val="110000"/>
+              </a:lnSpc>
+              <a:spcBef>
+                <a:spcPct val="0"/>
+              </a:spcBef>
+              <a:spcAft>
+                <a:spcPct val="40000"/>
+              </a:spcAft>
+              <a:buFont typeface="Arial" charset="0"/>
+              <a:buChar char="-"/>
+              <a:defRPr sz="1700">
+                <a:solidFill>
+                  <a:schemeClr val="tx1"/>
+                </a:solidFill>
+                <a:latin typeface="+mn-lt"/>
+              </a:defRPr>
+            </a:lvl8pPr>
+            <a:lvl9pPr marL="3444875" indent="-176213" algn="l" defTabSz="1054100" rtl="0" eaLnBrk="1" fontAlgn="base" hangingPunct="1">
+              <a:lnSpc>
+                <a:spcPct val="110000"/>
+              </a:lnSpc>
+              <a:spcBef>
+                <a:spcPct val="0"/>
+              </a:spcBef>
+              <a:spcAft>
+                <a:spcPct val="40000"/>
+              </a:spcAft>
+              <a:buFont typeface="Arial" charset="0"/>
+              <a:buChar char="-"/>
+              <a:defRPr sz="1700">
+                <a:solidFill>
+                  <a:schemeClr val="tx1"/>
+                </a:solidFill>
+                <a:latin typeface="+mn-lt"/>
+              </a:defRPr>
+            </a:lvl9pPr>
+          </a:lstStyle>
+          <a:p>
+            <a:pPr marL="285750" indent="-285750">
+              <a:buFont typeface="Arial" panose="020B0604020202020204" pitchFamily="34" charset="0"/>
+              <a:buChar char="•"/>
+            </a:pPr>
+            <a:r>
+              <a:rPr lang="en-US" kern="0" dirty="0"/>
+              <a:t>Contract Application Binary Interface (ABI) </a:t>
+            </a:r>
+          </a:p>
+          <a:p>
+            <a:pPr marL="285750" indent="-285750">
+              <a:buFont typeface="Arial" panose="020B0604020202020204" pitchFamily="34" charset="0"/>
+              <a:buChar char="•"/>
+            </a:pPr>
+            <a:r>
+              <a:rPr lang="en-US" kern="0" dirty="0" err="1"/>
+              <a:t>Definiert</a:t>
+            </a:r>
+            <a:r>
+              <a:rPr lang="en-US" kern="0" dirty="0"/>
+              <a:t> </a:t>
+            </a:r>
+            <a:r>
+              <a:rPr lang="en-US" kern="0" dirty="0" err="1"/>
+              <a:t>wie</a:t>
+            </a:r>
+            <a:r>
+              <a:rPr lang="en-US" kern="0" dirty="0"/>
+              <a:t> </a:t>
+            </a:r>
+            <a:r>
+              <a:rPr lang="en-US" kern="0" dirty="0" err="1"/>
+              <a:t>mit</a:t>
+            </a:r>
+            <a:r>
+              <a:rPr lang="en-US" kern="0" dirty="0"/>
+              <a:t> </a:t>
+            </a:r>
+            <a:r>
+              <a:rPr lang="en-US" kern="0" dirty="0" err="1"/>
+              <a:t>einem</a:t>
+            </a:r>
+            <a:r>
+              <a:rPr lang="en-US" kern="0" dirty="0"/>
+              <a:t> </a:t>
+            </a:r>
+            <a:r>
+              <a:rPr lang="en-US" kern="0" dirty="0" err="1"/>
+              <a:t>Kontrakt</a:t>
+            </a:r>
+            <a:r>
+              <a:rPr lang="en-US" kern="0" dirty="0"/>
+              <a:t> </a:t>
+            </a:r>
+            <a:r>
+              <a:rPr lang="en-US" kern="0" dirty="0" err="1"/>
+              <a:t>über</a:t>
+            </a:r>
+            <a:r>
+              <a:rPr lang="en-US" kern="0" dirty="0"/>
+              <a:t> </a:t>
+            </a:r>
+            <a:r>
+              <a:rPr lang="en-US" kern="0" dirty="0" err="1"/>
+              <a:t>Transaktionen</a:t>
+            </a:r>
+            <a:r>
+              <a:rPr lang="en-US" kern="0" dirty="0"/>
+              <a:t> </a:t>
+            </a:r>
+            <a:r>
+              <a:rPr lang="en-US" kern="0" dirty="0" err="1"/>
+              <a:t>interargiert</a:t>
+            </a:r>
+            <a:r>
+              <a:rPr lang="en-US" kern="0" dirty="0"/>
+              <a:t> </a:t>
+            </a:r>
+            <a:r>
+              <a:rPr lang="en-US" kern="0" dirty="0" err="1"/>
+              <a:t>werden</a:t>
+            </a:r>
+            <a:r>
+              <a:rPr lang="en-US" kern="0" dirty="0"/>
+              <a:t> muss</a:t>
+            </a:r>
+          </a:p>
+          <a:p>
+            <a:pPr marL="285750" indent="-285750">
+              <a:buFont typeface="Arial" panose="020B0604020202020204" pitchFamily="34" charset="0"/>
+              <a:buChar char="•"/>
+            </a:pPr>
+            <a:r>
+              <a:rPr lang="en-US" kern="0" dirty="0"/>
+              <a:t>ABI </a:t>
+            </a:r>
+            <a:r>
+              <a:rPr lang="en-US" kern="0" dirty="0" err="1"/>
+              <a:t>konformer</a:t>
+            </a:r>
+            <a:r>
+              <a:rPr lang="en-US" kern="0" dirty="0"/>
+              <a:t> </a:t>
+            </a:r>
+            <a:r>
+              <a:rPr lang="en-US" kern="0" dirty="0" err="1"/>
+              <a:t>Funktionsaufruf</a:t>
+            </a:r>
+            <a:r>
+              <a:rPr lang="en-US" kern="0" dirty="0"/>
+              <a:t> </a:t>
+            </a:r>
+            <a:r>
+              <a:rPr lang="en-US" kern="0" dirty="0" err="1"/>
+              <a:t>besteht</a:t>
+            </a:r>
+            <a:r>
+              <a:rPr lang="en-US" kern="0" dirty="0"/>
+              <a:t> </a:t>
+            </a:r>
+            <a:r>
+              <a:rPr lang="en-US" kern="0" dirty="0" err="1"/>
+              <a:t>aus</a:t>
+            </a:r>
+            <a:r>
+              <a:rPr lang="en-US" kern="0" dirty="0"/>
+              <a:t> </a:t>
+            </a:r>
+            <a:r>
+              <a:rPr lang="en-US" kern="0" dirty="0" err="1"/>
+              <a:t>zwei</a:t>
+            </a:r>
+            <a:r>
+              <a:rPr lang="en-US" kern="0" dirty="0"/>
+              <a:t> </a:t>
+            </a:r>
+            <a:r>
+              <a:rPr lang="en-US" kern="0" dirty="0" err="1"/>
+              <a:t>Komponenten</a:t>
+            </a:r>
+            <a:r>
+              <a:rPr lang="en-US" kern="0" dirty="0"/>
+              <a:t>:</a:t>
+            </a:r>
+          </a:p>
+          <a:p>
+            <a:pPr marL="612775" lvl="1" indent="-342900">
+              <a:buFont typeface="+mj-lt"/>
+              <a:buAutoNum type="arabicPeriod"/>
+            </a:pPr>
+            <a:r>
+              <a:rPr lang="en-US" kern="0" dirty="0" err="1"/>
+              <a:t>Funktionsselektor</a:t>
+            </a:r>
+            <a:endParaRPr lang="en-US" kern="0" dirty="0"/>
+          </a:p>
+          <a:p>
+            <a:pPr marL="612775" lvl="1" indent="-342900">
+              <a:buFont typeface="+mj-lt"/>
+              <a:buAutoNum type="arabicPeriod"/>
+            </a:pPr>
+            <a:r>
+              <a:rPr lang="en-US" kern="0" dirty="0"/>
+              <a:t>Funktionsargumente</a:t>
+            </a:r>
+          </a:p>
+        </p:txBody>
+      </p:sp>
+    </p:spTree>
+    <p:extLst>
+      <p:ext uri="{BB962C8B-B14F-4D97-AF65-F5344CB8AC3E}">
+        <p14:creationId xmlns:p14="http://schemas.microsoft.com/office/powerpoint/2010/main" val="325971666"/>
+      </p:ext>
+    </p:extLst>
+  </p:cSld>
+  <p:clrMapOvr>
+    <a:masterClrMapping/>
+  </p:clrMapOvr>
+</p:sld>
+</file>
+
+<file path=ppt/slides/slide21.xml><?xml version="1.0" encoding="utf-8"?>
+<p:sld xmlns:a="http://schemas.openxmlformats.org/drawingml/2006/main" xmlns:r="http://schemas.openxmlformats.org/officeDocument/2006/relationships" xmlns:p="http://schemas.openxmlformats.org/presentationml/2006/main">
+  <p:cSld>
+    <p:spTree>
+      <p:nvGrpSpPr>
+        <p:cNvPr id="1" name=""/>
+        <p:cNvGrpSpPr/>
+        <p:nvPr/>
+      </p:nvGrpSpPr>
+      <p:grpSpPr>
+        <a:xfrm>
+          <a:off x="0" y="0"/>
+          <a:ext cx="0" cy="0"/>
+          <a:chOff x="0" y="0"/>
+          <a:chExt cx="0" cy="0"/>
+        </a:xfrm>
+      </p:grpSpPr>
+      <p:sp>
+        <p:nvSpPr>
+          <p:cNvPr id="5" name="Foliennummernplatzhalter 4"/>
+          <p:cNvSpPr>
+            <a:spLocks noGrp="1"/>
+          </p:cNvSpPr>
+          <p:nvPr>
+            <p:ph type="sldNum" sz="quarter" idx="10"/>
+          </p:nvPr>
+        </p:nvSpPr>
+        <p:spPr/>
+        <p:txBody>
+          <a:bodyPr/>
+          <a:lstStyle/>
+          <a:p>
+            <a:r>
+              <a:rPr lang="de-DE"/>
+              <a:t>Seite </a:t>
+            </a:r>
+            <a:fld id="{CAEED438-B660-4C04-BC25-4C23CCFBC7F4}" type="slidenum">
+              <a:rPr lang="de-DE"/>
+              <a:pPr/>
+              <a:t>21</a:t>
+            </a:fld>
+            <a:endParaRPr lang="de-DE"/>
+          </a:p>
+        </p:txBody>
+      </p:sp>
+      <p:sp>
+        <p:nvSpPr>
+          <p:cNvPr id="7" name="Rectangle 4">
+            <a:extLst>
+              <a:ext uri="{FF2B5EF4-FFF2-40B4-BE49-F238E27FC236}">
+                <a16:creationId xmlns:a16="http://schemas.microsoft.com/office/drawing/2014/main" id="{B0EC8EEE-386C-4418-B19F-0D9C78587149}"/>
+              </a:ext>
+            </a:extLst>
+          </p:cNvPr>
+          <p:cNvSpPr txBox="1">
+            <a:spLocks noChangeArrowheads="1"/>
+          </p:cNvSpPr>
+          <p:nvPr/>
+        </p:nvSpPr>
+        <p:spPr bwMode="auto">
+          <a:xfrm>
+            <a:off x="656659" y="675876"/>
+            <a:ext cx="12131221" cy="949325"/>
+          </a:xfrm>
+          <a:prstGeom prst="rect">
+            <a:avLst/>
+          </a:prstGeom>
+          <a:noFill/>
+          <a:ln>
+            <a:noFill/>
+          </a:ln>
+          <a:effectLst/>
+          <a:extLst>
+            <a:ext uri="{909E8E84-426E-40dd-AFC4-6F175D3DCCD1}">
+              <a14:hiddenFill xmlns:a14="http://schemas.microsoft.com/office/drawing/2010/main" xmlns="">
+                <a:solidFill>
+                  <a:schemeClr val="accent1"/>
+                </a:solidFill>
+              </a14:hiddenFill>
+            </a:ext>
+            <a:ext uri="{91240B29-F687-4f45-9708-019B960494DF}">
+              <a14:hiddenLine xmlns:a14="http://schemas.microsoft.com/office/drawing/2010/main" xmlns="" w="9525">
+                <a:solidFill>
+                  <a:schemeClr val="tx1"/>
+                </a:solidFill>
+                <a:miter lim="800000"/>
+                <a:headEnd/>
+                <a:tailEnd/>
+              </a14:hiddenLine>
+            </a:ext>
+            <a:ext uri="{AF507438-7753-43e0-B8FC-AC1667EBCBE1}">
+              <a14:hiddenEffects xmlns:a14="http://schemas.microsoft.com/office/drawing/2010/main" xmlns="">
+                <a:effectLst>
+                  <a:outerShdw dist="35921" dir="2700000" algn="ctr" rotWithShape="0">
+                    <a:schemeClr val="bg2"/>
+                  </a:outerShdw>
+                </a:effectLst>
+              </a14:hiddenEffects>
+            </a:ext>
+          </a:extLst>
+        </p:spPr>
+        <p:txBody>
+          <a:bodyPr vert="horz" wrap="square" lIns="0" tIns="0" rIns="0" bIns="0" numCol="1" anchor="t" anchorCtr="0" compatLnSpc="1">
+            <a:prstTxWarp prst="textNoShape">
+              <a:avLst/>
+            </a:prstTxWarp>
+          </a:bodyPr>
+          <a:lstStyle>
+            <a:lvl1pPr algn="l" defTabSz="1054100" rtl="0" eaLnBrk="1" fontAlgn="base" hangingPunct="1">
+              <a:spcBef>
+                <a:spcPct val="0"/>
+              </a:spcBef>
+              <a:spcAft>
+                <a:spcPct val="0"/>
+              </a:spcAft>
+              <a:defRPr sz="3000" b="1">
+                <a:solidFill>
+                  <a:schemeClr val="tx2"/>
+                </a:solidFill>
+                <a:latin typeface="+mj-lt"/>
+                <a:ea typeface="+mj-ea"/>
+                <a:cs typeface="+mj-cs"/>
+              </a:defRPr>
+            </a:lvl1pPr>
+            <a:lvl2pPr algn="l" defTabSz="1054100" rtl="0" eaLnBrk="1" fontAlgn="base" hangingPunct="1">
+              <a:spcBef>
+                <a:spcPct val="0"/>
+              </a:spcBef>
+              <a:spcAft>
+                <a:spcPct val="0"/>
+              </a:spcAft>
+              <a:defRPr sz="3000" b="1">
+                <a:solidFill>
+                  <a:schemeClr val="tx2"/>
+                </a:solidFill>
+                <a:latin typeface="Arial" charset="0"/>
+              </a:defRPr>
+            </a:lvl2pPr>
+            <a:lvl3pPr algn="l" defTabSz="1054100" rtl="0" eaLnBrk="1" fontAlgn="base" hangingPunct="1">
+              <a:spcBef>
+                <a:spcPct val="0"/>
+              </a:spcBef>
+              <a:spcAft>
+                <a:spcPct val="0"/>
+              </a:spcAft>
+              <a:defRPr sz="3000" b="1">
+                <a:solidFill>
+                  <a:schemeClr val="tx2"/>
+                </a:solidFill>
+                <a:latin typeface="Arial" charset="0"/>
+              </a:defRPr>
+            </a:lvl3pPr>
+            <a:lvl4pPr algn="l" defTabSz="1054100" rtl="0" eaLnBrk="1" fontAlgn="base" hangingPunct="1">
+              <a:spcBef>
+                <a:spcPct val="0"/>
+              </a:spcBef>
+              <a:spcAft>
+                <a:spcPct val="0"/>
+              </a:spcAft>
+              <a:defRPr sz="3000" b="1">
+                <a:solidFill>
+                  <a:schemeClr val="tx2"/>
+                </a:solidFill>
+                <a:latin typeface="Arial" charset="0"/>
+              </a:defRPr>
+            </a:lvl4pPr>
+            <a:lvl5pPr algn="l" defTabSz="1054100" rtl="0" eaLnBrk="1" fontAlgn="base" hangingPunct="1">
+              <a:spcBef>
+                <a:spcPct val="0"/>
+              </a:spcBef>
+              <a:spcAft>
+                <a:spcPct val="0"/>
+              </a:spcAft>
+              <a:defRPr sz="3000" b="1">
+                <a:solidFill>
+                  <a:schemeClr val="tx2"/>
+                </a:solidFill>
+                <a:latin typeface="Arial" charset="0"/>
+              </a:defRPr>
+            </a:lvl5pPr>
+            <a:lvl6pPr marL="457200" algn="l" defTabSz="1054100" rtl="0" eaLnBrk="1" fontAlgn="base" hangingPunct="1">
+              <a:spcBef>
+                <a:spcPct val="0"/>
+              </a:spcBef>
+              <a:spcAft>
+                <a:spcPct val="0"/>
+              </a:spcAft>
+              <a:defRPr sz="3000" b="1">
+                <a:solidFill>
+                  <a:schemeClr val="tx2"/>
+                </a:solidFill>
+                <a:latin typeface="Arial" charset="0"/>
+              </a:defRPr>
+            </a:lvl6pPr>
+            <a:lvl7pPr marL="914400" algn="l" defTabSz="1054100" rtl="0" eaLnBrk="1" fontAlgn="base" hangingPunct="1">
+              <a:spcBef>
+                <a:spcPct val="0"/>
+              </a:spcBef>
+              <a:spcAft>
+                <a:spcPct val="0"/>
+              </a:spcAft>
+              <a:defRPr sz="3000" b="1">
+                <a:solidFill>
+                  <a:schemeClr val="tx2"/>
+                </a:solidFill>
+                <a:latin typeface="Arial" charset="0"/>
+              </a:defRPr>
+            </a:lvl7pPr>
+            <a:lvl8pPr marL="1371600" algn="l" defTabSz="1054100" rtl="0" eaLnBrk="1" fontAlgn="base" hangingPunct="1">
+              <a:spcBef>
+                <a:spcPct val="0"/>
+              </a:spcBef>
+              <a:spcAft>
+                <a:spcPct val="0"/>
+              </a:spcAft>
+              <a:defRPr sz="3000" b="1">
+                <a:solidFill>
+                  <a:schemeClr val="tx2"/>
+                </a:solidFill>
+                <a:latin typeface="Arial" charset="0"/>
+              </a:defRPr>
+            </a:lvl8pPr>
+            <a:lvl9pPr marL="1828800" algn="l" defTabSz="1054100" rtl="0" eaLnBrk="1" fontAlgn="base" hangingPunct="1">
+              <a:spcBef>
+                <a:spcPct val="0"/>
+              </a:spcBef>
+              <a:spcAft>
+                <a:spcPct val="0"/>
+              </a:spcAft>
+              <a:defRPr sz="3000" b="1">
+                <a:solidFill>
+                  <a:schemeClr val="tx2"/>
+                </a:solidFill>
+                <a:latin typeface="Arial" charset="0"/>
+              </a:defRPr>
+            </a:lvl9pPr>
+          </a:lstStyle>
+          <a:p>
+            <a:r>
+              <a:rPr lang="de-DE" kern="0" dirty="0"/>
+              <a:t>Value und Data</a:t>
+            </a:r>
+            <a:br>
+              <a:rPr lang="de-DE" kern="0" dirty="0"/>
+            </a:br>
+            <a:r>
+              <a:rPr lang="de-DE" sz="2400" b="0" i="1" kern="0" dirty="0"/>
+              <a:t>ABI-Spezifikation</a:t>
+            </a:r>
+            <a:endParaRPr lang="en-US" sz="2400" b="0" i="1" kern="0" dirty="0"/>
+          </a:p>
+        </p:txBody>
+      </p:sp>
+      <p:sp>
+        <p:nvSpPr>
+          <p:cNvPr id="22" name="Rectangle 3">
+            <a:extLst>
+              <a:ext uri="{FF2B5EF4-FFF2-40B4-BE49-F238E27FC236}">
+                <a16:creationId xmlns:a16="http://schemas.microsoft.com/office/drawing/2014/main" id="{4E9E9FA4-818B-4D36-BD6E-223890B6648D}"/>
+              </a:ext>
+            </a:extLst>
+          </p:cNvPr>
+          <p:cNvSpPr txBox="1">
+            <a:spLocks noChangeArrowheads="1"/>
+          </p:cNvSpPr>
+          <p:nvPr/>
+        </p:nvSpPr>
+        <p:spPr bwMode="auto">
+          <a:xfrm>
+            <a:off x="656659" y="2138364"/>
+            <a:ext cx="10592363" cy="1139005"/>
+          </a:xfrm>
+          <a:prstGeom prst="rect">
+            <a:avLst/>
+          </a:prstGeom>
+          <a:noFill/>
+          <a:ln>
+            <a:noFill/>
+          </a:ln>
+          <a:effectLst/>
+          <a:extLst>
+            <a:ext uri="{909E8E84-426E-40dd-AFC4-6F175D3DCCD1}">
+              <a14:hiddenFill xmlns:a14="http://schemas.microsoft.com/office/drawing/2010/main" xmlns="">
+                <a:solidFill>
+                  <a:schemeClr val="accent1"/>
+                </a:solidFill>
+              </a14:hiddenFill>
+            </a:ext>
+            <a:ext uri="{91240B29-F687-4f45-9708-019B960494DF}">
+              <a14:hiddenLine xmlns:a14="http://schemas.microsoft.com/office/drawing/2010/main" xmlns="" w="9525">
+                <a:solidFill>
+                  <a:schemeClr val="tx1"/>
+                </a:solidFill>
+                <a:miter lim="800000"/>
+                <a:headEnd/>
+                <a:tailEnd/>
+              </a14:hiddenLine>
+            </a:ext>
+            <a:ext uri="{AF507438-7753-43e0-B8FC-AC1667EBCBE1}">
+              <a14:hiddenEffects xmlns:a14="http://schemas.microsoft.com/office/drawing/2010/main" xmlns="">
+                <a:effectLst>
+                  <a:outerShdw dist="35921" dir="2700000" algn="ctr" rotWithShape="0">
+                    <a:schemeClr val="bg2"/>
+                  </a:outerShdw>
+                </a:effectLst>
+              </a14:hiddenEffects>
+            </a:ext>
+          </a:extLst>
+        </p:spPr>
+        <p:txBody>
+          <a:bodyPr vert="horz" wrap="square" lIns="0" tIns="0" rIns="0" bIns="0" numCol="1" anchor="t" anchorCtr="0" compatLnSpc="1">
+            <a:prstTxWarp prst="textNoShape">
+              <a:avLst/>
+            </a:prstTxWarp>
+          </a:bodyPr>
+          <a:lstStyle>
+            <a:lvl1pPr algn="l" defTabSz="1054100" rtl="0" eaLnBrk="1" fontAlgn="base" hangingPunct="1">
+              <a:lnSpc>
+                <a:spcPct val="110000"/>
+              </a:lnSpc>
+              <a:spcBef>
+                <a:spcPct val="0"/>
+              </a:spcBef>
+              <a:spcAft>
+                <a:spcPct val="40000"/>
+              </a:spcAft>
+              <a:defRPr sz="1700">
+                <a:solidFill>
+                  <a:schemeClr val="tx1"/>
+                </a:solidFill>
+                <a:latin typeface="+mn-lt"/>
+                <a:ea typeface="+mn-ea"/>
+                <a:cs typeface="+mn-cs"/>
+              </a:defRPr>
+            </a:lvl1pPr>
+            <a:lvl2pPr marL="269875" indent="-268288" algn="l" defTabSz="1054100" rtl="0" eaLnBrk="1" fontAlgn="base" hangingPunct="1">
+              <a:lnSpc>
+                <a:spcPct val="110000"/>
+              </a:lnSpc>
+              <a:spcBef>
+                <a:spcPct val="0"/>
+              </a:spcBef>
+              <a:spcAft>
+                <a:spcPct val="40000"/>
+              </a:spcAft>
+              <a:buChar char="•"/>
+              <a:defRPr sz="1700">
+                <a:solidFill>
+                  <a:schemeClr val="tx1"/>
+                </a:solidFill>
+                <a:latin typeface="+mn-lt"/>
+              </a:defRPr>
+            </a:lvl2pPr>
+            <a:lvl3pPr marL="627063" indent="-177800" algn="l" defTabSz="1054100" rtl="0" eaLnBrk="1" fontAlgn="base" hangingPunct="1">
+              <a:lnSpc>
+                <a:spcPct val="110000"/>
+              </a:lnSpc>
+              <a:spcBef>
+                <a:spcPct val="0"/>
+              </a:spcBef>
+              <a:spcAft>
+                <a:spcPct val="40000"/>
+              </a:spcAft>
+              <a:buFont typeface="Arial" charset="0"/>
+              <a:buChar char="-"/>
+              <a:defRPr sz="1700">
+                <a:solidFill>
+                  <a:schemeClr val="tx1"/>
+                </a:solidFill>
+                <a:latin typeface="+mn-lt"/>
+              </a:defRPr>
+            </a:lvl3pPr>
+            <a:lvl4pPr marL="1074738" indent="-174625" algn="l" defTabSz="1054100" rtl="0" eaLnBrk="1" fontAlgn="base" hangingPunct="1">
+              <a:lnSpc>
+                <a:spcPct val="110000"/>
+              </a:lnSpc>
+              <a:spcBef>
+                <a:spcPct val="0"/>
+              </a:spcBef>
+              <a:spcAft>
+                <a:spcPct val="40000"/>
+              </a:spcAft>
+              <a:buFont typeface="Arial" charset="0"/>
+              <a:buChar char="-"/>
+              <a:defRPr sz="1700" i="1">
+                <a:solidFill>
+                  <a:schemeClr val="tx1"/>
+                </a:solidFill>
+                <a:latin typeface="+mn-lt"/>
+              </a:defRPr>
+            </a:lvl4pPr>
+            <a:lvl5pPr marL="1616075" indent="-176213" algn="l" defTabSz="1054100" rtl="0" eaLnBrk="1" fontAlgn="base" hangingPunct="1">
+              <a:lnSpc>
+                <a:spcPct val="110000"/>
+              </a:lnSpc>
+              <a:spcBef>
+                <a:spcPct val="0"/>
+              </a:spcBef>
+              <a:spcAft>
+                <a:spcPct val="40000"/>
+              </a:spcAft>
+              <a:buFont typeface="Arial" charset="0"/>
+              <a:buChar char="-"/>
+              <a:defRPr sz="1700">
+                <a:solidFill>
+                  <a:schemeClr val="tx1"/>
+                </a:solidFill>
+                <a:latin typeface="+mn-lt"/>
+              </a:defRPr>
+            </a:lvl5pPr>
+            <a:lvl6pPr marL="2073275" indent="-176213" algn="l" defTabSz="1054100" rtl="0" eaLnBrk="1" fontAlgn="base" hangingPunct="1">
+              <a:lnSpc>
+                <a:spcPct val="110000"/>
+              </a:lnSpc>
+              <a:spcBef>
+                <a:spcPct val="0"/>
+              </a:spcBef>
+              <a:spcAft>
+                <a:spcPct val="40000"/>
+              </a:spcAft>
+              <a:buFont typeface="Arial" charset="0"/>
+              <a:buChar char="-"/>
+              <a:defRPr sz="1700">
+                <a:solidFill>
+                  <a:schemeClr val="tx1"/>
+                </a:solidFill>
+                <a:latin typeface="+mn-lt"/>
+              </a:defRPr>
+            </a:lvl6pPr>
+            <a:lvl7pPr marL="2530475" indent="-176213" algn="l" defTabSz="1054100" rtl="0" eaLnBrk="1" fontAlgn="base" hangingPunct="1">
+              <a:lnSpc>
+                <a:spcPct val="110000"/>
+              </a:lnSpc>
+              <a:spcBef>
+                <a:spcPct val="0"/>
+              </a:spcBef>
+              <a:spcAft>
+                <a:spcPct val="40000"/>
+              </a:spcAft>
+              <a:buFont typeface="Arial" charset="0"/>
+              <a:buChar char="-"/>
+              <a:defRPr sz="1700">
+                <a:solidFill>
+                  <a:schemeClr val="tx1"/>
+                </a:solidFill>
+                <a:latin typeface="+mn-lt"/>
+              </a:defRPr>
+            </a:lvl7pPr>
+            <a:lvl8pPr marL="2987675" indent="-176213" algn="l" defTabSz="1054100" rtl="0" eaLnBrk="1" fontAlgn="base" hangingPunct="1">
+              <a:lnSpc>
+                <a:spcPct val="110000"/>
+              </a:lnSpc>
+              <a:spcBef>
+                <a:spcPct val="0"/>
+              </a:spcBef>
+              <a:spcAft>
+                <a:spcPct val="40000"/>
+              </a:spcAft>
+              <a:buFont typeface="Arial" charset="0"/>
+              <a:buChar char="-"/>
+              <a:defRPr sz="1700">
+                <a:solidFill>
+                  <a:schemeClr val="tx1"/>
+                </a:solidFill>
+                <a:latin typeface="+mn-lt"/>
+              </a:defRPr>
+            </a:lvl8pPr>
+            <a:lvl9pPr marL="3444875" indent="-176213" algn="l" defTabSz="1054100" rtl="0" eaLnBrk="1" fontAlgn="base" hangingPunct="1">
+              <a:lnSpc>
+                <a:spcPct val="110000"/>
+              </a:lnSpc>
+              <a:spcBef>
+                <a:spcPct val="0"/>
+              </a:spcBef>
+              <a:spcAft>
+                <a:spcPct val="40000"/>
+              </a:spcAft>
+              <a:buFont typeface="Arial" charset="0"/>
+              <a:buChar char="-"/>
+              <a:defRPr sz="1700">
+                <a:solidFill>
+                  <a:schemeClr val="tx1"/>
+                </a:solidFill>
+                <a:latin typeface="+mn-lt"/>
+              </a:defRPr>
+            </a:lvl9pPr>
+          </a:lstStyle>
+          <a:p>
+            <a:pPr marL="342900" indent="-342900">
+              <a:buFont typeface="+mj-lt"/>
+              <a:buAutoNum type="arabicPeriod"/>
+            </a:pPr>
+            <a:r>
+              <a:rPr lang="en-US" kern="0" dirty="0" err="1"/>
+              <a:t>Funktionsselektor</a:t>
+            </a:r>
+            <a:endParaRPr lang="en-US" kern="0" dirty="0"/>
+          </a:p>
+          <a:p>
+            <a:pPr marL="612775" lvl="1" indent="-342900">
+              <a:buFont typeface="Arial" panose="020B0604020202020204" pitchFamily="34" charset="0"/>
+              <a:buChar char="•"/>
+            </a:pPr>
+            <a:r>
+              <a:rPr lang="en-US" kern="0" dirty="0" err="1"/>
+              <a:t>Welche</a:t>
+            </a:r>
+            <a:r>
+              <a:rPr lang="en-US" kern="0" dirty="0"/>
+              <a:t> </a:t>
+            </a:r>
+            <a:r>
+              <a:rPr lang="en-US" kern="0" dirty="0" err="1"/>
+              <a:t>Funktion</a:t>
+            </a:r>
+            <a:r>
+              <a:rPr lang="en-US" kern="0" dirty="0"/>
+              <a:t> </a:t>
+            </a:r>
+            <a:r>
+              <a:rPr lang="en-US" kern="0" dirty="0" err="1"/>
+              <a:t>aufgerufen</a:t>
+            </a:r>
+            <a:r>
+              <a:rPr lang="en-US" kern="0" dirty="0"/>
+              <a:t> </a:t>
+            </a:r>
+            <a:r>
+              <a:rPr lang="en-US" kern="0" dirty="0" err="1"/>
+              <a:t>werden</a:t>
+            </a:r>
+            <a:r>
+              <a:rPr lang="en-US" kern="0" dirty="0"/>
+              <a:t> </a:t>
+            </a:r>
+            <a:r>
+              <a:rPr lang="en-US" kern="0" dirty="0" err="1"/>
+              <a:t>soll</a:t>
+            </a:r>
+            <a:endParaRPr lang="en-US" kern="0" dirty="0"/>
+          </a:p>
+          <a:p>
+            <a:pPr marL="612775" lvl="1" indent="-342900">
+              <a:buFont typeface="Arial" panose="020B0604020202020204" pitchFamily="34" charset="0"/>
+              <a:buChar char="•"/>
+            </a:pPr>
+            <a:r>
+              <a:rPr lang="en-US" kern="0" dirty="0" err="1"/>
+              <a:t>Ersten</a:t>
+            </a:r>
+            <a:r>
+              <a:rPr lang="en-US" kern="0" dirty="0"/>
+              <a:t> </a:t>
+            </a:r>
+            <a:r>
+              <a:rPr lang="en-US" kern="0" dirty="0" err="1"/>
+              <a:t>vier</a:t>
+            </a:r>
+            <a:r>
+              <a:rPr lang="en-US" kern="0" dirty="0"/>
+              <a:t> Bytes des Keccak-256-Hash des </a:t>
+            </a:r>
+            <a:r>
+              <a:rPr lang="en-US" kern="0" dirty="0" err="1"/>
+              <a:t>Funktionsprototypen</a:t>
+            </a:r>
+            <a:endParaRPr lang="en-US" kern="0" dirty="0"/>
+          </a:p>
+          <a:p>
+            <a:pPr lvl="1" indent="0">
+              <a:buNone/>
+            </a:pPr>
+            <a:endParaRPr lang="en-US" kern="0" dirty="0"/>
+          </a:p>
+        </p:txBody>
+      </p:sp>
+    </p:spTree>
+    <p:extLst>
+      <p:ext uri="{BB962C8B-B14F-4D97-AF65-F5344CB8AC3E}">
+        <p14:creationId xmlns:p14="http://schemas.microsoft.com/office/powerpoint/2010/main" val="3523473760"/>
+      </p:ext>
+    </p:extLst>
+  </p:cSld>
+  <p:clrMapOvr>
+    <a:masterClrMapping/>
+  </p:clrMapOvr>
+</p:sld>
+</file>
+
+<file path=ppt/slides/slide22.xml><?xml version="1.0" encoding="utf-8"?>
+<p:sld xmlns:a="http://schemas.openxmlformats.org/drawingml/2006/main" xmlns:r="http://schemas.openxmlformats.org/officeDocument/2006/relationships" xmlns:p="http://schemas.openxmlformats.org/presentationml/2006/main">
+  <p:cSld>
+    <p:spTree>
+      <p:nvGrpSpPr>
+        <p:cNvPr id="1" name=""/>
+        <p:cNvGrpSpPr/>
+        <p:nvPr/>
+      </p:nvGrpSpPr>
+      <p:grpSpPr>
+        <a:xfrm>
+          <a:off x="0" y="0"/>
+          <a:ext cx="0" cy="0"/>
+          <a:chOff x="0" y="0"/>
+          <a:chExt cx="0" cy="0"/>
+        </a:xfrm>
+      </p:grpSpPr>
+      <p:sp>
+        <p:nvSpPr>
+          <p:cNvPr id="5" name="Foliennummernplatzhalter 4"/>
+          <p:cNvSpPr>
+            <a:spLocks noGrp="1"/>
+          </p:cNvSpPr>
+          <p:nvPr>
+            <p:ph type="sldNum" sz="quarter" idx="10"/>
+          </p:nvPr>
+        </p:nvSpPr>
+        <p:spPr/>
+        <p:txBody>
+          <a:bodyPr/>
+          <a:lstStyle/>
+          <a:p>
+            <a:r>
+              <a:rPr lang="de-DE"/>
+              <a:t>Seite </a:t>
+            </a:r>
+            <a:fld id="{CAEED438-B660-4C04-BC25-4C23CCFBC7F4}" type="slidenum">
+              <a:rPr lang="de-DE"/>
+              <a:pPr/>
+              <a:t>22</a:t>
             </a:fld>
             <a:endParaRPr lang="de-DE"/>
           </a:p>
@@ -18143,7 +21630,7 @@
 </p:sld>
 </file>
 
-<file path=ppt/slides/slide21.xml><?xml version="1.0" encoding="utf-8"?>
+<file path=ppt/slides/slide23.xml><?xml version="1.0" encoding="utf-8"?>
 <p:sld xmlns:a="http://schemas.openxmlformats.org/drawingml/2006/main" xmlns:r="http://schemas.openxmlformats.org/officeDocument/2006/relationships" xmlns:p="http://schemas.openxmlformats.org/presentationml/2006/main">
   <p:cSld>
     <p:spTree>
@@ -18182,7 +21669,7 @@
             <a:fld id="{CAEED438-B660-4C04-BC25-4C23CCFBC7F4}" type="slidenum">
               <a:rPr lang="de-DE"/>
               <a:pPr/>
-              <a:t>21</a:t>
+              <a:t>23</a:t>
             </a:fld>
             <a:endParaRPr lang="de-DE"/>
           </a:p>
@@ -19401,7 +22888,7 @@
 </p:sld>
 </file>
 
-<file path=ppt/slides/slide22.xml><?xml version="1.0" encoding="utf-8"?>
+<file path=ppt/slides/slide24.xml><?xml version="1.0" encoding="utf-8"?>
 <p:sld xmlns:a="http://schemas.openxmlformats.org/drawingml/2006/main" xmlns:r="http://schemas.openxmlformats.org/officeDocument/2006/relationships" xmlns:p="http://schemas.openxmlformats.org/presentationml/2006/main">
   <p:cSld>
     <p:spTree>
@@ -19440,7 +22927,7 @@
             <a:fld id="{CAEED438-B660-4C04-BC25-4C23CCFBC7F4}" type="slidenum">
               <a:rPr lang="de-DE"/>
               <a:pPr/>
-              <a:t>22</a:t>
+              <a:t>24</a:t>
             </a:fld>
             <a:endParaRPr lang="de-DE"/>
           </a:p>
@@ -21025,7 +24512,7 @@
 </p:sld>
 </file>
 
-<file path=ppt/slides/slide23.xml><?xml version="1.0" encoding="utf-8"?>
+<file path=ppt/slides/slide25.xml><?xml version="1.0" encoding="utf-8"?>
 <p:sld xmlns:a="http://schemas.openxmlformats.org/drawingml/2006/main" xmlns:r="http://schemas.openxmlformats.org/officeDocument/2006/relationships" xmlns:p="http://schemas.openxmlformats.org/presentationml/2006/main">
   <p:cSld>
     <p:spTree>
@@ -21064,7 +24551,7 @@
             <a:fld id="{CAEED438-B660-4C04-BC25-4C23CCFBC7F4}" type="slidenum">
               <a:rPr lang="de-DE"/>
               <a:pPr/>
-              <a:t>23</a:t>
+              <a:t>25</a:t>
             </a:fld>
             <a:endParaRPr lang="de-DE"/>
           </a:p>
@@ -21295,7 +24782,7 @@
         <p:spPr bwMode="auto">
           <a:xfrm>
             <a:off x="656659" y="2138363"/>
-            <a:ext cx="10592363" cy="1859085"/>
+            <a:ext cx="10592363" cy="4235350"/>
           </a:xfrm>
           <a:prstGeom prst="rect">
             <a:avLst/>
@@ -21622,8 +25109,13 @@
             </a:r>
             <a:r>
               <a:rPr lang="en-US" kern="0" dirty="0"/>
-              <a:t> dem Argument</a:t>
-            </a:r>
+              <a:t> dem Argument (</a:t>
+            </a:r>
+            <a:r>
+              <a:rPr lang="de-DE" kern="0" dirty="0"/>
+              <a:t>„Einzahlung“)</a:t>
+            </a:r>
+            <a:endParaRPr lang="en-US" kern="0" dirty="0"/>
           </a:p>
           <a:p>
             <a:pPr marL="612775" lvl="1" indent="-342900">
@@ -22092,7 +25584,7 @@
 </p:sld>
 </file>
 
-<file path=ppt/slides/slide24.xml><?xml version="1.0" encoding="utf-8"?>
+<file path=ppt/slides/slide26.xml><?xml version="1.0" encoding="utf-8"?>
 <p:sld xmlns:a="http://schemas.openxmlformats.org/drawingml/2006/main" xmlns:r="http://schemas.openxmlformats.org/officeDocument/2006/relationships" xmlns:p="http://schemas.openxmlformats.org/presentationml/2006/main">
   <p:cSld>
     <p:spTree>
@@ -22131,7 +25623,7 @@
             <a:fld id="{CAEED438-B660-4C04-BC25-4C23CCFBC7F4}" type="slidenum">
               <a:rPr lang="de-DE"/>
               <a:pPr/>
-              <a:t>24</a:t>
+              <a:t>26</a:t>
             </a:fld>
             <a:endParaRPr lang="de-DE"/>
           </a:p>
@@ -22345,8 +25837,8 @@
           </a:p>
         </p:txBody>
       </p:sp>
-      <mc:AlternateContent xmlns:mc="http://schemas.openxmlformats.org/markup-compatibility/2006">
-        <mc:Choice xmlns:a14="http://schemas.microsoft.com/office/drawing/2010/main" Requires="a14">
+      <mc:AlternateContent xmlns:mc="http://schemas.openxmlformats.org/markup-compatibility/2006" xmlns:a14="http://schemas.microsoft.com/office/drawing/2010/main">
+        <mc:Choice Requires="a14">
           <p:sp>
             <p:nvSpPr>
               <p:cNvPr id="22" name="Rectangle 3">
@@ -23014,7 +26506,7 @@
             </p:txBody>
           </p:sp>
         </mc:Choice>
-        <mc:Fallback>
+        <mc:Fallback xmlns="">
           <p:sp>
             <p:nvSpPr>
               <p:cNvPr id="22" name="Rectangle 3">
@@ -23104,7 +26596,7 @@
 </p:sld>
 </file>
 
-<file path=ppt/slides/slide25.xml><?xml version="1.0" encoding="utf-8"?>
+<file path=ppt/slides/slide27.xml><?xml version="1.0" encoding="utf-8"?>
 <p:sld xmlns:a="http://schemas.openxmlformats.org/drawingml/2006/main" xmlns:r="http://schemas.openxmlformats.org/officeDocument/2006/relationships" xmlns:p="http://schemas.openxmlformats.org/presentationml/2006/main">
   <p:cSld>
     <p:spTree>
@@ -23143,7 +26635,7 @@
             <a:fld id="{CAEED438-B660-4C04-BC25-4C23CCFBC7F4}" type="slidenum">
               <a:rPr lang="de-DE"/>
               <a:pPr/>
-              <a:t>25</a:t>
+              <a:t>27</a:t>
             </a:fld>
             <a:endParaRPr lang="de-DE"/>
           </a:p>
@@ -23637,7 +27129,7 @@
 </p:sld>
 </file>
 
-<file path=ppt/slides/slide26.xml><?xml version="1.0" encoding="utf-8"?>
+<file path=ppt/slides/slide28.xml><?xml version="1.0" encoding="utf-8"?>
 <p:sld xmlns:a="http://schemas.openxmlformats.org/drawingml/2006/main" xmlns:r="http://schemas.openxmlformats.org/officeDocument/2006/relationships" xmlns:p="http://schemas.openxmlformats.org/presentationml/2006/main">
   <p:cSld>
     <p:spTree>
@@ -23676,7 +27168,7 @@
             <a:fld id="{CAEED438-B660-4C04-BC25-4C23CCFBC7F4}" type="slidenum">
               <a:rPr lang="de-DE"/>
               <a:pPr/>
-              <a:t>26</a:t>
+              <a:t>28</a:t>
             </a:fld>
             <a:endParaRPr lang="de-DE"/>
           </a:p>
@@ -24174,7 +27666,7 @@
 </p:sld>
 </file>
 
-<file path=ppt/slides/slide27.xml><?xml version="1.0" encoding="utf-8"?>
+<file path=ppt/slides/slide29.xml><?xml version="1.0" encoding="utf-8"?>
 <p:sld xmlns:a="http://schemas.openxmlformats.org/drawingml/2006/main" xmlns:r="http://schemas.openxmlformats.org/officeDocument/2006/relationships" xmlns:p="http://schemas.openxmlformats.org/presentationml/2006/main">
   <p:cSld>
     <p:spTree>
@@ -24213,7 +27705,7 @@
             <a:fld id="{CAEED438-B660-4C04-BC25-4C23CCFBC7F4}" type="slidenum">
               <a:rPr lang="de-DE"/>
               <a:pPr/>
-              <a:t>27</a:t>
+              <a:t>29</a:t>
             </a:fld>
             <a:endParaRPr lang="de-DE"/>
           </a:p>
@@ -24711,7 +28203,400 @@
 </p:sld>
 </file>
 
-<file path=ppt/slides/slide28.xml><?xml version="1.0" encoding="utf-8"?>
+<file path=ppt/slides/slide3.xml><?xml version="1.0" encoding="utf-8"?>
+<p:sld xmlns:a="http://schemas.openxmlformats.org/drawingml/2006/main" xmlns:r="http://schemas.openxmlformats.org/officeDocument/2006/relationships" xmlns:p="http://schemas.openxmlformats.org/presentationml/2006/main">
+  <p:cSld>
+    <p:spTree>
+      <p:nvGrpSpPr>
+        <p:cNvPr id="1" name=""/>
+        <p:cNvGrpSpPr/>
+        <p:nvPr/>
+      </p:nvGrpSpPr>
+      <p:grpSpPr>
+        <a:xfrm>
+          <a:off x="0" y="0"/>
+          <a:ext cx="0" cy="0"/>
+          <a:chOff x="0" y="0"/>
+          <a:chExt cx="0" cy="0"/>
+        </a:xfrm>
+      </p:grpSpPr>
+      <p:sp>
+        <p:nvSpPr>
+          <p:cNvPr id="15" name="Foliennummernplatzhalter 3"/>
+          <p:cNvSpPr>
+            <a:spLocks noGrp="1"/>
+          </p:cNvSpPr>
+          <p:nvPr>
+            <p:ph type="sldNum" sz="quarter" idx="10"/>
+          </p:nvPr>
+        </p:nvSpPr>
+        <p:spPr/>
+        <p:txBody>
+          <a:bodyPr/>
+          <a:lstStyle/>
+          <a:p>
+            <a:r>
+              <a:rPr lang="de-DE" dirty="0"/>
+              <a:t>Seite </a:t>
+            </a:r>
+            <a:fld id="{39BC1543-AAC8-420D-BBBB-BCE8A35A375E}" type="slidenum">
+              <a:rPr lang="de-DE"/>
+              <a:pPr/>
+              <a:t>3</a:t>
+            </a:fld>
+            <a:endParaRPr lang="de-DE" dirty="0"/>
+          </a:p>
+        </p:txBody>
+      </p:sp>
+      <p:sp>
+        <p:nvSpPr>
+          <p:cNvPr id="2050" name="Rectangle 2"/>
+          <p:cNvSpPr>
+            <a:spLocks noGrp="1" noChangeArrowheads="1"/>
+          </p:cNvSpPr>
+          <p:nvPr>
+            <p:ph type="title"/>
+          </p:nvPr>
+        </p:nvSpPr>
+        <p:spPr/>
+        <p:txBody>
+          <a:bodyPr/>
+          <a:lstStyle/>
+          <a:p>
+            <a:r>
+              <a:rPr lang="de-DE" dirty="0"/>
+              <a:t>Inhaltsverzeichnis</a:t>
+            </a:r>
+            <a:endParaRPr lang="de-DE" sz="2400" i="1" dirty="0"/>
+          </a:p>
+        </p:txBody>
+      </p:sp>
+      <p:sp>
+        <p:nvSpPr>
+          <p:cNvPr id="7" name="Rectangle 3">
+            <a:extLst>
+              <a:ext uri="{FF2B5EF4-FFF2-40B4-BE49-F238E27FC236}">
+                <a16:creationId xmlns:a16="http://schemas.microsoft.com/office/drawing/2014/main" id="{425D4130-F0D3-48C7-A989-8C6853076445}"/>
+              </a:ext>
+            </a:extLst>
+          </p:cNvPr>
+          <p:cNvSpPr txBox="1">
+            <a:spLocks noChangeArrowheads="1"/>
+          </p:cNvSpPr>
+          <p:nvPr/>
+        </p:nvSpPr>
+        <p:spPr bwMode="auto">
+          <a:xfrm>
+            <a:off x="656659" y="2138364"/>
+            <a:ext cx="10592363" cy="4522787"/>
+          </a:xfrm>
+          <a:prstGeom prst="rect">
+            <a:avLst/>
+          </a:prstGeom>
+          <a:noFill/>
+          <a:ln>
+            <a:noFill/>
+          </a:ln>
+          <a:effectLst/>
+          <a:extLst>
+            <a:ext uri="{909E8E84-426E-40dd-AFC4-6F175D3DCCD1}">
+              <a14:hiddenFill xmlns:a14="http://schemas.microsoft.com/office/drawing/2010/main" xmlns="">
+                <a:solidFill>
+                  <a:schemeClr val="accent1"/>
+                </a:solidFill>
+              </a14:hiddenFill>
+            </a:ext>
+            <a:ext uri="{91240B29-F687-4f45-9708-019B960494DF}">
+              <a14:hiddenLine xmlns:a14="http://schemas.microsoft.com/office/drawing/2010/main" xmlns="" w="9525">
+                <a:solidFill>
+                  <a:schemeClr val="tx1"/>
+                </a:solidFill>
+                <a:miter lim="800000"/>
+                <a:headEnd/>
+                <a:tailEnd/>
+              </a14:hiddenLine>
+            </a:ext>
+            <a:ext uri="{AF507438-7753-43e0-B8FC-AC1667EBCBE1}">
+              <a14:hiddenEffects xmlns:a14="http://schemas.microsoft.com/office/drawing/2010/main" xmlns="">
+                <a:effectLst>
+                  <a:outerShdw dist="35921" dir="2700000" algn="ctr" rotWithShape="0">
+                    <a:schemeClr val="bg2"/>
+                  </a:outerShdw>
+                </a:effectLst>
+              </a14:hiddenEffects>
+            </a:ext>
+          </a:extLst>
+        </p:spPr>
+        <p:txBody>
+          <a:bodyPr vert="horz" wrap="square" lIns="0" tIns="0" rIns="0" bIns="0" numCol="1" anchor="t" anchorCtr="0" compatLnSpc="1">
+            <a:prstTxWarp prst="textNoShape">
+              <a:avLst/>
+            </a:prstTxWarp>
+          </a:bodyPr>
+          <a:lstStyle>
+            <a:lvl1pPr algn="l" defTabSz="1054100" rtl="0" eaLnBrk="1" fontAlgn="base" hangingPunct="1">
+              <a:lnSpc>
+                <a:spcPct val="110000"/>
+              </a:lnSpc>
+              <a:spcBef>
+                <a:spcPct val="0"/>
+              </a:spcBef>
+              <a:spcAft>
+                <a:spcPct val="40000"/>
+              </a:spcAft>
+              <a:defRPr sz="1700">
+                <a:solidFill>
+                  <a:schemeClr val="tx1"/>
+                </a:solidFill>
+                <a:latin typeface="+mn-lt"/>
+                <a:ea typeface="+mn-ea"/>
+                <a:cs typeface="+mn-cs"/>
+              </a:defRPr>
+            </a:lvl1pPr>
+            <a:lvl2pPr marL="269875" indent="-268288" algn="l" defTabSz="1054100" rtl="0" eaLnBrk="1" fontAlgn="base" hangingPunct="1">
+              <a:lnSpc>
+                <a:spcPct val="110000"/>
+              </a:lnSpc>
+              <a:spcBef>
+                <a:spcPct val="0"/>
+              </a:spcBef>
+              <a:spcAft>
+                <a:spcPct val="40000"/>
+              </a:spcAft>
+              <a:buChar char="•"/>
+              <a:defRPr sz="1700">
+                <a:solidFill>
+                  <a:schemeClr val="tx1"/>
+                </a:solidFill>
+                <a:latin typeface="+mn-lt"/>
+              </a:defRPr>
+            </a:lvl2pPr>
+            <a:lvl3pPr marL="627063" indent="-177800" algn="l" defTabSz="1054100" rtl="0" eaLnBrk="1" fontAlgn="base" hangingPunct="1">
+              <a:lnSpc>
+                <a:spcPct val="110000"/>
+              </a:lnSpc>
+              <a:spcBef>
+                <a:spcPct val="0"/>
+              </a:spcBef>
+              <a:spcAft>
+                <a:spcPct val="40000"/>
+              </a:spcAft>
+              <a:buFont typeface="Arial" charset="0"/>
+              <a:buChar char="-"/>
+              <a:defRPr sz="1700">
+                <a:solidFill>
+                  <a:schemeClr val="tx1"/>
+                </a:solidFill>
+                <a:latin typeface="+mn-lt"/>
+              </a:defRPr>
+            </a:lvl3pPr>
+            <a:lvl4pPr marL="1074738" indent="-174625" algn="l" defTabSz="1054100" rtl="0" eaLnBrk="1" fontAlgn="base" hangingPunct="1">
+              <a:lnSpc>
+                <a:spcPct val="110000"/>
+              </a:lnSpc>
+              <a:spcBef>
+                <a:spcPct val="0"/>
+              </a:spcBef>
+              <a:spcAft>
+                <a:spcPct val="40000"/>
+              </a:spcAft>
+              <a:buFont typeface="Arial" charset="0"/>
+              <a:buChar char="-"/>
+              <a:defRPr sz="1700" i="1">
+                <a:solidFill>
+                  <a:schemeClr val="tx1"/>
+                </a:solidFill>
+                <a:latin typeface="+mn-lt"/>
+              </a:defRPr>
+            </a:lvl4pPr>
+            <a:lvl5pPr marL="1616075" indent="-176213" algn="l" defTabSz="1054100" rtl="0" eaLnBrk="1" fontAlgn="base" hangingPunct="1">
+              <a:lnSpc>
+                <a:spcPct val="110000"/>
+              </a:lnSpc>
+              <a:spcBef>
+                <a:spcPct val="0"/>
+              </a:spcBef>
+              <a:spcAft>
+                <a:spcPct val="40000"/>
+              </a:spcAft>
+              <a:buFont typeface="Arial" charset="0"/>
+              <a:buChar char="-"/>
+              <a:defRPr sz="1700">
+                <a:solidFill>
+                  <a:schemeClr val="tx1"/>
+                </a:solidFill>
+                <a:latin typeface="+mn-lt"/>
+              </a:defRPr>
+            </a:lvl5pPr>
+            <a:lvl6pPr marL="2073275" indent="-176213" algn="l" defTabSz="1054100" rtl="0" eaLnBrk="1" fontAlgn="base" hangingPunct="1">
+              <a:lnSpc>
+                <a:spcPct val="110000"/>
+              </a:lnSpc>
+              <a:spcBef>
+                <a:spcPct val="0"/>
+              </a:spcBef>
+              <a:spcAft>
+                <a:spcPct val="40000"/>
+              </a:spcAft>
+              <a:buFont typeface="Arial" charset="0"/>
+              <a:buChar char="-"/>
+              <a:defRPr sz="1700">
+                <a:solidFill>
+                  <a:schemeClr val="tx1"/>
+                </a:solidFill>
+                <a:latin typeface="+mn-lt"/>
+              </a:defRPr>
+            </a:lvl6pPr>
+            <a:lvl7pPr marL="2530475" indent="-176213" algn="l" defTabSz="1054100" rtl="0" eaLnBrk="1" fontAlgn="base" hangingPunct="1">
+              <a:lnSpc>
+                <a:spcPct val="110000"/>
+              </a:lnSpc>
+              <a:spcBef>
+                <a:spcPct val="0"/>
+              </a:spcBef>
+              <a:spcAft>
+                <a:spcPct val="40000"/>
+              </a:spcAft>
+              <a:buFont typeface="Arial" charset="0"/>
+              <a:buChar char="-"/>
+              <a:defRPr sz="1700">
+                <a:solidFill>
+                  <a:schemeClr val="tx1"/>
+                </a:solidFill>
+                <a:latin typeface="+mn-lt"/>
+              </a:defRPr>
+            </a:lvl7pPr>
+            <a:lvl8pPr marL="2987675" indent="-176213" algn="l" defTabSz="1054100" rtl="0" eaLnBrk="1" fontAlgn="base" hangingPunct="1">
+              <a:lnSpc>
+                <a:spcPct val="110000"/>
+              </a:lnSpc>
+              <a:spcBef>
+                <a:spcPct val="0"/>
+              </a:spcBef>
+              <a:spcAft>
+                <a:spcPct val="40000"/>
+              </a:spcAft>
+              <a:buFont typeface="Arial" charset="0"/>
+              <a:buChar char="-"/>
+              <a:defRPr sz="1700">
+                <a:solidFill>
+                  <a:schemeClr val="tx1"/>
+                </a:solidFill>
+                <a:latin typeface="+mn-lt"/>
+              </a:defRPr>
+            </a:lvl8pPr>
+            <a:lvl9pPr marL="3444875" indent="-176213" algn="l" defTabSz="1054100" rtl="0" eaLnBrk="1" fontAlgn="base" hangingPunct="1">
+              <a:lnSpc>
+                <a:spcPct val="110000"/>
+              </a:lnSpc>
+              <a:spcBef>
+                <a:spcPct val="0"/>
+              </a:spcBef>
+              <a:spcAft>
+                <a:spcPct val="40000"/>
+              </a:spcAft>
+              <a:buFont typeface="Arial" charset="0"/>
+              <a:buChar char="-"/>
+              <a:defRPr sz="1700">
+                <a:solidFill>
+                  <a:schemeClr val="tx1"/>
+                </a:solidFill>
+                <a:latin typeface="+mn-lt"/>
+              </a:defRPr>
+            </a:lvl9pPr>
+          </a:lstStyle>
+          <a:p>
+            <a:pPr marL="342900" indent="-342900">
+              <a:buAutoNum type="arabicPeriod"/>
+            </a:pPr>
+            <a:r>
+              <a:rPr lang="de-DE" b="1" kern="0" dirty="0"/>
+              <a:t>Einführung</a:t>
+            </a:r>
+          </a:p>
+          <a:p>
+            <a:pPr marL="342900" indent="-342900">
+              <a:buAutoNum type="arabicPeriod"/>
+            </a:pPr>
+            <a:r>
+              <a:rPr lang="de-DE" kern="0" dirty="0"/>
+              <a:t>Struktur</a:t>
+            </a:r>
+            <a:r>
+              <a:rPr lang="en-US" kern="0" dirty="0"/>
+              <a:t> und </a:t>
+            </a:r>
+            <a:r>
+              <a:rPr lang="en-US" kern="0" dirty="0" err="1"/>
+              <a:t>technische</a:t>
+            </a:r>
+            <a:r>
+              <a:rPr lang="en-US" kern="0" dirty="0"/>
+              <a:t> </a:t>
+            </a:r>
+            <a:r>
+              <a:rPr lang="en-US" kern="0" dirty="0" err="1"/>
+              <a:t>Umsetzung</a:t>
+            </a:r>
+            <a:endParaRPr lang="en-US" kern="0" dirty="0"/>
+          </a:p>
+          <a:p>
+            <a:pPr marL="342900" indent="-342900">
+              <a:buAutoNum type="arabicPeriod"/>
+            </a:pPr>
+            <a:r>
+              <a:rPr lang="en-US" kern="0" dirty="0" err="1"/>
+              <a:t>Komponenten</a:t>
+            </a:r>
+            <a:r>
+              <a:rPr lang="en-US" kern="0" dirty="0"/>
+              <a:t> </a:t>
+            </a:r>
+            <a:r>
+              <a:rPr lang="en-US" kern="0" dirty="0" err="1"/>
+              <a:t>im</a:t>
+            </a:r>
+            <a:r>
+              <a:rPr lang="en-US" kern="0" dirty="0"/>
+              <a:t> Detail</a:t>
+            </a:r>
+          </a:p>
+          <a:p>
+            <a:pPr marL="342900" indent="-342900">
+              <a:buAutoNum type="arabicPeriod"/>
+            </a:pPr>
+            <a:r>
+              <a:rPr lang="en-US" kern="0" dirty="0" err="1"/>
+              <a:t>Transaktionabwicklung</a:t>
+            </a:r>
+            <a:endParaRPr lang="en-US" kern="0" dirty="0"/>
+          </a:p>
+          <a:p>
+            <a:pPr marL="342900" indent="-342900">
+              <a:buAutoNum type="arabicPeriod"/>
+            </a:pPr>
+            <a:r>
+              <a:rPr lang="en-US" kern="0" dirty="0" err="1"/>
+              <a:t>Ausblick</a:t>
+            </a:r>
+            <a:endParaRPr lang="en-US" kern="0" dirty="0"/>
+          </a:p>
+        </p:txBody>
+      </p:sp>
+    </p:spTree>
+    <p:extLst>
+      <p:ext uri="{BB962C8B-B14F-4D97-AF65-F5344CB8AC3E}">
+        <p14:creationId xmlns:p14="http://schemas.microsoft.com/office/powerpoint/2010/main" val="3225423876"/>
+      </p:ext>
+    </p:extLst>
+  </p:cSld>
+  <p:clrMapOvr>
+    <a:masterClrMapping/>
+  </p:clrMapOvr>
+</p:sld>
+</file>
+
+<file path=ppt/slides/slide30.xml><?xml version="1.0" encoding="utf-8"?>
 <p:sld xmlns:a="http://schemas.openxmlformats.org/drawingml/2006/main" xmlns:r="http://schemas.openxmlformats.org/officeDocument/2006/relationships" xmlns:p="http://schemas.openxmlformats.org/presentationml/2006/main">
   <p:cSld>
     <p:spTree>
@@ -24750,7 +28635,7 @@
             <a:fld id="{CAEED438-B660-4C04-BC25-4C23CCFBC7F4}" type="slidenum">
               <a:rPr lang="de-DE"/>
               <a:pPr/>
-              <a:t>28</a:t>
+              <a:t>30</a:t>
             </a:fld>
             <a:endParaRPr lang="de-DE"/>
           </a:p>
@@ -25248,7 +29133,7 @@
 </p:sld>
 </file>
 
-<file path=ppt/slides/slide29.xml><?xml version="1.0" encoding="utf-8"?>
+<file path=ppt/slides/slide31.xml><?xml version="1.0" encoding="utf-8"?>
 <p:sld xmlns:a="http://schemas.openxmlformats.org/drawingml/2006/main" xmlns:r="http://schemas.openxmlformats.org/officeDocument/2006/relationships" xmlns:p="http://schemas.openxmlformats.org/presentationml/2006/main">
   <p:cSld>
     <p:spTree>
@@ -25287,7 +29172,7 @@
             <a:fld id="{CAEED438-B660-4C04-BC25-4C23CCFBC7F4}" type="slidenum">
               <a:rPr lang="de-DE"/>
               <a:pPr/>
-              <a:t>29</a:t>
+              <a:t>31</a:t>
             </a:fld>
             <a:endParaRPr lang="de-DE"/>
           </a:p>
@@ -25785,400 +29670,7 @@
 </p:sld>
 </file>
 
-<file path=ppt/slides/slide3.xml><?xml version="1.0" encoding="utf-8"?>
-<p:sld xmlns:a="http://schemas.openxmlformats.org/drawingml/2006/main" xmlns:r="http://schemas.openxmlformats.org/officeDocument/2006/relationships" xmlns:p="http://schemas.openxmlformats.org/presentationml/2006/main">
-  <p:cSld>
-    <p:spTree>
-      <p:nvGrpSpPr>
-        <p:cNvPr id="1" name=""/>
-        <p:cNvGrpSpPr/>
-        <p:nvPr/>
-      </p:nvGrpSpPr>
-      <p:grpSpPr>
-        <a:xfrm>
-          <a:off x="0" y="0"/>
-          <a:ext cx="0" cy="0"/>
-          <a:chOff x="0" y="0"/>
-          <a:chExt cx="0" cy="0"/>
-        </a:xfrm>
-      </p:grpSpPr>
-      <p:sp>
-        <p:nvSpPr>
-          <p:cNvPr id="15" name="Foliennummernplatzhalter 3"/>
-          <p:cNvSpPr>
-            <a:spLocks noGrp="1"/>
-          </p:cNvSpPr>
-          <p:nvPr>
-            <p:ph type="sldNum" sz="quarter" idx="10"/>
-          </p:nvPr>
-        </p:nvSpPr>
-        <p:spPr/>
-        <p:txBody>
-          <a:bodyPr/>
-          <a:lstStyle/>
-          <a:p>
-            <a:r>
-              <a:rPr lang="de-DE" dirty="0"/>
-              <a:t>Seite </a:t>
-            </a:r>
-            <a:fld id="{39BC1543-AAC8-420D-BBBB-BCE8A35A375E}" type="slidenum">
-              <a:rPr lang="de-DE"/>
-              <a:pPr/>
-              <a:t>3</a:t>
-            </a:fld>
-            <a:endParaRPr lang="de-DE" dirty="0"/>
-          </a:p>
-        </p:txBody>
-      </p:sp>
-      <p:sp>
-        <p:nvSpPr>
-          <p:cNvPr id="2050" name="Rectangle 2"/>
-          <p:cNvSpPr>
-            <a:spLocks noGrp="1" noChangeArrowheads="1"/>
-          </p:cNvSpPr>
-          <p:nvPr>
-            <p:ph type="title"/>
-          </p:nvPr>
-        </p:nvSpPr>
-        <p:spPr/>
-        <p:txBody>
-          <a:bodyPr/>
-          <a:lstStyle/>
-          <a:p>
-            <a:r>
-              <a:rPr lang="de-DE" dirty="0"/>
-              <a:t>Inhaltsverzeichnis</a:t>
-            </a:r>
-            <a:endParaRPr lang="de-DE" sz="2400" i="1" dirty="0"/>
-          </a:p>
-        </p:txBody>
-      </p:sp>
-      <p:sp>
-        <p:nvSpPr>
-          <p:cNvPr id="7" name="Rectangle 3">
-            <a:extLst>
-              <a:ext uri="{FF2B5EF4-FFF2-40B4-BE49-F238E27FC236}">
-                <a16:creationId xmlns:a16="http://schemas.microsoft.com/office/drawing/2014/main" id="{425D4130-F0D3-48C7-A989-8C6853076445}"/>
-              </a:ext>
-            </a:extLst>
-          </p:cNvPr>
-          <p:cNvSpPr txBox="1">
-            <a:spLocks noChangeArrowheads="1"/>
-          </p:cNvSpPr>
-          <p:nvPr/>
-        </p:nvSpPr>
-        <p:spPr bwMode="auto">
-          <a:xfrm>
-            <a:off x="656659" y="2138364"/>
-            <a:ext cx="10592363" cy="4522787"/>
-          </a:xfrm>
-          <a:prstGeom prst="rect">
-            <a:avLst/>
-          </a:prstGeom>
-          <a:noFill/>
-          <a:ln>
-            <a:noFill/>
-          </a:ln>
-          <a:effectLst/>
-          <a:extLst>
-            <a:ext uri="{909E8E84-426E-40dd-AFC4-6F175D3DCCD1}">
-              <a14:hiddenFill xmlns:a14="http://schemas.microsoft.com/office/drawing/2010/main" xmlns="">
-                <a:solidFill>
-                  <a:schemeClr val="accent1"/>
-                </a:solidFill>
-              </a14:hiddenFill>
-            </a:ext>
-            <a:ext uri="{91240B29-F687-4f45-9708-019B960494DF}">
-              <a14:hiddenLine xmlns:a14="http://schemas.microsoft.com/office/drawing/2010/main" xmlns="" w="9525">
-                <a:solidFill>
-                  <a:schemeClr val="tx1"/>
-                </a:solidFill>
-                <a:miter lim="800000"/>
-                <a:headEnd/>
-                <a:tailEnd/>
-              </a14:hiddenLine>
-            </a:ext>
-            <a:ext uri="{AF507438-7753-43e0-B8FC-AC1667EBCBE1}">
-              <a14:hiddenEffects xmlns:a14="http://schemas.microsoft.com/office/drawing/2010/main" xmlns="">
-                <a:effectLst>
-                  <a:outerShdw dist="35921" dir="2700000" algn="ctr" rotWithShape="0">
-                    <a:schemeClr val="bg2"/>
-                  </a:outerShdw>
-                </a:effectLst>
-              </a14:hiddenEffects>
-            </a:ext>
-          </a:extLst>
-        </p:spPr>
-        <p:txBody>
-          <a:bodyPr vert="horz" wrap="square" lIns="0" tIns="0" rIns="0" bIns="0" numCol="1" anchor="t" anchorCtr="0" compatLnSpc="1">
-            <a:prstTxWarp prst="textNoShape">
-              <a:avLst/>
-            </a:prstTxWarp>
-          </a:bodyPr>
-          <a:lstStyle>
-            <a:lvl1pPr algn="l" defTabSz="1054100" rtl="0" eaLnBrk="1" fontAlgn="base" hangingPunct="1">
-              <a:lnSpc>
-                <a:spcPct val="110000"/>
-              </a:lnSpc>
-              <a:spcBef>
-                <a:spcPct val="0"/>
-              </a:spcBef>
-              <a:spcAft>
-                <a:spcPct val="40000"/>
-              </a:spcAft>
-              <a:defRPr sz="1700">
-                <a:solidFill>
-                  <a:schemeClr val="tx1"/>
-                </a:solidFill>
-                <a:latin typeface="+mn-lt"/>
-                <a:ea typeface="+mn-ea"/>
-                <a:cs typeface="+mn-cs"/>
-              </a:defRPr>
-            </a:lvl1pPr>
-            <a:lvl2pPr marL="269875" indent="-268288" algn="l" defTabSz="1054100" rtl="0" eaLnBrk="1" fontAlgn="base" hangingPunct="1">
-              <a:lnSpc>
-                <a:spcPct val="110000"/>
-              </a:lnSpc>
-              <a:spcBef>
-                <a:spcPct val="0"/>
-              </a:spcBef>
-              <a:spcAft>
-                <a:spcPct val="40000"/>
-              </a:spcAft>
-              <a:buChar char="•"/>
-              <a:defRPr sz="1700">
-                <a:solidFill>
-                  <a:schemeClr val="tx1"/>
-                </a:solidFill>
-                <a:latin typeface="+mn-lt"/>
-              </a:defRPr>
-            </a:lvl2pPr>
-            <a:lvl3pPr marL="627063" indent="-177800" algn="l" defTabSz="1054100" rtl="0" eaLnBrk="1" fontAlgn="base" hangingPunct="1">
-              <a:lnSpc>
-                <a:spcPct val="110000"/>
-              </a:lnSpc>
-              <a:spcBef>
-                <a:spcPct val="0"/>
-              </a:spcBef>
-              <a:spcAft>
-                <a:spcPct val="40000"/>
-              </a:spcAft>
-              <a:buFont typeface="Arial" charset="0"/>
-              <a:buChar char="-"/>
-              <a:defRPr sz="1700">
-                <a:solidFill>
-                  <a:schemeClr val="tx1"/>
-                </a:solidFill>
-                <a:latin typeface="+mn-lt"/>
-              </a:defRPr>
-            </a:lvl3pPr>
-            <a:lvl4pPr marL="1074738" indent="-174625" algn="l" defTabSz="1054100" rtl="0" eaLnBrk="1" fontAlgn="base" hangingPunct="1">
-              <a:lnSpc>
-                <a:spcPct val="110000"/>
-              </a:lnSpc>
-              <a:spcBef>
-                <a:spcPct val="0"/>
-              </a:spcBef>
-              <a:spcAft>
-                <a:spcPct val="40000"/>
-              </a:spcAft>
-              <a:buFont typeface="Arial" charset="0"/>
-              <a:buChar char="-"/>
-              <a:defRPr sz="1700" i="1">
-                <a:solidFill>
-                  <a:schemeClr val="tx1"/>
-                </a:solidFill>
-                <a:latin typeface="+mn-lt"/>
-              </a:defRPr>
-            </a:lvl4pPr>
-            <a:lvl5pPr marL="1616075" indent="-176213" algn="l" defTabSz="1054100" rtl="0" eaLnBrk="1" fontAlgn="base" hangingPunct="1">
-              <a:lnSpc>
-                <a:spcPct val="110000"/>
-              </a:lnSpc>
-              <a:spcBef>
-                <a:spcPct val="0"/>
-              </a:spcBef>
-              <a:spcAft>
-                <a:spcPct val="40000"/>
-              </a:spcAft>
-              <a:buFont typeface="Arial" charset="0"/>
-              <a:buChar char="-"/>
-              <a:defRPr sz="1700">
-                <a:solidFill>
-                  <a:schemeClr val="tx1"/>
-                </a:solidFill>
-                <a:latin typeface="+mn-lt"/>
-              </a:defRPr>
-            </a:lvl5pPr>
-            <a:lvl6pPr marL="2073275" indent="-176213" algn="l" defTabSz="1054100" rtl="0" eaLnBrk="1" fontAlgn="base" hangingPunct="1">
-              <a:lnSpc>
-                <a:spcPct val="110000"/>
-              </a:lnSpc>
-              <a:spcBef>
-                <a:spcPct val="0"/>
-              </a:spcBef>
-              <a:spcAft>
-                <a:spcPct val="40000"/>
-              </a:spcAft>
-              <a:buFont typeface="Arial" charset="0"/>
-              <a:buChar char="-"/>
-              <a:defRPr sz="1700">
-                <a:solidFill>
-                  <a:schemeClr val="tx1"/>
-                </a:solidFill>
-                <a:latin typeface="+mn-lt"/>
-              </a:defRPr>
-            </a:lvl6pPr>
-            <a:lvl7pPr marL="2530475" indent="-176213" algn="l" defTabSz="1054100" rtl="0" eaLnBrk="1" fontAlgn="base" hangingPunct="1">
-              <a:lnSpc>
-                <a:spcPct val="110000"/>
-              </a:lnSpc>
-              <a:spcBef>
-                <a:spcPct val="0"/>
-              </a:spcBef>
-              <a:spcAft>
-                <a:spcPct val="40000"/>
-              </a:spcAft>
-              <a:buFont typeface="Arial" charset="0"/>
-              <a:buChar char="-"/>
-              <a:defRPr sz="1700">
-                <a:solidFill>
-                  <a:schemeClr val="tx1"/>
-                </a:solidFill>
-                <a:latin typeface="+mn-lt"/>
-              </a:defRPr>
-            </a:lvl7pPr>
-            <a:lvl8pPr marL="2987675" indent="-176213" algn="l" defTabSz="1054100" rtl="0" eaLnBrk="1" fontAlgn="base" hangingPunct="1">
-              <a:lnSpc>
-                <a:spcPct val="110000"/>
-              </a:lnSpc>
-              <a:spcBef>
-                <a:spcPct val="0"/>
-              </a:spcBef>
-              <a:spcAft>
-                <a:spcPct val="40000"/>
-              </a:spcAft>
-              <a:buFont typeface="Arial" charset="0"/>
-              <a:buChar char="-"/>
-              <a:defRPr sz="1700">
-                <a:solidFill>
-                  <a:schemeClr val="tx1"/>
-                </a:solidFill>
-                <a:latin typeface="+mn-lt"/>
-              </a:defRPr>
-            </a:lvl8pPr>
-            <a:lvl9pPr marL="3444875" indent="-176213" algn="l" defTabSz="1054100" rtl="0" eaLnBrk="1" fontAlgn="base" hangingPunct="1">
-              <a:lnSpc>
-                <a:spcPct val="110000"/>
-              </a:lnSpc>
-              <a:spcBef>
-                <a:spcPct val="0"/>
-              </a:spcBef>
-              <a:spcAft>
-                <a:spcPct val="40000"/>
-              </a:spcAft>
-              <a:buFont typeface="Arial" charset="0"/>
-              <a:buChar char="-"/>
-              <a:defRPr sz="1700">
-                <a:solidFill>
-                  <a:schemeClr val="tx1"/>
-                </a:solidFill>
-                <a:latin typeface="+mn-lt"/>
-              </a:defRPr>
-            </a:lvl9pPr>
-          </a:lstStyle>
-          <a:p>
-            <a:pPr marL="342900" indent="-342900">
-              <a:buAutoNum type="arabicPeriod"/>
-            </a:pPr>
-            <a:r>
-              <a:rPr lang="de-DE" b="1" kern="0" dirty="0"/>
-              <a:t>Einführung</a:t>
-            </a:r>
-          </a:p>
-          <a:p>
-            <a:pPr marL="342900" indent="-342900">
-              <a:buAutoNum type="arabicPeriod"/>
-            </a:pPr>
-            <a:r>
-              <a:rPr lang="de-DE" kern="0" dirty="0"/>
-              <a:t>Struktur</a:t>
-            </a:r>
-            <a:r>
-              <a:rPr lang="en-US" kern="0" dirty="0"/>
-              <a:t> und </a:t>
-            </a:r>
-            <a:r>
-              <a:rPr lang="en-US" kern="0" dirty="0" err="1"/>
-              <a:t>technische</a:t>
-            </a:r>
-            <a:r>
-              <a:rPr lang="en-US" kern="0" dirty="0"/>
-              <a:t> </a:t>
-            </a:r>
-            <a:r>
-              <a:rPr lang="en-US" kern="0" dirty="0" err="1"/>
-              <a:t>Umsetzung</a:t>
-            </a:r>
-            <a:endParaRPr lang="en-US" kern="0" dirty="0"/>
-          </a:p>
-          <a:p>
-            <a:pPr marL="342900" indent="-342900">
-              <a:buAutoNum type="arabicPeriod"/>
-            </a:pPr>
-            <a:r>
-              <a:rPr lang="en-US" kern="0" dirty="0" err="1"/>
-              <a:t>Komponenten</a:t>
-            </a:r>
-            <a:r>
-              <a:rPr lang="en-US" kern="0" dirty="0"/>
-              <a:t> </a:t>
-            </a:r>
-            <a:r>
-              <a:rPr lang="en-US" kern="0" dirty="0" err="1"/>
-              <a:t>im</a:t>
-            </a:r>
-            <a:r>
-              <a:rPr lang="en-US" kern="0" dirty="0"/>
-              <a:t> Detail</a:t>
-            </a:r>
-          </a:p>
-          <a:p>
-            <a:pPr marL="342900" indent="-342900">
-              <a:buAutoNum type="arabicPeriod"/>
-            </a:pPr>
-            <a:r>
-              <a:rPr lang="en-US" kern="0" dirty="0" err="1"/>
-              <a:t>Transaktionabwicklung</a:t>
-            </a:r>
-            <a:endParaRPr lang="en-US" kern="0" dirty="0"/>
-          </a:p>
-          <a:p>
-            <a:pPr marL="342900" indent="-342900">
-              <a:buAutoNum type="arabicPeriod"/>
-            </a:pPr>
-            <a:r>
-              <a:rPr lang="en-US" kern="0" dirty="0" err="1"/>
-              <a:t>Ausblick</a:t>
-            </a:r>
-            <a:endParaRPr lang="en-US" kern="0" dirty="0"/>
-          </a:p>
-        </p:txBody>
-      </p:sp>
-    </p:spTree>
-    <p:extLst>
-      <p:ext uri="{BB962C8B-B14F-4D97-AF65-F5344CB8AC3E}">
-        <p14:creationId xmlns:p14="http://schemas.microsoft.com/office/powerpoint/2010/main" val="3225423876"/>
-      </p:ext>
-    </p:extLst>
-  </p:cSld>
-  <p:clrMapOvr>
-    <a:masterClrMapping/>
-  </p:clrMapOvr>
-</p:sld>
-</file>
-
-<file path=ppt/slides/slide30.xml><?xml version="1.0" encoding="utf-8"?>
+<file path=ppt/slides/slide32.xml><?xml version="1.0" encoding="utf-8"?>
 <p:sld xmlns:a="http://schemas.openxmlformats.org/drawingml/2006/main" xmlns:r="http://schemas.openxmlformats.org/officeDocument/2006/relationships" xmlns:p="http://schemas.openxmlformats.org/presentationml/2006/main">
   <p:cSld>
     <p:spTree>
@@ -26217,7 +29709,7 @@
             <a:fld id="{CAEED438-B660-4C04-BC25-4C23CCFBC7F4}" type="slidenum">
               <a:rPr lang="de-DE"/>
               <a:pPr/>
-              <a:t>30</a:t>
+              <a:t>32</a:t>
             </a:fld>
             <a:endParaRPr lang="de-DE"/>
           </a:p>
@@ -26715,7 +30207,7 @@
 </p:sld>
 </file>
 
-<file path=ppt/slides/slide31.xml><?xml version="1.0" encoding="utf-8"?>
+<file path=ppt/slides/slide33.xml><?xml version="1.0" encoding="utf-8"?>
 <p:sld xmlns:a="http://schemas.openxmlformats.org/drawingml/2006/main" xmlns:r="http://schemas.openxmlformats.org/officeDocument/2006/relationships" xmlns:p="http://schemas.openxmlformats.org/presentationml/2006/main">
   <p:cSld>
     <p:spTree>
@@ -26754,7 +30246,7 @@
             <a:fld id="{39BC1543-AAC8-420D-BBBB-BCE8A35A375E}" type="slidenum">
               <a:rPr lang="de-DE"/>
               <a:pPr/>
-              <a:t>31</a:t>
+              <a:t>33</a:t>
             </a:fld>
             <a:endParaRPr lang="de-DE" dirty="0"/>
           </a:p>
@@ -27108,7 +30600,7 @@
 </p:sld>
 </file>
 
-<file path=ppt/slides/slide32.xml><?xml version="1.0" encoding="utf-8"?>
+<file path=ppt/slides/slide34.xml><?xml version="1.0" encoding="utf-8"?>
 <p:sld xmlns:a="http://schemas.openxmlformats.org/drawingml/2006/main" xmlns:r="http://schemas.openxmlformats.org/officeDocument/2006/relationships" xmlns:p="http://schemas.openxmlformats.org/presentationml/2006/main">
   <p:cSld>
     <p:spTree>
@@ -27147,7 +30639,7 @@
             <a:fld id="{CAEED438-B660-4C04-BC25-4C23CCFBC7F4}" type="slidenum">
               <a:rPr lang="de-DE"/>
               <a:pPr/>
-              <a:t>32</a:t>
+              <a:t>34</a:t>
             </a:fld>
             <a:endParaRPr lang="de-DE"/>
           </a:p>
@@ -27641,7 +31133,7 @@
 </p:sld>
 </file>
 
-<file path=ppt/slides/slide33.xml><?xml version="1.0" encoding="utf-8"?>
+<file path=ppt/slides/slide35.xml><?xml version="1.0" encoding="utf-8"?>
 <p:sld xmlns:a="http://schemas.openxmlformats.org/drawingml/2006/main" xmlns:r="http://schemas.openxmlformats.org/officeDocument/2006/relationships" xmlns:p="http://schemas.openxmlformats.org/presentationml/2006/main">
   <p:cSld>
     <p:spTree>
@@ -27680,7 +31172,7 @@
             <a:fld id="{CAEED438-B660-4C04-BC25-4C23CCFBC7F4}" type="slidenum">
               <a:rPr lang="de-DE"/>
               <a:pPr/>
-              <a:t>33</a:t>
+              <a:t>35</a:t>
             </a:fld>
             <a:endParaRPr lang="de-DE"/>
           </a:p>
@@ -28178,7 +31670,7 @@
 </p:sld>
 </file>
 
-<file path=ppt/slides/slide34.xml><?xml version="1.0" encoding="utf-8"?>
+<file path=ppt/slides/slide36.xml><?xml version="1.0" encoding="utf-8"?>
 <p:sld xmlns:a="http://schemas.openxmlformats.org/drawingml/2006/main" xmlns:r="http://schemas.openxmlformats.org/officeDocument/2006/relationships" xmlns:p="http://schemas.openxmlformats.org/presentationml/2006/main">
   <p:cSld>
     <p:spTree>
@@ -28217,7 +31709,7 @@
             <a:fld id="{CAEED438-B660-4C04-BC25-4C23CCFBC7F4}" type="slidenum">
               <a:rPr lang="de-DE"/>
               <a:pPr/>
-              <a:t>34</a:t>
+              <a:t>36</a:t>
             </a:fld>
             <a:endParaRPr lang="de-DE"/>
           </a:p>
@@ -28715,7 +32207,7 @@
 </p:sld>
 </file>
 
-<file path=ppt/slides/slide35.xml><?xml version="1.0" encoding="utf-8"?>
+<file path=ppt/slides/slide37.xml><?xml version="1.0" encoding="utf-8"?>
 <p:sld xmlns:a="http://schemas.openxmlformats.org/drawingml/2006/main" xmlns:r="http://schemas.openxmlformats.org/officeDocument/2006/relationships" xmlns:p="http://schemas.openxmlformats.org/presentationml/2006/main">
   <p:cSld>
     <p:spTree>
@@ -28754,7 +32246,7 @@
             <a:fld id="{39BC1543-AAC8-420D-BBBB-BCE8A35A375E}" type="slidenum">
               <a:rPr lang="de-DE"/>
               <a:pPr/>
-              <a:t>35</a:t>
+              <a:t>37</a:t>
             </a:fld>
             <a:endParaRPr lang="de-DE" dirty="0"/>
           </a:p>
@@ -29108,7 +32600,7 @@
 </p:sld>
 </file>
 
-<file path=ppt/slides/slide36.xml><?xml version="1.0" encoding="utf-8"?>
+<file path=ppt/slides/slide38.xml><?xml version="1.0" encoding="utf-8"?>
 <p:sld xmlns:a="http://schemas.openxmlformats.org/drawingml/2006/main" xmlns:r="http://schemas.openxmlformats.org/officeDocument/2006/relationships" xmlns:p="http://schemas.openxmlformats.org/presentationml/2006/main">
   <p:cSld>
     <p:spTree>
@@ -29147,7 +32639,7 @@
             <a:fld id="{CAEED438-B660-4C04-BC25-4C23CCFBC7F4}" type="slidenum">
               <a:rPr lang="de-DE"/>
               <a:pPr/>
-              <a:t>36</a:t>
+              <a:t>38</a:t>
             </a:fld>
             <a:endParaRPr lang="de-DE"/>
           </a:p>
@@ -29638,7 +33130,7 @@
 </p:sld>
 </file>
 
-<file path=ppt/slides/slide37.xml><?xml version="1.0" encoding="utf-8"?>
+<file path=ppt/slides/slide39.xml><?xml version="1.0" encoding="utf-8"?>
 <p:sld xmlns:a="http://schemas.openxmlformats.org/drawingml/2006/main" xmlns:r="http://schemas.openxmlformats.org/officeDocument/2006/relationships" xmlns:p="http://schemas.openxmlformats.org/presentationml/2006/main">
   <p:cSld>
     <p:spTree>
@@ -29677,7 +33169,7 @@
             <a:fld id="{7C825A45-7494-4182-9A4A-AB4F72FEBB3C}" type="slidenum">
               <a:rPr lang="de-DE"/>
               <a:pPr/>
-              <a:t>37</a:t>
+              <a:t>39</a:t>
             </a:fld>
             <a:endParaRPr lang="de-DE"/>
           </a:p>
@@ -29831,9 +33323,29 @@
           <a:bodyPr/>
           <a:lstStyle/>
           <a:p>
+            <a:pPr marL="285750" indent="-285750">
+              <a:buFont typeface="Arial" panose="020B0604020202020204" pitchFamily="34" charset="0"/>
+              <a:buChar char="•"/>
+            </a:pPr>
+            <a:r>
+              <a:rPr lang="en-US" dirty="0"/>
+              <a:t>lat.: </a:t>
+            </a:r>
+            <a:r>
+              <a:rPr lang="de-DE" dirty="0"/>
+              <a:t>„</a:t>
+            </a:r>
             <a:r>
               <a:rPr lang="en-US" dirty="0" err="1"/>
-              <a:t>Hier</a:t>
+              <a:t>transigere</a:t>
+            </a:r>
+            <a:r>
+              <a:rPr lang="en-US" dirty="0"/>
+              <a:t>” </a:t>
+            </a:r>
+            <a:r>
+              <a:rPr lang="en-US" dirty="0" err="1"/>
+              <a:t>bedeutet</a:t>
             </a:r>
             <a:r>
               <a:rPr lang="en-US" dirty="0"/>
@@ -29841,15 +33353,7 @@
             </a:r>
             <a:r>
               <a:rPr lang="en-US" dirty="0" err="1"/>
-              <a:t>kommt</a:t>
-            </a:r>
-            <a:r>
-              <a:rPr lang="en-US" dirty="0"/>
-              <a:t> die </a:t>
-            </a:r>
-            <a:r>
-              <a:rPr lang="en-US" dirty="0" err="1"/>
-              <a:t>tolle</a:t>
+              <a:t>soviel</a:t>
             </a:r>
             <a:r>
               <a:rPr lang="en-US" dirty="0"/>
@@ -29857,15 +33361,113 @@
             </a:r>
             <a:r>
               <a:rPr lang="en-US" dirty="0" err="1"/>
-              <a:t>Einleitung</a:t>
+              <a:t>wie</a:t>
             </a:r>
             <a:r>
               <a:rPr lang="en-US" dirty="0"/>
               <a:t> </a:t>
             </a:r>
             <a:r>
+              <a:rPr lang="de-DE" dirty="0"/>
+              <a:t>„</a:t>
+            </a:r>
+            <a:r>
               <a:rPr lang="en-US" dirty="0" err="1"/>
-              <a:t>hin</a:t>
+              <a:t>duchführen</a:t>
+            </a:r>
+            <a:r>
+              <a:rPr lang="en-US" dirty="0"/>
+              <a:t>”, </a:t>
+            </a:r>
+            <a:r>
+              <a:rPr lang="de-DE" dirty="0"/>
+              <a:t>„</a:t>
+            </a:r>
+            <a:r>
+              <a:rPr lang="en-US" dirty="0" err="1"/>
+              <a:t>vollführen</a:t>
+            </a:r>
+            <a:r>
+              <a:rPr lang="en-US" dirty="0"/>
+              <a:t>” </a:t>
+            </a:r>
+            <a:r>
+              <a:rPr lang="en-US" dirty="0" err="1"/>
+              <a:t>oder</a:t>
+            </a:r>
+            <a:r>
+              <a:rPr lang="en-US" dirty="0"/>
+              <a:t> </a:t>
+            </a:r>
+            <a:r>
+              <a:rPr lang="de-DE" dirty="0"/>
+              <a:t>„</a:t>
+            </a:r>
+            <a:r>
+              <a:rPr lang="en-US" dirty="0" err="1"/>
+              <a:t>abmachen</a:t>
+            </a:r>
+            <a:r>
+              <a:rPr lang="en-US" dirty="0"/>
+              <a:t>”</a:t>
+            </a:r>
+          </a:p>
+          <a:p>
+            <a:pPr marL="285750" indent="-285750">
+              <a:buFont typeface="Arial" panose="020B0604020202020204" pitchFamily="34" charset="0"/>
+              <a:buChar char="•"/>
+            </a:pPr>
+            <a:r>
+              <a:rPr lang="en-US" dirty="0"/>
+              <a:t>Ethereum </a:t>
+            </a:r>
+            <a:r>
+              <a:rPr lang="en-US" dirty="0" err="1"/>
+              <a:t>ist</a:t>
+            </a:r>
+            <a:r>
+              <a:rPr lang="en-US" dirty="0"/>
+              <a:t> </a:t>
+            </a:r>
+            <a:r>
+              <a:rPr lang="en-US" dirty="0" err="1"/>
+              <a:t>ein</a:t>
+            </a:r>
+            <a:r>
+              <a:rPr lang="en-US" dirty="0"/>
+              <a:t> </a:t>
+            </a:r>
+            <a:r>
+              <a:rPr lang="de-DE" dirty="0"/>
+              <a:t>„transaktionsbasierter Automat“ (</a:t>
+            </a:r>
+            <a:r>
+              <a:rPr lang="de-DE" i="1" dirty="0"/>
+              <a:t>transaction-</a:t>
+            </a:r>
+            <a:r>
+              <a:rPr lang="de-DE" i="1" dirty="0" err="1"/>
+              <a:t>based</a:t>
+            </a:r>
+            <a:r>
+              <a:rPr lang="de-DE" i="1" dirty="0"/>
+              <a:t> </a:t>
+            </a:r>
+            <a:r>
+              <a:rPr lang="de-DE" i="1" dirty="0" err="1"/>
+              <a:t>state</a:t>
+            </a:r>
+            <a:r>
+              <a:rPr lang="de-DE" i="1" dirty="0"/>
+              <a:t> </a:t>
+            </a:r>
+            <a:r>
+              <a:rPr lang="de-DE" i="1" dirty="0" err="1"/>
+              <a:t>machine</a:t>
+            </a:r>
+            <a:r>
+              <a:rPr lang="de-DE" dirty="0"/>
+              <a:t>)</a:t>
             </a:r>
             <a:endParaRPr lang="en-US" dirty="0"/>
           </a:p>
@@ -30494,8 +34096,8 @@
           </a:p>
         </p:txBody>
       </p:sp>
-      <mc:AlternateContent xmlns:mc="http://schemas.openxmlformats.org/markup-compatibility/2006">
-        <mc:Choice xmlns:a14="http://schemas.microsoft.com/office/drawing/2010/main" Requires="a14">
+      <mc:AlternateContent xmlns:mc="http://schemas.openxmlformats.org/markup-compatibility/2006" xmlns:a14="http://schemas.microsoft.com/office/drawing/2010/main">
+        <mc:Choice Requires="a14">
           <p:sp>
             <p:nvSpPr>
               <p:cNvPr id="14341" name="Rectangle 5"/>
@@ -30555,7 +34157,7 @@
             </p:txBody>
           </p:sp>
         </mc:Choice>
-        <mc:Fallback>
+        <mc:Fallback xmlns="">
           <p:sp>
             <p:nvSpPr>
               <p:cNvPr id="14341" name="Rectangle 5"/>
@@ -30608,7 +34210,7 @@
           <p:nvPr>
             <p:extLst>
               <p:ext uri="{D42A27DB-BD31-4B8C-83A1-F6EECF244321}">
-                <p14:modId xmlns:p14="http://schemas.microsoft.com/office/powerpoint/2010/main" val="1168183598"/>
+                <p14:modId xmlns:p14="http://schemas.microsoft.com/office/powerpoint/2010/main" val="1219939754"/>
               </p:ext>
             </p:extLst>
           </p:nvPr>
@@ -30832,7 +34434,7 @@
                     <a:p>
                       <a:r>
                         <a:rPr lang="de-DE" sz="1700" dirty="0"/>
-                        <a:t>Skalar = Betrag an Wie, den der Empfänger erhält</a:t>
+                        <a:t>Skalar = Betrag an Wei, den der Empfänger erhält</a:t>
                       </a:r>
                     </a:p>
                   </a:txBody>
@@ -31931,7 +35533,7 @@
                 <a:effectLst/>
                 <a:latin typeface="Arial" charset="0"/>
               </a:rPr>
-              <a:t> ist Kontrakt</a:t>
+              <a:t> ist EOA</a:t>
             </a:r>
           </a:p>
         </p:txBody>

--- a/Ethereum_Präsentation_Jannes/Ethereum-Transaktionen.pptx
+++ b/Ethereum_Präsentation_Jannes/Ethereum-Transaktionen.pptx
@@ -2387,14 +2387,14 @@
           <a:effectLst/>
           <a:extLst>
             <a:ext uri="{909E8E84-426E-40dd-AFC4-6F175D3DCCD1}">
-              <a14:hiddenFill xmlns:a14="http://schemas.microsoft.com/office/drawing/2010/main" xmlns="">
+              <a14:hiddenFill xmlns="" xmlns:a14="http://schemas.microsoft.com/office/drawing/2010/main">
                 <a:solidFill>
                   <a:schemeClr val="accent1"/>
                 </a:solidFill>
               </a14:hiddenFill>
             </a:ext>
             <a:ext uri="{91240B29-F687-4f45-9708-019B960494DF}">
-              <a14:hiddenLine xmlns:a14="http://schemas.microsoft.com/office/drawing/2010/main" xmlns="" w="9525">
+              <a14:hiddenLine xmlns="" xmlns:a14="http://schemas.microsoft.com/office/drawing/2010/main" w="9525">
                 <a:solidFill>
                   <a:schemeClr val="tx1"/>
                 </a:solidFill>
@@ -2404,7 +2404,7 @@
               </a14:hiddenLine>
             </a:ext>
             <a:ext uri="{AF507438-7753-43e0-B8FC-AC1667EBCBE1}">
-              <a14:hiddenEffects xmlns:a14="http://schemas.microsoft.com/office/drawing/2010/main" xmlns="">
+              <a14:hiddenEffects xmlns="" xmlns:a14="http://schemas.microsoft.com/office/drawing/2010/main">
                 <a:effectLst>
                   <a:outerShdw dist="35921" dir="2700000" algn="ctr" rotWithShape="0">
                     <a:schemeClr val="bg2"/>
@@ -2455,14 +2455,14 @@
           <a:effectLst/>
           <a:extLst>
             <a:ext uri="{909E8E84-426E-40dd-AFC4-6F175D3DCCD1}">
-              <a14:hiddenFill xmlns:a14="http://schemas.microsoft.com/office/drawing/2010/main" xmlns="">
+              <a14:hiddenFill xmlns="" xmlns:a14="http://schemas.microsoft.com/office/drawing/2010/main">
                 <a:solidFill>
                   <a:schemeClr val="accent1"/>
                 </a:solidFill>
               </a14:hiddenFill>
             </a:ext>
             <a:ext uri="{91240B29-F687-4f45-9708-019B960494DF}">
-              <a14:hiddenLine xmlns:a14="http://schemas.microsoft.com/office/drawing/2010/main" xmlns="" w="9525">
+              <a14:hiddenLine xmlns="" xmlns:a14="http://schemas.microsoft.com/office/drawing/2010/main" w="9525">
                 <a:solidFill>
                   <a:schemeClr val="tx1"/>
                 </a:solidFill>
@@ -2472,7 +2472,7 @@
               </a14:hiddenLine>
             </a:ext>
             <a:ext uri="{AF507438-7753-43e0-B8FC-AC1667EBCBE1}">
-              <a14:hiddenEffects xmlns:a14="http://schemas.microsoft.com/office/drawing/2010/main" xmlns="">
+              <a14:hiddenEffects xmlns="" xmlns:a14="http://schemas.microsoft.com/office/drawing/2010/main">
                 <a:effectLst>
                   <a:outerShdw dist="35921" dir="2700000" algn="ctr" rotWithShape="0">
                     <a:schemeClr val="bg2"/>
@@ -2528,7 +2528,7 @@
           <a:effectLst/>
           <a:extLst>
             <a:ext uri="{AF507438-7753-43e0-B8FC-AC1667EBCBE1}">
-              <a14:hiddenEffects xmlns:a14="http://schemas.microsoft.com/office/drawing/2010/main" xmlns="">
+              <a14:hiddenEffects xmlns="" xmlns:a14="http://schemas.microsoft.com/office/drawing/2010/main">
                 <a:effectLst>
                   <a:outerShdw dist="35921" dir="2700000" algn="ctr" rotWithShape="0">
                     <a:srgbClr val="808080"/>
@@ -2537,7 +2537,7 @@
               </a14:hiddenEffects>
             </a:ext>
             <a:ext uri="{53640926-AAD7-44d8-BBD7-CCE9431645EC}">
-              <a14:shadowObscured xmlns:a14="http://schemas.microsoft.com/office/drawing/2010/main" xmlns="" val="1"/>
+              <a14:shadowObscured xmlns="" xmlns:a14="http://schemas.microsoft.com/office/drawing/2010/main" val="1"/>
             </a:ext>
           </a:extLst>
         </p:spPr>
@@ -2567,14 +2567,14 @@
           <a:effectLst/>
           <a:extLst>
             <a:ext uri="{909E8E84-426E-40dd-AFC4-6F175D3DCCD1}">
-              <a14:hiddenFill xmlns:a14="http://schemas.microsoft.com/office/drawing/2010/main" xmlns="">
+              <a14:hiddenFill xmlns="" xmlns:a14="http://schemas.microsoft.com/office/drawing/2010/main">
                 <a:solidFill>
                   <a:schemeClr val="accent1"/>
                 </a:solidFill>
               </a14:hiddenFill>
             </a:ext>
             <a:ext uri="{91240B29-F687-4f45-9708-019B960494DF}">
-              <a14:hiddenLine xmlns:a14="http://schemas.microsoft.com/office/drawing/2010/main" xmlns="" w="9525">
+              <a14:hiddenLine xmlns="" xmlns:a14="http://schemas.microsoft.com/office/drawing/2010/main" w="9525">
                 <a:solidFill>
                   <a:schemeClr val="tx1"/>
                 </a:solidFill>
@@ -2584,7 +2584,7 @@
               </a14:hiddenLine>
             </a:ext>
             <a:ext uri="{AF507438-7753-43e0-B8FC-AC1667EBCBE1}">
-              <a14:hiddenEffects xmlns:a14="http://schemas.microsoft.com/office/drawing/2010/main" xmlns="">
+              <a14:hiddenEffects xmlns="" xmlns:a14="http://schemas.microsoft.com/office/drawing/2010/main">
                 <a:effectLst>
                   <a:outerShdw dist="35921" dir="2700000" algn="ctr" rotWithShape="0">
                     <a:schemeClr val="bg2"/>
@@ -2663,14 +2663,14 @@
           <a:effectLst/>
           <a:extLst>
             <a:ext uri="{909E8E84-426E-40dd-AFC4-6F175D3DCCD1}">
-              <a14:hiddenFill xmlns:a14="http://schemas.microsoft.com/office/drawing/2010/main" xmlns="">
+              <a14:hiddenFill xmlns="" xmlns:a14="http://schemas.microsoft.com/office/drawing/2010/main">
                 <a:solidFill>
                   <a:schemeClr val="accent1"/>
                 </a:solidFill>
               </a14:hiddenFill>
             </a:ext>
             <a:ext uri="{91240B29-F687-4f45-9708-019B960494DF}">
-              <a14:hiddenLine xmlns:a14="http://schemas.microsoft.com/office/drawing/2010/main" xmlns="" w="9525">
+              <a14:hiddenLine xmlns="" xmlns:a14="http://schemas.microsoft.com/office/drawing/2010/main" w="9525">
                 <a:solidFill>
                   <a:schemeClr val="tx1"/>
                 </a:solidFill>
@@ -2680,7 +2680,7 @@
               </a14:hiddenLine>
             </a:ext>
             <a:ext uri="{AF507438-7753-43e0-B8FC-AC1667EBCBE1}">
-              <a14:hiddenEffects xmlns:a14="http://schemas.microsoft.com/office/drawing/2010/main" xmlns="">
+              <a14:hiddenEffects xmlns="" xmlns:a14="http://schemas.microsoft.com/office/drawing/2010/main">
                 <a:effectLst>
                   <a:outerShdw dist="35921" dir="2700000" algn="ctr" rotWithShape="0">
                     <a:schemeClr val="bg2"/>
@@ -2731,14 +2731,14 @@
           <a:effectLst/>
           <a:extLst>
             <a:ext uri="{909E8E84-426E-40dd-AFC4-6F175D3DCCD1}">
-              <a14:hiddenFill xmlns:a14="http://schemas.microsoft.com/office/drawing/2010/main" xmlns="">
+              <a14:hiddenFill xmlns="" xmlns:a14="http://schemas.microsoft.com/office/drawing/2010/main">
                 <a:solidFill>
                   <a:schemeClr val="accent1"/>
                 </a:solidFill>
               </a14:hiddenFill>
             </a:ext>
             <a:ext uri="{91240B29-F687-4f45-9708-019B960494DF}">
-              <a14:hiddenLine xmlns:a14="http://schemas.microsoft.com/office/drawing/2010/main" xmlns="" w="9525">
+              <a14:hiddenLine xmlns="" xmlns:a14="http://schemas.microsoft.com/office/drawing/2010/main" w="9525">
                 <a:solidFill>
                   <a:schemeClr val="tx1"/>
                 </a:solidFill>
@@ -2748,7 +2748,7 @@
               </a14:hiddenLine>
             </a:ext>
             <a:ext uri="{AF507438-7753-43e0-B8FC-AC1667EBCBE1}">
-              <a14:hiddenEffects xmlns:a14="http://schemas.microsoft.com/office/drawing/2010/main" xmlns="">
+              <a14:hiddenEffects xmlns="" xmlns:a14="http://schemas.microsoft.com/office/drawing/2010/main">
                 <a:effectLst>
                   <a:outerShdw dist="35921" dir="2700000" algn="ctr" rotWithShape="0">
                     <a:schemeClr val="bg2"/>
@@ -4610,14 +4610,14 @@
           <a:effectLst/>
           <a:extLst>
             <a:ext uri="{909E8E84-426E-40dd-AFC4-6F175D3DCCD1}">
-              <a14:hiddenFill xmlns:a14="http://schemas.microsoft.com/office/drawing/2010/main" xmlns="">
+              <a14:hiddenFill xmlns="" xmlns:a14="http://schemas.microsoft.com/office/drawing/2010/main">
                 <a:solidFill>
                   <a:schemeClr val="accent1"/>
                 </a:solidFill>
               </a14:hiddenFill>
             </a:ext>
             <a:ext uri="{91240B29-F687-4f45-9708-019B960494DF}">
-              <a14:hiddenLine xmlns:a14="http://schemas.microsoft.com/office/drawing/2010/main" xmlns="" w="9525">
+              <a14:hiddenLine xmlns="" xmlns:a14="http://schemas.microsoft.com/office/drawing/2010/main" w="9525">
                 <a:solidFill>
                   <a:schemeClr val="tx1"/>
                 </a:solidFill>
@@ -4627,7 +4627,7 @@
               </a14:hiddenLine>
             </a:ext>
             <a:ext uri="{AF507438-7753-43e0-B8FC-AC1667EBCBE1}">
-              <a14:hiddenEffects xmlns:a14="http://schemas.microsoft.com/office/drawing/2010/main" xmlns="">
+              <a14:hiddenEffects xmlns="" xmlns:a14="http://schemas.microsoft.com/office/drawing/2010/main">
                 <a:effectLst>
                   <a:outerShdw dist="35921" dir="2700000" algn="ctr" rotWithShape="0">
                     <a:schemeClr val="bg2"/>
@@ -4678,14 +4678,14 @@
           <a:effectLst/>
           <a:extLst>
             <a:ext uri="{909E8E84-426E-40dd-AFC4-6F175D3DCCD1}">
-              <a14:hiddenFill xmlns:a14="http://schemas.microsoft.com/office/drawing/2010/main" xmlns="">
+              <a14:hiddenFill xmlns="" xmlns:a14="http://schemas.microsoft.com/office/drawing/2010/main">
                 <a:solidFill>
                   <a:schemeClr val="accent1"/>
                 </a:solidFill>
               </a14:hiddenFill>
             </a:ext>
             <a:ext uri="{91240B29-F687-4f45-9708-019B960494DF}">
-              <a14:hiddenLine xmlns:a14="http://schemas.microsoft.com/office/drawing/2010/main" xmlns="" w="9525">
+              <a14:hiddenLine xmlns="" xmlns:a14="http://schemas.microsoft.com/office/drawing/2010/main" w="9525">
                 <a:solidFill>
                   <a:schemeClr val="tx1"/>
                 </a:solidFill>
@@ -4695,7 +4695,7 @@
               </a14:hiddenLine>
             </a:ext>
             <a:ext uri="{AF507438-7753-43e0-B8FC-AC1667EBCBE1}">
-              <a14:hiddenEffects xmlns:a14="http://schemas.microsoft.com/office/drawing/2010/main" xmlns="">
+              <a14:hiddenEffects xmlns="" xmlns:a14="http://schemas.microsoft.com/office/drawing/2010/main">
                 <a:effectLst>
                   <a:outerShdw dist="35921" dir="2700000" algn="ctr" rotWithShape="0">
                     <a:schemeClr val="bg2"/>
@@ -4774,14 +4774,14 @@
           <a:effectLst/>
           <a:extLst>
             <a:ext uri="{909E8E84-426E-40dd-AFC4-6F175D3DCCD1}">
-              <a14:hiddenFill xmlns:a14="http://schemas.microsoft.com/office/drawing/2010/main" xmlns="">
+              <a14:hiddenFill xmlns="" xmlns:a14="http://schemas.microsoft.com/office/drawing/2010/main">
                 <a:solidFill>
                   <a:schemeClr val="accent1"/>
                 </a:solidFill>
               </a14:hiddenFill>
             </a:ext>
             <a:ext uri="{91240B29-F687-4f45-9708-019B960494DF}">
-              <a14:hiddenLine xmlns:a14="http://schemas.microsoft.com/office/drawing/2010/main" xmlns="" w="9525">
+              <a14:hiddenLine xmlns="" xmlns:a14="http://schemas.microsoft.com/office/drawing/2010/main" w="9525">
                 <a:solidFill>
                   <a:schemeClr val="tx1"/>
                 </a:solidFill>
@@ -4791,7 +4791,7 @@
               </a14:hiddenLine>
             </a:ext>
             <a:ext uri="{AF507438-7753-43e0-B8FC-AC1667EBCBE1}">
-              <a14:hiddenEffects xmlns:a14="http://schemas.microsoft.com/office/drawing/2010/main" xmlns="">
+              <a14:hiddenEffects xmlns="" xmlns:a14="http://schemas.microsoft.com/office/drawing/2010/main">
                 <a:effectLst>
                   <a:outerShdw dist="35921" dir="2700000" algn="ctr" rotWithShape="0">
                     <a:schemeClr val="bg2"/>
@@ -4853,14 +4853,14 @@
           <a:effectLst/>
           <a:extLst>
             <a:ext uri="{909E8E84-426E-40dd-AFC4-6F175D3DCCD1}">
-              <a14:hiddenFill xmlns:a14="http://schemas.microsoft.com/office/drawing/2010/main" xmlns="">
+              <a14:hiddenFill xmlns="" xmlns:a14="http://schemas.microsoft.com/office/drawing/2010/main">
                 <a:solidFill>
                   <a:schemeClr val="accent1"/>
                 </a:solidFill>
               </a14:hiddenFill>
             </a:ext>
             <a:ext uri="{91240B29-F687-4f45-9708-019B960494DF}">
-              <a14:hiddenLine xmlns:a14="http://schemas.microsoft.com/office/drawing/2010/main" xmlns="" w="9525" algn="ctr">
+              <a14:hiddenLine xmlns="" xmlns:a14="http://schemas.microsoft.com/office/drawing/2010/main" w="9525" algn="ctr">
                 <a:solidFill>
                   <a:schemeClr val="tx1"/>
                 </a:solidFill>
@@ -4870,7 +4870,7 @@
               </a14:hiddenLine>
             </a:ext>
             <a:ext uri="{AF507438-7753-43e0-B8FC-AC1667EBCBE1}">
-              <a14:hiddenEffects xmlns:a14="http://schemas.microsoft.com/office/drawing/2010/main" xmlns="">
+              <a14:hiddenEffects xmlns="" xmlns:a14="http://schemas.microsoft.com/office/drawing/2010/main">
                 <a:effectLst>
                   <a:outerShdw dist="35921" dir="2700000" algn="ctr" rotWithShape="0">
                     <a:schemeClr val="bg2"/>
@@ -5037,12 +5037,12 @@
           <a:effectLst/>
           <a:extLst>
             <a:ext uri="{909E8E84-426E-40dd-AFC4-6F175D3DCCD1}">
-              <a14:hiddenFill xmlns:a14="http://schemas.microsoft.com/office/drawing/2010/main" xmlns="">
+              <a14:hiddenFill xmlns="" xmlns:a14="http://schemas.microsoft.com/office/drawing/2010/main">
                 <a:noFill/>
               </a14:hiddenFill>
             </a:ext>
             <a:ext uri="{AF507438-7753-43e0-B8FC-AC1667EBCBE1}">
-              <a14:hiddenEffects xmlns:a14="http://schemas.microsoft.com/office/drawing/2010/main" xmlns="">
+              <a14:hiddenEffects xmlns="" xmlns:a14="http://schemas.microsoft.com/office/drawing/2010/main">
                 <a:effectLst>
                   <a:outerShdw dist="35921" dir="2700000" algn="ctr" rotWithShape="0">
                     <a:schemeClr val="bg2"/>
@@ -5566,14 +5566,14 @@
           <a:effectLst/>
           <a:extLst>
             <a:ext uri="{909E8E84-426E-40dd-AFC4-6F175D3DCCD1}">
-              <a14:hiddenFill xmlns:a14="http://schemas.microsoft.com/office/drawing/2010/main" xmlns="">
+              <a14:hiddenFill xmlns="" xmlns:a14="http://schemas.microsoft.com/office/drawing/2010/main">
                 <a:solidFill>
                   <a:schemeClr val="accent1"/>
                 </a:solidFill>
               </a14:hiddenFill>
             </a:ext>
             <a:ext uri="{91240B29-F687-4f45-9708-019B960494DF}">
-              <a14:hiddenLine xmlns:a14="http://schemas.microsoft.com/office/drawing/2010/main" xmlns="" w="9525" algn="ctr">
+              <a14:hiddenLine xmlns="" xmlns:a14="http://schemas.microsoft.com/office/drawing/2010/main" w="9525" algn="ctr">
                 <a:solidFill>
                   <a:schemeClr val="tx1"/>
                 </a:solidFill>
@@ -5583,7 +5583,7 @@
               </a14:hiddenLine>
             </a:ext>
             <a:ext uri="{AF507438-7753-43e0-B8FC-AC1667EBCBE1}">
-              <a14:hiddenEffects xmlns:a14="http://schemas.microsoft.com/office/drawing/2010/main" xmlns="">
+              <a14:hiddenEffects xmlns="" xmlns:a14="http://schemas.microsoft.com/office/drawing/2010/main">
                 <a:effectLst>
                   <a:outerShdw dist="35921" dir="2700000" algn="ctr" rotWithShape="0">
                     <a:schemeClr val="bg2"/>
@@ -5795,14 +5795,14 @@
           <a:effectLst/>
           <a:extLst>
             <a:ext uri="{909E8E84-426E-40dd-AFC4-6F175D3DCCD1}">
-              <a14:hiddenFill xmlns:a14="http://schemas.microsoft.com/office/drawing/2010/main" xmlns="">
+              <a14:hiddenFill xmlns="" xmlns:a14="http://schemas.microsoft.com/office/drawing/2010/main">
                 <a:solidFill>
                   <a:schemeClr val="accent1"/>
                 </a:solidFill>
               </a14:hiddenFill>
             </a:ext>
             <a:ext uri="{91240B29-F687-4f45-9708-019B960494DF}">
-              <a14:hiddenLine xmlns:a14="http://schemas.microsoft.com/office/drawing/2010/main" xmlns="" w="9525">
+              <a14:hiddenLine xmlns="" xmlns:a14="http://schemas.microsoft.com/office/drawing/2010/main" w="9525">
                 <a:solidFill>
                   <a:schemeClr val="tx1"/>
                 </a:solidFill>
@@ -5812,7 +5812,7 @@
               </a14:hiddenLine>
             </a:ext>
             <a:ext uri="{AF507438-7753-43e0-B8FC-AC1667EBCBE1}">
-              <a14:hiddenEffects xmlns:a14="http://schemas.microsoft.com/office/drawing/2010/main" xmlns="">
+              <a14:hiddenEffects xmlns="" xmlns:a14="http://schemas.microsoft.com/office/drawing/2010/main">
                 <a:effectLst>
                   <a:outerShdw dist="35921" dir="2700000" algn="ctr" rotWithShape="0">
                     <a:schemeClr val="bg2"/>
@@ -6215,14 +6215,14 @@
           <a:effectLst/>
           <a:extLst>
             <a:ext uri="{909E8E84-426E-40dd-AFC4-6F175D3DCCD1}">
-              <a14:hiddenFill xmlns:a14="http://schemas.microsoft.com/office/drawing/2010/main" xmlns="">
+              <a14:hiddenFill xmlns="" xmlns:a14="http://schemas.microsoft.com/office/drawing/2010/main">
                 <a:solidFill>
                   <a:schemeClr val="accent1"/>
                 </a:solidFill>
               </a14:hiddenFill>
             </a:ext>
             <a:ext uri="{91240B29-F687-4f45-9708-019B960494DF}">
-              <a14:hiddenLine xmlns:a14="http://schemas.microsoft.com/office/drawing/2010/main" xmlns="" w="9525">
+              <a14:hiddenLine xmlns="" xmlns:a14="http://schemas.microsoft.com/office/drawing/2010/main" w="9525">
                 <a:solidFill>
                   <a:schemeClr val="tx1"/>
                 </a:solidFill>
@@ -6232,7 +6232,7 @@
               </a14:hiddenLine>
             </a:ext>
             <a:ext uri="{AF507438-7753-43e0-B8FC-AC1667EBCBE1}">
-              <a14:hiddenEffects xmlns:a14="http://schemas.microsoft.com/office/drawing/2010/main" xmlns="">
+              <a14:hiddenEffects xmlns="" xmlns:a14="http://schemas.microsoft.com/office/drawing/2010/main">
                 <a:effectLst>
                   <a:outerShdw dist="35921" dir="2700000" algn="ctr" rotWithShape="0">
                     <a:schemeClr val="bg2"/>
@@ -6459,8 +6459,8 @@
           </a:p>
         </p:txBody>
       </p:sp>
-      <mc:AlternateContent xmlns:mc="http://schemas.openxmlformats.org/markup-compatibility/2006">
-        <mc:Choice xmlns:a14="http://schemas.microsoft.com/office/drawing/2010/main" Requires="a14">
+      <mc:AlternateContent xmlns:mc="http://schemas.openxmlformats.org/markup-compatibility/2006" xmlns:a14="http://schemas.microsoft.com/office/drawing/2010/main">
+        <mc:Choice Requires="a14">
           <p:sp>
             <p:nvSpPr>
               <p:cNvPr id="9" name="Rechteck 8">
@@ -6637,7 +6637,7 @@
             </p:txBody>
           </p:sp>
         </mc:Choice>
-        <mc:Fallback>
+        <mc:Fallback xmlns="">
           <p:sp>
             <p:nvSpPr>
               <p:cNvPr id="9" name="Rechteck 8">
@@ -6725,7 +6725,7 @@
                       <a:schemeClr val="tx1"/>
                     </a:solidFill>
                   </a:rPr>
-                  <a:t>Gesamtlänge &lt; 55 Bytes</a:t>
+                  <a:t>Gesamtlänge &lt; 56 Bytes</a:t>
                 </a:r>
                 <a:r>
                   <a:rPr lang="de-DE" sz="1600" dirty="0">
@@ -6894,8 +6894,8 @@
           </a:p>
         </p:txBody>
       </p:sp>
-      <mc:AlternateContent xmlns:mc="http://schemas.openxmlformats.org/markup-compatibility/2006">
-        <mc:Choice xmlns:a14="http://schemas.microsoft.com/office/drawing/2010/main" Requires="a14">
+      <mc:AlternateContent xmlns:mc="http://schemas.openxmlformats.org/markup-compatibility/2006" xmlns:a14="http://schemas.microsoft.com/office/drawing/2010/main">
+        <mc:Choice Requires="a14">
           <p:sp>
             <p:nvSpPr>
               <p:cNvPr id="13" name="Rechteck 12">
@@ -6947,7 +6947,7 @@
             </p:txBody>
           </p:sp>
         </mc:Choice>
-        <mc:Fallback>
+        <mc:Fallback xmlns="">
           <p:sp>
             <p:nvSpPr>
               <p:cNvPr id="13" name="Rechteck 12">
@@ -7091,8 +7091,8 @@
           </a:p>
         </p:txBody>
       </p:sp>
-      <mc:AlternateContent xmlns:mc="http://schemas.openxmlformats.org/markup-compatibility/2006">
-        <mc:Choice xmlns:a14="http://schemas.microsoft.com/office/drawing/2010/main" Requires="a14">
+      <mc:AlternateContent xmlns:mc="http://schemas.openxmlformats.org/markup-compatibility/2006" xmlns:a14="http://schemas.microsoft.com/office/drawing/2010/main">
+        <mc:Choice Requires="a14">
           <p:sp>
             <p:nvSpPr>
               <p:cNvPr id="17" name="Rechteck 16">
@@ -7144,7 +7144,7 @@
             </p:txBody>
           </p:sp>
         </mc:Choice>
-        <mc:Fallback>
+        <mc:Fallback xmlns="">
           <p:sp>
             <p:nvSpPr>
               <p:cNvPr id="17" name="Rechteck 16">
@@ -7299,14 +7299,14 @@
           <a:effectLst/>
           <a:extLst>
             <a:ext uri="{909E8E84-426E-40dd-AFC4-6F175D3DCCD1}">
-              <a14:hiddenFill xmlns:a14="http://schemas.microsoft.com/office/drawing/2010/main" xmlns="">
+              <a14:hiddenFill xmlns="" xmlns:a14="http://schemas.microsoft.com/office/drawing/2010/main">
                 <a:solidFill>
                   <a:schemeClr val="accent1"/>
                 </a:solidFill>
               </a14:hiddenFill>
             </a:ext>
             <a:ext uri="{91240B29-F687-4f45-9708-019B960494DF}">
-              <a14:hiddenLine xmlns:a14="http://schemas.microsoft.com/office/drawing/2010/main" xmlns="" w="9525">
+              <a14:hiddenLine xmlns="" xmlns:a14="http://schemas.microsoft.com/office/drawing/2010/main" w="9525">
                 <a:solidFill>
                   <a:schemeClr val="tx1"/>
                 </a:solidFill>
@@ -7316,7 +7316,7 @@
               </a14:hiddenLine>
             </a:ext>
             <a:ext uri="{AF507438-7753-43e0-B8FC-AC1667EBCBE1}">
-              <a14:hiddenEffects xmlns:a14="http://schemas.microsoft.com/office/drawing/2010/main" xmlns="">
+              <a14:hiddenEffects xmlns="" xmlns:a14="http://schemas.microsoft.com/office/drawing/2010/main">
                 <a:effectLst>
                   <a:outerShdw dist="35921" dir="2700000" algn="ctr" rotWithShape="0">
                     <a:schemeClr val="bg2"/>
@@ -7669,14 +7669,14 @@
           <a:effectLst/>
           <a:extLst>
             <a:ext uri="{909E8E84-426E-40dd-AFC4-6F175D3DCCD1}">
-              <a14:hiddenFill xmlns:a14="http://schemas.microsoft.com/office/drawing/2010/main" xmlns="">
+              <a14:hiddenFill xmlns="" xmlns:a14="http://schemas.microsoft.com/office/drawing/2010/main">
                 <a:solidFill>
                   <a:schemeClr val="accent1"/>
                 </a:solidFill>
               </a14:hiddenFill>
             </a:ext>
             <a:ext uri="{91240B29-F687-4f45-9708-019B960494DF}">
-              <a14:hiddenLine xmlns:a14="http://schemas.microsoft.com/office/drawing/2010/main" xmlns="" w="9525">
+              <a14:hiddenLine xmlns="" xmlns:a14="http://schemas.microsoft.com/office/drawing/2010/main" w="9525">
                 <a:solidFill>
                   <a:schemeClr val="tx1"/>
                 </a:solidFill>
@@ -7686,7 +7686,7 @@
               </a14:hiddenLine>
             </a:ext>
             <a:ext uri="{AF507438-7753-43e0-B8FC-AC1667EBCBE1}">
-              <a14:hiddenEffects xmlns:a14="http://schemas.microsoft.com/office/drawing/2010/main" xmlns="">
+              <a14:hiddenEffects xmlns="" xmlns:a14="http://schemas.microsoft.com/office/drawing/2010/main">
                 <a:effectLst>
                   <a:outerShdw dist="35921" dir="2700000" algn="ctr" rotWithShape="0">
                     <a:schemeClr val="bg2"/>
@@ -8039,14 +8039,14 @@
           <a:effectLst/>
           <a:extLst>
             <a:ext uri="{909E8E84-426E-40dd-AFC4-6F175D3DCCD1}">
-              <a14:hiddenFill xmlns:a14="http://schemas.microsoft.com/office/drawing/2010/main" xmlns="">
+              <a14:hiddenFill xmlns="" xmlns:a14="http://schemas.microsoft.com/office/drawing/2010/main">
                 <a:solidFill>
                   <a:schemeClr val="accent1"/>
                 </a:solidFill>
               </a14:hiddenFill>
             </a:ext>
             <a:ext uri="{91240B29-F687-4f45-9708-019B960494DF}">
-              <a14:hiddenLine xmlns:a14="http://schemas.microsoft.com/office/drawing/2010/main" xmlns="" w="9525">
+              <a14:hiddenLine xmlns="" xmlns:a14="http://schemas.microsoft.com/office/drawing/2010/main" w="9525">
                 <a:solidFill>
                   <a:schemeClr val="tx1"/>
                 </a:solidFill>
@@ -8056,7 +8056,7 @@
               </a14:hiddenLine>
             </a:ext>
             <a:ext uri="{AF507438-7753-43e0-B8FC-AC1667EBCBE1}">
-              <a14:hiddenEffects xmlns:a14="http://schemas.microsoft.com/office/drawing/2010/main" xmlns="">
+              <a14:hiddenEffects xmlns="" xmlns:a14="http://schemas.microsoft.com/office/drawing/2010/main">
                 <a:effectLst>
                   <a:outerShdw dist="35921" dir="2700000" algn="ctr" rotWithShape="0">
                     <a:schemeClr val="bg2"/>
@@ -8240,14 +8240,14 @@
           <a:effectLst/>
           <a:extLst>
             <a:ext uri="{909E8E84-426E-40dd-AFC4-6F175D3DCCD1}">
-              <a14:hiddenFill xmlns:a14="http://schemas.microsoft.com/office/drawing/2010/main" xmlns="">
+              <a14:hiddenFill xmlns="" xmlns:a14="http://schemas.microsoft.com/office/drawing/2010/main">
                 <a:solidFill>
                   <a:schemeClr val="accent1"/>
                 </a:solidFill>
               </a14:hiddenFill>
             </a:ext>
             <a:ext uri="{91240B29-F687-4f45-9708-019B960494DF}">
-              <a14:hiddenLine xmlns:a14="http://schemas.microsoft.com/office/drawing/2010/main" xmlns="" w="9525">
+              <a14:hiddenLine xmlns="" xmlns:a14="http://schemas.microsoft.com/office/drawing/2010/main" w="9525">
                 <a:solidFill>
                   <a:schemeClr val="tx1"/>
                 </a:solidFill>
@@ -8257,7 +8257,7 @@
               </a14:hiddenLine>
             </a:ext>
             <a:ext uri="{AF507438-7753-43e0-B8FC-AC1667EBCBE1}">
-              <a14:hiddenEffects xmlns:a14="http://schemas.microsoft.com/office/drawing/2010/main" xmlns="">
+              <a14:hiddenEffects xmlns="" xmlns:a14="http://schemas.microsoft.com/office/drawing/2010/main">
                 <a:effectLst>
                   <a:outerShdw dist="35921" dir="2700000" algn="ctr" rotWithShape="0">
                     <a:schemeClr val="bg2"/>
@@ -8598,7 +8598,7 @@
           <a:effectLst/>
           <a:extLst>
             <a:ext uri="{AF507438-7753-43e0-B8FC-AC1667EBCBE1}">
-              <a14:hiddenEffects xmlns="" xmlns:a14="http://schemas.microsoft.com/office/drawing/2010/main">
+              <a14:hiddenEffects xmlns:a14="http://schemas.microsoft.com/office/drawing/2010/main" xmlns="">
                 <a:effectLst>
                   <a:outerShdw dist="35921" dir="2700000" algn="ctr" rotWithShape="0">
                     <a:schemeClr val="bg2"/>
@@ -8854,7 +8854,7 @@
             <a:effectLst/>
             <a:extLst>
               <a:ext uri="{AF507438-7753-43e0-B8FC-AC1667EBCBE1}">
-                <a14:hiddenEffects xmlns="" xmlns:a14="http://schemas.microsoft.com/office/drawing/2010/main">
+                <a14:hiddenEffects xmlns:a14="http://schemas.microsoft.com/office/drawing/2010/main" xmlns="">
                   <a:effectLst>
                     <a:outerShdw dist="35921" dir="2700000" algn="ctr" rotWithShape="0">
                       <a:schemeClr val="bg2"/>
@@ -8935,7 +8935,7 @@
           <a:effectLst/>
           <a:extLst>
             <a:ext uri="{AF507438-7753-43e0-B8FC-AC1667EBCBE1}">
-              <a14:hiddenEffects xmlns="" xmlns:a14="http://schemas.microsoft.com/office/drawing/2010/main">
+              <a14:hiddenEffects xmlns:a14="http://schemas.microsoft.com/office/drawing/2010/main" xmlns="">
                 <a:effectLst>
                   <a:outerShdw dist="35921" dir="2700000" algn="ctr" rotWithShape="0">
                     <a:schemeClr val="bg2"/>
@@ -9173,7 +9173,7 @@
           <a:effectLst/>
           <a:extLst>
             <a:ext uri="{AF507438-7753-43e0-B8FC-AC1667EBCBE1}">
-              <a14:hiddenEffects xmlns="" xmlns:a14="http://schemas.microsoft.com/office/drawing/2010/main">
+              <a14:hiddenEffects xmlns:a14="http://schemas.microsoft.com/office/drawing/2010/main" xmlns="">
                 <a:effectLst>
                   <a:outerShdw dist="35921" dir="2700000" algn="ctr" rotWithShape="0">
                     <a:schemeClr val="bg2"/>
@@ -9223,7 +9223,7 @@
           <a:effectLst/>
           <a:extLst>
             <a:ext uri="{AF507438-7753-43e0-B8FC-AC1667EBCBE1}">
-              <a14:hiddenEffects xmlns="" xmlns:a14="http://schemas.microsoft.com/office/drawing/2010/main">
+              <a14:hiddenEffects xmlns:a14="http://schemas.microsoft.com/office/drawing/2010/main" xmlns="">
                 <a:effectLst>
                   <a:outerShdw dist="35921" dir="2700000" algn="ctr" rotWithShape="0">
                     <a:schemeClr val="bg2"/>
@@ -9273,7 +9273,7 @@
           <a:effectLst/>
           <a:extLst>
             <a:ext uri="{AF507438-7753-43e0-B8FC-AC1667EBCBE1}">
-              <a14:hiddenEffects xmlns="" xmlns:a14="http://schemas.microsoft.com/office/drawing/2010/main">
+              <a14:hiddenEffects xmlns:a14="http://schemas.microsoft.com/office/drawing/2010/main" xmlns="">
                 <a:effectLst>
                   <a:outerShdw dist="35921" dir="2700000" algn="ctr" rotWithShape="0">
                     <a:schemeClr val="bg2"/>
@@ -9322,7 +9322,7 @@
           <a:effectLst/>
           <a:extLst>
             <a:ext uri="{AF507438-7753-43e0-B8FC-AC1667EBCBE1}">
-              <a14:hiddenEffects xmlns="" xmlns:a14="http://schemas.microsoft.com/office/drawing/2010/main">
+              <a14:hiddenEffects xmlns:a14="http://schemas.microsoft.com/office/drawing/2010/main" xmlns="">
                 <a:effectLst>
                   <a:outerShdw dist="35921" dir="2700000" algn="ctr" rotWithShape="0">
                     <a:schemeClr val="bg2"/>
@@ -9372,7 +9372,7 @@
           <a:effectLst/>
           <a:extLst>
             <a:ext uri="{AF507438-7753-43e0-B8FC-AC1667EBCBE1}">
-              <a14:hiddenEffects xmlns="" xmlns:a14="http://schemas.microsoft.com/office/drawing/2010/main">
+              <a14:hiddenEffects xmlns:a14="http://schemas.microsoft.com/office/drawing/2010/main" xmlns="">
                 <a:effectLst>
                   <a:outerShdw dist="35921" dir="2700000" algn="ctr" rotWithShape="0">
                     <a:schemeClr val="bg2"/>
@@ -9422,7 +9422,7 @@
           <a:effectLst/>
           <a:extLst>
             <a:ext uri="{AF507438-7753-43e0-B8FC-AC1667EBCBE1}">
-              <a14:hiddenEffects xmlns="" xmlns:a14="http://schemas.microsoft.com/office/drawing/2010/main">
+              <a14:hiddenEffects xmlns:a14="http://schemas.microsoft.com/office/drawing/2010/main" xmlns="">
                 <a:effectLst>
                   <a:outerShdw dist="35921" dir="2700000" algn="ctr" rotWithShape="0">
                     <a:schemeClr val="bg2"/>
@@ -9472,7 +9472,7 @@
           <a:effectLst/>
           <a:extLst>
             <a:ext uri="{AF507438-7753-43e0-B8FC-AC1667EBCBE1}">
-              <a14:hiddenEffects xmlns="" xmlns:a14="http://schemas.microsoft.com/office/drawing/2010/main">
+              <a14:hiddenEffects xmlns:a14="http://schemas.microsoft.com/office/drawing/2010/main" xmlns="">
                 <a:effectLst>
                   <a:outerShdw dist="35921" dir="2700000" algn="ctr" rotWithShape="0">
                     <a:schemeClr val="bg2"/>
@@ -9516,7 +9516,7 @@
           <a:effectLst/>
           <a:extLst>
             <a:ext uri="{AF507438-7753-43e0-B8FC-AC1667EBCBE1}">
-              <a14:hiddenEffects xmlns="" xmlns:a14="http://schemas.microsoft.com/office/drawing/2010/main">
+              <a14:hiddenEffects xmlns:a14="http://schemas.microsoft.com/office/drawing/2010/main" xmlns="">
                 <a:effectLst>
                   <a:outerShdw dist="35921" dir="2700000" algn="ctr" rotWithShape="0">
                     <a:schemeClr val="bg2"/>
@@ -9596,7 +9596,7 @@
           <a:effectLst/>
           <a:extLst>
             <a:ext uri="{AF507438-7753-43e0-B8FC-AC1667EBCBE1}">
-              <a14:hiddenEffects xmlns="" xmlns:a14="http://schemas.microsoft.com/office/drawing/2010/main">
+              <a14:hiddenEffects xmlns:a14="http://schemas.microsoft.com/office/drawing/2010/main" xmlns="">
                 <a:effectLst>
                   <a:outerShdw dist="35921" dir="2700000" algn="ctr" rotWithShape="0">
                     <a:schemeClr val="bg2"/>
@@ -9676,7 +9676,7 @@
           <a:effectLst/>
           <a:extLst>
             <a:ext uri="{AF507438-7753-43e0-B8FC-AC1667EBCBE1}">
-              <a14:hiddenEffects xmlns="" xmlns:a14="http://schemas.microsoft.com/office/drawing/2010/main">
+              <a14:hiddenEffects xmlns:a14="http://schemas.microsoft.com/office/drawing/2010/main" xmlns="">
                 <a:effectLst>
                   <a:outerShdw dist="35921" dir="2700000" algn="ctr" rotWithShape="0">
                     <a:schemeClr val="bg2"/>
@@ -9810,14 +9810,14 @@
           <a:effectLst/>
           <a:extLst>
             <a:ext uri="{909E8E84-426E-40dd-AFC4-6F175D3DCCD1}">
-              <a14:hiddenFill xmlns:a14="http://schemas.microsoft.com/office/drawing/2010/main" xmlns="">
+              <a14:hiddenFill xmlns="" xmlns:a14="http://schemas.microsoft.com/office/drawing/2010/main">
                 <a:solidFill>
                   <a:schemeClr val="accent1"/>
                 </a:solidFill>
               </a14:hiddenFill>
             </a:ext>
             <a:ext uri="{91240B29-F687-4f45-9708-019B960494DF}">
-              <a14:hiddenLine xmlns:a14="http://schemas.microsoft.com/office/drawing/2010/main" xmlns="" w="9525">
+              <a14:hiddenLine xmlns="" xmlns:a14="http://schemas.microsoft.com/office/drawing/2010/main" w="9525">
                 <a:solidFill>
                   <a:schemeClr val="tx1"/>
                 </a:solidFill>
@@ -9827,7 +9827,7 @@
               </a14:hiddenLine>
             </a:ext>
             <a:ext uri="{AF507438-7753-43e0-B8FC-AC1667EBCBE1}">
-              <a14:hiddenEffects xmlns:a14="http://schemas.microsoft.com/office/drawing/2010/main" xmlns="">
+              <a14:hiddenEffects xmlns="" xmlns:a14="http://schemas.microsoft.com/office/drawing/2010/main">
                 <a:effectLst>
                   <a:outerShdw dist="35921" dir="2700000" algn="ctr" rotWithShape="0">
                     <a:schemeClr val="bg2"/>
@@ -10180,14 +10180,14 @@
           <a:effectLst/>
           <a:extLst>
             <a:ext uri="{909E8E84-426E-40dd-AFC4-6F175D3DCCD1}">
-              <a14:hiddenFill xmlns:a14="http://schemas.microsoft.com/office/drawing/2010/main" xmlns="">
+              <a14:hiddenFill xmlns="" xmlns:a14="http://schemas.microsoft.com/office/drawing/2010/main">
                 <a:solidFill>
                   <a:schemeClr val="accent1"/>
                 </a:solidFill>
               </a14:hiddenFill>
             </a:ext>
             <a:ext uri="{91240B29-F687-4f45-9708-019B960494DF}">
-              <a14:hiddenLine xmlns:a14="http://schemas.microsoft.com/office/drawing/2010/main" xmlns="" w="9525">
+              <a14:hiddenLine xmlns="" xmlns:a14="http://schemas.microsoft.com/office/drawing/2010/main" w="9525">
                 <a:solidFill>
                   <a:schemeClr val="tx1"/>
                 </a:solidFill>
@@ -10197,7 +10197,7 @@
               </a14:hiddenLine>
             </a:ext>
             <a:ext uri="{AF507438-7753-43e0-B8FC-AC1667EBCBE1}">
-              <a14:hiddenEffects xmlns:a14="http://schemas.microsoft.com/office/drawing/2010/main" xmlns="">
+              <a14:hiddenEffects xmlns="" xmlns:a14="http://schemas.microsoft.com/office/drawing/2010/main">
                 <a:effectLst>
                   <a:outerShdw dist="35921" dir="2700000" algn="ctr" rotWithShape="0">
                     <a:schemeClr val="bg2"/>
@@ -10381,14 +10381,14 @@
           <a:effectLst/>
           <a:extLst>
             <a:ext uri="{909E8E84-426E-40dd-AFC4-6F175D3DCCD1}">
-              <a14:hiddenFill xmlns:a14="http://schemas.microsoft.com/office/drawing/2010/main" xmlns="">
+              <a14:hiddenFill xmlns="" xmlns:a14="http://schemas.microsoft.com/office/drawing/2010/main">
                 <a:solidFill>
                   <a:schemeClr val="accent1"/>
                 </a:solidFill>
               </a14:hiddenFill>
             </a:ext>
             <a:ext uri="{91240B29-F687-4f45-9708-019B960494DF}">
-              <a14:hiddenLine xmlns:a14="http://schemas.microsoft.com/office/drawing/2010/main" xmlns="" w="9525">
+              <a14:hiddenLine xmlns="" xmlns:a14="http://schemas.microsoft.com/office/drawing/2010/main" w="9525">
                 <a:solidFill>
                   <a:schemeClr val="tx1"/>
                 </a:solidFill>
@@ -10398,7 +10398,7 @@
               </a14:hiddenLine>
             </a:ext>
             <a:ext uri="{AF507438-7753-43e0-B8FC-AC1667EBCBE1}">
-              <a14:hiddenEffects xmlns:a14="http://schemas.microsoft.com/office/drawing/2010/main" xmlns="">
+              <a14:hiddenEffects xmlns="" xmlns:a14="http://schemas.microsoft.com/office/drawing/2010/main">
                 <a:effectLst>
                   <a:outerShdw dist="35921" dir="2700000" algn="ctr" rotWithShape="0">
                     <a:schemeClr val="bg2"/>
@@ -10757,7 +10757,7 @@
           <a:effectLst/>
           <a:extLst>
             <a:ext uri="{AF507438-7753-43e0-B8FC-AC1667EBCBE1}">
-              <a14:hiddenEffects xmlns="" xmlns:a14="http://schemas.microsoft.com/office/drawing/2010/main">
+              <a14:hiddenEffects xmlns:a14="http://schemas.microsoft.com/office/drawing/2010/main" xmlns="">
                 <a:effectLst>
                   <a:outerShdw dist="35921" dir="2700000" algn="ctr" rotWithShape="0">
                     <a:schemeClr val="bg2"/>
@@ -11031,7 +11031,7 @@
             <a:effectLst/>
             <a:extLst>
               <a:ext uri="{AF507438-7753-43e0-B8FC-AC1667EBCBE1}">
-                <a14:hiddenEffects xmlns="" xmlns:a14="http://schemas.microsoft.com/office/drawing/2010/main">
+                <a14:hiddenEffects xmlns:a14="http://schemas.microsoft.com/office/drawing/2010/main" xmlns="">
                   <a:effectLst>
                     <a:outerShdw dist="35921" dir="2700000" algn="ctr" rotWithShape="0">
                       <a:schemeClr val="bg2"/>
@@ -11112,7 +11112,7 @@
           <a:effectLst/>
           <a:extLst>
             <a:ext uri="{AF507438-7753-43e0-B8FC-AC1667EBCBE1}">
-              <a14:hiddenEffects xmlns="" xmlns:a14="http://schemas.microsoft.com/office/drawing/2010/main">
+              <a14:hiddenEffects xmlns:a14="http://schemas.microsoft.com/office/drawing/2010/main" xmlns="">
                 <a:effectLst>
                   <a:outerShdw dist="35921" dir="2700000" algn="ctr" rotWithShape="0">
                     <a:schemeClr val="bg2"/>
@@ -11350,7 +11350,7 @@
           <a:effectLst/>
           <a:extLst>
             <a:ext uri="{AF507438-7753-43e0-B8FC-AC1667EBCBE1}">
-              <a14:hiddenEffects xmlns="" xmlns:a14="http://schemas.microsoft.com/office/drawing/2010/main">
+              <a14:hiddenEffects xmlns:a14="http://schemas.microsoft.com/office/drawing/2010/main" xmlns="">
                 <a:effectLst>
                   <a:outerShdw dist="35921" dir="2700000" algn="ctr" rotWithShape="0">
                     <a:schemeClr val="bg2"/>
@@ -11400,7 +11400,7 @@
           <a:effectLst/>
           <a:extLst>
             <a:ext uri="{AF507438-7753-43e0-B8FC-AC1667EBCBE1}">
-              <a14:hiddenEffects xmlns="" xmlns:a14="http://schemas.microsoft.com/office/drawing/2010/main">
+              <a14:hiddenEffects xmlns:a14="http://schemas.microsoft.com/office/drawing/2010/main" xmlns="">
                 <a:effectLst>
                   <a:outerShdw dist="35921" dir="2700000" algn="ctr" rotWithShape="0">
                     <a:schemeClr val="bg2"/>
@@ -11450,7 +11450,7 @@
           <a:effectLst/>
           <a:extLst>
             <a:ext uri="{AF507438-7753-43e0-B8FC-AC1667EBCBE1}">
-              <a14:hiddenEffects xmlns="" xmlns:a14="http://schemas.microsoft.com/office/drawing/2010/main">
+              <a14:hiddenEffects xmlns:a14="http://schemas.microsoft.com/office/drawing/2010/main" xmlns="">
                 <a:effectLst>
                   <a:outerShdw dist="35921" dir="2700000" algn="ctr" rotWithShape="0">
                     <a:schemeClr val="bg2"/>
@@ -11499,7 +11499,7 @@
           <a:effectLst/>
           <a:extLst>
             <a:ext uri="{AF507438-7753-43e0-B8FC-AC1667EBCBE1}">
-              <a14:hiddenEffects xmlns="" xmlns:a14="http://schemas.microsoft.com/office/drawing/2010/main">
+              <a14:hiddenEffects xmlns:a14="http://schemas.microsoft.com/office/drawing/2010/main" xmlns="">
                 <a:effectLst>
                   <a:outerShdw dist="35921" dir="2700000" algn="ctr" rotWithShape="0">
                     <a:schemeClr val="bg2"/>
@@ -11549,7 +11549,7 @@
           <a:effectLst/>
           <a:extLst>
             <a:ext uri="{AF507438-7753-43e0-B8FC-AC1667EBCBE1}">
-              <a14:hiddenEffects xmlns="" xmlns:a14="http://schemas.microsoft.com/office/drawing/2010/main">
+              <a14:hiddenEffects xmlns:a14="http://schemas.microsoft.com/office/drawing/2010/main" xmlns="">
                 <a:effectLst>
                   <a:outerShdw dist="35921" dir="2700000" algn="ctr" rotWithShape="0">
                     <a:schemeClr val="bg2"/>
@@ -11599,7 +11599,7 @@
           <a:effectLst/>
           <a:extLst>
             <a:ext uri="{AF507438-7753-43e0-B8FC-AC1667EBCBE1}">
-              <a14:hiddenEffects xmlns="" xmlns:a14="http://schemas.microsoft.com/office/drawing/2010/main">
+              <a14:hiddenEffects xmlns:a14="http://schemas.microsoft.com/office/drawing/2010/main" xmlns="">
                 <a:effectLst>
                   <a:outerShdw dist="35921" dir="2700000" algn="ctr" rotWithShape="0">
                     <a:schemeClr val="bg2"/>
@@ -11649,7 +11649,7 @@
           <a:effectLst/>
           <a:extLst>
             <a:ext uri="{AF507438-7753-43e0-B8FC-AC1667EBCBE1}">
-              <a14:hiddenEffects xmlns="" xmlns:a14="http://schemas.microsoft.com/office/drawing/2010/main">
+              <a14:hiddenEffects xmlns:a14="http://schemas.microsoft.com/office/drawing/2010/main" xmlns="">
                 <a:effectLst>
                   <a:outerShdw dist="35921" dir="2700000" algn="ctr" rotWithShape="0">
                     <a:schemeClr val="bg2"/>
@@ -11696,7 +11696,7 @@
           <a:effectLst/>
           <a:extLst>
             <a:ext uri="{AF507438-7753-43e0-B8FC-AC1667EBCBE1}">
-              <a14:hiddenEffects xmlns="" xmlns:a14="http://schemas.microsoft.com/office/drawing/2010/main">
+              <a14:hiddenEffects xmlns:a14="http://schemas.microsoft.com/office/drawing/2010/main" xmlns="">
                 <a:effectLst>
                   <a:outerShdw dist="35921" dir="2700000" algn="ctr" rotWithShape="0">
                     <a:schemeClr val="bg2"/>
@@ -11825,7 +11825,7 @@
           <a:effectLst/>
           <a:extLst>
             <a:ext uri="{AF507438-7753-43e0-B8FC-AC1667EBCBE1}">
-              <a14:hiddenEffects xmlns="" xmlns:a14="http://schemas.microsoft.com/office/drawing/2010/main">
+              <a14:hiddenEffects xmlns:a14="http://schemas.microsoft.com/office/drawing/2010/main" xmlns="">
                 <a:effectLst>
                   <a:outerShdw dist="35921" dir="2700000" algn="ctr" rotWithShape="0">
                     <a:schemeClr val="bg2"/>
@@ -11959,14 +11959,14 @@
           <a:effectLst/>
           <a:extLst>
             <a:ext uri="{909E8E84-426E-40dd-AFC4-6F175D3DCCD1}">
-              <a14:hiddenFill xmlns:a14="http://schemas.microsoft.com/office/drawing/2010/main" xmlns="">
+              <a14:hiddenFill xmlns="" xmlns:a14="http://schemas.microsoft.com/office/drawing/2010/main">
                 <a:solidFill>
                   <a:schemeClr val="accent1"/>
                 </a:solidFill>
               </a14:hiddenFill>
             </a:ext>
             <a:ext uri="{91240B29-F687-4f45-9708-019B960494DF}">
-              <a14:hiddenLine xmlns:a14="http://schemas.microsoft.com/office/drawing/2010/main" xmlns="" w="9525">
+              <a14:hiddenLine xmlns="" xmlns:a14="http://schemas.microsoft.com/office/drawing/2010/main" w="9525">
                 <a:solidFill>
                   <a:schemeClr val="tx1"/>
                 </a:solidFill>
@@ -11976,7 +11976,7 @@
               </a14:hiddenLine>
             </a:ext>
             <a:ext uri="{AF507438-7753-43e0-B8FC-AC1667EBCBE1}">
-              <a14:hiddenEffects xmlns:a14="http://schemas.microsoft.com/office/drawing/2010/main" xmlns="">
+              <a14:hiddenEffects xmlns="" xmlns:a14="http://schemas.microsoft.com/office/drawing/2010/main">
                 <a:effectLst>
                   <a:outerShdw dist="35921" dir="2700000" algn="ctr" rotWithShape="0">
                     <a:schemeClr val="bg2"/>
@@ -12579,7 +12579,7 @@
               <a:effectLst/>
               <a:extLst>
                 <a:ext uri="{AF507438-7753-43e0-B8FC-AC1667EBCBE1}">
-                  <a14:hiddenEffects xmlns="" xmlns:a14="http://schemas.microsoft.com/office/drawing/2010/main">
+                  <a14:hiddenEffects xmlns:a14="http://schemas.microsoft.com/office/drawing/2010/main" xmlns="">
                     <a:effectLst>
                       <a:outerShdw dist="35921" dir="2700000" algn="ctr" rotWithShape="0">
                         <a:schemeClr val="bg2"/>
@@ -13128,7 +13128,7 @@
               <a:effectLst/>
               <a:extLst>
                 <a:ext uri="{AF507438-7753-43e0-B8FC-AC1667EBCBE1}">
-                  <a14:hiddenEffects xmlns="" xmlns:a14="http://schemas.microsoft.com/office/drawing/2010/main">
+                  <a14:hiddenEffects xmlns:a14="http://schemas.microsoft.com/office/drawing/2010/main" xmlns="">
                     <a:effectLst>
                       <a:outerShdw dist="35921" dir="2700000" algn="ctr" rotWithShape="0">
                         <a:schemeClr val="bg2"/>
@@ -13685,7 +13685,7 @@
               <a:effectLst/>
               <a:extLst>
                 <a:ext uri="{AF507438-7753-43e0-B8FC-AC1667EBCBE1}">
-                  <a14:hiddenEffects xmlns="" xmlns:a14="http://schemas.microsoft.com/office/drawing/2010/main">
+                  <a14:hiddenEffects xmlns:a14="http://schemas.microsoft.com/office/drawing/2010/main" xmlns="">
                     <a:effectLst>
                       <a:outerShdw dist="35921" dir="2700000" algn="ctr" rotWithShape="0">
                         <a:schemeClr val="bg2"/>
@@ -14193,7 +14193,7 @@
               <a:effectLst/>
               <a:extLst>
                 <a:ext uri="{AF507438-7753-43e0-B8FC-AC1667EBCBE1}">
-                  <a14:hiddenEffects xmlns="" xmlns:a14="http://schemas.microsoft.com/office/drawing/2010/main">
+                  <a14:hiddenEffects xmlns:a14="http://schemas.microsoft.com/office/drawing/2010/main" xmlns="">
                     <a:effectLst>
                       <a:outerShdw dist="35921" dir="2700000" algn="ctr" rotWithShape="0">
                         <a:schemeClr val="bg2"/>
@@ -14368,14 +14368,14 @@
           <a:effectLst/>
           <a:extLst>
             <a:ext uri="{909E8E84-426E-40dd-AFC4-6F175D3DCCD1}">
-              <a14:hiddenFill xmlns:a14="http://schemas.microsoft.com/office/drawing/2010/main" xmlns="">
+              <a14:hiddenFill xmlns="" xmlns:a14="http://schemas.microsoft.com/office/drawing/2010/main">
                 <a:solidFill>
                   <a:schemeClr val="accent1"/>
                 </a:solidFill>
               </a14:hiddenFill>
             </a:ext>
             <a:ext uri="{91240B29-F687-4f45-9708-019B960494DF}">
-              <a14:hiddenLine xmlns:a14="http://schemas.microsoft.com/office/drawing/2010/main" xmlns="" w="9525">
+              <a14:hiddenLine xmlns="" xmlns:a14="http://schemas.microsoft.com/office/drawing/2010/main" w="9525">
                 <a:solidFill>
                   <a:schemeClr val="tx1"/>
                 </a:solidFill>
@@ -14385,7 +14385,7 @@
               </a14:hiddenLine>
             </a:ext>
             <a:ext uri="{AF507438-7753-43e0-B8FC-AC1667EBCBE1}">
-              <a14:hiddenEffects xmlns:a14="http://schemas.microsoft.com/office/drawing/2010/main" xmlns="">
+              <a14:hiddenEffects xmlns="" xmlns:a14="http://schemas.microsoft.com/office/drawing/2010/main">
                 <a:effectLst>
                   <a:outerShdw dist="35921" dir="2700000" algn="ctr" rotWithShape="0">
                     <a:schemeClr val="bg2"/>
@@ -15078,14 +15078,14 @@
           <a:effectLst/>
           <a:extLst>
             <a:ext uri="{909E8E84-426E-40dd-AFC4-6F175D3DCCD1}">
-              <a14:hiddenFill xmlns:a14="http://schemas.microsoft.com/office/drawing/2010/main" xmlns="">
+              <a14:hiddenFill xmlns="" xmlns:a14="http://schemas.microsoft.com/office/drawing/2010/main">
                 <a:solidFill>
                   <a:schemeClr val="accent1"/>
                 </a:solidFill>
               </a14:hiddenFill>
             </a:ext>
             <a:ext uri="{91240B29-F687-4f45-9708-019B960494DF}">
-              <a14:hiddenLine xmlns:a14="http://schemas.microsoft.com/office/drawing/2010/main" xmlns="" w="9525">
+              <a14:hiddenLine xmlns="" xmlns:a14="http://schemas.microsoft.com/office/drawing/2010/main" w="9525">
                 <a:solidFill>
                   <a:schemeClr val="tx1"/>
                 </a:solidFill>
@@ -15095,7 +15095,7 @@
               </a14:hiddenLine>
             </a:ext>
             <a:ext uri="{AF507438-7753-43e0-B8FC-AC1667EBCBE1}">
-              <a14:hiddenEffects xmlns:a14="http://schemas.microsoft.com/office/drawing/2010/main" xmlns="">
+              <a14:hiddenEffects xmlns="" xmlns:a14="http://schemas.microsoft.com/office/drawing/2010/main">
                 <a:effectLst>
                   <a:outerShdw dist="35921" dir="2700000" algn="ctr" rotWithShape="0">
                     <a:schemeClr val="bg2"/>
@@ -15470,14 +15470,14 @@
           <a:effectLst/>
           <a:extLst>
             <a:ext uri="{909E8E84-426E-40dd-AFC4-6F175D3DCCD1}">
-              <a14:hiddenFill xmlns:a14="http://schemas.microsoft.com/office/drawing/2010/main" xmlns="">
+              <a14:hiddenFill xmlns="" xmlns:a14="http://schemas.microsoft.com/office/drawing/2010/main">
                 <a:solidFill>
                   <a:schemeClr val="accent1"/>
                 </a:solidFill>
               </a14:hiddenFill>
             </a:ext>
             <a:ext uri="{91240B29-F687-4f45-9708-019B960494DF}">
-              <a14:hiddenLine xmlns:a14="http://schemas.microsoft.com/office/drawing/2010/main" xmlns="" w="9525">
+              <a14:hiddenLine xmlns="" xmlns:a14="http://schemas.microsoft.com/office/drawing/2010/main" w="9525">
                 <a:solidFill>
                   <a:schemeClr val="tx1"/>
                 </a:solidFill>
@@ -15487,7 +15487,7 @@
               </a14:hiddenLine>
             </a:ext>
             <a:ext uri="{AF507438-7753-43e0-B8FC-AC1667EBCBE1}">
-              <a14:hiddenEffects xmlns:a14="http://schemas.microsoft.com/office/drawing/2010/main" xmlns="">
+              <a14:hiddenEffects xmlns="" xmlns:a14="http://schemas.microsoft.com/office/drawing/2010/main">
                 <a:effectLst>
                   <a:outerShdw dist="35921" dir="2700000" algn="ctr" rotWithShape="0">
                     <a:schemeClr val="bg2"/>
@@ -15678,14 +15678,14 @@
           <a:effectLst/>
           <a:extLst>
             <a:ext uri="{909E8E84-426E-40dd-AFC4-6F175D3DCCD1}">
-              <a14:hiddenFill xmlns:a14="http://schemas.microsoft.com/office/drawing/2010/main" xmlns="">
+              <a14:hiddenFill xmlns="" xmlns:a14="http://schemas.microsoft.com/office/drawing/2010/main">
                 <a:solidFill>
                   <a:schemeClr val="accent1"/>
                 </a:solidFill>
               </a14:hiddenFill>
             </a:ext>
             <a:ext uri="{91240B29-F687-4f45-9708-019B960494DF}">
-              <a14:hiddenLine xmlns:a14="http://schemas.microsoft.com/office/drawing/2010/main" xmlns="" w="9525">
+              <a14:hiddenLine xmlns="" xmlns:a14="http://schemas.microsoft.com/office/drawing/2010/main" w="9525">
                 <a:solidFill>
                   <a:schemeClr val="tx1"/>
                 </a:solidFill>
@@ -15695,7 +15695,7 @@
               </a14:hiddenLine>
             </a:ext>
             <a:ext uri="{AF507438-7753-43e0-B8FC-AC1667EBCBE1}">
-              <a14:hiddenEffects xmlns:a14="http://schemas.microsoft.com/office/drawing/2010/main" xmlns="">
+              <a14:hiddenEffects xmlns="" xmlns:a14="http://schemas.microsoft.com/office/drawing/2010/main">
                 <a:effectLst>
                   <a:outerShdw dist="35921" dir="2700000" algn="ctr" rotWithShape="0">
                     <a:schemeClr val="bg2"/>
@@ -16139,14 +16139,14 @@
           <a:effectLst/>
           <a:extLst>
             <a:ext uri="{909E8E84-426E-40dd-AFC4-6F175D3DCCD1}">
-              <a14:hiddenFill xmlns:a14="http://schemas.microsoft.com/office/drawing/2010/main" xmlns="">
+              <a14:hiddenFill xmlns="" xmlns:a14="http://schemas.microsoft.com/office/drawing/2010/main">
                 <a:solidFill>
                   <a:schemeClr val="accent1"/>
                 </a:solidFill>
               </a14:hiddenFill>
             </a:ext>
             <a:ext uri="{91240B29-F687-4f45-9708-019B960494DF}">
-              <a14:hiddenLine xmlns:a14="http://schemas.microsoft.com/office/drawing/2010/main" xmlns="" w="9525">
+              <a14:hiddenLine xmlns="" xmlns:a14="http://schemas.microsoft.com/office/drawing/2010/main" w="9525">
                 <a:solidFill>
                   <a:schemeClr val="tx1"/>
                 </a:solidFill>
@@ -16156,7 +16156,7 @@
               </a14:hiddenLine>
             </a:ext>
             <a:ext uri="{AF507438-7753-43e0-B8FC-AC1667EBCBE1}">
-              <a14:hiddenEffects xmlns:a14="http://schemas.microsoft.com/office/drawing/2010/main" xmlns="">
+              <a14:hiddenEffects xmlns="" xmlns:a14="http://schemas.microsoft.com/office/drawing/2010/main">
                 <a:effectLst>
                   <a:outerShdw dist="35921" dir="2700000" algn="ctr" rotWithShape="0">
                     <a:schemeClr val="bg2"/>
@@ -16347,14 +16347,14 @@
           <a:effectLst/>
           <a:extLst>
             <a:ext uri="{909E8E84-426E-40dd-AFC4-6F175D3DCCD1}">
-              <a14:hiddenFill xmlns:a14="http://schemas.microsoft.com/office/drawing/2010/main" xmlns="">
+              <a14:hiddenFill xmlns="" xmlns:a14="http://schemas.microsoft.com/office/drawing/2010/main">
                 <a:solidFill>
                   <a:schemeClr val="accent1"/>
                 </a:solidFill>
               </a14:hiddenFill>
             </a:ext>
             <a:ext uri="{91240B29-F687-4f45-9708-019B960494DF}">
-              <a14:hiddenLine xmlns:a14="http://schemas.microsoft.com/office/drawing/2010/main" xmlns="" w="9525">
+              <a14:hiddenLine xmlns="" xmlns:a14="http://schemas.microsoft.com/office/drawing/2010/main" w="9525">
                 <a:solidFill>
                   <a:schemeClr val="tx1"/>
                 </a:solidFill>
@@ -16364,7 +16364,7 @@
               </a14:hiddenLine>
             </a:ext>
             <a:ext uri="{AF507438-7753-43e0-B8FC-AC1667EBCBE1}">
-              <a14:hiddenEffects xmlns:a14="http://schemas.microsoft.com/office/drawing/2010/main" xmlns="">
+              <a14:hiddenEffects xmlns="" xmlns:a14="http://schemas.microsoft.com/office/drawing/2010/main">
                 <a:effectLst>
                   <a:outerShdw dist="35921" dir="2700000" algn="ctr" rotWithShape="0">
                     <a:schemeClr val="bg2"/>
@@ -16728,14 +16728,14 @@
           <a:effectLst/>
           <a:extLst>
             <a:ext uri="{909E8E84-426E-40dd-AFC4-6F175D3DCCD1}">
-              <a14:hiddenFill xmlns:a14="http://schemas.microsoft.com/office/drawing/2010/main" xmlns="">
+              <a14:hiddenFill xmlns="" xmlns:a14="http://schemas.microsoft.com/office/drawing/2010/main">
                 <a:solidFill>
                   <a:schemeClr val="accent1"/>
                 </a:solidFill>
               </a14:hiddenFill>
             </a:ext>
             <a:ext uri="{91240B29-F687-4f45-9708-019B960494DF}">
-              <a14:hiddenLine xmlns:a14="http://schemas.microsoft.com/office/drawing/2010/main" xmlns="" w="9525">
+              <a14:hiddenLine xmlns="" xmlns:a14="http://schemas.microsoft.com/office/drawing/2010/main" w="9525">
                 <a:solidFill>
                   <a:schemeClr val="tx1"/>
                 </a:solidFill>
@@ -16745,7 +16745,7 @@
               </a14:hiddenLine>
             </a:ext>
             <a:ext uri="{AF507438-7753-43e0-B8FC-AC1667EBCBE1}">
-              <a14:hiddenEffects xmlns:a14="http://schemas.microsoft.com/office/drawing/2010/main" xmlns="">
+              <a14:hiddenEffects xmlns="" xmlns:a14="http://schemas.microsoft.com/office/drawing/2010/main">
                 <a:effectLst>
                   <a:outerShdw dist="35921" dir="2700000" algn="ctr" rotWithShape="0">
                     <a:schemeClr val="bg2"/>
@@ -16936,14 +16936,14 @@
           <a:effectLst/>
           <a:extLst>
             <a:ext uri="{909E8E84-426E-40dd-AFC4-6F175D3DCCD1}">
-              <a14:hiddenFill xmlns:a14="http://schemas.microsoft.com/office/drawing/2010/main" xmlns="">
+              <a14:hiddenFill xmlns="" xmlns:a14="http://schemas.microsoft.com/office/drawing/2010/main">
                 <a:solidFill>
                   <a:schemeClr val="accent1"/>
                 </a:solidFill>
               </a14:hiddenFill>
             </a:ext>
             <a:ext uri="{91240B29-F687-4f45-9708-019B960494DF}">
-              <a14:hiddenLine xmlns:a14="http://schemas.microsoft.com/office/drawing/2010/main" xmlns="" w="9525">
+              <a14:hiddenLine xmlns="" xmlns:a14="http://schemas.microsoft.com/office/drawing/2010/main" w="9525">
                 <a:solidFill>
                   <a:schemeClr val="tx1"/>
                 </a:solidFill>
@@ -16953,7 +16953,7 @@
               </a14:hiddenLine>
             </a:ext>
             <a:ext uri="{AF507438-7753-43e0-B8FC-AC1667EBCBE1}">
-              <a14:hiddenEffects xmlns:a14="http://schemas.microsoft.com/office/drawing/2010/main" xmlns="">
+              <a14:hiddenEffects xmlns="" xmlns:a14="http://schemas.microsoft.com/office/drawing/2010/main">
                 <a:effectLst>
                   <a:outerShdw dist="35921" dir="2700000" algn="ctr" rotWithShape="0">
                     <a:schemeClr val="bg2"/>
@@ -17255,7 +17255,7 @@
           <a:effectLst/>
           <a:extLst>
             <a:ext uri="{AF507438-7753-43e0-B8FC-AC1667EBCBE1}">
-              <a14:hiddenEffects xmlns="" xmlns:a14="http://schemas.microsoft.com/office/drawing/2010/main">
+              <a14:hiddenEffects xmlns:a14="http://schemas.microsoft.com/office/drawing/2010/main" xmlns="">
                 <a:effectLst>
                   <a:outerShdw dist="35921" dir="2700000" algn="ctr" rotWithShape="0">
                     <a:schemeClr val="bg2"/>
@@ -17370,14 +17370,14 @@
           <a:effectLst/>
           <a:extLst>
             <a:ext uri="{909E8E84-426E-40dd-AFC4-6F175D3DCCD1}">
-              <a14:hiddenFill xmlns:a14="http://schemas.microsoft.com/office/drawing/2010/main" xmlns="">
+              <a14:hiddenFill xmlns="" xmlns:a14="http://schemas.microsoft.com/office/drawing/2010/main">
                 <a:solidFill>
                   <a:schemeClr val="accent1"/>
                 </a:solidFill>
               </a14:hiddenFill>
             </a:ext>
             <a:ext uri="{91240B29-F687-4f45-9708-019B960494DF}">
-              <a14:hiddenLine xmlns:a14="http://schemas.microsoft.com/office/drawing/2010/main" xmlns="" w="9525">
+              <a14:hiddenLine xmlns="" xmlns:a14="http://schemas.microsoft.com/office/drawing/2010/main" w="9525">
                 <a:solidFill>
                   <a:schemeClr val="tx1"/>
                 </a:solidFill>
@@ -17387,7 +17387,7 @@
               </a14:hiddenLine>
             </a:ext>
             <a:ext uri="{AF507438-7753-43e0-B8FC-AC1667EBCBE1}">
-              <a14:hiddenEffects xmlns:a14="http://schemas.microsoft.com/office/drawing/2010/main" xmlns="">
+              <a14:hiddenEffects xmlns="" xmlns:a14="http://schemas.microsoft.com/office/drawing/2010/main">
                 <a:effectLst>
                   <a:outerShdw dist="35921" dir="2700000" algn="ctr" rotWithShape="0">
                     <a:schemeClr val="bg2"/>
@@ -17751,7 +17751,7 @@
           <a:effectLst/>
           <a:extLst>
             <a:ext uri="{AF507438-7753-43e0-B8FC-AC1667EBCBE1}">
-              <a14:hiddenEffects xmlns="" xmlns:a14="http://schemas.microsoft.com/office/drawing/2010/main">
+              <a14:hiddenEffects xmlns:a14="http://schemas.microsoft.com/office/drawing/2010/main" xmlns="">
                 <a:effectLst>
                   <a:outerShdw dist="35921" dir="2700000" algn="ctr" rotWithShape="0">
                     <a:schemeClr val="bg2"/>
@@ -17885,14 +17885,14 @@
           <a:effectLst/>
           <a:extLst>
             <a:ext uri="{909E8E84-426E-40dd-AFC4-6F175D3DCCD1}">
-              <a14:hiddenFill xmlns:a14="http://schemas.microsoft.com/office/drawing/2010/main" xmlns="">
+              <a14:hiddenFill xmlns="" xmlns:a14="http://schemas.microsoft.com/office/drawing/2010/main">
                 <a:solidFill>
                   <a:schemeClr val="accent1"/>
                 </a:solidFill>
               </a14:hiddenFill>
             </a:ext>
             <a:ext uri="{91240B29-F687-4f45-9708-019B960494DF}">
-              <a14:hiddenLine xmlns:a14="http://schemas.microsoft.com/office/drawing/2010/main" xmlns="" w="9525">
+              <a14:hiddenLine xmlns="" xmlns:a14="http://schemas.microsoft.com/office/drawing/2010/main" w="9525">
                 <a:solidFill>
                   <a:schemeClr val="tx1"/>
                 </a:solidFill>
@@ -17902,7 +17902,7 @@
               </a14:hiddenLine>
             </a:ext>
             <a:ext uri="{AF507438-7753-43e0-B8FC-AC1667EBCBE1}">
-              <a14:hiddenEffects xmlns:a14="http://schemas.microsoft.com/office/drawing/2010/main" xmlns="">
+              <a14:hiddenEffects xmlns="" xmlns:a14="http://schemas.microsoft.com/office/drawing/2010/main">
                 <a:effectLst>
                   <a:outerShdw dist="35921" dir="2700000" algn="ctr" rotWithShape="0">
                     <a:schemeClr val="bg2"/>
@@ -18093,14 +18093,14 @@
           <a:effectLst/>
           <a:extLst>
             <a:ext uri="{909E8E84-426E-40dd-AFC4-6F175D3DCCD1}">
-              <a14:hiddenFill xmlns:a14="http://schemas.microsoft.com/office/drawing/2010/main" xmlns="">
+              <a14:hiddenFill xmlns="" xmlns:a14="http://schemas.microsoft.com/office/drawing/2010/main">
                 <a:solidFill>
                   <a:schemeClr val="accent1"/>
                 </a:solidFill>
               </a14:hiddenFill>
             </a:ext>
             <a:ext uri="{91240B29-F687-4f45-9708-019B960494DF}">
-              <a14:hiddenLine xmlns:a14="http://schemas.microsoft.com/office/drawing/2010/main" xmlns="" w="9525">
+              <a14:hiddenLine xmlns="" xmlns:a14="http://schemas.microsoft.com/office/drawing/2010/main" w="9525">
                 <a:solidFill>
                   <a:schemeClr val="tx1"/>
                 </a:solidFill>
@@ -18110,7 +18110,7 @@
               </a14:hiddenLine>
             </a:ext>
             <a:ext uri="{AF507438-7753-43e0-B8FC-AC1667EBCBE1}">
-              <a14:hiddenEffects xmlns:a14="http://schemas.microsoft.com/office/drawing/2010/main" xmlns="">
+              <a14:hiddenEffects xmlns="" xmlns:a14="http://schemas.microsoft.com/office/drawing/2010/main">
                 <a:effectLst>
                   <a:outerShdw dist="35921" dir="2700000" algn="ctr" rotWithShape="0">
                     <a:schemeClr val="bg2"/>
@@ -18412,7 +18412,7 @@
           <a:effectLst/>
           <a:extLst>
             <a:ext uri="{AF507438-7753-43e0-B8FC-AC1667EBCBE1}">
-              <a14:hiddenEffects xmlns="" xmlns:a14="http://schemas.microsoft.com/office/drawing/2010/main">
+              <a14:hiddenEffects xmlns:a14="http://schemas.microsoft.com/office/drawing/2010/main" xmlns="">
                 <a:effectLst>
                   <a:outerShdw dist="35921" dir="2700000" algn="ctr" rotWithShape="0">
                     <a:schemeClr val="bg2"/>
@@ -18527,14 +18527,14 @@
           <a:effectLst/>
           <a:extLst>
             <a:ext uri="{909E8E84-426E-40dd-AFC4-6F175D3DCCD1}">
-              <a14:hiddenFill xmlns:a14="http://schemas.microsoft.com/office/drawing/2010/main" xmlns="">
+              <a14:hiddenFill xmlns="" xmlns:a14="http://schemas.microsoft.com/office/drawing/2010/main">
                 <a:solidFill>
                   <a:schemeClr val="accent1"/>
                 </a:solidFill>
               </a14:hiddenFill>
             </a:ext>
             <a:ext uri="{91240B29-F687-4f45-9708-019B960494DF}">
-              <a14:hiddenLine xmlns:a14="http://schemas.microsoft.com/office/drawing/2010/main" xmlns="" w="9525">
+              <a14:hiddenLine xmlns="" xmlns:a14="http://schemas.microsoft.com/office/drawing/2010/main" w="9525">
                 <a:solidFill>
                   <a:schemeClr val="tx1"/>
                 </a:solidFill>
@@ -18544,7 +18544,7 @@
               </a14:hiddenLine>
             </a:ext>
             <a:ext uri="{AF507438-7753-43e0-B8FC-AC1667EBCBE1}">
-              <a14:hiddenEffects xmlns:a14="http://schemas.microsoft.com/office/drawing/2010/main" xmlns="">
+              <a14:hiddenEffects xmlns="" xmlns:a14="http://schemas.microsoft.com/office/drawing/2010/main">
                 <a:effectLst>
                   <a:outerShdw dist="35921" dir="2700000" algn="ctr" rotWithShape="0">
                     <a:schemeClr val="bg2"/>
@@ -18929,7 +18929,7 @@
           <a:effectLst/>
           <a:extLst>
             <a:ext uri="{AF507438-7753-43e0-B8FC-AC1667EBCBE1}">
-              <a14:hiddenEffects xmlns="" xmlns:a14="http://schemas.microsoft.com/office/drawing/2010/main">
+              <a14:hiddenEffects xmlns:a14="http://schemas.microsoft.com/office/drawing/2010/main" xmlns="">
                 <a:effectLst>
                   <a:outerShdw dist="35921" dir="2700000" algn="ctr" rotWithShape="0">
                     <a:schemeClr val="bg2"/>
@@ -19009,7 +19009,7 @@
           <a:effectLst/>
           <a:extLst>
             <a:ext uri="{AF507438-7753-43e0-B8FC-AC1667EBCBE1}">
-              <a14:hiddenEffects xmlns="" xmlns:a14="http://schemas.microsoft.com/office/drawing/2010/main">
+              <a14:hiddenEffects xmlns:a14="http://schemas.microsoft.com/office/drawing/2010/main" xmlns="">
                 <a:effectLst>
                   <a:outerShdw dist="35921" dir="2700000" algn="ctr" rotWithShape="0">
                     <a:schemeClr val="bg2"/>
@@ -19166,14 +19166,14 @@
           <a:effectLst/>
           <a:extLst>
             <a:ext uri="{909E8E84-426E-40dd-AFC4-6F175D3DCCD1}">
-              <a14:hiddenFill xmlns:a14="http://schemas.microsoft.com/office/drawing/2010/main" xmlns="">
+              <a14:hiddenFill xmlns="" xmlns:a14="http://schemas.microsoft.com/office/drawing/2010/main">
                 <a:solidFill>
                   <a:schemeClr val="accent1"/>
                 </a:solidFill>
               </a14:hiddenFill>
             </a:ext>
             <a:ext uri="{91240B29-F687-4f45-9708-019B960494DF}">
-              <a14:hiddenLine xmlns:a14="http://schemas.microsoft.com/office/drawing/2010/main" xmlns="" w="9525">
+              <a14:hiddenLine xmlns="" xmlns:a14="http://schemas.microsoft.com/office/drawing/2010/main" w="9525">
                 <a:solidFill>
                   <a:schemeClr val="tx1"/>
                 </a:solidFill>
@@ -19183,7 +19183,7 @@
               </a14:hiddenLine>
             </a:ext>
             <a:ext uri="{AF507438-7753-43e0-B8FC-AC1667EBCBE1}">
-              <a14:hiddenEffects xmlns:a14="http://schemas.microsoft.com/office/drawing/2010/main" xmlns="">
+              <a14:hiddenEffects xmlns="" xmlns:a14="http://schemas.microsoft.com/office/drawing/2010/main">
                 <a:effectLst>
                   <a:outerShdw dist="35921" dir="2700000" algn="ctr" rotWithShape="0">
                     <a:schemeClr val="bg2"/>
@@ -19532,14 +19532,14 @@
           <a:effectLst/>
           <a:extLst>
             <a:ext uri="{909E8E84-426E-40dd-AFC4-6F175D3DCCD1}">
-              <a14:hiddenFill xmlns:a14="http://schemas.microsoft.com/office/drawing/2010/main" xmlns="">
+              <a14:hiddenFill xmlns="" xmlns:a14="http://schemas.microsoft.com/office/drawing/2010/main">
                 <a:solidFill>
                   <a:schemeClr val="accent1"/>
                 </a:solidFill>
               </a14:hiddenFill>
             </a:ext>
             <a:ext uri="{91240B29-F687-4f45-9708-019B960494DF}">
-              <a14:hiddenLine xmlns:a14="http://schemas.microsoft.com/office/drawing/2010/main" xmlns="" w="9525">
+              <a14:hiddenLine xmlns="" xmlns:a14="http://schemas.microsoft.com/office/drawing/2010/main" w="9525">
                 <a:solidFill>
                   <a:schemeClr val="tx1"/>
                 </a:solidFill>
@@ -19549,7 +19549,7 @@
               </a14:hiddenLine>
             </a:ext>
             <a:ext uri="{AF507438-7753-43e0-B8FC-AC1667EBCBE1}">
-              <a14:hiddenEffects xmlns:a14="http://schemas.microsoft.com/office/drawing/2010/main" xmlns="">
+              <a14:hiddenEffects xmlns="" xmlns:a14="http://schemas.microsoft.com/office/drawing/2010/main">
                 <a:effectLst>
                   <a:outerShdw dist="35921" dir="2700000" algn="ctr" rotWithShape="0">
                     <a:schemeClr val="bg2"/>
@@ -19740,14 +19740,14 @@
           <a:effectLst/>
           <a:extLst>
             <a:ext uri="{909E8E84-426E-40dd-AFC4-6F175D3DCCD1}">
-              <a14:hiddenFill xmlns:a14="http://schemas.microsoft.com/office/drawing/2010/main" xmlns="">
+              <a14:hiddenFill xmlns="" xmlns:a14="http://schemas.microsoft.com/office/drawing/2010/main">
                 <a:solidFill>
                   <a:schemeClr val="accent1"/>
                 </a:solidFill>
               </a14:hiddenFill>
             </a:ext>
             <a:ext uri="{91240B29-F687-4f45-9708-019B960494DF}">
-              <a14:hiddenLine xmlns:a14="http://schemas.microsoft.com/office/drawing/2010/main" xmlns="" w="9525">
+              <a14:hiddenLine xmlns="" xmlns:a14="http://schemas.microsoft.com/office/drawing/2010/main" w="9525">
                 <a:solidFill>
                   <a:schemeClr val="tx1"/>
                 </a:solidFill>
@@ -19757,7 +19757,7 @@
               </a14:hiddenLine>
             </a:ext>
             <a:ext uri="{AF507438-7753-43e0-B8FC-AC1667EBCBE1}">
-              <a14:hiddenEffects xmlns:a14="http://schemas.microsoft.com/office/drawing/2010/main" xmlns="">
+              <a14:hiddenEffects xmlns="" xmlns:a14="http://schemas.microsoft.com/office/drawing/2010/main">
                 <a:effectLst>
                   <a:outerShdw dist="35921" dir="2700000" algn="ctr" rotWithShape="0">
                     <a:schemeClr val="bg2"/>
@@ -20059,7 +20059,7 @@
           <a:effectLst/>
           <a:extLst>
             <a:ext uri="{AF507438-7753-43e0-B8FC-AC1667EBCBE1}">
-              <a14:hiddenEffects xmlns="" xmlns:a14="http://schemas.microsoft.com/office/drawing/2010/main">
+              <a14:hiddenEffects xmlns:a14="http://schemas.microsoft.com/office/drawing/2010/main" xmlns="">
                 <a:effectLst>
                   <a:outerShdw dist="35921" dir="2700000" algn="ctr" rotWithShape="0">
                     <a:schemeClr val="bg2"/>
@@ -20174,14 +20174,14 @@
           <a:effectLst/>
           <a:extLst>
             <a:ext uri="{909E8E84-426E-40dd-AFC4-6F175D3DCCD1}">
-              <a14:hiddenFill xmlns:a14="http://schemas.microsoft.com/office/drawing/2010/main" xmlns="">
+              <a14:hiddenFill xmlns="" xmlns:a14="http://schemas.microsoft.com/office/drawing/2010/main">
                 <a:solidFill>
                   <a:schemeClr val="accent1"/>
                 </a:solidFill>
               </a14:hiddenFill>
             </a:ext>
             <a:ext uri="{91240B29-F687-4f45-9708-019B960494DF}">
-              <a14:hiddenLine xmlns:a14="http://schemas.microsoft.com/office/drawing/2010/main" xmlns="" w="9525">
+              <a14:hiddenLine xmlns="" xmlns:a14="http://schemas.microsoft.com/office/drawing/2010/main" w="9525">
                 <a:solidFill>
                   <a:schemeClr val="tx1"/>
                 </a:solidFill>
@@ -20191,7 +20191,7 @@
               </a14:hiddenLine>
             </a:ext>
             <a:ext uri="{AF507438-7753-43e0-B8FC-AC1667EBCBE1}">
-              <a14:hiddenEffects xmlns:a14="http://schemas.microsoft.com/office/drawing/2010/main" xmlns="">
+              <a14:hiddenEffects xmlns="" xmlns:a14="http://schemas.microsoft.com/office/drawing/2010/main">
                 <a:effectLst>
                   <a:outerShdw dist="35921" dir="2700000" algn="ctr" rotWithShape="0">
                     <a:schemeClr val="bg2"/>
@@ -20576,7 +20576,7 @@
           <a:effectLst/>
           <a:extLst>
             <a:ext uri="{AF507438-7753-43e0-B8FC-AC1667EBCBE1}">
-              <a14:hiddenEffects xmlns="" xmlns:a14="http://schemas.microsoft.com/office/drawing/2010/main">
+              <a14:hiddenEffects xmlns:a14="http://schemas.microsoft.com/office/drawing/2010/main" xmlns="">
                 <a:effectLst>
                   <a:outerShdw dist="35921" dir="2700000" algn="ctr" rotWithShape="0">
                     <a:schemeClr val="bg2"/>
@@ -20656,7 +20656,7 @@
           <a:effectLst/>
           <a:extLst>
             <a:ext uri="{AF507438-7753-43e0-B8FC-AC1667EBCBE1}">
-              <a14:hiddenEffects xmlns="" xmlns:a14="http://schemas.microsoft.com/office/drawing/2010/main">
+              <a14:hiddenEffects xmlns:a14="http://schemas.microsoft.com/office/drawing/2010/main" xmlns="">
                 <a:effectLst>
                   <a:outerShdw dist="35921" dir="2700000" algn="ctr" rotWithShape="0">
                     <a:schemeClr val="bg2"/>
@@ -20732,14 +20732,14 @@
           <a:effectLst/>
           <a:extLst>
             <a:ext uri="{909E8E84-426E-40dd-AFC4-6F175D3DCCD1}">
-              <a14:hiddenFill xmlns:a14="http://schemas.microsoft.com/office/drawing/2010/main" xmlns="">
+              <a14:hiddenFill xmlns="" xmlns:a14="http://schemas.microsoft.com/office/drawing/2010/main">
                 <a:solidFill>
                   <a:schemeClr val="accent1"/>
                 </a:solidFill>
               </a14:hiddenFill>
             </a:ext>
             <a:ext uri="{91240B29-F687-4f45-9708-019B960494DF}">
-              <a14:hiddenLine xmlns:a14="http://schemas.microsoft.com/office/drawing/2010/main" xmlns="" w="9525">
+              <a14:hiddenLine xmlns="" xmlns:a14="http://schemas.microsoft.com/office/drawing/2010/main" w="9525">
                 <a:solidFill>
                   <a:schemeClr val="tx1"/>
                 </a:solidFill>
@@ -20749,7 +20749,7 @@
               </a14:hiddenLine>
             </a:ext>
             <a:ext uri="{AF507438-7753-43e0-B8FC-AC1667EBCBE1}">
-              <a14:hiddenEffects xmlns:a14="http://schemas.microsoft.com/office/drawing/2010/main" xmlns="">
+              <a14:hiddenEffects xmlns="" xmlns:a14="http://schemas.microsoft.com/office/drawing/2010/main">
                 <a:effectLst>
                   <a:outerShdw dist="35921" dir="2700000" algn="ctr" rotWithShape="0">
                     <a:schemeClr val="bg2"/>
@@ -20983,7 +20983,7 @@
           <a:effectLst/>
           <a:extLst>
             <a:ext uri="{AF507438-7753-43e0-B8FC-AC1667EBCBE1}">
-              <a14:hiddenEffects xmlns="" xmlns:a14="http://schemas.microsoft.com/office/drawing/2010/main">
+              <a14:hiddenEffects xmlns:a14="http://schemas.microsoft.com/office/drawing/2010/main" xmlns="">
                 <a:effectLst>
                   <a:outerShdw dist="35921" dir="2700000" algn="ctr" rotWithShape="0">
                     <a:schemeClr val="bg2"/>
@@ -21156,14 +21156,14 @@
           <a:effectLst/>
           <a:extLst>
             <a:ext uri="{909E8E84-426E-40dd-AFC4-6F175D3DCCD1}">
-              <a14:hiddenFill xmlns:a14="http://schemas.microsoft.com/office/drawing/2010/main" xmlns="">
+              <a14:hiddenFill xmlns="" xmlns:a14="http://schemas.microsoft.com/office/drawing/2010/main">
                 <a:solidFill>
                   <a:schemeClr val="accent1"/>
                 </a:solidFill>
               </a14:hiddenFill>
             </a:ext>
             <a:ext uri="{91240B29-F687-4f45-9708-019B960494DF}">
-              <a14:hiddenLine xmlns:a14="http://schemas.microsoft.com/office/drawing/2010/main" xmlns="" w="9525">
+              <a14:hiddenLine xmlns="" xmlns:a14="http://schemas.microsoft.com/office/drawing/2010/main" w="9525">
                 <a:solidFill>
                   <a:schemeClr val="tx1"/>
                 </a:solidFill>
@@ -21173,7 +21173,7 @@
               </a14:hiddenLine>
             </a:ext>
             <a:ext uri="{AF507438-7753-43e0-B8FC-AC1667EBCBE1}">
-              <a14:hiddenEffects xmlns:a14="http://schemas.microsoft.com/office/drawing/2010/main" xmlns="">
+              <a14:hiddenEffects xmlns="" xmlns:a14="http://schemas.microsoft.com/office/drawing/2010/main">
                 <a:effectLst>
                   <a:outerShdw dist="35921" dir="2700000" algn="ctr" rotWithShape="0">
                     <a:schemeClr val="bg2"/>
@@ -21364,14 +21364,14 @@
           <a:effectLst/>
           <a:extLst>
             <a:ext uri="{909E8E84-426E-40dd-AFC4-6F175D3DCCD1}">
-              <a14:hiddenFill xmlns:a14="http://schemas.microsoft.com/office/drawing/2010/main" xmlns="">
+              <a14:hiddenFill xmlns="" xmlns:a14="http://schemas.microsoft.com/office/drawing/2010/main">
                 <a:solidFill>
                   <a:schemeClr val="accent1"/>
                 </a:solidFill>
               </a14:hiddenFill>
             </a:ext>
             <a:ext uri="{91240B29-F687-4f45-9708-019B960494DF}">
-              <a14:hiddenLine xmlns:a14="http://schemas.microsoft.com/office/drawing/2010/main" xmlns="" w="9525">
+              <a14:hiddenLine xmlns="" xmlns:a14="http://schemas.microsoft.com/office/drawing/2010/main" w="9525">
                 <a:solidFill>
                   <a:schemeClr val="tx1"/>
                 </a:solidFill>
@@ -21381,7 +21381,7 @@
               </a14:hiddenLine>
             </a:ext>
             <a:ext uri="{AF507438-7753-43e0-B8FC-AC1667EBCBE1}">
-              <a14:hiddenEffects xmlns:a14="http://schemas.microsoft.com/office/drawing/2010/main" xmlns="">
+              <a14:hiddenEffects xmlns="" xmlns:a14="http://schemas.microsoft.com/office/drawing/2010/main">
                 <a:effectLst>
                   <a:outerShdw dist="35921" dir="2700000" algn="ctr" rotWithShape="0">
                     <a:schemeClr val="bg2"/>
@@ -21754,14 +21754,14 @@
           <a:effectLst/>
           <a:extLst>
             <a:ext uri="{909E8E84-426E-40dd-AFC4-6F175D3DCCD1}">
-              <a14:hiddenFill xmlns:a14="http://schemas.microsoft.com/office/drawing/2010/main" xmlns="">
+              <a14:hiddenFill xmlns="" xmlns:a14="http://schemas.microsoft.com/office/drawing/2010/main">
                 <a:solidFill>
                   <a:schemeClr val="accent1"/>
                 </a:solidFill>
               </a14:hiddenFill>
             </a:ext>
             <a:ext uri="{91240B29-F687-4f45-9708-019B960494DF}">
-              <a14:hiddenLine xmlns:a14="http://schemas.microsoft.com/office/drawing/2010/main" xmlns="" w="9525">
+              <a14:hiddenLine xmlns="" xmlns:a14="http://schemas.microsoft.com/office/drawing/2010/main" w="9525">
                 <a:solidFill>
                   <a:schemeClr val="tx1"/>
                 </a:solidFill>
@@ -21771,7 +21771,7 @@
               </a14:hiddenLine>
             </a:ext>
             <a:ext uri="{AF507438-7753-43e0-B8FC-AC1667EBCBE1}">
-              <a14:hiddenEffects xmlns:a14="http://schemas.microsoft.com/office/drawing/2010/main" xmlns="">
+              <a14:hiddenEffects xmlns="" xmlns:a14="http://schemas.microsoft.com/office/drawing/2010/main">
                 <a:effectLst>
                   <a:outerShdw dist="35921" dir="2700000" algn="ctr" rotWithShape="0">
                     <a:schemeClr val="bg2"/>
@@ -22224,14 +22224,14 @@
           <a:effectLst/>
           <a:extLst>
             <a:ext uri="{909E8E84-426E-40dd-AFC4-6F175D3DCCD1}">
-              <a14:hiddenFill xmlns:a14="http://schemas.microsoft.com/office/drawing/2010/main" xmlns="">
+              <a14:hiddenFill xmlns="" xmlns:a14="http://schemas.microsoft.com/office/drawing/2010/main">
                 <a:solidFill>
                   <a:schemeClr val="accent1"/>
                 </a:solidFill>
               </a14:hiddenFill>
             </a:ext>
             <a:ext uri="{91240B29-F687-4f45-9708-019B960494DF}">
-              <a14:hiddenLine xmlns:a14="http://schemas.microsoft.com/office/drawing/2010/main" xmlns="" w="9525">
+              <a14:hiddenLine xmlns="" xmlns:a14="http://schemas.microsoft.com/office/drawing/2010/main" w="9525">
                 <a:solidFill>
                   <a:schemeClr val="tx1"/>
                 </a:solidFill>
@@ -22241,7 +22241,7 @@
               </a14:hiddenLine>
             </a:ext>
             <a:ext uri="{AF507438-7753-43e0-B8FC-AC1667EBCBE1}">
-              <a14:hiddenEffects xmlns:a14="http://schemas.microsoft.com/office/drawing/2010/main" xmlns="">
+              <a14:hiddenEffects xmlns="" xmlns:a14="http://schemas.microsoft.com/office/drawing/2010/main">
                 <a:effectLst>
                   <a:outerShdw dist="35921" dir="2700000" algn="ctr" rotWithShape="0">
                     <a:schemeClr val="bg2"/>
@@ -23236,14 +23236,14 @@
           <a:effectLst/>
           <a:extLst>
             <a:ext uri="{909E8E84-426E-40dd-AFC4-6F175D3DCCD1}">
-              <a14:hiddenFill xmlns:a14="http://schemas.microsoft.com/office/drawing/2010/main" xmlns="">
+              <a14:hiddenFill xmlns="" xmlns:a14="http://schemas.microsoft.com/office/drawing/2010/main">
                 <a:solidFill>
                   <a:schemeClr val="accent1"/>
                 </a:solidFill>
               </a14:hiddenFill>
             </a:ext>
             <a:ext uri="{91240B29-F687-4f45-9708-019B960494DF}">
-              <a14:hiddenLine xmlns:a14="http://schemas.microsoft.com/office/drawing/2010/main" xmlns="" w="9525">
+              <a14:hiddenLine xmlns="" xmlns:a14="http://schemas.microsoft.com/office/drawing/2010/main" w="9525">
                 <a:solidFill>
                   <a:schemeClr val="tx1"/>
                 </a:solidFill>
@@ -23253,7 +23253,7 @@
               </a14:hiddenLine>
             </a:ext>
             <a:ext uri="{AF507438-7753-43e0-B8FC-AC1667EBCBE1}">
-              <a14:hiddenEffects xmlns:a14="http://schemas.microsoft.com/office/drawing/2010/main" xmlns="">
+              <a14:hiddenEffects xmlns="" xmlns:a14="http://schemas.microsoft.com/office/drawing/2010/main">
                 <a:effectLst>
                   <a:outerShdw dist="35921" dir="2700000" algn="ctr" rotWithShape="0">
                     <a:schemeClr val="bg2"/>
@@ -23444,14 +23444,14 @@
           <a:effectLst/>
           <a:extLst>
             <a:ext uri="{909E8E84-426E-40dd-AFC4-6F175D3DCCD1}">
-              <a14:hiddenFill xmlns:mc="http://schemas.openxmlformats.org/markup-compatibility/2006" xmlns:a14="http://schemas.microsoft.com/office/drawing/2010/main" xmlns="">
+              <a14:hiddenFill xmlns="" xmlns:a14="http://schemas.microsoft.com/office/drawing/2010/main" xmlns:mc="http://schemas.openxmlformats.org/markup-compatibility/2006">
                 <a:solidFill>
                   <a:schemeClr val="accent1"/>
                 </a:solidFill>
               </a14:hiddenFill>
             </a:ext>
             <a:ext uri="{91240B29-F687-4f45-9708-019B960494DF}">
-              <a14:hiddenLine xmlns:mc="http://schemas.openxmlformats.org/markup-compatibility/2006" xmlns:a14="http://schemas.microsoft.com/office/drawing/2010/main" xmlns="" w="9525">
+              <a14:hiddenLine xmlns="" xmlns:a14="http://schemas.microsoft.com/office/drawing/2010/main" xmlns:mc="http://schemas.openxmlformats.org/markup-compatibility/2006" w="9525">
                 <a:solidFill>
                   <a:schemeClr val="tx1"/>
                 </a:solidFill>
@@ -23461,7 +23461,7 @@
               </a14:hiddenLine>
             </a:ext>
             <a:ext uri="{AF507438-7753-43e0-B8FC-AC1667EBCBE1}">
-              <a14:hiddenEffects xmlns:mc="http://schemas.openxmlformats.org/markup-compatibility/2006" xmlns:a14="http://schemas.microsoft.com/office/drawing/2010/main" xmlns="">
+              <a14:hiddenEffects xmlns="" xmlns:a14="http://schemas.microsoft.com/office/drawing/2010/main" xmlns:mc="http://schemas.openxmlformats.org/markup-compatibility/2006">
                 <a:effectLst>
                   <a:outerShdw dist="35921" dir="2700000" algn="ctr" rotWithShape="0">
                     <a:schemeClr val="bg2"/>
@@ -26213,14 +26213,14 @@
           <a:effectLst/>
           <a:extLst>
             <a:ext uri="{909E8E84-426E-40dd-AFC4-6F175D3DCCD1}">
-              <a14:hiddenFill xmlns:mc="http://schemas.openxmlformats.org/markup-compatibility/2006" xmlns:a14="http://schemas.microsoft.com/office/drawing/2010/main" xmlns="">
+              <a14:hiddenFill xmlns="" xmlns:a14="http://schemas.microsoft.com/office/drawing/2010/main" xmlns:mc="http://schemas.openxmlformats.org/markup-compatibility/2006">
                 <a:solidFill>
                   <a:schemeClr val="accent1"/>
                 </a:solidFill>
               </a14:hiddenFill>
             </a:ext>
             <a:ext uri="{91240B29-F687-4f45-9708-019B960494DF}">
-              <a14:hiddenLine xmlns:mc="http://schemas.openxmlformats.org/markup-compatibility/2006" xmlns:a14="http://schemas.microsoft.com/office/drawing/2010/main" xmlns="" w="9525">
+              <a14:hiddenLine xmlns="" xmlns:a14="http://schemas.microsoft.com/office/drawing/2010/main" xmlns:mc="http://schemas.openxmlformats.org/markup-compatibility/2006" w="9525">
                 <a:solidFill>
                   <a:schemeClr val="tx1"/>
                 </a:solidFill>
@@ -26230,7 +26230,7 @@
               </a14:hiddenLine>
             </a:ext>
             <a:ext uri="{AF507438-7753-43e0-B8FC-AC1667EBCBE1}">
-              <a14:hiddenEffects xmlns:mc="http://schemas.openxmlformats.org/markup-compatibility/2006" xmlns:a14="http://schemas.microsoft.com/office/drawing/2010/main" xmlns="">
+              <a14:hiddenEffects xmlns="" xmlns:a14="http://schemas.microsoft.com/office/drawing/2010/main" xmlns:mc="http://schemas.openxmlformats.org/markup-compatibility/2006">
                 <a:effectLst>
                   <a:outerShdw dist="35921" dir="2700000" algn="ctr" rotWithShape="0">
                     <a:schemeClr val="bg2"/>
@@ -26528,14 +26528,14 @@
           <a:effectLst/>
           <a:extLst>
             <a:ext uri="{909E8E84-426E-40dd-AFC4-6F175D3DCCD1}">
-              <a14:hiddenFill xmlns:a14="http://schemas.microsoft.com/office/drawing/2010/main" xmlns="">
+              <a14:hiddenFill xmlns="" xmlns:a14="http://schemas.microsoft.com/office/drawing/2010/main">
                 <a:solidFill>
                   <a:schemeClr val="accent1"/>
                 </a:solidFill>
               </a14:hiddenFill>
             </a:ext>
             <a:ext uri="{91240B29-F687-4f45-9708-019B960494DF}">
-              <a14:hiddenLine xmlns:a14="http://schemas.microsoft.com/office/drawing/2010/main" xmlns="" w="9525">
+              <a14:hiddenLine xmlns="" xmlns:a14="http://schemas.microsoft.com/office/drawing/2010/main" w="9525">
                 <a:solidFill>
                   <a:schemeClr val="tx1"/>
                 </a:solidFill>
@@ -26545,7 +26545,7 @@
               </a14:hiddenLine>
             </a:ext>
             <a:ext uri="{AF507438-7753-43e0-B8FC-AC1667EBCBE1}">
-              <a14:hiddenEffects xmlns:a14="http://schemas.microsoft.com/office/drawing/2010/main" xmlns="">
+              <a14:hiddenEffects xmlns="" xmlns:a14="http://schemas.microsoft.com/office/drawing/2010/main">
                 <a:effectLst>
                   <a:outerShdw dist="35921" dir="2700000" algn="ctr" rotWithShape="0">
                     <a:schemeClr val="bg2"/>
@@ -26736,14 +26736,14 @@
           <a:effectLst/>
           <a:extLst>
             <a:ext uri="{909E8E84-426E-40dd-AFC4-6F175D3DCCD1}">
-              <a14:hiddenFill xmlns:mc="http://schemas.openxmlformats.org/markup-compatibility/2006" xmlns:a14="http://schemas.microsoft.com/office/drawing/2010/main" xmlns="">
+              <a14:hiddenFill xmlns="" xmlns:a14="http://schemas.microsoft.com/office/drawing/2010/main" xmlns:mc="http://schemas.openxmlformats.org/markup-compatibility/2006">
                 <a:solidFill>
                   <a:schemeClr val="accent1"/>
                 </a:solidFill>
               </a14:hiddenFill>
             </a:ext>
             <a:ext uri="{91240B29-F687-4f45-9708-019B960494DF}">
-              <a14:hiddenLine xmlns:mc="http://schemas.openxmlformats.org/markup-compatibility/2006" xmlns:a14="http://schemas.microsoft.com/office/drawing/2010/main" xmlns="" w="9525">
+              <a14:hiddenLine xmlns="" xmlns:a14="http://schemas.microsoft.com/office/drawing/2010/main" xmlns:mc="http://schemas.openxmlformats.org/markup-compatibility/2006" w="9525">
                 <a:solidFill>
                   <a:schemeClr val="tx1"/>
                 </a:solidFill>
@@ -26753,7 +26753,7 @@
               </a14:hiddenLine>
             </a:ext>
             <a:ext uri="{AF507438-7753-43e0-B8FC-AC1667EBCBE1}">
-              <a14:hiddenEffects xmlns:mc="http://schemas.openxmlformats.org/markup-compatibility/2006" xmlns:a14="http://schemas.microsoft.com/office/drawing/2010/main" xmlns="">
+              <a14:hiddenEffects xmlns="" xmlns:a14="http://schemas.microsoft.com/office/drawing/2010/main" xmlns:mc="http://schemas.openxmlformats.org/markup-compatibility/2006">
                 <a:effectLst>
                   <a:outerShdw dist="35921" dir="2700000" algn="ctr" rotWithShape="0">
                     <a:schemeClr val="bg2"/>
@@ -27087,14 +27087,14 @@
           <a:effectLst/>
           <a:extLst>
             <a:ext uri="{909E8E84-426E-40dd-AFC4-6F175D3DCCD1}">
-              <a14:hiddenFill xmlns:a14="http://schemas.microsoft.com/office/drawing/2010/main" xmlns="">
+              <a14:hiddenFill xmlns="" xmlns:a14="http://schemas.microsoft.com/office/drawing/2010/main">
                 <a:solidFill>
                   <a:schemeClr val="accent1"/>
                 </a:solidFill>
               </a14:hiddenFill>
             </a:ext>
             <a:ext uri="{91240B29-F687-4f45-9708-019B960494DF}">
-              <a14:hiddenLine xmlns:a14="http://schemas.microsoft.com/office/drawing/2010/main" xmlns="" w="9525">
+              <a14:hiddenLine xmlns="" xmlns:a14="http://schemas.microsoft.com/office/drawing/2010/main" w="9525">
                 <a:solidFill>
                   <a:schemeClr val="tx1"/>
                 </a:solidFill>
@@ -27104,7 +27104,7 @@
               </a14:hiddenLine>
             </a:ext>
             <a:ext uri="{AF507438-7753-43e0-B8FC-AC1667EBCBE1}">
-              <a14:hiddenEffects xmlns:a14="http://schemas.microsoft.com/office/drawing/2010/main" xmlns="">
+              <a14:hiddenEffects xmlns="" xmlns:a14="http://schemas.microsoft.com/office/drawing/2010/main">
                 <a:effectLst>
                   <a:outerShdw dist="35921" dir="2700000" algn="ctr" rotWithShape="0">
                     <a:schemeClr val="bg2"/>
@@ -27775,14 +27775,14 @@
           <a:effectLst/>
           <a:extLst>
             <a:ext uri="{909E8E84-426E-40dd-AFC4-6F175D3DCCD1}">
-              <a14:hiddenFill xmlns:a14="http://schemas.microsoft.com/office/drawing/2010/main" xmlns="">
+              <a14:hiddenFill xmlns="" xmlns:a14="http://schemas.microsoft.com/office/drawing/2010/main">
                 <a:solidFill>
                   <a:schemeClr val="accent1"/>
                 </a:solidFill>
               </a14:hiddenFill>
             </a:ext>
             <a:ext uri="{91240B29-F687-4f45-9708-019B960494DF}">
-              <a14:hiddenLine xmlns:a14="http://schemas.microsoft.com/office/drawing/2010/main" xmlns="" w="9525">
+              <a14:hiddenLine xmlns="" xmlns:a14="http://schemas.microsoft.com/office/drawing/2010/main" w="9525">
                 <a:solidFill>
                   <a:schemeClr val="tx1"/>
                 </a:solidFill>
@@ -27792,7 +27792,7 @@
               </a14:hiddenLine>
             </a:ext>
             <a:ext uri="{AF507438-7753-43e0-B8FC-AC1667EBCBE1}">
-              <a14:hiddenEffects xmlns:a14="http://schemas.microsoft.com/office/drawing/2010/main" xmlns="">
+              <a14:hiddenEffects xmlns="" xmlns:a14="http://schemas.microsoft.com/office/drawing/2010/main">
                 <a:effectLst>
                   <a:outerShdw dist="35921" dir="2700000" algn="ctr" rotWithShape="0">
                     <a:schemeClr val="bg2"/>
@@ -28560,14 +28560,14 @@
           <a:effectLst/>
           <a:extLst>
             <a:ext uri="{909E8E84-426E-40dd-AFC4-6F175D3DCCD1}">
-              <a14:hiddenFill xmlns:a14="http://schemas.microsoft.com/office/drawing/2010/main" xmlns="">
+              <a14:hiddenFill xmlns="" xmlns:a14="http://schemas.microsoft.com/office/drawing/2010/main">
                 <a:solidFill>
                   <a:schemeClr val="accent1"/>
                 </a:solidFill>
               </a14:hiddenFill>
             </a:ext>
             <a:ext uri="{91240B29-F687-4f45-9708-019B960494DF}">
-              <a14:hiddenLine xmlns:a14="http://schemas.microsoft.com/office/drawing/2010/main" xmlns="" w="9525">
+              <a14:hiddenLine xmlns="" xmlns:a14="http://schemas.microsoft.com/office/drawing/2010/main" w="9525">
                 <a:solidFill>
                   <a:schemeClr val="tx1"/>
                 </a:solidFill>
@@ -28577,7 +28577,7 @@
               </a14:hiddenLine>
             </a:ext>
             <a:ext uri="{AF507438-7753-43e0-B8FC-AC1667EBCBE1}">
-              <a14:hiddenEffects xmlns:a14="http://schemas.microsoft.com/office/drawing/2010/main" xmlns="">
+              <a14:hiddenEffects xmlns="" xmlns:a14="http://schemas.microsoft.com/office/drawing/2010/main">
                 <a:effectLst>
                   <a:outerShdw dist="35921" dir="2700000" algn="ctr" rotWithShape="0">
                     <a:schemeClr val="bg2"/>
@@ -28930,14 +28930,14 @@
           <a:effectLst/>
           <a:extLst>
             <a:ext uri="{909E8E84-426E-40dd-AFC4-6F175D3DCCD1}">
-              <a14:hiddenFill xmlns:a14="http://schemas.microsoft.com/office/drawing/2010/main" xmlns="">
+              <a14:hiddenFill xmlns="" xmlns:a14="http://schemas.microsoft.com/office/drawing/2010/main">
                 <a:solidFill>
                   <a:schemeClr val="accent1"/>
                 </a:solidFill>
               </a14:hiddenFill>
             </a:ext>
             <a:ext uri="{91240B29-F687-4f45-9708-019B960494DF}">
-              <a14:hiddenLine xmlns:a14="http://schemas.microsoft.com/office/drawing/2010/main" xmlns="" w="9525">
+              <a14:hiddenLine xmlns="" xmlns:a14="http://schemas.microsoft.com/office/drawing/2010/main" w="9525">
                 <a:solidFill>
                   <a:schemeClr val="tx1"/>
                 </a:solidFill>
@@ -28947,7 +28947,7 @@
               </a14:hiddenLine>
             </a:ext>
             <a:ext uri="{AF507438-7753-43e0-B8FC-AC1667EBCBE1}">
-              <a14:hiddenEffects xmlns:a14="http://schemas.microsoft.com/office/drawing/2010/main" xmlns="">
+              <a14:hiddenEffects xmlns="" xmlns:a14="http://schemas.microsoft.com/office/drawing/2010/main">
                 <a:effectLst>
                   <a:outerShdw dist="35921" dir="2700000" algn="ctr" rotWithShape="0">
                     <a:schemeClr val="bg2"/>
@@ -29295,14 +29295,14 @@
           <a:effectLst/>
           <a:extLst>
             <a:ext uri="{909E8E84-426E-40dd-AFC4-6F175D3DCCD1}">
-              <a14:hiddenFill xmlns:a14="http://schemas.microsoft.com/office/drawing/2010/main" xmlns="">
+              <a14:hiddenFill xmlns="" xmlns:a14="http://schemas.microsoft.com/office/drawing/2010/main">
                 <a:solidFill>
                   <a:schemeClr val="accent1"/>
                 </a:solidFill>
               </a14:hiddenFill>
             </a:ext>
             <a:ext uri="{91240B29-F687-4f45-9708-019B960494DF}">
-              <a14:hiddenLine xmlns:a14="http://schemas.microsoft.com/office/drawing/2010/main" xmlns="" w="9525">
+              <a14:hiddenLine xmlns="" xmlns:a14="http://schemas.microsoft.com/office/drawing/2010/main" w="9525">
                 <a:solidFill>
                   <a:schemeClr val="tx1"/>
                 </a:solidFill>
@@ -29312,7 +29312,7 @@
               </a14:hiddenLine>
             </a:ext>
             <a:ext uri="{AF507438-7753-43e0-B8FC-AC1667EBCBE1}">
-              <a14:hiddenEffects xmlns:a14="http://schemas.microsoft.com/office/drawing/2010/main" xmlns="">
+              <a14:hiddenEffects xmlns="" xmlns:a14="http://schemas.microsoft.com/office/drawing/2010/main">
                 <a:effectLst>
                   <a:outerShdw dist="35921" dir="2700000" algn="ctr" rotWithShape="0">
                     <a:schemeClr val="bg2"/>
@@ -29503,14 +29503,14 @@
           <a:effectLst/>
           <a:extLst>
             <a:ext uri="{909E8E84-426E-40dd-AFC4-6F175D3DCCD1}">
-              <a14:hiddenFill xmlns:mc="http://schemas.openxmlformats.org/markup-compatibility/2006" xmlns:a14="http://schemas.microsoft.com/office/drawing/2010/main" xmlns="">
+              <a14:hiddenFill xmlns="" xmlns:a14="http://schemas.microsoft.com/office/drawing/2010/main" xmlns:mc="http://schemas.openxmlformats.org/markup-compatibility/2006">
                 <a:solidFill>
                   <a:schemeClr val="accent1"/>
                 </a:solidFill>
               </a14:hiddenFill>
             </a:ext>
             <a:ext uri="{91240B29-F687-4f45-9708-019B960494DF}">
-              <a14:hiddenLine xmlns:mc="http://schemas.openxmlformats.org/markup-compatibility/2006" xmlns:a14="http://schemas.microsoft.com/office/drawing/2010/main" xmlns="" w="9525">
+              <a14:hiddenLine xmlns="" xmlns:a14="http://schemas.microsoft.com/office/drawing/2010/main" xmlns:mc="http://schemas.openxmlformats.org/markup-compatibility/2006" w="9525">
                 <a:solidFill>
                   <a:schemeClr val="tx1"/>
                 </a:solidFill>
@@ -29520,7 +29520,7 @@
               </a14:hiddenLine>
             </a:ext>
             <a:ext uri="{AF507438-7753-43e0-B8FC-AC1667EBCBE1}">
-              <a14:hiddenEffects xmlns:mc="http://schemas.openxmlformats.org/markup-compatibility/2006" xmlns:a14="http://schemas.microsoft.com/office/drawing/2010/main" xmlns="">
+              <a14:hiddenEffects xmlns="" xmlns:a14="http://schemas.microsoft.com/office/drawing/2010/main" xmlns:mc="http://schemas.openxmlformats.org/markup-compatibility/2006">
                 <a:effectLst>
                   <a:outerShdw dist="35921" dir="2700000" algn="ctr" rotWithShape="0">
                     <a:schemeClr val="bg2"/>
@@ -29818,14 +29818,14 @@
           <a:effectLst/>
           <a:extLst>
             <a:ext uri="{909E8E84-426E-40dd-AFC4-6F175D3DCCD1}">
-              <a14:hiddenFill xmlns:a14="http://schemas.microsoft.com/office/drawing/2010/main" xmlns="">
+              <a14:hiddenFill xmlns="" xmlns:a14="http://schemas.microsoft.com/office/drawing/2010/main">
                 <a:solidFill>
                   <a:schemeClr val="accent1"/>
                 </a:solidFill>
               </a14:hiddenFill>
             </a:ext>
             <a:ext uri="{91240B29-F687-4f45-9708-019B960494DF}">
-              <a14:hiddenLine xmlns:a14="http://schemas.microsoft.com/office/drawing/2010/main" xmlns="" w="9525">
+              <a14:hiddenLine xmlns="" xmlns:a14="http://schemas.microsoft.com/office/drawing/2010/main" w="9525">
                 <a:solidFill>
                   <a:schemeClr val="tx1"/>
                 </a:solidFill>
@@ -29835,7 +29835,7 @@
               </a14:hiddenLine>
             </a:ext>
             <a:ext uri="{AF507438-7753-43e0-B8FC-AC1667EBCBE1}">
-              <a14:hiddenEffects xmlns:a14="http://schemas.microsoft.com/office/drawing/2010/main" xmlns="">
+              <a14:hiddenEffects xmlns="" xmlns:a14="http://schemas.microsoft.com/office/drawing/2010/main">
                 <a:effectLst>
                   <a:outerShdw dist="35921" dir="2700000" algn="ctr" rotWithShape="0">
                     <a:schemeClr val="bg2"/>
@@ -30026,14 +30026,14 @@
           <a:effectLst/>
           <a:extLst>
             <a:ext uri="{909E8E84-426E-40dd-AFC4-6F175D3DCCD1}">
-              <a14:hiddenFill xmlns:mc="http://schemas.openxmlformats.org/markup-compatibility/2006" xmlns:a14="http://schemas.microsoft.com/office/drawing/2010/main" xmlns="">
+              <a14:hiddenFill xmlns="" xmlns:a14="http://schemas.microsoft.com/office/drawing/2010/main" xmlns:mc="http://schemas.openxmlformats.org/markup-compatibility/2006">
                 <a:solidFill>
                   <a:schemeClr val="accent1"/>
                 </a:solidFill>
               </a14:hiddenFill>
             </a:ext>
             <a:ext uri="{91240B29-F687-4f45-9708-019B960494DF}">
-              <a14:hiddenLine xmlns:mc="http://schemas.openxmlformats.org/markup-compatibility/2006" xmlns:a14="http://schemas.microsoft.com/office/drawing/2010/main" xmlns="" w="9525">
+              <a14:hiddenLine xmlns="" xmlns:a14="http://schemas.microsoft.com/office/drawing/2010/main" xmlns:mc="http://schemas.openxmlformats.org/markup-compatibility/2006" w="9525">
                 <a:solidFill>
                   <a:schemeClr val="tx1"/>
                 </a:solidFill>
@@ -30043,7 +30043,7 @@
               </a14:hiddenLine>
             </a:ext>
             <a:ext uri="{AF507438-7753-43e0-B8FC-AC1667EBCBE1}">
-              <a14:hiddenEffects xmlns:mc="http://schemas.openxmlformats.org/markup-compatibility/2006" xmlns:a14="http://schemas.microsoft.com/office/drawing/2010/main" xmlns="">
+              <a14:hiddenEffects xmlns="" xmlns:a14="http://schemas.microsoft.com/office/drawing/2010/main" xmlns:mc="http://schemas.openxmlformats.org/markup-compatibility/2006">
                 <a:effectLst>
                   <a:outerShdw dist="35921" dir="2700000" algn="ctr" rotWithShape="0">
                     <a:schemeClr val="bg2"/>
@@ -30428,14 +30428,14 @@
           <a:effectLst/>
           <a:extLst>
             <a:ext uri="{909E8E84-426E-40dd-AFC4-6F175D3DCCD1}">
-              <a14:hiddenFill xmlns:a14="http://schemas.microsoft.com/office/drawing/2010/main" xmlns="">
+              <a14:hiddenFill xmlns="" xmlns:a14="http://schemas.microsoft.com/office/drawing/2010/main">
                 <a:solidFill>
                   <a:schemeClr val="accent1"/>
                 </a:solidFill>
               </a14:hiddenFill>
             </a:ext>
             <a:ext uri="{91240B29-F687-4f45-9708-019B960494DF}">
-              <a14:hiddenLine xmlns:a14="http://schemas.microsoft.com/office/drawing/2010/main" xmlns="" w="9525">
+              <a14:hiddenLine xmlns="" xmlns:a14="http://schemas.microsoft.com/office/drawing/2010/main" w="9525">
                 <a:solidFill>
                   <a:schemeClr val="tx1"/>
                 </a:solidFill>
@@ -30445,7 +30445,7 @@
               </a14:hiddenLine>
             </a:ext>
             <a:ext uri="{AF507438-7753-43e0-B8FC-AC1667EBCBE1}">
-              <a14:hiddenEffects xmlns:a14="http://schemas.microsoft.com/office/drawing/2010/main" xmlns="">
+              <a14:hiddenEffects xmlns="" xmlns:a14="http://schemas.microsoft.com/office/drawing/2010/main">
                 <a:effectLst>
                   <a:outerShdw dist="35921" dir="2700000" algn="ctr" rotWithShape="0">
                     <a:schemeClr val="bg2"/>
@@ -31183,14 +31183,14 @@
           <a:effectLst/>
           <a:extLst>
             <a:ext uri="{909E8E84-426E-40dd-AFC4-6F175D3DCCD1}">
-              <a14:hiddenFill xmlns:a14="http://schemas.microsoft.com/office/drawing/2010/main" xmlns="">
+              <a14:hiddenFill xmlns="" xmlns:a14="http://schemas.microsoft.com/office/drawing/2010/main">
                 <a:solidFill>
                   <a:schemeClr val="accent1"/>
                 </a:solidFill>
               </a14:hiddenFill>
             </a:ext>
             <a:ext uri="{91240B29-F687-4f45-9708-019B960494DF}">
-              <a14:hiddenLine xmlns:a14="http://schemas.microsoft.com/office/drawing/2010/main" xmlns="" w="9525">
+              <a14:hiddenLine xmlns="" xmlns:a14="http://schemas.microsoft.com/office/drawing/2010/main" w="9525">
                 <a:solidFill>
                   <a:schemeClr val="tx1"/>
                 </a:solidFill>
@@ -31200,7 +31200,7 @@
               </a14:hiddenLine>
             </a:ext>
             <a:ext uri="{AF507438-7753-43e0-B8FC-AC1667EBCBE1}">
-              <a14:hiddenEffects xmlns:a14="http://schemas.microsoft.com/office/drawing/2010/main" xmlns="">
+              <a14:hiddenEffects xmlns="" xmlns:a14="http://schemas.microsoft.com/office/drawing/2010/main">
                 <a:effectLst>
                   <a:outerShdw dist="35921" dir="2700000" algn="ctr" rotWithShape="0">
                     <a:schemeClr val="bg2"/>
@@ -31391,14 +31391,14 @@
           <a:effectLst/>
           <a:extLst>
             <a:ext uri="{909E8E84-426E-40dd-AFC4-6F175D3DCCD1}">
-              <a14:hiddenFill xmlns:mc="http://schemas.openxmlformats.org/markup-compatibility/2006" xmlns:a14="http://schemas.microsoft.com/office/drawing/2010/main" xmlns="">
+              <a14:hiddenFill xmlns="" xmlns:a14="http://schemas.microsoft.com/office/drawing/2010/main" xmlns:mc="http://schemas.openxmlformats.org/markup-compatibility/2006">
                 <a:solidFill>
                   <a:schemeClr val="accent1"/>
                 </a:solidFill>
               </a14:hiddenFill>
             </a:ext>
             <a:ext uri="{91240B29-F687-4f45-9708-019B960494DF}">
-              <a14:hiddenLine xmlns:mc="http://schemas.openxmlformats.org/markup-compatibility/2006" xmlns:a14="http://schemas.microsoft.com/office/drawing/2010/main" xmlns="" w="9525">
+              <a14:hiddenLine xmlns="" xmlns:a14="http://schemas.microsoft.com/office/drawing/2010/main" xmlns:mc="http://schemas.openxmlformats.org/markup-compatibility/2006" w="9525">
                 <a:solidFill>
                   <a:schemeClr val="tx1"/>
                 </a:solidFill>
@@ -31408,7 +31408,7 @@
               </a14:hiddenLine>
             </a:ext>
             <a:ext uri="{AF507438-7753-43e0-B8FC-AC1667EBCBE1}">
-              <a14:hiddenEffects xmlns:mc="http://schemas.openxmlformats.org/markup-compatibility/2006" xmlns:a14="http://schemas.microsoft.com/office/drawing/2010/main" xmlns="">
+              <a14:hiddenEffects xmlns="" xmlns:a14="http://schemas.microsoft.com/office/drawing/2010/main" xmlns:mc="http://schemas.openxmlformats.org/markup-compatibility/2006">
                 <a:effectLst>
                   <a:outerShdw dist="35921" dir="2700000" algn="ctr" rotWithShape="0">
                     <a:schemeClr val="bg2"/>
@@ -31703,14 +31703,14 @@
           <a:effectLst/>
           <a:extLst>
             <a:ext uri="{909E8E84-426E-40dd-AFC4-6F175D3DCCD1}">
-              <a14:hiddenFill xmlns:a14="http://schemas.microsoft.com/office/drawing/2010/main" xmlns="">
+              <a14:hiddenFill xmlns="" xmlns:a14="http://schemas.microsoft.com/office/drawing/2010/main">
                 <a:solidFill>
                   <a:schemeClr val="accent1"/>
                 </a:solidFill>
               </a14:hiddenFill>
             </a:ext>
             <a:ext uri="{91240B29-F687-4f45-9708-019B960494DF}">
-              <a14:hiddenLine xmlns:a14="http://schemas.microsoft.com/office/drawing/2010/main" xmlns="" w="9525">
+              <a14:hiddenLine xmlns="" xmlns:a14="http://schemas.microsoft.com/office/drawing/2010/main" w="9525">
                 <a:solidFill>
                   <a:schemeClr val="tx1"/>
                 </a:solidFill>
@@ -31720,7 +31720,7 @@
               </a14:hiddenLine>
             </a:ext>
             <a:ext uri="{AF507438-7753-43e0-B8FC-AC1667EBCBE1}">
-              <a14:hiddenEffects xmlns:a14="http://schemas.microsoft.com/office/drawing/2010/main" xmlns="">
+              <a14:hiddenEffects xmlns="" xmlns:a14="http://schemas.microsoft.com/office/drawing/2010/main">
                 <a:effectLst>
                   <a:outerShdw dist="35921" dir="2700000" algn="ctr" rotWithShape="0">
                     <a:schemeClr val="bg2"/>
@@ -32788,14 +32788,14 @@
           <a:effectLst/>
           <a:extLst>
             <a:ext uri="{909E8E84-426E-40dd-AFC4-6F175D3DCCD1}">
-              <a14:hiddenFill xmlns:mc="http://schemas.openxmlformats.org/markup-compatibility/2006" xmlns:a14="http://schemas.microsoft.com/office/drawing/2010/main" xmlns="">
+              <a14:hiddenFill xmlns="" xmlns:a14="http://schemas.microsoft.com/office/drawing/2010/main" xmlns:mc="http://schemas.openxmlformats.org/markup-compatibility/2006">
                 <a:solidFill>
                   <a:schemeClr val="accent1"/>
                 </a:solidFill>
               </a14:hiddenFill>
             </a:ext>
             <a:ext uri="{91240B29-F687-4f45-9708-019B960494DF}">
-              <a14:hiddenLine xmlns:mc="http://schemas.openxmlformats.org/markup-compatibility/2006" xmlns:a14="http://schemas.microsoft.com/office/drawing/2010/main" xmlns="" w="9525">
+              <a14:hiddenLine xmlns="" xmlns:a14="http://schemas.microsoft.com/office/drawing/2010/main" xmlns:mc="http://schemas.openxmlformats.org/markup-compatibility/2006" w="9525">
                 <a:solidFill>
                   <a:schemeClr val="tx1"/>
                 </a:solidFill>
@@ -32805,7 +32805,7 @@
               </a14:hiddenLine>
             </a:ext>
             <a:ext uri="{AF507438-7753-43e0-B8FC-AC1667EBCBE1}">
-              <a14:hiddenEffects xmlns:mc="http://schemas.openxmlformats.org/markup-compatibility/2006" xmlns:a14="http://schemas.microsoft.com/office/drawing/2010/main" xmlns="">
+              <a14:hiddenEffects xmlns="" xmlns:a14="http://schemas.microsoft.com/office/drawing/2010/main" xmlns:mc="http://schemas.openxmlformats.org/markup-compatibility/2006">
                 <a:effectLst>
                   <a:outerShdw dist="35921" dir="2700000" algn="ctr" rotWithShape="0">
                     <a:schemeClr val="bg2"/>
@@ -33886,14 +33886,14 @@
           <a:effectLst/>
           <a:extLst>
             <a:ext uri="{909E8E84-426E-40dd-AFC4-6F175D3DCCD1}">
-              <a14:hiddenFill xmlns:a14="http://schemas.microsoft.com/office/drawing/2010/main" xmlns="">
+              <a14:hiddenFill xmlns="" xmlns:a14="http://schemas.microsoft.com/office/drawing/2010/main">
                 <a:solidFill>
                   <a:schemeClr val="accent1"/>
                 </a:solidFill>
               </a14:hiddenFill>
             </a:ext>
             <a:ext uri="{91240B29-F687-4f45-9708-019B960494DF}">
-              <a14:hiddenLine xmlns:a14="http://schemas.microsoft.com/office/drawing/2010/main" xmlns="" w="9525">
+              <a14:hiddenLine xmlns="" xmlns:a14="http://schemas.microsoft.com/office/drawing/2010/main" w="9525">
                 <a:solidFill>
                   <a:schemeClr val="tx1"/>
                 </a:solidFill>
@@ -33903,7 +33903,7 @@
               </a14:hiddenLine>
             </a:ext>
             <a:ext uri="{AF507438-7753-43e0-B8FC-AC1667EBCBE1}">
-              <a14:hiddenEffects xmlns:a14="http://schemas.microsoft.com/office/drawing/2010/main" xmlns="">
+              <a14:hiddenEffects xmlns="" xmlns:a14="http://schemas.microsoft.com/office/drawing/2010/main">
                 <a:effectLst>
                   <a:outerShdw dist="35921" dir="2700000" algn="ctr" rotWithShape="0">
                     <a:schemeClr val="bg2"/>
@@ -34219,14 +34219,14 @@
           <a:effectLst/>
           <a:extLst>
             <a:ext uri="{909E8E84-426E-40dd-AFC4-6F175D3DCCD1}">
-              <a14:hiddenFill xmlns:a14="http://schemas.microsoft.com/office/drawing/2010/main" xmlns="">
+              <a14:hiddenFill xmlns="" xmlns:a14="http://schemas.microsoft.com/office/drawing/2010/main">
                 <a:solidFill>
                   <a:schemeClr val="accent1"/>
                 </a:solidFill>
               </a14:hiddenFill>
             </a:ext>
             <a:ext uri="{91240B29-F687-4f45-9708-019B960494DF}">
-              <a14:hiddenLine xmlns:a14="http://schemas.microsoft.com/office/drawing/2010/main" xmlns="" w="9525">
+              <a14:hiddenLine xmlns="" xmlns:a14="http://schemas.microsoft.com/office/drawing/2010/main" w="9525">
                 <a:solidFill>
                   <a:schemeClr val="tx1"/>
                 </a:solidFill>
@@ -34236,7 +34236,7 @@
               </a14:hiddenLine>
             </a:ext>
             <a:ext uri="{AF507438-7753-43e0-B8FC-AC1667EBCBE1}">
-              <a14:hiddenEffects xmlns:a14="http://schemas.microsoft.com/office/drawing/2010/main" xmlns="">
+              <a14:hiddenEffects xmlns="" xmlns:a14="http://schemas.microsoft.com/office/drawing/2010/main">
                 <a:effectLst>
                   <a:outerShdw dist="35921" dir="2700000" algn="ctr" rotWithShape="0">
                     <a:schemeClr val="bg2"/>
@@ -34589,14 +34589,14 @@
           <a:effectLst/>
           <a:extLst>
             <a:ext uri="{909E8E84-426E-40dd-AFC4-6F175D3DCCD1}">
-              <a14:hiddenFill xmlns:a14="http://schemas.microsoft.com/office/drawing/2010/main" xmlns="">
+              <a14:hiddenFill xmlns="" xmlns:a14="http://schemas.microsoft.com/office/drawing/2010/main">
                 <a:solidFill>
                   <a:schemeClr val="accent1"/>
                 </a:solidFill>
               </a14:hiddenFill>
             </a:ext>
             <a:ext uri="{91240B29-F687-4f45-9708-019B960494DF}">
-              <a14:hiddenLine xmlns:a14="http://schemas.microsoft.com/office/drawing/2010/main" xmlns="" w="9525">
+              <a14:hiddenLine xmlns="" xmlns:a14="http://schemas.microsoft.com/office/drawing/2010/main" w="9525">
                 <a:solidFill>
                   <a:schemeClr val="tx1"/>
                 </a:solidFill>
@@ -34606,7 +34606,7 @@
               </a14:hiddenLine>
             </a:ext>
             <a:ext uri="{AF507438-7753-43e0-B8FC-AC1667EBCBE1}">
-              <a14:hiddenEffects xmlns:a14="http://schemas.microsoft.com/office/drawing/2010/main" xmlns="">
+              <a14:hiddenEffects xmlns="" xmlns:a14="http://schemas.microsoft.com/office/drawing/2010/main">
                 <a:effectLst>
                   <a:outerShdw dist="35921" dir="2700000" algn="ctr" rotWithShape="0">
                     <a:schemeClr val="bg2"/>
@@ -34821,7 +34821,7 @@
             <a:effectLst/>
             <a:extLst>
               <a:ext uri="{AF507438-7753-43e0-B8FC-AC1667EBCBE1}">
-                <a14:hiddenEffects xmlns="" xmlns:a14="http://schemas.microsoft.com/office/drawing/2010/main">
+                <a14:hiddenEffects xmlns:a14="http://schemas.microsoft.com/office/drawing/2010/main" xmlns="">
                   <a:effectLst>
                     <a:outerShdw dist="35921" dir="2700000" algn="ctr" rotWithShape="0">
                       <a:schemeClr val="bg2"/>
@@ -34903,7 +34903,7 @@
             <a:effectLst/>
             <a:extLst>
               <a:ext uri="{AF507438-7753-43e0-B8FC-AC1667EBCBE1}">
-                <a14:hiddenEffects xmlns="" xmlns:a14="http://schemas.microsoft.com/office/drawing/2010/main">
+                <a14:hiddenEffects xmlns:a14="http://schemas.microsoft.com/office/drawing/2010/main" xmlns="">
                   <a:effectLst>
                     <a:outerShdw dist="35921" dir="2700000" algn="ctr" rotWithShape="0">
                       <a:schemeClr val="bg2"/>
@@ -34985,7 +34985,7 @@
             <a:effectLst/>
             <a:extLst>
               <a:ext uri="{AF507438-7753-43e0-B8FC-AC1667EBCBE1}">
-                <a14:hiddenEffects xmlns="" xmlns:a14="http://schemas.microsoft.com/office/drawing/2010/main">
+                <a14:hiddenEffects xmlns:a14="http://schemas.microsoft.com/office/drawing/2010/main" xmlns="">
                   <a:effectLst>
                     <a:outerShdw dist="35921" dir="2700000" algn="ctr" rotWithShape="0">
                       <a:schemeClr val="bg2"/>
@@ -35067,7 +35067,7 @@
             <a:effectLst/>
             <a:extLst>
               <a:ext uri="{AF507438-7753-43e0-B8FC-AC1667EBCBE1}">
-                <a14:hiddenEffects xmlns="" xmlns:a14="http://schemas.microsoft.com/office/drawing/2010/main">
+                <a14:hiddenEffects xmlns:a14="http://schemas.microsoft.com/office/drawing/2010/main" xmlns="">
                   <a:effectLst>
                     <a:outerShdw dist="35921" dir="2700000" algn="ctr" rotWithShape="0">
                       <a:schemeClr val="bg2"/>
@@ -35148,7 +35148,7 @@
             <a:effectLst/>
             <a:extLst>
               <a:ext uri="{AF507438-7753-43e0-B8FC-AC1667EBCBE1}">
-                <a14:hiddenEffects xmlns="" xmlns:a14="http://schemas.microsoft.com/office/drawing/2010/main">
+                <a14:hiddenEffects xmlns:a14="http://schemas.microsoft.com/office/drawing/2010/main" xmlns="">
                   <a:effectLst>
                     <a:outerShdw dist="35921" dir="2700000" algn="ctr" rotWithShape="0">
                       <a:schemeClr val="bg2"/>
@@ -35232,7 +35232,7 @@
             <a:effectLst/>
             <a:extLst>
               <a:ext uri="{AF507438-7753-43e0-B8FC-AC1667EBCBE1}">
-                <a14:hiddenEffects xmlns="" xmlns:a14="http://schemas.microsoft.com/office/drawing/2010/main">
+                <a14:hiddenEffects xmlns:a14="http://schemas.microsoft.com/office/drawing/2010/main" xmlns="">
                   <a:effectLst>
                     <a:outerShdw dist="35921" dir="2700000" algn="ctr" rotWithShape="0">
                       <a:schemeClr val="bg2"/>
@@ -35316,7 +35316,7 @@
             <a:effectLst/>
             <a:extLst>
               <a:ext uri="{AF507438-7753-43e0-B8FC-AC1667EBCBE1}">
-                <a14:hiddenEffects xmlns="" xmlns:a14="http://schemas.microsoft.com/office/drawing/2010/main">
+                <a14:hiddenEffects xmlns:a14="http://schemas.microsoft.com/office/drawing/2010/main" xmlns="">
                   <a:effectLst>
                     <a:outerShdw dist="35921" dir="2700000" algn="ctr" rotWithShape="0">
                       <a:schemeClr val="bg2"/>
@@ -35404,7 +35404,7 @@
             <a:effectLst/>
             <a:extLst>
               <a:ext uri="{AF507438-7753-43e0-B8FC-AC1667EBCBE1}">
-                <a14:hiddenEffects xmlns="" xmlns:a14="http://schemas.microsoft.com/office/drawing/2010/main">
+                <a14:hiddenEffects xmlns:a14="http://schemas.microsoft.com/office/drawing/2010/main" xmlns="">
                   <a:effectLst>
                     <a:outerShdw dist="35921" dir="2700000" algn="ctr" rotWithShape="0">
                       <a:schemeClr val="bg2"/>
@@ -35454,7 +35454,7 @@
             <a:effectLst/>
             <a:extLst>
               <a:ext uri="{AF507438-7753-43e0-B8FC-AC1667EBCBE1}">
-                <a14:hiddenEffects xmlns="" xmlns:a14="http://schemas.microsoft.com/office/drawing/2010/main">
+                <a14:hiddenEffects xmlns:a14="http://schemas.microsoft.com/office/drawing/2010/main" xmlns="">
                   <a:effectLst>
                     <a:outerShdw dist="35921" dir="2700000" algn="ctr" rotWithShape="0">
                       <a:schemeClr val="bg2"/>
@@ -35504,7 +35504,7 @@
             <a:effectLst/>
             <a:extLst>
               <a:ext uri="{AF507438-7753-43e0-B8FC-AC1667EBCBE1}">
-                <a14:hiddenEffects xmlns="" xmlns:a14="http://schemas.microsoft.com/office/drawing/2010/main">
+                <a14:hiddenEffects xmlns:a14="http://schemas.microsoft.com/office/drawing/2010/main" xmlns="">
                   <a:effectLst>
                     <a:outerShdw dist="35921" dir="2700000" algn="ctr" rotWithShape="0">
                       <a:schemeClr val="bg2"/>
@@ -35554,7 +35554,7 @@
             <a:effectLst/>
             <a:extLst>
               <a:ext uri="{AF507438-7753-43e0-B8FC-AC1667EBCBE1}">
-                <a14:hiddenEffects xmlns="" xmlns:a14="http://schemas.microsoft.com/office/drawing/2010/main">
+                <a14:hiddenEffects xmlns:a14="http://schemas.microsoft.com/office/drawing/2010/main" xmlns="">
                   <a:effectLst>
                     <a:outerShdw dist="35921" dir="2700000" algn="ctr" rotWithShape="0">
                       <a:schemeClr val="bg2"/>
@@ -35604,7 +35604,7 @@
             <a:effectLst/>
             <a:extLst>
               <a:ext uri="{AF507438-7753-43e0-B8FC-AC1667EBCBE1}">
-                <a14:hiddenEffects xmlns="" xmlns:a14="http://schemas.microsoft.com/office/drawing/2010/main">
+                <a14:hiddenEffects xmlns:a14="http://schemas.microsoft.com/office/drawing/2010/main" xmlns="">
                   <a:effectLst>
                     <a:outerShdw dist="35921" dir="2700000" algn="ctr" rotWithShape="0">
                       <a:schemeClr val="bg2"/>
@@ -35654,7 +35654,7 @@
             <a:effectLst/>
             <a:extLst>
               <a:ext uri="{AF507438-7753-43e0-B8FC-AC1667EBCBE1}">
-                <a14:hiddenEffects xmlns="" xmlns:a14="http://schemas.microsoft.com/office/drawing/2010/main">
+                <a14:hiddenEffects xmlns:a14="http://schemas.microsoft.com/office/drawing/2010/main" xmlns="">
                   <a:effectLst>
                     <a:outerShdw dist="35921" dir="2700000" algn="ctr" rotWithShape="0">
                       <a:schemeClr val="bg2"/>
@@ -35704,7 +35704,7 @@
             <a:effectLst/>
             <a:extLst>
               <a:ext uri="{AF507438-7753-43e0-B8FC-AC1667EBCBE1}">
-                <a14:hiddenEffects xmlns="" xmlns:a14="http://schemas.microsoft.com/office/drawing/2010/main">
+                <a14:hiddenEffects xmlns:a14="http://schemas.microsoft.com/office/drawing/2010/main" xmlns="">
                   <a:effectLst>
                     <a:outerShdw dist="35921" dir="2700000" algn="ctr" rotWithShape="0">
                       <a:schemeClr val="bg2"/>
@@ -35754,7 +35754,7 @@
             <a:effectLst/>
             <a:extLst>
               <a:ext uri="{AF507438-7753-43e0-B8FC-AC1667EBCBE1}">
-                <a14:hiddenEffects xmlns="" xmlns:a14="http://schemas.microsoft.com/office/drawing/2010/main">
+                <a14:hiddenEffects xmlns:a14="http://schemas.microsoft.com/office/drawing/2010/main" xmlns="">
                   <a:effectLst>
                     <a:outerShdw dist="35921" dir="2700000" algn="ctr" rotWithShape="0">
                       <a:schemeClr val="bg2"/>
@@ -35844,7 +35844,7 @@
             <a:effectLst/>
             <a:extLst>
               <a:ext uri="{AF507438-7753-43e0-B8FC-AC1667EBCBE1}">
-                <a14:hiddenEffects xmlns="" xmlns:a14="http://schemas.microsoft.com/office/drawing/2010/main">
+                <a14:hiddenEffects xmlns:a14="http://schemas.microsoft.com/office/drawing/2010/main" xmlns="">
                   <a:effectLst>
                     <a:outerShdw dist="35921" dir="2700000" algn="ctr" rotWithShape="0">
                       <a:schemeClr val="bg2"/>
@@ -35895,7 +35895,7 @@
             <a:effectLst/>
             <a:extLst>
               <a:ext uri="{AF507438-7753-43e0-B8FC-AC1667EBCBE1}">
-                <a14:hiddenEffects xmlns="" xmlns:a14="http://schemas.microsoft.com/office/drawing/2010/main">
+                <a14:hiddenEffects xmlns:a14="http://schemas.microsoft.com/office/drawing/2010/main" xmlns="">
                   <a:effectLst>
                     <a:outerShdw dist="35921" dir="2700000" algn="ctr" rotWithShape="0">
                       <a:schemeClr val="bg2"/>
@@ -35947,7 +35947,7 @@
             <a:effectLst/>
             <a:extLst>
               <a:ext uri="{AF507438-7753-43e0-B8FC-AC1667EBCBE1}">
-                <a14:hiddenEffects xmlns="" xmlns:a14="http://schemas.microsoft.com/office/drawing/2010/main">
+                <a14:hiddenEffects xmlns:a14="http://schemas.microsoft.com/office/drawing/2010/main" xmlns="">
                   <a:effectLst>
                     <a:outerShdw dist="35921" dir="2700000" algn="ctr" rotWithShape="0">
                       <a:schemeClr val="bg2"/>
@@ -35998,7 +35998,7 @@
             <a:effectLst/>
             <a:extLst>
               <a:ext uri="{AF507438-7753-43e0-B8FC-AC1667EBCBE1}">
-                <a14:hiddenEffects xmlns="" xmlns:a14="http://schemas.microsoft.com/office/drawing/2010/main">
+                <a14:hiddenEffects xmlns:a14="http://schemas.microsoft.com/office/drawing/2010/main" xmlns="">
                   <a:effectLst>
                     <a:outerShdw dist="35921" dir="2700000" algn="ctr" rotWithShape="0">
                       <a:schemeClr val="bg2"/>
@@ -36048,7 +36048,7 @@
             <a:effectLst/>
             <a:extLst>
               <a:ext uri="{AF507438-7753-43e0-B8FC-AC1667EBCBE1}">
-                <a14:hiddenEffects xmlns="" xmlns:a14="http://schemas.microsoft.com/office/drawing/2010/main">
+                <a14:hiddenEffects xmlns:a14="http://schemas.microsoft.com/office/drawing/2010/main" xmlns="">
                   <a:effectLst>
                     <a:outerShdw dist="35921" dir="2700000" algn="ctr" rotWithShape="0">
                       <a:schemeClr val="bg2"/>
@@ -36099,7 +36099,7 @@
             <a:effectLst/>
             <a:extLst>
               <a:ext uri="{AF507438-7753-43e0-B8FC-AC1667EBCBE1}">
-                <a14:hiddenEffects xmlns="" xmlns:a14="http://schemas.microsoft.com/office/drawing/2010/main">
+                <a14:hiddenEffects xmlns:a14="http://schemas.microsoft.com/office/drawing/2010/main" xmlns="">
                   <a:effectLst>
                     <a:outerShdw dist="35921" dir="2700000" algn="ctr" rotWithShape="0">
                       <a:schemeClr val="bg2"/>
@@ -36150,7 +36150,7 @@
             <a:effectLst/>
             <a:extLst>
               <a:ext uri="{AF507438-7753-43e0-B8FC-AC1667EBCBE1}">
-                <a14:hiddenEffects xmlns="" xmlns:a14="http://schemas.microsoft.com/office/drawing/2010/main">
+                <a14:hiddenEffects xmlns:a14="http://schemas.microsoft.com/office/drawing/2010/main" xmlns="">
                   <a:effectLst>
                     <a:outerShdw dist="35921" dir="2700000" algn="ctr" rotWithShape="0">
                       <a:schemeClr val="bg2"/>
@@ -36201,7 +36201,7 @@
             <a:effectLst/>
             <a:extLst>
               <a:ext uri="{AF507438-7753-43e0-B8FC-AC1667EBCBE1}">
-                <a14:hiddenEffects xmlns="" xmlns:a14="http://schemas.microsoft.com/office/drawing/2010/main">
+                <a14:hiddenEffects xmlns:a14="http://schemas.microsoft.com/office/drawing/2010/main" xmlns="">
                   <a:effectLst>
                     <a:outerShdw dist="35921" dir="2700000" algn="ctr" rotWithShape="0">
                       <a:schemeClr val="bg2"/>
@@ -36252,7 +36252,7 @@
             <a:effectLst/>
             <a:extLst>
               <a:ext uri="{AF507438-7753-43e0-B8FC-AC1667EBCBE1}">
-                <a14:hiddenEffects xmlns="" xmlns:a14="http://schemas.microsoft.com/office/drawing/2010/main">
+                <a14:hiddenEffects xmlns:a14="http://schemas.microsoft.com/office/drawing/2010/main" xmlns="">
                   <a:effectLst>
                     <a:outerShdw dist="35921" dir="2700000" algn="ctr" rotWithShape="0">
                       <a:schemeClr val="bg2"/>
@@ -36296,7 +36296,7 @@
             <a:effectLst/>
             <a:extLst>
               <a:ext uri="{AF507438-7753-43e0-B8FC-AC1667EBCBE1}">
-                <a14:hiddenEffects xmlns="" xmlns:a14="http://schemas.microsoft.com/office/drawing/2010/main">
+                <a14:hiddenEffects xmlns:a14="http://schemas.microsoft.com/office/drawing/2010/main" xmlns="">
                   <a:effectLst>
                     <a:outerShdw dist="35921" dir="2700000" algn="ctr" rotWithShape="0">
                       <a:schemeClr val="bg2"/>
@@ -36371,7 +36371,7 @@
             <a:effectLst/>
             <a:extLst>
               <a:ext uri="{AF507438-7753-43e0-B8FC-AC1667EBCBE1}">
-                <a14:hiddenEffects xmlns="" xmlns:a14="http://schemas.microsoft.com/office/drawing/2010/main">
+                <a14:hiddenEffects xmlns:a14="http://schemas.microsoft.com/office/drawing/2010/main" xmlns="">
                   <a:effectLst>
                     <a:outerShdw dist="35921" dir="2700000" algn="ctr" rotWithShape="0">
                       <a:schemeClr val="bg2"/>
@@ -36448,7 +36448,7 @@
             <a:effectLst/>
             <a:extLst>
               <a:ext uri="{AF507438-7753-43e0-B8FC-AC1667EBCBE1}">
-                <a14:hiddenEffects xmlns="" xmlns:a14="http://schemas.microsoft.com/office/drawing/2010/main">
+                <a14:hiddenEffects xmlns:a14="http://schemas.microsoft.com/office/drawing/2010/main" xmlns="">
                   <a:effectLst>
                     <a:outerShdw dist="35921" dir="2700000" algn="ctr" rotWithShape="0">
                       <a:schemeClr val="bg2"/>
@@ -36899,7 +36899,7 @@
           <a:effectLst/>
           <a:extLst>
             <a:ext uri="{AF507438-7753-43e0-B8FC-AC1667EBCBE1}">
-              <a14:hiddenEffects xmlns="" xmlns:a14="http://schemas.microsoft.com/office/drawing/2010/main">
+              <a14:hiddenEffects xmlns:a14="http://schemas.microsoft.com/office/drawing/2010/main" xmlns="">
                 <a:effectLst>
                   <a:outerShdw dist="35921" dir="2700000" algn="ctr" rotWithShape="0">
                     <a:schemeClr val="bg2"/>
@@ -36943,7 +36943,7 @@
           <a:effectLst/>
           <a:extLst>
             <a:ext uri="{AF507438-7753-43e0-B8FC-AC1667EBCBE1}">
-              <a14:hiddenEffects xmlns="" xmlns:a14="http://schemas.microsoft.com/office/drawing/2010/main">
+              <a14:hiddenEffects xmlns:a14="http://schemas.microsoft.com/office/drawing/2010/main" xmlns="">
                 <a:effectLst>
                   <a:outerShdw dist="35921" dir="2700000" algn="ctr" rotWithShape="0">
                     <a:schemeClr val="bg2"/>
@@ -37029,7 +37029,7 @@
           <a:effectLst/>
           <a:extLst>
             <a:ext uri="{AF507438-7753-43e0-B8FC-AC1667EBCBE1}">
-              <a14:hiddenEffects xmlns="" xmlns:a14="http://schemas.microsoft.com/office/drawing/2010/main">
+              <a14:hiddenEffects xmlns:a14="http://schemas.microsoft.com/office/drawing/2010/main" xmlns="">
                 <a:effectLst>
                   <a:outerShdw dist="35921" dir="2700000" algn="ctr" rotWithShape="0">
                     <a:schemeClr val="bg2"/>
@@ -37526,7 +37526,7 @@
           <a:effectLst/>
           <a:extLst>
             <a:ext uri="{AF507438-7753-43e0-B8FC-AC1667EBCBE1}">
-              <a14:hiddenEffects xmlns="" xmlns:a14="http://schemas.microsoft.com/office/drawing/2010/main">
+              <a14:hiddenEffects xmlns:a14="http://schemas.microsoft.com/office/drawing/2010/main" xmlns="">
                 <a:effectLst>
                   <a:outerShdw dist="35921" dir="2700000" algn="ctr" rotWithShape="0">
                     <a:schemeClr val="bg2"/>
@@ -38089,14 +38089,14 @@
           <a:effectLst/>
           <a:extLst>
             <a:ext uri="{909E8E84-426E-40dd-AFC4-6F175D3DCCD1}">
-              <a14:hiddenFill xmlns:a14="http://schemas.microsoft.com/office/drawing/2010/main" xmlns="">
+              <a14:hiddenFill xmlns="" xmlns:a14="http://schemas.microsoft.com/office/drawing/2010/main">
                 <a:solidFill>
                   <a:schemeClr val="accent1"/>
                 </a:solidFill>
               </a14:hiddenFill>
             </a:ext>
             <a:ext uri="{91240B29-F687-4f45-9708-019B960494DF}">
-              <a14:hiddenLine xmlns:a14="http://schemas.microsoft.com/office/drawing/2010/main" xmlns="" w="9525">
+              <a14:hiddenLine xmlns="" xmlns:a14="http://schemas.microsoft.com/office/drawing/2010/main" w="9525">
                 <a:solidFill>
                   <a:schemeClr val="tx1"/>
                 </a:solidFill>
@@ -38106,7 +38106,7 @@
               </a14:hiddenLine>
             </a:ext>
             <a:ext uri="{AF507438-7753-43e0-B8FC-AC1667EBCBE1}">
-              <a14:hiddenEffects xmlns:a14="http://schemas.microsoft.com/office/drawing/2010/main" xmlns="">
+              <a14:hiddenEffects xmlns="" xmlns:a14="http://schemas.microsoft.com/office/drawing/2010/main">
                 <a:effectLst>
                   <a:outerShdw dist="35921" dir="2700000" algn="ctr" rotWithShape="0">
                     <a:schemeClr val="bg2"/>
@@ -38428,14 +38428,14 @@
           <a:effectLst/>
           <a:extLst>
             <a:ext uri="{909E8E84-426E-40dd-AFC4-6F175D3DCCD1}">
-              <a14:hiddenFill xmlns:a14="http://schemas.microsoft.com/office/drawing/2010/main" xmlns="">
+              <a14:hiddenFill xmlns="" xmlns:a14="http://schemas.microsoft.com/office/drawing/2010/main">
                 <a:solidFill>
                   <a:schemeClr val="accent1"/>
                 </a:solidFill>
               </a14:hiddenFill>
             </a:ext>
             <a:ext uri="{91240B29-F687-4f45-9708-019B960494DF}">
-              <a14:hiddenLine xmlns:a14="http://schemas.microsoft.com/office/drawing/2010/main" xmlns="" w="9525">
+              <a14:hiddenLine xmlns="" xmlns:a14="http://schemas.microsoft.com/office/drawing/2010/main" w="9525">
                 <a:solidFill>
                   <a:schemeClr val="tx1"/>
                 </a:solidFill>
@@ -38445,7 +38445,7 @@
               </a14:hiddenLine>
             </a:ext>
             <a:ext uri="{AF507438-7753-43e0-B8FC-AC1667EBCBE1}">
-              <a14:hiddenEffects xmlns:a14="http://schemas.microsoft.com/office/drawing/2010/main" xmlns="">
+              <a14:hiddenEffects xmlns="" xmlns:a14="http://schemas.microsoft.com/office/drawing/2010/main">
                 <a:effectLst>
                   <a:outerShdw dist="35921" dir="2700000" algn="ctr" rotWithShape="0">
                     <a:schemeClr val="bg2"/>
@@ -39206,8 +39206,8 @@
           </a:p>
         </p:txBody>
       </p:sp>
-      <mc:AlternateContent xmlns:mc="http://schemas.openxmlformats.org/markup-compatibility/2006">
-        <mc:Choice xmlns:a14="http://schemas.microsoft.com/office/drawing/2010/main" Requires="a14">
+      <mc:AlternateContent xmlns:mc="http://schemas.openxmlformats.org/markup-compatibility/2006" xmlns:a14="http://schemas.microsoft.com/office/drawing/2010/main">
+        <mc:Choice Requires="a14">
           <p:sp>
             <p:nvSpPr>
               <p:cNvPr id="9219" name="Rectangle 3"/>
@@ -39397,7 +39397,7 @@
             </p:txBody>
           </p:sp>
         </mc:Choice>
-        <mc:Fallback>
+        <mc:Fallback xmlns="">
           <p:sp>
             <p:nvSpPr>
               <p:cNvPr id="9219" name="Rectangle 3"/>
@@ -39431,8 +39431,8 @@
           </p:sp>
         </mc:Fallback>
       </mc:AlternateContent>
-      <mc:AlternateContent xmlns:mc="http://schemas.openxmlformats.org/markup-compatibility/2006">
-        <mc:Choice xmlns:a14="http://schemas.microsoft.com/office/drawing/2010/main" Requires="a14">
+      <mc:AlternateContent xmlns:mc="http://schemas.openxmlformats.org/markup-compatibility/2006" xmlns:a14="http://schemas.microsoft.com/office/drawing/2010/main">
+        <mc:Choice Requires="a14">
           <p:sp>
             <p:nvSpPr>
               <p:cNvPr id="2" name="Textfeld 1">
@@ -39461,6 +39461,7 @@
               </a:bodyPr>
               <a:lstStyle/>
               <a:p>
+                <a:pPr/>
                 <a14:m>
                   <m:oMathPara xmlns:m="http://schemas.openxmlformats.org/officeDocument/2006/math">
                     <m:oMathParaPr>
@@ -39514,7 +39515,7 @@
             </p:txBody>
           </p:sp>
         </mc:Choice>
-        <mc:Fallback>
+        <mc:Fallback xmlns="">
           <p:sp>
             <p:nvSpPr>
               <p:cNvPr id="2" name="Textfeld 1">
@@ -39559,8 +39560,8 @@
           </p:sp>
         </mc:Fallback>
       </mc:AlternateContent>
-      <mc:AlternateContent xmlns:mc="http://schemas.openxmlformats.org/markup-compatibility/2006">
-        <mc:Choice xmlns:a14="http://schemas.microsoft.com/office/drawing/2010/main" Requires="a14">
+      <mc:AlternateContent xmlns:mc="http://schemas.openxmlformats.org/markup-compatibility/2006" xmlns:a14="http://schemas.microsoft.com/office/drawing/2010/main">
+        <mc:Choice Requires="a14">
           <p:sp>
             <p:nvSpPr>
               <p:cNvPr id="6" name="Textfeld 5">
@@ -39589,6 +39590,7 @@
               </a:bodyPr>
               <a:lstStyle/>
               <a:p>
+                <a:pPr/>
                 <a14:m>
                   <m:oMathPara xmlns:m="http://schemas.openxmlformats.org/officeDocument/2006/math">
                     <m:oMathParaPr>
@@ -39687,7 +39689,7 @@
             </p:txBody>
           </p:sp>
         </mc:Choice>
-        <mc:Fallback>
+        <mc:Fallback xmlns="">
           <p:sp>
             <p:nvSpPr>
               <p:cNvPr id="6" name="Textfeld 5">
@@ -39732,8 +39734,8 @@
           </p:sp>
         </mc:Fallback>
       </mc:AlternateContent>
-      <mc:AlternateContent xmlns:mc="http://schemas.openxmlformats.org/markup-compatibility/2006">
-        <mc:Choice xmlns:a14="http://schemas.microsoft.com/office/drawing/2010/main" Requires="a14">
+      <mc:AlternateContent xmlns:mc="http://schemas.openxmlformats.org/markup-compatibility/2006" xmlns:a14="http://schemas.microsoft.com/office/drawing/2010/main">
+        <mc:Choice Requires="a14">
           <p:sp>
             <p:nvSpPr>
               <p:cNvPr id="8" name="Textfeld 7">
@@ -39762,6 +39764,7 @@
               </a:bodyPr>
               <a:lstStyle/>
               <a:p>
+                <a:pPr/>
                 <a14:m>
                   <m:oMathPara xmlns:m="http://schemas.openxmlformats.org/officeDocument/2006/math">
                     <m:oMathParaPr>
@@ -39824,7 +39827,7 @@
             </p:txBody>
           </p:sp>
         </mc:Choice>
-        <mc:Fallback>
+        <mc:Fallback xmlns="">
           <p:sp>
             <p:nvSpPr>
               <p:cNvPr id="8" name="Textfeld 7">
@@ -39906,7 +39909,7 @@
           <a:effectLst/>
           <a:extLst>
             <a:ext uri="{AF507438-7753-43e0-B8FC-AC1667EBCBE1}">
-              <a14:hiddenEffects xmlns="" xmlns:a14="http://schemas.microsoft.com/office/drawing/2010/main">
+              <a14:hiddenEffects xmlns:a14="http://schemas.microsoft.com/office/drawing/2010/main" xmlns="">
                 <a:effectLst>
                   <a:outerShdw dist="35921" dir="2700000" algn="ctr" rotWithShape="0">
                     <a:schemeClr val="bg2"/>
@@ -39954,7 +39957,7 @@
           <a:effectLst/>
           <a:extLst>
             <a:ext uri="{AF507438-7753-43e0-B8FC-AC1667EBCBE1}">
-              <a14:hiddenEffects xmlns="" xmlns:a14="http://schemas.microsoft.com/office/drawing/2010/main">
+              <a14:hiddenEffects xmlns:a14="http://schemas.microsoft.com/office/drawing/2010/main" xmlns="">
                 <a:effectLst>
                   <a:outerShdw dist="35921" dir="2700000" algn="ctr" rotWithShape="0">
                     <a:schemeClr val="bg2"/>
@@ -40070,14 +40073,14 @@
           <a:effectLst/>
           <a:extLst>
             <a:ext uri="{909E8E84-426E-40dd-AFC4-6F175D3DCCD1}">
-              <a14:hiddenFill xmlns:a14="http://schemas.microsoft.com/office/drawing/2010/main" xmlns="">
+              <a14:hiddenFill xmlns="" xmlns:a14="http://schemas.microsoft.com/office/drawing/2010/main">
                 <a:solidFill>
                   <a:schemeClr val="accent1"/>
                 </a:solidFill>
               </a14:hiddenFill>
             </a:ext>
             <a:ext uri="{91240B29-F687-4f45-9708-019B960494DF}">
-              <a14:hiddenLine xmlns:a14="http://schemas.microsoft.com/office/drawing/2010/main" xmlns="" w="9525">
+              <a14:hiddenLine xmlns="" xmlns:a14="http://schemas.microsoft.com/office/drawing/2010/main" w="9525">
                 <a:solidFill>
                   <a:schemeClr val="tx1"/>
                 </a:solidFill>
@@ -40087,7 +40090,7 @@
               </a14:hiddenLine>
             </a:ext>
             <a:ext uri="{AF507438-7753-43e0-B8FC-AC1667EBCBE1}">
-              <a14:hiddenEffects xmlns:a14="http://schemas.microsoft.com/office/drawing/2010/main" xmlns="">
+              <a14:hiddenEffects xmlns="" xmlns:a14="http://schemas.microsoft.com/office/drawing/2010/main">
                 <a:effectLst>
                   <a:outerShdw dist="35921" dir="2700000" algn="ctr" rotWithShape="0">
                     <a:schemeClr val="bg2"/>
@@ -40440,14 +40443,14 @@
           <a:effectLst/>
           <a:extLst>
             <a:ext uri="{909E8E84-426E-40dd-AFC4-6F175D3DCCD1}">
-              <a14:hiddenFill xmlns:a14="http://schemas.microsoft.com/office/drawing/2010/main" xmlns="">
+              <a14:hiddenFill xmlns="" xmlns:a14="http://schemas.microsoft.com/office/drawing/2010/main">
                 <a:solidFill>
                   <a:schemeClr val="accent1"/>
                 </a:solidFill>
               </a14:hiddenFill>
             </a:ext>
             <a:ext uri="{91240B29-F687-4f45-9708-019B960494DF}">
-              <a14:hiddenLine xmlns:a14="http://schemas.microsoft.com/office/drawing/2010/main" xmlns="" w="9525">
+              <a14:hiddenLine xmlns="" xmlns:a14="http://schemas.microsoft.com/office/drawing/2010/main" w="9525">
                 <a:solidFill>
                   <a:schemeClr val="tx1"/>
                 </a:solidFill>
@@ -40457,7 +40460,7 @@
               </a14:hiddenLine>
             </a:ext>
             <a:ext uri="{AF507438-7753-43e0-B8FC-AC1667EBCBE1}">
-              <a14:hiddenEffects xmlns:a14="http://schemas.microsoft.com/office/drawing/2010/main" xmlns="">
+              <a14:hiddenEffects xmlns="" xmlns:a14="http://schemas.microsoft.com/office/drawing/2010/main">
                 <a:effectLst>
                   <a:outerShdw dist="35921" dir="2700000" algn="ctr" rotWithShape="0">
                     <a:schemeClr val="bg2"/>
@@ -41189,14 +41192,14 @@
           <a:effectLst/>
           <a:extLst>
             <a:ext uri="{909E8E84-426E-40dd-AFC4-6F175D3DCCD1}">
-              <a14:hiddenFill xmlns:a14="http://schemas.microsoft.com/office/drawing/2010/main" xmlns="">
+              <a14:hiddenFill xmlns="" xmlns:a14="http://schemas.microsoft.com/office/drawing/2010/main">
                 <a:solidFill>
                   <a:schemeClr val="accent1"/>
                 </a:solidFill>
               </a14:hiddenFill>
             </a:ext>
             <a:ext uri="{91240B29-F687-4f45-9708-019B960494DF}">
-              <a14:hiddenLine xmlns:a14="http://schemas.microsoft.com/office/drawing/2010/main" xmlns="" w="9525">
+              <a14:hiddenLine xmlns="" xmlns:a14="http://schemas.microsoft.com/office/drawing/2010/main" w="9525">
                 <a:solidFill>
                   <a:schemeClr val="tx1"/>
                 </a:solidFill>
@@ -41206,7 +41209,7 @@
               </a14:hiddenLine>
             </a:ext>
             <a:ext uri="{AF507438-7753-43e0-B8FC-AC1667EBCBE1}">
-              <a14:hiddenEffects xmlns:a14="http://schemas.microsoft.com/office/drawing/2010/main" xmlns="">
+              <a14:hiddenEffects xmlns="" xmlns:a14="http://schemas.microsoft.com/office/drawing/2010/main">
                 <a:effectLst>
                   <a:outerShdw dist="35921" dir="2700000" algn="ctr" rotWithShape="0">
                     <a:schemeClr val="bg2"/>
@@ -42075,14 +42078,14 @@
           <a:effectLst/>
           <a:extLst>
             <a:ext uri="{909E8E84-426E-40dd-AFC4-6F175D3DCCD1}">
-              <a14:hiddenFill xmlns:a14="http://schemas.microsoft.com/office/drawing/2010/main" xmlns="">
+              <a14:hiddenFill xmlns="" xmlns:a14="http://schemas.microsoft.com/office/drawing/2010/main">
                 <a:solidFill>
                   <a:schemeClr val="accent1"/>
                 </a:solidFill>
               </a14:hiddenFill>
             </a:ext>
             <a:ext uri="{91240B29-F687-4f45-9708-019B960494DF}">
-              <a14:hiddenLine xmlns:a14="http://schemas.microsoft.com/office/drawing/2010/main" xmlns="" w="9525">
+              <a14:hiddenLine xmlns="" xmlns:a14="http://schemas.microsoft.com/office/drawing/2010/main" w="9525">
                 <a:solidFill>
                   <a:schemeClr val="tx1"/>
                 </a:solidFill>
@@ -42092,7 +42095,7 @@
               </a14:hiddenLine>
             </a:ext>
             <a:ext uri="{AF507438-7753-43e0-B8FC-AC1667EBCBE1}">
-              <a14:hiddenEffects xmlns:a14="http://schemas.microsoft.com/office/drawing/2010/main" xmlns="">
+              <a14:hiddenEffects xmlns="" xmlns:a14="http://schemas.microsoft.com/office/drawing/2010/main">
                 <a:effectLst>
                   <a:outerShdw dist="35921" dir="2700000" algn="ctr" rotWithShape="0">
                     <a:schemeClr val="bg2"/>
@@ -42804,7 +42807,7 @@
           <a:effectLst/>
           <a:extLst>
             <a:ext uri="{AF507438-7753-43e0-B8FC-AC1667EBCBE1}">
-              <a14:hiddenEffects xmlns="" xmlns:a14="http://schemas.microsoft.com/office/drawing/2010/main">
+              <a14:hiddenEffects xmlns:a14="http://schemas.microsoft.com/office/drawing/2010/main" xmlns="">
                 <a:effectLst>
                   <a:outerShdw dist="35921" dir="2700000" algn="ctr" rotWithShape="0">
                     <a:schemeClr val="bg2"/>
@@ -42853,7 +42856,7 @@
           <a:effectLst/>
           <a:extLst>
             <a:ext uri="{AF507438-7753-43e0-B8FC-AC1667EBCBE1}">
-              <a14:hiddenEffects xmlns="" xmlns:a14="http://schemas.microsoft.com/office/drawing/2010/main">
+              <a14:hiddenEffects xmlns:a14="http://schemas.microsoft.com/office/drawing/2010/main" xmlns="">
                 <a:effectLst>
                   <a:outerShdw dist="35921" dir="2700000" algn="ctr" rotWithShape="0">
                     <a:schemeClr val="bg2"/>
@@ -42902,7 +42905,7 @@
           <a:effectLst/>
           <a:extLst>
             <a:ext uri="{AF507438-7753-43e0-B8FC-AC1667EBCBE1}">
-              <a14:hiddenEffects xmlns="" xmlns:a14="http://schemas.microsoft.com/office/drawing/2010/main">
+              <a14:hiddenEffects xmlns:a14="http://schemas.microsoft.com/office/drawing/2010/main" xmlns="">
                 <a:effectLst>
                   <a:outerShdw dist="35921" dir="2700000" algn="ctr" rotWithShape="0">
                     <a:schemeClr val="bg2"/>
@@ -42948,7 +42951,7 @@
           <a:effectLst/>
           <a:extLst>
             <a:ext uri="{AF507438-7753-43e0-B8FC-AC1667EBCBE1}">
-              <a14:hiddenEffects xmlns="" xmlns:a14="http://schemas.microsoft.com/office/drawing/2010/main">
+              <a14:hiddenEffects xmlns:a14="http://schemas.microsoft.com/office/drawing/2010/main" xmlns="">
                 <a:effectLst>
                   <a:outerShdw dist="35921" dir="2700000" algn="ctr" rotWithShape="0">
                     <a:schemeClr val="bg2"/>
@@ -43130,14 +43133,14 @@
           <a:effectLst/>
           <a:extLst>
             <a:ext uri="{909E8E84-426E-40dd-AFC4-6F175D3DCCD1}">
-              <a14:hiddenFill xmlns:a14="http://schemas.microsoft.com/office/drawing/2010/main" xmlns="">
+              <a14:hiddenFill xmlns="" xmlns:a14="http://schemas.microsoft.com/office/drawing/2010/main">
                 <a:solidFill>
                   <a:schemeClr val="accent1"/>
                 </a:solidFill>
               </a14:hiddenFill>
             </a:ext>
             <a:ext uri="{91240B29-F687-4f45-9708-019B960494DF}">
-              <a14:hiddenLine xmlns:a14="http://schemas.microsoft.com/office/drawing/2010/main" xmlns="" w="9525">
+              <a14:hiddenLine xmlns="" xmlns:a14="http://schemas.microsoft.com/office/drawing/2010/main" w="9525">
                 <a:solidFill>
                   <a:schemeClr val="tx1"/>
                 </a:solidFill>
@@ -43147,7 +43150,7 @@
               </a14:hiddenLine>
             </a:ext>
             <a:ext uri="{AF507438-7753-43e0-B8FC-AC1667EBCBE1}">
-              <a14:hiddenEffects xmlns:a14="http://schemas.microsoft.com/office/drawing/2010/main" xmlns="">
+              <a14:hiddenEffects xmlns="" xmlns:a14="http://schemas.microsoft.com/office/drawing/2010/main">
                 <a:effectLst>
                   <a:outerShdw dist="35921" dir="2700000" algn="ctr" rotWithShape="0">
                     <a:schemeClr val="bg2"/>
@@ -43423,14 +43426,14 @@
           <a:effectLst/>
           <a:extLst>
             <a:ext uri="{909E8E84-426E-40dd-AFC4-6F175D3DCCD1}">
-              <a14:hiddenFill xmlns:a14="http://schemas.microsoft.com/office/drawing/2010/main" xmlns="">
+              <a14:hiddenFill xmlns="" xmlns:a14="http://schemas.microsoft.com/office/drawing/2010/main">
                 <a:solidFill>
                   <a:schemeClr val="accent1"/>
                 </a:solidFill>
               </a14:hiddenFill>
             </a:ext>
             <a:ext uri="{91240B29-F687-4f45-9708-019B960494DF}">
-              <a14:hiddenLine xmlns:a14="http://schemas.microsoft.com/office/drawing/2010/main" xmlns="" w="9525">
+              <a14:hiddenLine xmlns="" xmlns:a14="http://schemas.microsoft.com/office/drawing/2010/main" w="9525">
                 <a:solidFill>
                   <a:schemeClr val="tx1"/>
                 </a:solidFill>
@@ -43440,7 +43443,7 @@
               </a14:hiddenLine>
             </a:ext>
             <a:ext uri="{AF507438-7753-43e0-B8FC-AC1667EBCBE1}">
-              <a14:hiddenEffects xmlns:a14="http://schemas.microsoft.com/office/drawing/2010/main" xmlns="">
+              <a14:hiddenEffects xmlns="" xmlns:a14="http://schemas.microsoft.com/office/drawing/2010/main">
                 <a:effectLst>
                   <a:outerShdw dist="35921" dir="2700000" algn="ctr" rotWithShape="0">
                     <a:schemeClr val="bg2"/>
@@ -43942,7 +43945,7 @@
           <a:effectLst/>
           <a:extLst>
             <a:ext uri="{AF507438-7753-43e0-B8FC-AC1667EBCBE1}">
-              <a14:hiddenEffects xmlns="" xmlns:a14="http://schemas.microsoft.com/office/drawing/2010/main">
+              <a14:hiddenEffects xmlns:a14="http://schemas.microsoft.com/office/drawing/2010/main" xmlns="">
                 <a:effectLst>
                   <a:outerShdw dist="35921" dir="2700000" algn="ctr" rotWithShape="0">
                     <a:schemeClr val="bg2"/>
@@ -44203,7 +44206,7 @@
           <a:effectLst/>
           <a:extLst>
             <a:ext uri="{AF507438-7753-43e0-B8FC-AC1667EBCBE1}">
-              <a14:hiddenEffects xmlns="" xmlns:a14="http://schemas.microsoft.com/office/drawing/2010/main">
+              <a14:hiddenEffects xmlns:a14="http://schemas.microsoft.com/office/drawing/2010/main" xmlns="">
                 <a:effectLst>
                   <a:outerShdw dist="35921" dir="2700000" algn="ctr" rotWithShape="0">
                     <a:schemeClr val="bg2"/>
@@ -44243,14 +44246,14 @@
           <a:effectLst/>
           <a:extLst>
             <a:ext uri="{909E8E84-426E-40dd-AFC4-6F175D3DCCD1}">
-              <a14:hiddenFill xmlns:a14="http://schemas.microsoft.com/office/drawing/2010/main" xmlns="">
+              <a14:hiddenFill xmlns="" xmlns:a14="http://schemas.microsoft.com/office/drawing/2010/main">
                 <a:solidFill>
                   <a:schemeClr val="accent1"/>
                 </a:solidFill>
               </a14:hiddenFill>
             </a:ext>
             <a:ext uri="{91240B29-F687-4f45-9708-019B960494DF}">
-              <a14:hiddenLine xmlns:a14="http://schemas.microsoft.com/office/drawing/2010/main" xmlns="" w="9525">
+              <a14:hiddenLine xmlns="" xmlns:a14="http://schemas.microsoft.com/office/drawing/2010/main" w="9525">
                 <a:solidFill>
                   <a:schemeClr val="tx1"/>
                 </a:solidFill>
@@ -44260,7 +44263,7 @@
               </a14:hiddenLine>
             </a:ext>
             <a:ext uri="{AF507438-7753-43e0-B8FC-AC1667EBCBE1}">
-              <a14:hiddenEffects xmlns:a14="http://schemas.microsoft.com/office/drawing/2010/main" xmlns="">
+              <a14:hiddenEffects xmlns="" xmlns:a14="http://schemas.microsoft.com/office/drawing/2010/main">
                 <a:effectLst>
                   <a:outerShdw dist="35921" dir="2700000" algn="ctr" rotWithShape="0">
                     <a:schemeClr val="bg2"/>
@@ -44635,14 +44638,14 @@
           <a:effectLst/>
           <a:extLst>
             <a:ext uri="{909E8E84-426E-40dd-AFC4-6F175D3DCCD1}">
-              <a14:hiddenFill xmlns:a14="http://schemas.microsoft.com/office/drawing/2010/main" xmlns="">
+              <a14:hiddenFill xmlns="" xmlns:a14="http://schemas.microsoft.com/office/drawing/2010/main">
                 <a:solidFill>
                   <a:schemeClr val="accent1"/>
                 </a:solidFill>
               </a14:hiddenFill>
             </a:ext>
             <a:ext uri="{91240B29-F687-4f45-9708-019B960494DF}">
-              <a14:hiddenLine xmlns:a14="http://schemas.microsoft.com/office/drawing/2010/main" xmlns="" w="9525">
+              <a14:hiddenLine xmlns="" xmlns:a14="http://schemas.microsoft.com/office/drawing/2010/main" w="9525">
                 <a:solidFill>
                   <a:schemeClr val="tx1"/>
                 </a:solidFill>
@@ -44652,7 +44655,7 @@
               </a14:hiddenLine>
             </a:ext>
             <a:ext uri="{AF507438-7753-43e0-B8FC-AC1667EBCBE1}">
-              <a14:hiddenEffects xmlns:a14="http://schemas.microsoft.com/office/drawing/2010/main" xmlns="">
+              <a14:hiddenEffects xmlns="" xmlns:a14="http://schemas.microsoft.com/office/drawing/2010/main">
                 <a:effectLst>
                   <a:outerShdw dist="35921" dir="2700000" algn="ctr" rotWithShape="0">
                     <a:schemeClr val="bg2"/>
@@ -45349,7 +45352,7 @@
         <a:effectLst/>
         <a:extLst>
           <a:ext uri="{AF507438-7753-43e0-B8FC-AC1667EBCBE1}">
-            <a14:hiddenEffects xmlns:a14="http://schemas.microsoft.com/office/drawing/2010/main" xmlns="">
+            <a14:hiddenEffects xmlns="" xmlns:a14="http://schemas.microsoft.com/office/drawing/2010/main">
               <a:effectLst>
                 <a:outerShdw dist="35921" dir="2700000" algn="ctr" rotWithShape="0">
                   <a:schemeClr val="bg2"/>
@@ -45422,7 +45425,7 @@
         <a:effectLst/>
         <a:extLst>
           <a:ext uri="{AF507438-7753-43e0-B8FC-AC1667EBCBE1}">
-            <a14:hiddenEffects xmlns:a14="http://schemas.microsoft.com/office/drawing/2010/main" xmlns="">
+            <a14:hiddenEffects xmlns="" xmlns:a14="http://schemas.microsoft.com/office/drawing/2010/main">
               <a:effectLst>
                 <a:outerShdw dist="35921" dir="2700000" algn="ctr" rotWithShape="0">
                   <a:schemeClr val="bg2"/>

--- a/Ethereum_Präsentation_Jannes/Ethereum-Transaktionen.pptx
+++ b/Ethereum_Präsentation_Jannes/Ethereum-Transaktionen.pptx
@@ -3015,7 +3015,7 @@
           <a:p>
             <a:pPr lvl="0"/>
             <a:r>
-              <a:rPr lang="de-DE" noProof="0"/>
+              <a:rPr lang="de-DE" noProof="0" dirty="0"/>
               <a:t>Mastertitelformat bearbeiten</a:t>
             </a:r>
           </a:p>
@@ -3130,10 +3130,10 @@
           <a:lstStyle/>
           <a:p>
             <a:r>
-              <a:rPr lang="de-DE"/>
+              <a:rPr lang="de-DE" dirty="0"/>
               <a:t>Diagramm durch Klicken auf Symbol hinzufügen</a:t>
             </a:r>
-            <a:endParaRPr lang="en-US"/>
+            <a:endParaRPr lang="en-US" dirty="0"/>
           </a:p>
         </p:txBody>
       </p:sp>
@@ -6006,34 +6006,9 @@
               <a:buChar char="•"/>
             </a:pPr>
             <a:r>
-              <a:rPr lang="en-US" kern="0" dirty="0" err="1"/>
-              <a:t>Ausschließlich</a:t>
-            </a:r>
-            <a:r>
-              <a:rPr lang="en-US" kern="0" dirty="0"/>
-              <a:t> </a:t>
-            </a:r>
-            <a:r>
-              <a:rPr lang="en-US" kern="0" dirty="0" err="1"/>
-              <a:t>zur</a:t>
-            </a:r>
-            <a:r>
-              <a:rPr lang="en-US" kern="0" dirty="0"/>
-              <a:t> </a:t>
-            </a:r>
-            <a:r>
-              <a:rPr lang="en-US" kern="0" dirty="0" err="1"/>
-              <a:t>Serialisierung</a:t>
-            </a:r>
-            <a:r>
-              <a:rPr lang="en-US" kern="0" dirty="0"/>
-              <a:t> von </a:t>
-            </a:r>
-            <a:r>
-              <a:rPr lang="en-US" kern="0" dirty="0" err="1"/>
-              <a:t>Struktur</a:t>
-            </a:r>
-            <a:endParaRPr lang="en-US" kern="0" dirty="0"/>
+              <a:rPr lang="de-DE" kern="0" dirty="0"/>
+              <a:t>Ausschließlich zur Serialisierung von Struktur</a:t>
+            </a:r>
           </a:p>
           <a:p>
             <a:pPr marL="285750" indent="-285750">
@@ -6041,28 +6016,8 @@
               <a:buChar char="•"/>
             </a:pPr>
             <a:r>
-              <a:rPr lang="en-US" kern="0" dirty="0" err="1"/>
-              <a:t>Funktionsparameter</a:t>
-            </a:r>
-            <a:r>
-              <a:rPr lang="en-US" kern="0" dirty="0"/>
-              <a:t> </a:t>
-            </a:r>
-            <a:r>
-              <a:rPr lang="en-US" kern="0" dirty="0" err="1"/>
-              <a:t>ist</a:t>
-            </a:r>
-            <a:r>
-              <a:rPr lang="en-US" kern="0" dirty="0"/>
-              <a:t> </a:t>
-            </a:r>
-            <a:r>
-              <a:rPr lang="en-US" kern="0" dirty="0" err="1"/>
-              <a:t>ein</a:t>
-            </a:r>
-            <a:r>
-              <a:rPr lang="en-US" kern="0" dirty="0"/>
-              <a:t> Item</a:t>
+              <a:rPr lang="de-DE" kern="0" dirty="0"/>
+              <a:t>Funktionsparameter ist ein Item</a:t>
             </a:r>
           </a:p>
           <a:p>
@@ -6071,32 +6026,8 @@
               <a:buChar char="•"/>
             </a:pPr>
             <a:r>
-              <a:rPr lang="en-US" kern="0" dirty="0"/>
-              <a:t>Item </a:t>
-            </a:r>
-            <a:r>
-              <a:rPr lang="en-US" kern="0" dirty="0" err="1"/>
-              <a:t>entweder</a:t>
-            </a:r>
-            <a:r>
-              <a:rPr lang="en-US" kern="0" dirty="0"/>
-              <a:t> String (</a:t>
-            </a:r>
-            <a:r>
-              <a:rPr lang="en-US" kern="0" dirty="0" err="1"/>
-              <a:t>z.B</a:t>
-            </a:r>
-            <a:r>
-              <a:rPr lang="en-US" kern="0" dirty="0"/>
-              <a:t>. Byte-Array) </a:t>
-            </a:r>
-            <a:r>
-              <a:rPr lang="en-US" kern="0" dirty="0" err="1"/>
-              <a:t>oder</a:t>
-            </a:r>
-            <a:r>
-              <a:rPr lang="en-US" kern="0" dirty="0"/>
-              <a:t> Array von Items</a:t>
+              <a:rPr lang="de-DE" kern="0" dirty="0"/>
+              <a:t>Item entweder String (z.B. Byte-Array) oder Array von Items</a:t>
             </a:r>
           </a:p>
           <a:p>
@@ -6105,42 +6036,9 @@
               <a:buChar char="•"/>
             </a:pPr>
             <a:r>
-              <a:rPr lang="en-US" kern="0" dirty="0" err="1"/>
-              <a:t>Präfix</a:t>
-            </a:r>
-            <a:r>
-              <a:rPr lang="en-US" kern="0" dirty="0"/>
-              <a:t> </a:t>
-            </a:r>
-            <a:r>
-              <a:rPr lang="en-US" kern="0" dirty="0" err="1"/>
-              <a:t>wird</a:t>
-            </a:r>
-            <a:r>
-              <a:rPr lang="en-US" kern="0" dirty="0"/>
-              <a:t> </a:t>
-            </a:r>
-            <a:r>
-              <a:rPr lang="en-US" kern="0" dirty="0" err="1"/>
-              <a:t>abhängig</a:t>
-            </a:r>
-            <a:r>
-              <a:rPr lang="en-US" kern="0" dirty="0"/>
-              <a:t> von </a:t>
-            </a:r>
-            <a:r>
-              <a:rPr lang="en-US" kern="0" dirty="0" err="1"/>
-              <a:t>Länge</a:t>
-            </a:r>
-            <a:r>
-              <a:rPr lang="en-US" kern="0" dirty="0"/>
-              <a:t> des Items </a:t>
-            </a:r>
-            <a:r>
-              <a:rPr lang="en-US" kern="0" dirty="0" err="1"/>
-              <a:t>gesetzt</a:t>
-            </a:r>
-            <a:endParaRPr lang="en-US" kern="0" dirty="0"/>
+              <a:rPr lang="de-DE" kern="0" dirty="0"/>
+              <a:t>Präfix wird abhängig von Länge des Items gesetzt</a:t>
+            </a:r>
           </a:p>
           <a:p>
             <a:pPr marL="285750" indent="-285750">
@@ -6148,40 +6046,8 @@
               <a:buChar char="•"/>
             </a:pPr>
             <a:r>
-              <a:rPr lang="en-US" kern="0" dirty="0"/>
-              <a:t>Es </a:t>
-            </a:r>
-            <a:r>
-              <a:rPr lang="en-US" kern="0" dirty="0" err="1"/>
-              <a:t>gelten</a:t>
-            </a:r>
-            <a:r>
-              <a:rPr lang="en-US" kern="0" dirty="0"/>
-              <a:t> </a:t>
-            </a:r>
-            <a:r>
-              <a:rPr lang="en-US" kern="0" dirty="0" err="1"/>
-              <a:t>verschiedene</a:t>
-            </a:r>
-            <a:r>
-              <a:rPr lang="en-US" kern="0" dirty="0"/>
-              <a:t> </a:t>
-            </a:r>
-            <a:r>
-              <a:rPr lang="en-US" kern="0" dirty="0" err="1"/>
-              <a:t>Regeln</a:t>
-            </a:r>
-            <a:r>
-              <a:rPr lang="en-US" kern="0" dirty="0"/>
-              <a:t> je </a:t>
-            </a:r>
-            <a:r>
-              <a:rPr lang="en-US" kern="0" dirty="0" err="1"/>
-              <a:t>nach</a:t>
-            </a:r>
-            <a:r>
-              <a:rPr lang="en-US" kern="0" dirty="0"/>
-              <a:t> Item</a:t>
+              <a:rPr lang="de-DE" kern="0" dirty="0"/>
+              <a:t>Es gelten verschiedene Regeln je nach Item</a:t>
             </a:r>
           </a:p>
         </p:txBody>
@@ -6380,37 +6246,16 @@
           </a:lstStyle>
           <a:p>
             <a:r>
-              <a:rPr lang="en-US" kern="0" dirty="0" err="1"/>
+              <a:rPr lang="de-DE" kern="0"/>
               <a:t>Serialisierung</a:t>
             </a:r>
             <a:br>
-              <a:rPr lang="en-US" kern="0" dirty="0"/>
+              <a:rPr lang="de-DE" kern="0"/>
             </a:br>
             <a:r>
-              <a:rPr lang="de-DE" sz="2400" b="0" i="1" kern="0" dirty="0" err="1"/>
-              <a:t>Recursive</a:t>
-            </a:r>
-            <a:r>
-              <a:rPr lang="de-DE" sz="2400" b="0" i="1" kern="0" dirty="0"/>
-              <a:t> </a:t>
-            </a:r>
-            <a:r>
-              <a:rPr lang="de-DE" sz="2400" b="0" i="1" kern="0" dirty="0" err="1"/>
-              <a:t>Length</a:t>
-            </a:r>
-            <a:r>
-              <a:rPr lang="de-DE" sz="2400" b="0" i="1" kern="0" dirty="0"/>
-              <a:t> </a:t>
-            </a:r>
-            <a:r>
-              <a:rPr lang="de-DE" sz="2400" b="0" i="1" kern="0" dirty="0" err="1"/>
-              <a:t>Prefix</a:t>
-            </a:r>
-            <a:r>
-              <a:rPr lang="de-DE" sz="2400" b="0" i="1" kern="0" dirty="0"/>
-              <a:t> (RLP)</a:t>
-            </a:r>
-            <a:endParaRPr lang="en-US" sz="2400" b="0" i="1" kern="0" dirty="0"/>
+              <a:rPr lang="de-DE" sz="2400" b="0" i="1" kern="0"/>
+              <a:t>Recursive Length Prefix (RLP)</a:t>
+            </a:r>
           </a:p>
         </p:txBody>
       </p:sp>
@@ -6682,8 +6527,8 @@
           </p:sp>
         </mc:Fallback>
       </mc:AlternateContent>
-      <mc:AlternateContent xmlns:mc="http://schemas.openxmlformats.org/markup-compatibility/2006">
-        <mc:Choice xmlns:a14="http://schemas.microsoft.com/office/drawing/2010/main" Requires="a14">
+      <mc:AlternateContent xmlns:mc="http://schemas.openxmlformats.org/markup-compatibility/2006" xmlns:a14="http://schemas.microsoft.com/office/drawing/2010/main">
+        <mc:Choice Requires="a14">
           <p:sp>
             <p:nvSpPr>
               <p:cNvPr id="11" name="Rechteck 10">
@@ -6777,7 +6622,7 @@
             </p:txBody>
           </p:sp>
         </mc:Choice>
-        <mc:Fallback>
+        <mc:Fallback xmlns="">
           <p:sp>
             <p:nvSpPr>
               <p:cNvPr id="11" name="Rechteck 10">
@@ -7519,45 +7364,16 @@
             </a:pPr>
             <a:r>
               <a:rPr lang="de-DE" kern="0" dirty="0"/>
-              <a:t>Struktur</a:t>
-            </a:r>
-            <a:r>
-              <a:rPr lang="en-US" kern="0" dirty="0"/>
-              <a:t> und </a:t>
-            </a:r>
-            <a:r>
-              <a:rPr lang="en-US" kern="0" dirty="0" err="1"/>
-              <a:t>technische</a:t>
-            </a:r>
-            <a:r>
-              <a:rPr lang="en-US" kern="0" dirty="0"/>
-              <a:t> </a:t>
-            </a:r>
-            <a:r>
-              <a:rPr lang="en-US" kern="0" dirty="0" err="1"/>
-              <a:t>Umsetzung</a:t>
-            </a:r>
-            <a:endParaRPr lang="en-US" kern="0" dirty="0"/>
+              <a:t>Struktur und technische Umsetzung</a:t>
+            </a:r>
           </a:p>
           <a:p>
             <a:pPr marL="342900" indent="-342900">
               <a:buAutoNum type="arabicPeriod"/>
             </a:pPr>
             <a:r>
-              <a:rPr lang="en-US" b="1" kern="0" dirty="0" err="1"/>
-              <a:t>Komponenten</a:t>
-            </a:r>
-            <a:r>
-              <a:rPr lang="en-US" b="1" kern="0" dirty="0"/>
-              <a:t> </a:t>
-            </a:r>
-            <a:r>
-              <a:rPr lang="en-US" b="1" kern="0" dirty="0" err="1"/>
-              <a:t>im</a:t>
-            </a:r>
-            <a:r>
-              <a:rPr lang="en-US" b="1" kern="0" dirty="0"/>
-              <a:t> Detail</a:t>
+              <a:rPr lang="de-DE" b="1" kern="0" dirty="0"/>
+              <a:t>Komponenten im Detail</a:t>
             </a:r>
           </a:p>
           <a:p>
@@ -7565,20 +7381,18 @@
               <a:buAutoNum type="arabicPeriod"/>
             </a:pPr>
             <a:r>
-              <a:rPr lang="en-US" kern="0" dirty="0" err="1"/>
-              <a:t>Transaktionabwicklung</a:t>
-            </a:r>
-            <a:endParaRPr lang="en-US" kern="0" dirty="0"/>
+              <a:rPr lang="de-DE" kern="0" dirty="0"/>
+              <a:t>Transaktionsabwicklung</a:t>
+            </a:r>
           </a:p>
           <a:p>
             <a:pPr marL="342900" indent="-342900">
               <a:buAutoNum type="arabicPeriod"/>
             </a:pPr>
             <a:r>
-              <a:rPr lang="en-US" kern="0" dirty="0" err="1"/>
+              <a:rPr lang="de-DE" kern="0" dirty="0"/>
               <a:t>Ausblick</a:t>
             </a:r>
-            <a:endParaRPr lang="en-US" kern="0" dirty="0"/>
           </a:p>
         </p:txBody>
       </p:sp>
@@ -7880,48 +7694,120 @@
               <a:buChar char="•"/>
             </a:pPr>
             <a:r>
-              <a:rPr lang="en-US" kern="0" dirty="0" err="1"/>
-              <a:t>Konzept</a:t>
-            </a:r>
-            <a:r>
-              <a:rPr lang="en-US" kern="0" dirty="0"/>
-              <a:t> </a:t>
-            </a:r>
-            <a:r>
-              <a:rPr lang="en-US" kern="0" dirty="0" err="1"/>
-              <a:t>aus</a:t>
-            </a:r>
-            <a:r>
-              <a:rPr lang="en-US" kern="0" dirty="0"/>
-              <a:t> der </a:t>
-            </a:r>
-            <a:r>
-              <a:rPr lang="en-US" kern="0" dirty="0" err="1"/>
-              <a:t>Krythographie</a:t>
-            </a:r>
-            <a:r>
-              <a:rPr lang="en-US" kern="0" dirty="0"/>
+              <a:rPr lang="de-DE" kern="0" dirty="0"/>
+              <a:t>Konzept aus der </a:t>
+            </a:r>
+            <a:r>
+              <a:rPr lang="de-DE" dirty="0"/>
+              <a:t>Kryptographie</a:t>
+            </a:r>
+            <a:r>
+              <a:rPr lang="de-DE" kern="0" dirty="0"/>
               <a:t>:   </a:t>
             </a:r>
           </a:p>
           <a:p>
             <a:r>
-              <a:rPr lang="en-US" i="1" kern="0" dirty="0"/>
+              <a:rPr lang="de-DE" i="1" kern="0" dirty="0"/>
               <a:t>	</a:t>
             </a:r>
             <a:r>
               <a:rPr lang="de-DE" dirty="0"/>
-              <a:t> „</a:t>
-            </a:r>
-            <a:r>
-              <a:rPr lang="en-US" dirty="0"/>
-              <a:t>a nonce is an arbitrary number that can be used just once in a cryptographic communication”</a:t>
-            </a:r>
-            <a:r>
-              <a:rPr lang="en-US" baseline="30000" dirty="0"/>
+              <a:t> „a </a:t>
+            </a:r>
+            <a:r>
+              <a:rPr lang="de-DE" dirty="0" err="1"/>
+              <a:t>nonce</a:t>
+            </a:r>
+            <a:r>
+              <a:rPr lang="de-DE" dirty="0"/>
+              <a:t> </a:t>
+            </a:r>
+            <a:r>
+              <a:rPr lang="de-DE" dirty="0" err="1"/>
+              <a:t>is</a:t>
+            </a:r>
+            <a:r>
+              <a:rPr lang="de-DE" dirty="0"/>
+              <a:t> an </a:t>
+            </a:r>
+            <a:r>
+              <a:rPr lang="de-DE" dirty="0" err="1"/>
+              <a:t>arbitrary</a:t>
+            </a:r>
+            <a:r>
+              <a:rPr lang="de-DE" dirty="0"/>
+              <a:t> </a:t>
+            </a:r>
+            <a:r>
+              <a:rPr lang="de-DE" dirty="0" err="1"/>
+              <a:t>number</a:t>
+            </a:r>
+            <a:r>
+              <a:rPr lang="de-DE" dirty="0"/>
+              <a:t> </a:t>
+            </a:r>
+            <a:r>
+              <a:rPr lang="de-DE" dirty="0" err="1"/>
+              <a:t>that</a:t>
+            </a:r>
+            <a:r>
+              <a:rPr lang="de-DE" dirty="0"/>
+              <a:t> </a:t>
+            </a:r>
+            <a:r>
+              <a:rPr lang="de-DE" dirty="0" err="1"/>
+              <a:t>can</a:t>
+            </a:r>
+            <a:r>
+              <a:rPr lang="de-DE" dirty="0"/>
+              <a:t> </a:t>
+            </a:r>
+            <a:r>
+              <a:rPr lang="de-DE" dirty="0" err="1"/>
+              <a:t>be</a:t>
+            </a:r>
+            <a:r>
+              <a:rPr lang="de-DE" dirty="0"/>
+              <a:t> </a:t>
+            </a:r>
+            <a:r>
+              <a:rPr lang="de-DE" dirty="0" err="1"/>
+              <a:t>used</a:t>
+            </a:r>
+            <a:r>
+              <a:rPr lang="de-DE" dirty="0"/>
+              <a:t> just </a:t>
+            </a:r>
+            <a:r>
+              <a:rPr lang="de-DE" dirty="0" err="1"/>
+              <a:t>once</a:t>
+            </a:r>
+            <a:r>
+              <a:rPr lang="de-DE" dirty="0"/>
+              <a:t> in a </a:t>
+            </a:r>
+            <a:r>
+              <a:rPr lang="de-DE" dirty="0" err="1"/>
+              <a:t>cryptographic</a:t>
+            </a:r>
+            <a:r>
+              <a:rPr lang="de-DE" dirty="0"/>
+              <a:t> </a:t>
+            </a:r>
+            <a:r>
+              <a:rPr lang="de-DE" dirty="0" err="1"/>
+              <a:t>communication</a:t>
+            </a:r>
+            <a:r>
+              <a:rPr lang="de-DE" dirty="0"/>
+              <a:t>”</a:t>
+            </a:r>
+            <a:r>
+              <a:rPr lang="de-DE" baseline="30000" dirty="0"/>
               <a:t>[1]</a:t>
             </a:r>
-            <a:endParaRPr lang="en-US" i="1" kern="0" dirty="0"/>
+            <a:endParaRPr lang="de-DE" i="1" kern="0" dirty="0"/>
           </a:p>
           <a:p>
             <a:pPr marL="285750" indent="-285750">
@@ -7929,50 +7815,9 @@
               <a:buChar char="•"/>
             </a:pPr>
             <a:r>
-              <a:rPr lang="en-US" kern="0" dirty="0" err="1"/>
-              <a:t>Inkrementierende</a:t>
-            </a:r>
-            <a:r>
-              <a:rPr lang="en-US" kern="0" dirty="0"/>
-              <a:t> </a:t>
-            </a:r>
-            <a:r>
-              <a:rPr lang="en-US" kern="0" dirty="0" err="1"/>
-              <a:t>Zahl</a:t>
-            </a:r>
-            <a:r>
-              <a:rPr lang="en-US" kern="0" dirty="0"/>
-              <a:t> </a:t>
-            </a:r>
-            <a:r>
-              <a:rPr lang="en-US" kern="0" dirty="0" err="1"/>
-              <a:t>ermöglicht</a:t>
-            </a:r>
-            <a:r>
-              <a:rPr lang="en-US" kern="0" dirty="0"/>
-              <a:t> </a:t>
-            </a:r>
-            <a:r>
-              <a:rPr lang="en-US" kern="0" dirty="0" err="1"/>
-              <a:t>Einmaligkeit</a:t>
-            </a:r>
-            <a:r>
-              <a:rPr lang="en-US" kern="0" dirty="0"/>
-              <a:t> </a:t>
-            </a:r>
-            <a:r>
-              <a:rPr lang="en-US" kern="0" dirty="0" err="1"/>
-              <a:t>einer</a:t>
-            </a:r>
-            <a:r>
-              <a:rPr lang="en-US" kern="0" dirty="0"/>
-              <a:t> </a:t>
-            </a:r>
-            <a:r>
-              <a:rPr lang="en-US" kern="0" dirty="0" err="1"/>
-              <a:t>Transaktion</a:t>
-            </a:r>
-            <a:endParaRPr lang="en-US" kern="0" dirty="0"/>
+              <a:rPr lang="de-DE" kern="0" dirty="0"/>
+              <a:t>Inkrementierende Zahl ermöglicht Einmaligkeit einer Transaktion</a:t>
+            </a:r>
           </a:p>
           <a:p>
             <a:pPr marL="285750" indent="-285750">
@@ -7980,32 +7825,16 @@
               <a:buChar char="•"/>
             </a:pPr>
             <a:r>
-              <a:rPr lang="en-US" kern="0" dirty="0"/>
-              <a:t>Schutz </a:t>
-            </a:r>
-            <a:r>
-              <a:rPr lang="en-US" kern="0" dirty="0" err="1"/>
-              <a:t>gegen</a:t>
-            </a:r>
-            <a:r>
-              <a:rPr lang="en-US" kern="0" dirty="0"/>
-              <a:t> </a:t>
+              <a:rPr lang="de-DE" kern="0" dirty="0"/>
+              <a:t>Schutz gegen </a:t>
             </a:r>
             <a:r>
               <a:rPr lang="de-DE" dirty="0"/>
               <a:t>„</a:t>
             </a:r>
             <a:r>
-              <a:rPr lang="en-US" kern="0" dirty="0"/>
-              <a:t>Replay-</a:t>
-            </a:r>
-            <a:r>
-              <a:rPr lang="en-US" kern="0" dirty="0" err="1"/>
-              <a:t>Angriffe</a:t>
-            </a:r>
-            <a:r>
-              <a:rPr lang="en-US" kern="0" dirty="0"/>
-              <a:t>”</a:t>
+              <a:rPr lang="de-DE" kern="0" dirty="0"/>
+              <a:t>Replay-Angriffe”</a:t>
             </a:r>
           </a:p>
         </p:txBody>
@@ -10021,48 +9850,120 @@
               <a:buChar char="•"/>
             </a:pPr>
             <a:r>
-              <a:rPr lang="en-US" kern="0" dirty="0" err="1"/>
-              <a:t>Konzept</a:t>
-            </a:r>
-            <a:r>
-              <a:rPr lang="en-US" kern="0" dirty="0"/>
-              <a:t> </a:t>
-            </a:r>
-            <a:r>
-              <a:rPr lang="en-US" kern="0" dirty="0" err="1"/>
-              <a:t>aus</a:t>
-            </a:r>
-            <a:r>
-              <a:rPr lang="en-US" kern="0" dirty="0"/>
-              <a:t> der </a:t>
-            </a:r>
-            <a:r>
-              <a:rPr lang="en-US" kern="0" dirty="0" err="1"/>
-              <a:t>Krythographie</a:t>
-            </a:r>
-            <a:r>
-              <a:rPr lang="en-US" kern="0" dirty="0"/>
+              <a:rPr lang="de-DE" kern="0" dirty="0"/>
+              <a:t>Konzept aus der </a:t>
+            </a:r>
+            <a:r>
+              <a:rPr lang="de-DE" dirty="0"/>
+              <a:t>Kryptographie</a:t>
+            </a:r>
+            <a:r>
+              <a:rPr lang="de-DE" kern="0" dirty="0"/>
               <a:t>:   </a:t>
             </a:r>
           </a:p>
           <a:p>
             <a:r>
-              <a:rPr lang="en-US" i="1" kern="0" dirty="0"/>
+              <a:rPr lang="de-DE" i="1" kern="0" dirty="0"/>
               <a:t>	</a:t>
             </a:r>
             <a:r>
               <a:rPr lang="de-DE" dirty="0"/>
-              <a:t> „</a:t>
-            </a:r>
-            <a:r>
-              <a:rPr lang="en-US" dirty="0"/>
-              <a:t>a nonce is an arbitrary number that can be used just once in a cryptographic communication”</a:t>
-            </a:r>
-            <a:r>
-              <a:rPr lang="en-US" baseline="30000" dirty="0"/>
+              <a:t> „a </a:t>
+            </a:r>
+            <a:r>
+              <a:rPr lang="de-DE" dirty="0" err="1"/>
+              <a:t>nonce</a:t>
+            </a:r>
+            <a:r>
+              <a:rPr lang="de-DE" dirty="0"/>
+              <a:t> </a:t>
+            </a:r>
+            <a:r>
+              <a:rPr lang="de-DE" dirty="0" err="1"/>
+              <a:t>is</a:t>
+            </a:r>
+            <a:r>
+              <a:rPr lang="de-DE" dirty="0"/>
+              <a:t> an </a:t>
+            </a:r>
+            <a:r>
+              <a:rPr lang="de-DE" dirty="0" err="1"/>
+              <a:t>arbitrary</a:t>
+            </a:r>
+            <a:r>
+              <a:rPr lang="de-DE" dirty="0"/>
+              <a:t> </a:t>
+            </a:r>
+            <a:r>
+              <a:rPr lang="de-DE" dirty="0" err="1"/>
+              <a:t>number</a:t>
+            </a:r>
+            <a:r>
+              <a:rPr lang="de-DE" dirty="0"/>
+              <a:t> </a:t>
+            </a:r>
+            <a:r>
+              <a:rPr lang="de-DE" dirty="0" err="1"/>
+              <a:t>that</a:t>
+            </a:r>
+            <a:r>
+              <a:rPr lang="de-DE" dirty="0"/>
+              <a:t> </a:t>
+            </a:r>
+            <a:r>
+              <a:rPr lang="de-DE" dirty="0" err="1"/>
+              <a:t>can</a:t>
+            </a:r>
+            <a:r>
+              <a:rPr lang="de-DE" dirty="0"/>
+              <a:t> </a:t>
+            </a:r>
+            <a:r>
+              <a:rPr lang="de-DE" dirty="0" err="1"/>
+              <a:t>be</a:t>
+            </a:r>
+            <a:r>
+              <a:rPr lang="de-DE" dirty="0"/>
+              <a:t> </a:t>
+            </a:r>
+            <a:r>
+              <a:rPr lang="de-DE" dirty="0" err="1"/>
+              <a:t>used</a:t>
+            </a:r>
+            <a:r>
+              <a:rPr lang="de-DE" dirty="0"/>
+              <a:t> just </a:t>
+            </a:r>
+            <a:r>
+              <a:rPr lang="de-DE" dirty="0" err="1"/>
+              <a:t>once</a:t>
+            </a:r>
+            <a:r>
+              <a:rPr lang="de-DE" dirty="0"/>
+              <a:t> in a </a:t>
+            </a:r>
+            <a:r>
+              <a:rPr lang="de-DE" dirty="0" err="1"/>
+              <a:t>cryptographic</a:t>
+            </a:r>
+            <a:r>
+              <a:rPr lang="de-DE" dirty="0"/>
+              <a:t> </a:t>
+            </a:r>
+            <a:r>
+              <a:rPr lang="de-DE" dirty="0" err="1"/>
+              <a:t>communication</a:t>
+            </a:r>
+            <a:r>
+              <a:rPr lang="de-DE" dirty="0"/>
+              <a:t>”</a:t>
+            </a:r>
+            <a:r>
+              <a:rPr lang="de-DE" baseline="30000" dirty="0"/>
               <a:t>[1]</a:t>
             </a:r>
-            <a:endParaRPr lang="en-US" i="1" kern="0" dirty="0"/>
+            <a:endParaRPr lang="de-DE" i="1" kern="0" dirty="0"/>
           </a:p>
           <a:p>
             <a:pPr marL="285750" indent="-285750">
@@ -10070,50 +9971,9 @@
               <a:buChar char="•"/>
             </a:pPr>
             <a:r>
-              <a:rPr lang="en-US" kern="0" dirty="0" err="1"/>
-              <a:t>Inkrementierende</a:t>
-            </a:r>
-            <a:r>
-              <a:rPr lang="en-US" kern="0" dirty="0"/>
-              <a:t> </a:t>
-            </a:r>
-            <a:r>
-              <a:rPr lang="en-US" kern="0" dirty="0" err="1"/>
-              <a:t>Zahl</a:t>
-            </a:r>
-            <a:r>
-              <a:rPr lang="en-US" kern="0" dirty="0"/>
-              <a:t> </a:t>
-            </a:r>
-            <a:r>
-              <a:rPr lang="en-US" kern="0" dirty="0" err="1"/>
-              <a:t>ermöglicht</a:t>
-            </a:r>
-            <a:r>
-              <a:rPr lang="en-US" kern="0" dirty="0"/>
-              <a:t> </a:t>
-            </a:r>
-            <a:r>
-              <a:rPr lang="en-US" kern="0" dirty="0" err="1"/>
-              <a:t>Einmaligkeit</a:t>
-            </a:r>
-            <a:r>
-              <a:rPr lang="en-US" kern="0" dirty="0"/>
-              <a:t> </a:t>
-            </a:r>
-            <a:r>
-              <a:rPr lang="en-US" kern="0" dirty="0" err="1"/>
-              <a:t>einer</a:t>
-            </a:r>
-            <a:r>
-              <a:rPr lang="en-US" kern="0" dirty="0"/>
-              <a:t> </a:t>
-            </a:r>
-            <a:r>
-              <a:rPr lang="en-US" kern="0" dirty="0" err="1"/>
-              <a:t>Transaktion</a:t>
-            </a:r>
-            <a:endParaRPr lang="en-US" kern="0" dirty="0"/>
+              <a:rPr lang="de-DE" kern="0" dirty="0"/>
+              <a:t>Inkrementierende Zahl ermöglicht Einmaligkeit einer Transaktion</a:t>
+            </a:r>
           </a:p>
           <a:p>
             <a:pPr marL="285750" indent="-285750">
@@ -10121,32 +9981,16 @@
               <a:buChar char="•"/>
             </a:pPr>
             <a:r>
-              <a:rPr lang="en-US" kern="0" dirty="0"/>
-              <a:t>Schutz </a:t>
-            </a:r>
-            <a:r>
-              <a:rPr lang="en-US" kern="0" dirty="0" err="1"/>
-              <a:t>gegen</a:t>
-            </a:r>
-            <a:r>
-              <a:rPr lang="en-US" kern="0" dirty="0"/>
-              <a:t> </a:t>
+              <a:rPr lang="de-DE" kern="0" dirty="0"/>
+              <a:t>Schutz gegen </a:t>
             </a:r>
             <a:r>
               <a:rPr lang="de-DE" dirty="0"/>
               <a:t>„</a:t>
             </a:r>
             <a:r>
-              <a:rPr lang="en-US" kern="0" dirty="0"/>
-              <a:t>Replay-</a:t>
-            </a:r>
-            <a:r>
-              <a:rPr lang="en-US" kern="0" dirty="0" err="1"/>
-              <a:t>Angriffe</a:t>
-            </a:r>
-            <a:r>
-              <a:rPr lang="en-US" kern="0" dirty="0"/>
-              <a:t>”</a:t>
+              <a:rPr lang="de-DE" kern="0" dirty="0"/>
+              <a:t>Replay-Angriffe”</a:t>
             </a:r>
           </a:p>
         </p:txBody>
@@ -14555,8 +14399,8 @@
           </a:p>
         </p:txBody>
       </p:sp>
-      <mc:AlternateContent xmlns:mc="http://schemas.openxmlformats.org/markup-compatibility/2006" xmlns:a14="http://schemas.microsoft.com/office/drawing/2010/main">
-        <mc:Choice Requires="a14">
+      <mc:AlternateContent xmlns:mc="http://schemas.openxmlformats.org/markup-compatibility/2006">
+        <mc:Choice xmlns:a14="http://schemas.microsoft.com/office/drawing/2010/main" Requires="a14">
           <p:sp>
             <p:nvSpPr>
               <p:cNvPr id="22" name="Rectangle 3">
@@ -14801,7 +14645,7 @@
                     <m:sSub>
                       <m:sSubPr>
                         <m:ctrlPr>
-                          <a:rPr lang="en-US" i="1" kern="0" smtClean="0">
+                          <a:rPr lang="de-DE" i="1" kern="0" smtClean="0">
                             <a:latin typeface="Cambria Math" panose="02040503050406030204" pitchFamily="18" charset="0"/>
                           </a:rPr>
                         </m:ctrlPr>
@@ -14826,40 +14670,8 @@
                   </m:oMath>
                 </a14:m>
                 <a:r>
-                  <a:rPr lang="en-US" kern="0" dirty="0"/>
-                  <a:t> </a:t>
-                </a:r>
-                <a:r>
-                  <a:rPr lang="en-US" kern="0" dirty="0" err="1"/>
-                  <a:t>soll</a:t>
-                </a:r>
-                <a:r>
-                  <a:rPr lang="en-US" kern="0" dirty="0"/>
-                  <a:t> </a:t>
-                </a:r>
-                <a:r>
-                  <a:rPr lang="en-US" kern="0" dirty="0" err="1"/>
-                  <a:t>folgende</a:t>
-                </a:r>
-                <a:r>
-                  <a:rPr lang="en-US" kern="0" dirty="0"/>
-                  <a:t> </a:t>
-                </a:r>
-                <a:r>
-                  <a:rPr lang="en-US" kern="0" dirty="0" err="1"/>
-                  <a:t>Funktion</a:t>
-                </a:r>
-                <a:r>
-                  <a:rPr lang="en-US" kern="0" dirty="0"/>
-                  <a:t> </a:t>
-                </a:r>
-                <a:r>
-                  <a:rPr lang="en-US" kern="0" dirty="0" err="1"/>
-                  <a:t>aufrufen</a:t>
-                </a:r>
-                <a:r>
-                  <a:rPr lang="en-US" kern="0" dirty="0"/>
-                  <a:t>:</a:t>
+                  <a:rPr lang="de-DE" kern="0" dirty="0"/>
+                  <a:t> soll folgende Funktion aufrufen:</a:t>
                 </a:r>
               </a:p>
               <a:p>
@@ -14867,24 +14679,24 @@
                   <a:buFont typeface="Arial" panose="020B0604020202020204" pitchFamily="34" charset="0"/>
                   <a:buChar char="•"/>
                 </a:pPr>
-                <a:endParaRPr lang="en-US" kern="0" dirty="0"/>
+                <a:endParaRPr lang="de-DE" kern="0" dirty="0"/>
               </a:p>
               <a:p>
                 <a:pPr marL="285750" indent="-285750">
                   <a:buFont typeface="Arial" panose="020B0604020202020204" pitchFamily="34" charset="0"/>
                   <a:buChar char="•"/>
                 </a:pPr>
-                <a:endParaRPr lang="en-US" kern="0" dirty="0"/>
+                <a:endParaRPr lang="de-DE" kern="0" dirty="0"/>
               </a:p>
               <a:p>
                 <a:pPr marL="285750" indent="-285750">
                   <a:buFont typeface="Arial" panose="020B0604020202020204" pitchFamily="34" charset="0"/>
                   <a:buChar char="•"/>
                 </a:pPr>
-                <a:endParaRPr lang="en-US" kern="0" dirty="0"/>
+                <a:endParaRPr lang="de-DE" kern="0" dirty="0"/>
               </a:p>
               <a:p>
-                <a:endParaRPr lang="en-US" kern="0" dirty="0"/>
+                <a:endParaRPr lang="de-DE" kern="0" dirty="0"/>
               </a:p>
               <a:p>
                 <a:pPr marL="285750" indent="-285750">
@@ -14892,87 +14704,27 @@
                   <a:buChar char="•"/>
                 </a:pPr>
                 <a:r>
-                  <a:rPr lang="en-US" kern="0" dirty="0" err="1"/>
-                  <a:t>Funktion</a:t>
+                  <a:rPr lang="de-DE" kern="0" dirty="0"/>
+                  <a:t>Funktion besitzt das Schlüsselwort </a:t>
                 </a:r>
                 <a:r>
-                  <a:rPr lang="en-US" kern="0" dirty="0"/>
-                  <a:t> </a:t>
-                </a:r>
-                <a:r>
-                  <a:rPr lang="en-US" kern="0" dirty="0" err="1"/>
-                  <a:t>besitzt</a:t>
-                </a:r>
-                <a:r>
-                  <a:rPr lang="en-US" kern="0" dirty="0"/>
-                  <a:t> das </a:t>
-                </a:r>
-                <a:r>
-                  <a:rPr lang="en-US" kern="0" dirty="0" err="1"/>
-                  <a:t>Schlüsselwort</a:t>
-                </a:r>
-                <a:r>
-                  <a:rPr lang="en-US" kern="0" dirty="0"/>
-                  <a:t> </a:t>
-                </a:r>
-                <a:r>
-                  <a:rPr lang="en-US" kern="0" dirty="0">
+                  <a:rPr lang="de-DE" kern="0" dirty="0" err="1">
                     <a:latin typeface="JetBrains Mono" panose="020B0509020102050004" pitchFamily="49" charset="0"/>
                   </a:rPr>
                   <a:t>payable</a:t>
                 </a:r>
                 <a:r>
-                  <a:rPr lang="en-US" kern="0" dirty="0"/>
-                  <a:t>, </a:t>
-                </a:r>
-                <a:r>
-                  <a:rPr lang="en-US" kern="0" dirty="0" err="1"/>
-                  <a:t>damit</a:t>
-                </a:r>
-                <a:r>
-                  <a:rPr lang="en-US" kern="0" dirty="0"/>
-                  <a:t> </a:t>
-                </a:r>
-                <a:r>
-                  <a:rPr lang="en-US" kern="0" dirty="0" err="1"/>
-                  <a:t>sie</a:t>
-                </a:r>
-                <a:r>
-                  <a:rPr lang="en-US" kern="0" dirty="0"/>
-                  <a:t> Ether </a:t>
-                </a:r>
-                <a:r>
-                  <a:rPr lang="en-US" kern="0" dirty="0" err="1"/>
-                  <a:t>entgegen</a:t>
-                </a:r>
-                <a:r>
-                  <a:rPr lang="en-US" kern="0" dirty="0"/>
-                  <a:t> </a:t>
-                </a:r>
-                <a:r>
-                  <a:rPr lang="en-US" kern="0" dirty="0" err="1"/>
-                  <a:t>nehmen</a:t>
-                </a:r>
-                <a:r>
-                  <a:rPr lang="en-US" kern="0" dirty="0"/>
-                  <a:t> </a:t>
-                </a:r>
-                <a:r>
-                  <a:rPr lang="en-US" kern="0" dirty="0" err="1"/>
-                  <a:t>kann</a:t>
-                </a:r>
-                <a:r>
-                  <a:rPr lang="en-US" kern="0" dirty="0"/>
-                  <a:t> </a:t>
+                  <a:rPr lang="de-DE" kern="0" dirty="0"/>
+                  <a:t>, damit sie Ether entgegen nehmen kann </a:t>
                 </a:r>
               </a:p>
               <a:p>
-                <a:endParaRPr lang="en-US" kern="0" dirty="0"/>
+                <a:endParaRPr lang="de-DE" kern="0" dirty="0"/>
               </a:p>
             </p:txBody>
           </p:sp>
         </mc:Choice>
-        <mc:Fallback xmlns="">
+        <mc:Fallback>
           <p:sp>
             <p:nvSpPr>
               <p:cNvPr id="22" name="Rectangle 3">
@@ -15889,7 +15641,7 @@
               <a:buChar char="•"/>
             </a:pPr>
             <a:r>
-              <a:rPr lang="en-US" kern="0" dirty="0"/>
+              <a:rPr lang="de-DE" kern="0"/>
               <a:t>Contract Application Binary Interface (ABI) </a:t>
             </a:r>
           </a:p>
@@ -15899,76 +15651,8 @@
               <a:buChar char="•"/>
             </a:pPr>
             <a:r>
-              <a:rPr lang="en-US" kern="0" dirty="0" err="1"/>
-              <a:t>Definiert</a:t>
-            </a:r>
-            <a:r>
-              <a:rPr lang="en-US" kern="0" dirty="0"/>
-              <a:t> </a:t>
-            </a:r>
-            <a:r>
-              <a:rPr lang="en-US" kern="0" dirty="0" err="1"/>
-              <a:t>wie</a:t>
-            </a:r>
-            <a:r>
-              <a:rPr lang="en-US" kern="0" dirty="0"/>
-              <a:t> </a:t>
-            </a:r>
-            <a:r>
-              <a:rPr lang="en-US" kern="0" dirty="0" err="1"/>
-              <a:t>mit</a:t>
-            </a:r>
-            <a:r>
-              <a:rPr lang="en-US" kern="0" dirty="0"/>
-              <a:t> </a:t>
-            </a:r>
-            <a:r>
-              <a:rPr lang="en-US" kern="0" dirty="0" err="1"/>
-              <a:t>einem</a:t>
-            </a:r>
-            <a:r>
-              <a:rPr lang="en-US" kern="0" dirty="0"/>
-              <a:t> </a:t>
-            </a:r>
-            <a:r>
-              <a:rPr lang="en-US" kern="0" dirty="0" err="1"/>
-              <a:t>Kontrakt</a:t>
-            </a:r>
-            <a:r>
-              <a:rPr lang="en-US" kern="0" dirty="0"/>
-              <a:t> </a:t>
-            </a:r>
-            <a:r>
-              <a:rPr lang="en-US" kern="0" dirty="0" err="1"/>
-              <a:t>über</a:t>
-            </a:r>
-            <a:r>
-              <a:rPr lang="en-US" kern="0" dirty="0"/>
-              <a:t> </a:t>
-            </a:r>
-            <a:r>
-              <a:rPr lang="en-US" kern="0" dirty="0" err="1"/>
-              <a:t>Transaktionen</a:t>
-            </a:r>
-            <a:r>
-              <a:rPr lang="en-US" kern="0" dirty="0"/>
-              <a:t> </a:t>
-            </a:r>
-            <a:r>
-              <a:rPr lang="en-US" kern="0" dirty="0" err="1"/>
-              <a:t>interargiert</a:t>
-            </a:r>
-            <a:r>
-              <a:rPr lang="en-US" kern="0" dirty="0"/>
-              <a:t> </a:t>
-            </a:r>
-            <a:r>
-              <a:rPr lang="en-US" kern="0" dirty="0" err="1"/>
-              <a:t>werden</a:t>
-            </a:r>
-            <a:r>
-              <a:rPr lang="en-US" kern="0" dirty="0"/>
-              <a:t> muss</a:t>
+              <a:rPr lang="de-DE" kern="0"/>
+              <a:t>Definiert wie mit einem Kontrakt über Transaktionen interargiert werden muss</a:t>
             </a:r>
           </a:p>
           <a:p>
@@ -15977,56 +15661,8 @@
               <a:buChar char="•"/>
             </a:pPr>
             <a:r>
-              <a:rPr lang="en-US" kern="0" dirty="0"/>
-              <a:t>ABI </a:t>
-            </a:r>
-            <a:r>
-              <a:rPr lang="en-US" kern="0" dirty="0" err="1"/>
-              <a:t>konformer</a:t>
-            </a:r>
-            <a:r>
-              <a:rPr lang="en-US" kern="0" dirty="0"/>
-              <a:t> </a:t>
-            </a:r>
-            <a:r>
-              <a:rPr lang="en-US" kern="0" dirty="0" err="1"/>
-              <a:t>Funktionsaufruf</a:t>
-            </a:r>
-            <a:r>
-              <a:rPr lang="en-US" kern="0" dirty="0"/>
-              <a:t> </a:t>
-            </a:r>
-            <a:r>
-              <a:rPr lang="en-US" kern="0" dirty="0" err="1"/>
-              <a:t>besteht</a:t>
-            </a:r>
-            <a:r>
-              <a:rPr lang="en-US" kern="0" dirty="0"/>
-              <a:t> </a:t>
-            </a:r>
-            <a:r>
-              <a:rPr lang="en-US" kern="0" dirty="0" err="1"/>
-              <a:t>aus</a:t>
-            </a:r>
-            <a:r>
-              <a:rPr lang="en-US" kern="0" dirty="0"/>
-              <a:t> </a:t>
-            </a:r>
-            <a:r>
-              <a:rPr lang="en-US" kern="0" dirty="0" err="1"/>
-              <a:t>zwei</a:t>
-            </a:r>
-            <a:r>
-              <a:rPr lang="en-US" kern="0" dirty="0"/>
-              <a:t> </a:t>
-            </a:r>
-            <a:r>
-              <a:rPr lang="en-US" kern="0" dirty="0" err="1"/>
-              <a:t>Komponenten</a:t>
-            </a:r>
-            <a:r>
-              <a:rPr lang="en-US" kern="0" dirty="0"/>
-              <a:t>:</a:t>
+              <a:rPr lang="de-DE" kern="0"/>
+              <a:t>ABI konformer Funktionsaufruf besteht aus zwei Komponenten:</a:t>
             </a:r>
           </a:p>
           <a:p>
@@ -16035,10 +15671,9 @@
               <a:buAutoNum type="arabicPeriod"/>
             </a:pPr>
             <a:r>
-              <a:rPr lang="en-US" kern="0" dirty="0" err="1"/>
+              <a:rPr lang="de-DE" kern="0"/>
               <a:t>Funktionsselektor</a:t>
             </a:r>
-            <a:endParaRPr lang="en-US" kern="0" dirty="0"/>
           </a:p>
           <a:p>
             <a:pPr marL="612775" lvl="1" indent="-342900">
@@ -16046,7 +15681,7 @@
               <a:buAutoNum type="arabicPeriod"/>
             </a:pPr>
             <a:r>
-              <a:rPr lang="en-US" kern="0" dirty="0"/>
+              <a:rPr lang="de-DE" kern="0"/>
               <a:t>Funktionsargumente</a:t>
             </a:r>
           </a:p>
@@ -16558,10 +16193,9 @@
               <a:buAutoNum type="arabicPeriod"/>
             </a:pPr>
             <a:r>
-              <a:rPr lang="en-US" kern="0" dirty="0" err="1"/>
+              <a:rPr lang="de-DE" kern="0"/>
               <a:t>Funktionsselektor</a:t>
             </a:r>
-            <a:endParaRPr lang="en-US" kern="0" dirty="0"/>
           </a:p>
           <a:p>
             <a:pPr marL="612775" lvl="1" indent="-342900">
@@ -16569,42 +16203,9 @@
               <a:buChar char="•"/>
             </a:pPr>
             <a:r>
-              <a:rPr lang="en-US" kern="0" dirty="0" err="1"/>
-              <a:t>Welche</a:t>
-            </a:r>
-            <a:r>
-              <a:rPr lang="en-US" kern="0" dirty="0"/>
-              <a:t> </a:t>
-            </a:r>
-            <a:r>
-              <a:rPr lang="en-US" kern="0" dirty="0" err="1"/>
-              <a:t>Funktion</a:t>
-            </a:r>
-            <a:r>
-              <a:rPr lang="en-US" kern="0" dirty="0"/>
-              <a:t> </a:t>
-            </a:r>
-            <a:r>
-              <a:rPr lang="en-US" kern="0" dirty="0" err="1"/>
-              <a:t>aufgerufen</a:t>
-            </a:r>
-            <a:r>
-              <a:rPr lang="en-US" kern="0" dirty="0"/>
-              <a:t> </a:t>
-            </a:r>
-            <a:r>
-              <a:rPr lang="en-US" kern="0" dirty="0" err="1"/>
-              <a:t>werden</a:t>
-            </a:r>
-            <a:r>
-              <a:rPr lang="en-US" kern="0" dirty="0"/>
-              <a:t> </a:t>
-            </a:r>
-            <a:r>
-              <a:rPr lang="en-US" kern="0" dirty="0" err="1"/>
-              <a:t>soll</a:t>
-            </a:r>
-            <a:endParaRPr lang="en-US" kern="0" dirty="0"/>
+              <a:rPr lang="de-DE" kern="0"/>
+              <a:t>Welche Funktion aufgerufen werden soll</a:t>
+            </a:r>
           </a:p>
           <a:p>
             <a:pPr marL="612775" lvl="1" indent="-342900">
@@ -16612,32 +16213,15 @@
               <a:buChar char="•"/>
             </a:pPr>
             <a:r>
-              <a:rPr lang="en-US" kern="0" dirty="0" err="1"/>
-              <a:t>Ersten</a:t>
-            </a:r>
-            <a:r>
-              <a:rPr lang="en-US" kern="0" dirty="0"/>
-              <a:t> </a:t>
-            </a:r>
-            <a:r>
-              <a:rPr lang="en-US" kern="0" dirty="0" err="1"/>
-              <a:t>vier</a:t>
-            </a:r>
-            <a:r>
-              <a:rPr lang="en-US" kern="0" dirty="0"/>
-              <a:t> Bytes des Keccak-256-Hash des </a:t>
-            </a:r>
-            <a:r>
-              <a:rPr lang="en-US" kern="0" dirty="0" err="1"/>
-              <a:t>Funktionsprototypen</a:t>
-            </a:r>
-            <a:endParaRPr lang="en-US" kern="0" dirty="0"/>
+              <a:rPr lang="de-DE" kern="0"/>
+              <a:t>Ersten vier Bytes des Keccak-256-Hash des Funktionsprototypen</a:t>
+            </a:r>
           </a:p>
           <a:p>
             <a:pPr lvl="1" indent="0">
               <a:buNone/>
             </a:pPr>
-            <a:endParaRPr lang="en-US" kern="0" dirty="0"/>
+            <a:endParaRPr lang="de-DE" kern="0"/>
           </a:p>
         </p:txBody>
       </p:sp>
@@ -17147,10 +16731,9 @@
               <a:buAutoNum type="arabicPeriod"/>
             </a:pPr>
             <a:r>
-              <a:rPr lang="en-US" kern="0" dirty="0" err="1"/>
+              <a:rPr lang="de-DE" kern="0"/>
               <a:t>Funktionsselektor</a:t>
             </a:r>
-            <a:endParaRPr lang="en-US" kern="0" dirty="0"/>
           </a:p>
           <a:p>
             <a:pPr marL="612775" lvl="1" indent="-342900">
@@ -17158,34 +16741,9 @@
               <a:buChar char="•"/>
             </a:pPr>
             <a:r>
-              <a:rPr lang="en-US" kern="0" dirty="0" err="1"/>
-              <a:t>Welche</a:t>
-            </a:r>
-            <a:r>
-              <a:rPr lang="en-US" kern="0" dirty="0"/>
-              <a:t> </a:t>
-            </a:r>
-            <a:r>
-              <a:rPr lang="en-US" kern="0" dirty="0" err="1"/>
-              <a:t>Funktion</a:t>
-            </a:r>
-            <a:r>
-              <a:rPr lang="en-US" kern="0" dirty="0"/>
-              <a:t> </a:t>
-            </a:r>
-            <a:r>
-              <a:rPr lang="en-US" kern="0" dirty="0" err="1"/>
-              <a:t>aufgerufen</a:t>
-            </a:r>
-            <a:r>
-              <a:rPr lang="en-US" kern="0" dirty="0"/>
-              <a:t> warden </a:t>
-            </a:r>
-            <a:r>
-              <a:rPr lang="en-US" kern="0" dirty="0" err="1"/>
-              <a:t>soll</a:t>
-            </a:r>
-            <a:endParaRPr lang="en-US" kern="0" dirty="0"/>
+              <a:rPr lang="de-DE" kern="0"/>
+              <a:t>Welche Funktion aufgerufen warden soll</a:t>
+            </a:r>
           </a:p>
           <a:p>
             <a:pPr marL="612775" lvl="1" indent="-342900">
@@ -17193,32 +16751,15 @@
               <a:buChar char="•"/>
             </a:pPr>
             <a:r>
-              <a:rPr lang="en-US" kern="0" dirty="0" err="1"/>
-              <a:t>Ersten</a:t>
-            </a:r>
-            <a:r>
-              <a:rPr lang="en-US" kern="0" dirty="0"/>
-              <a:t> </a:t>
-            </a:r>
-            <a:r>
-              <a:rPr lang="en-US" kern="0" dirty="0" err="1"/>
-              <a:t>vier</a:t>
-            </a:r>
-            <a:r>
-              <a:rPr lang="en-US" kern="0" dirty="0"/>
-              <a:t> Bytes des Keccak-256-Hash des </a:t>
-            </a:r>
-            <a:r>
-              <a:rPr lang="en-US" kern="0" dirty="0" err="1"/>
-              <a:t>Funktionsprototypen</a:t>
-            </a:r>
-            <a:endParaRPr lang="en-US" kern="0" dirty="0"/>
+              <a:rPr lang="de-DE" kern="0"/>
+              <a:t>Ersten vier Bytes des Keccak-256-Hash des Funktionsprototypen</a:t>
+            </a:r>
           </a:p>
           <a:p>
             <a:pPr lvl="1" indent="0">
               <a:buNone/>
             </a:pPr>
-            <a:endParaRPr lang="en-US" kern="0" dirty="0"/>
+            <a:endParaRPr lang="de-DE" kern="0"/>
           </a:p>
         </p:txBody>
       </p:sp>
@@ -18304,10 +17845,9 @@
               <a:buAutoNum type="arabicPeriod"/>
             </a:pPr>
             <a:r>
-              <a:rPr lang="en-US" kern="0" dirty="0" err="1"/>
+              <a:rPr lang="de-DE" kern="0"/>
               <a:t>Funktionsselektor</a:t>
             </a:r>
-            <a:endParaRPr lang="en-US" kern="0" dirty="0"/>
           </a:p>
           <a:p>
             <a:pPr marL="612775" lvl="1" indent="-342900">
@@ -18315,34 +17855,9 @@
               <a:buChar char="•"/>
             </a:pPr>
             <a:r>
-              <a:rPr lang="en-US" kern="0" dirty="0" err="1"/>
-              <a:t>Welche</a:t>
-            </a:r>
-            <a:r>
-              <a:rPr lang="en-US" kern="0" dirty="0"/>
-              <a:t> </a:t>
-            </a:r>
-            <a:r>
-              <a:rPr lang="en-US" kern="0" dirty="0" err="1"/>
-              <a:t>Funktion</a:t>
-            </a:r>
-            <a:r>
-              <a:rPr lang="en-US" kern="0" dirty="0"/>
-              <a:t> </a:t>
-            </a:r>
-            <a:r>
-              <a:rPr lang="en-US" kern="0" dirty="0" err="1"/>
-              <a:t>aufgerufen</a:t>
-            </a:r>
-            <a:r>
-              <a:rPr lang="en-US" kern="0" dirty="0"/>
-              <a:t> warden </a:t>
-            </a:r>
-            <a:r>
-              <a:rPr lang="en-US" kern="0" dirty="0" err="1"/>
-              <a:t>soll</a:t>
-            </a:r>
-            <a:endParaRPr lang="en-US" kern="0" dirty="0"/>
+              <a:rPr lang="de-DE" kern="0"/>
+              <a:t>Welche Funktion aufgerufen warden soll</a:t>
+            </a:r>
           </a:p>
           <a:p>
             <a:pPr marL="612775" lvl="1" indent="-342900">
@@ -18350,32 +17865,15 @@
               <a:buChar char="•"/>
             </a:pPr>
             <a:r>
-              <a:rPr lang="en-US" kern="0" dirty="0" err="1"/>
-              <a:t>Ersten</a:t>
-            </a:r>
-            <a:r>
-              <a:rPr lang="en-US" kern="0" dirty="0"/>
-              <a:t> </a:t>
-            </a:r>
-            <a:r>
-              <a:rPr lang="en-US" kern="0" dirty="0" err="1"/>
-              <a:t>vier</a:t>
-            </a:r>
-            <a:r>
-              <a:rPr lang="en-US" kern="0" dirty="0"/>
-              <a:t> Bytes des Keccak-256-Hash des </a:t>
-            </a:r>
-            <a:r>
-              <a:rPr lang="en-US" kern="0" dirty="0" err="1"/>
-              <a:t>Funktionsprototypen</a:t>
-            </a:r>
-            <a:endParaRPr lang="en-US" kern="0" dirty="0"/>
+              <a:rPr lang="de-DE" kern="0"/>
+              <a:t>Ersten vier Bytes des Keccak-256-Hash des Funktionsprototypen</a:t>
+            </a:r>
           </a:p>
           <a:p>
             <a:pPr lvl="1" indent="0">
               <a:buNone/>
             </a:pPr>
-            <a:endParaRPr lang="en-US" kern="0" dirty="0"/>
+            <a:endParaRPr lang="de-DE" kern="0"/>
           </a:p>
         </p:txBody>
       </p:sp>
@@ -19376,56 +18874,26 @@
               <a:buAutoNum type="arabicPeriod"/>
             </a:pPr>
             <a:r>
-              <a:rPr lang="en-US" kern="0" dirty="0" err="1"/>
+              <a:rPr lang="de-DE" kern="0" dirty="0"/>
               <a:t>Einführung</a:t>
             </a:r>
-            <a:endParaRPr lang="en-US" kern="0" dirty="0"/>
           </a:p>
           <a:p>
             <a:pPr marL="342900" indent="-342900">
               <a:buAutoNum type="arabicPeriod"/>
             </a:pPr>
             <a:r>
-              <a:rPr lang="en-US" kern="0" dirty="0" err="1"/>
-              <a:t>Struktur</a:t>
-            </a:r>
-            <a:r>
-              <a:rPr lang="en-US" kern="0" dirty="0"/>
-              <a:t> und </a:t>
-            </a:r>
-            <a:r>
-              <a:rPr lang="en-US" kern="0" dirty="0" err="1"/>
-              <a:t>technische</a:t>
-            </a:r>
-            <a:r>
-              <a:rPr lang="en-US" kern="0" dirty="0"/>
-              <a:t> </a:t>
-            </a:r>
-            <a:r>
-              <a:rPr lang="en-US" kern="0" dirty="0" err="1"/>
-              <a:t>Umsetzung</a:t>
-            </a:r>
-            <a:endParaRPr lang="en-US" kern="0" dirty="0"/>
+              <a:rPr lang="de-DE" kern="0" dirty="0"/>
+              <a:t>Struktur und technische Umsetzung</a:t>
+            </a:r>
           </a:p>
           <a:p>
             <a:pPr marL="342900" indent="-342900">
               <a:buAutoNum type="arabicPeriod"/>
             </a:pPr>
             <a:r>
-              <a:rPr lang="en-US" kern="0" dirty="0" err="1"/>
-              <a:t>Komponenten</a:t>
-            </a:r>
-            <a:r>
-              <a:rPr lang="en-US" kern="0" dirty="0"/>
-              <a:t> </a:t>
-            </a:r>
-            <a:r>
-              <a:rPr lang="en-US" kern="0" dirty="0" err="1"/>
-              <a:t>im</a:t>
-            </a:r>
-            <a:r>
-              <a:rPr lang="en-US" kern="0" dirty="0"/>
-              <a:t> Detail</a:t>
+              <a:rPr lang="de-DE" kern="0" dirty="0"/>
+              <a:t>Komponenten im Detail</a:t>
             </a:r>
           </a:p>
           <a:p>
@@ -19433,20 +18901,18 @@
               <a:buAutoNum type="arabicPeriod"/>
             </a:pPr>
             <a:r>
-              <a:rPr lang="en-US" kern="0" dirty="0" err="1"/>
-              <a:t>Transaktionabwicklung</a:t>
-            </a:r>
-            <a:endParaRPr lang="en-US" kern="0" dirty="0"/>
+              <a:rPr lang="de-DE" kern="0" dirty="0"/>
+              <a:t>Transaktionsabwicklung</a:t>
+            </a:r>
           </a:p>
           <a:p>
             <a:pPr marL="342900" indent="-342900">
               <a:buAutoNum type="arabicPeriod"/>
             </a:pPr>
             <a:r>
-              <a:rPr lang="en-US" kern="0" dirty="0" err="1"/>
+              <a:rPr lang="de-DE" kern="0" dirty="0"/>
               <a:t>Ausblick</a:t>
             </a:r>
-            <a:endParaRPr lang="en-US" kern="0" dirty="0"/>
           </a:p>
         </p:txBody>
       </p:sp>
@@ -19951,10 +19417,9 @@
               <a:buAutoNum type="arabicPeriod"/>
             </a:pPr>
             <a:r>
-              <a:rPr lang="en-US" kern="0" dirty="0" err="1"/>
+              <a:rPr lang="de-DE" kern="0"/>
               <a:t>Funktionsselektor</a:t>
             </a:r>
-            <a:endParaRPr lang="en-US" kern="0" dirty="0"/>
           </a:p>
           <a:p>
             <a:pPr marL="612775" lvl="1" indent="-342900">
@@ -19962,34 +19427,9 @@
               <a:buChar char="•"/>
             </a:pPr>
             <a:r>
-              <a:rPr lang="en-US" kern="0" dirty="0" err="1"/>
-              <a:t>Welche</a:t>
-            </a:r>
-            <a:r>
-              <a:rPr lang="en-US" kern="0" dirty="0"/>
-              <a:t> </a:t>
-            </a:r>
-            <a:r>
-              <a:rPr lang="en-US" kern="0" dirty="0" err="1"/>
-              <a:t>Funktion</a:t>
-            </a:r>
-            <a:r>
-              <a:rPr lang="en-US" kern="0" dirty="0"/>
-              <a:t> </a:t>
-            </a:r>
-            <a:r>
-              <a:rPr lang="en-US" kern="0" dirty="0" err="1"/>
-              <a:t>aufgerufen</a:t>
-            </a:r>
-            <a:r>
-              <a:rPr lang="en-US" kern="0" dirty="0"/>
-              <a:t> warden </a:t>
-            </a:r>
-            <a:r>
-              <a:rPr lang="en-US" kern="0" dirty="0" err="1"/>
-              <a:t>soll</a:t>
-            </a:r>
-            <a:endParaRPr lang="en-US" kern="0" dirty="0"/>
+              <a:rPr lang="de-DE" kern="0"/>
+              <a:t>Welche Funktion aufgerufen warden soll</a:t>
+            </a:r>
           </a:p>
           <a:p>
             <a:pPr marL="612775" lvl="1" indent="-342900">
@@ -19997,32 +19437,15 @@
               <a:buChar char="•"/>
             </a:pPr>
             <a:r>
-              <a:rPr lang="en-US" kern="0" dirty="0" err="1"/>
-              <a:t>Ersten</a:t>
-            </a:r>
-            <a:r>
-              <a:rPr lang="en-US" kern="0" dirty="0"/>
-              <a:t> </a:t>
-            </a:r>
-            <a:r>
-              <a:rPr lang="en-US" kern="0" dirty="0" err="1"/>
-              <a:t>vier</a:t>
-            </a:r>
-            <a:r>
-              <a:rPr lang="en-US" kern="0" dirty="0"/>
-              <a:t> Bytes des Keccak-256-Hash des </a:t>
-            </a:r>
-            <a:r>
-              <a:rPr lang="en-US" kern="0" dirty="0" err="1"/>
-              <a:t>Funktionsprototypen</a:t>
-            </a:r>
-            <a:endParaRPr lang="en-US" kern="0" dirty="0"/>
+              <a:rPr lang="de-DE" kern="0"/>
+              <a:t>Ersten vier Bytes des Keccak-256-Hash des Funktionsprototypen</a:t>
+            </a:r>
           </a:p>
           <a:p>
             <a:pPr lvl="1" indent="0">
               <a:buNone/>
             </a:pPr>
-            <a:endParaRPr lang="en-US" kern="0" dirty="0"/>
+            <a:endParaRPr lang="de-DE" kern="0"/>
           </a:p>
         </p:txBody>
       </p:sp>
@@ -21575,7 +20998,7 @@
               <a:buAutoNum type="arabicPeriod" startAt="2"/>
             </a:pPr>
             <a:r>
-              <a:rPr lang="en-US" kern="0" dirty="0"/>
+              <a:rPr lang="de-DE" kern="0"/>
               <a:t>Funktionsargumente</a:t>
             </a:r>
           </a:p>
@@ -21585,42 +21008,9 @@
               <a:buChar char="•"/>
             </a:pPr>
             <a:r>
-              <a:rPr lang="en-US" kern="0" dirty="0" err="1"/>
-              <a:t>Angabe</a:t>
-            </a:r>
-            <a:r>
-              <a:rPr lang="en-US" kern="0" dirty="0"/>
-              <a:t> </a:t>
-            </a:r>
-            <a:r>
-              <a:rPr lang="en-US" kern="0" dirty="0" err="1"/>
-              <a:t>eines</a:t>
-            </a:r>
-            <a:r>
-              <a:rPr lang="en-US" kern="0" dirty="0"/>
-              <a:t> Offsets, der </a:t>
-            </a:r>
-            <a:r>
-              <a:rPr lang="en-US" kern="0" dirty="0" err="1"/>
-              <a:t>angibt</a:t>
-            </a:r>
-            <a:r>
-              <a:rPr lang="en-US" kern="0" dirty="0"/>
-              <a:t> </a:t>
-            </a:r>
-            <a:r>
-              <a:rPr lang="en-US" kern="0" dirty="0" err="1"/>
-              <a:t>wann</a:t>
-            </a:r>
-            <a:r>
-              <a:rPr lang="en-US" kern="0" dirty="0"/>
-              <a:t> das Argument </a:t>
-            </a:r>
-            <a:r>
-              <a:rPr lang="en-US" kern="0" dirty="0" err="1"/>
-              <a:t>folgt</a:t>
-            </a:r>
-            <a:endParaRPr lang="en-US" kern="0" dirty="0"/>
+              <a:rPr lang="de-DE" kern="0"/>
+              <a:t>Angabe eines Offsets, der angibt wann das Argument folgt</a:t>
+            </a:r>
           </a:p>
           <a:p>
             <a:pPr marL="612775" lvl="1" indent="-342900">
@@ -21628,28 +21018,8 @@
               <a:buChar char="•"/>
             </a:pPr>
             <a:r>
-              <a:rPr lang="en-US" kern="0" dirty="0" err="1"/>
-              <a:t>Konkateniert</a:t>
-            </a:r>
-            <a:r>
-              <a:rPr lang="en-US" kern="0" dirty="0"/>
-              <a:t> </a:t>
-            </a:r>
-            <a:r>
-              <a:rPr lang="en-US" kern="0" dirty="0" err="1"/>
-              <a:t>mit</a:t>
-            </a:r>
-            <a:r>
-              <a:rPr lang="en-US" kern="0" dirty="0"/>
-              <a:t> der </a:t>
-            </a:r>
-            <a:r>
-              <a:rPr lang="en-US" kern="0" dirty="0" err="1"/>
-              <a:t>Länge</a:t>
-            </a:r>
-            <a:r>
-              <a:rPr lang="en-US" kern="0" dirty="0"/>
-              <a:t> des Arguments</a:t>
+              <a:rPr lang="de-DE" kern="0"/>
+              <a:t>Konkateniert mit der Länge des Arguments</a:t>
             </a:r>
           </a:p>
           <a:p>
@@ -21658,26 +21028,9 @@
               <a:buChar char="•"/>
             </a:pPr>
             <a:r>
-              <a:rPr lang="en-US" kern="0" dirty="0" err="1"/>
-              <a:t>Konkateniert</a:t>
-            </a:r>
-            <a:r>
-              <a:rPr lang="en-US" kern="0" dirty="0"/>
-              <a:t> </a:t>
-            </a:r>
-            <a:r>
-              <a:rPr lang="en-US" kern="0" dirty="0" err="1"/>
-              <a:t>mit</a:t>
-            </a:r>
-            <a:r>
-              <a:rPr lang="en-US" kern="0" dirty="0"/>
-              <a:t> dem Argument (</a:t>
-            </a:r>
-            <a:r>
-              <a:rPr lang="de-DE" kern="0" dirty="0"/>
-              <a:t>„Einzahlung“)</a:t>
-            </a:r>
-            <a:endParaRPr lang="en-US" kern="0" dirty="0"/>
+              <a:rPr lang="de-DE" kern="0"/>
+              <a:t>Konkateniert mit dem Argument („Einzahlung“)</a:t>
+            </a:r>
           </a:p>
           <a:p>
             <a:pPr marL="612775" lvl="1" indent="-342900">
@@ -21685,43 +21038,15 @@
               <a:buChar char="•"/>
             </a:pPr>
             <a:r>
-              <a:rPr lang="en-US" kern="0" dirty="0" err="1"/>
-              <a:t>Jeweils</a:t>
-            </a:r>
-            <a:r>
-              <a:rPr lang="en-US" kern="0" dirty="0"/>
-              <a:t> </a:t>
-            </a:r>
-            <a:r>
-              <a:rPr lang="en-US" kern="0" dirty="0" err="1"/>
-              <a:t>auffüllen</a:t>
-            </a:r>
-            <a:r>
-              <a:rPr lang="en-US" kern="0" dirty="0"/>
-              <a:t> </a:t>
-            </a:r>
-            <a:r>
-              <a:rPr lang="en-US" kern="0" dirty="0" err="1"/>
-              <a:t>mit</a:t>
-            </a:r>
-            <a:r>
-              <a:rPr lang="en-US" kern="0" dirty="0"/>
-              <a:t> </a:t>
-            </a:r>
-            <a:r>
-              <a:rPr lang="en-US" kern="0" dirty="0" err="1"/>
-              <a:t>Paddingsbytes</a:t>
-            </a:r>
-            <a:r>
-              <a:rPr lang="en-US" kern="0" dirty="0"/>
-              <a:t> auf 32 Byte</a:t>
+              <a:rPr lang="de-DE" kern="0"/>
+              <a:t>Jeweils auffüllen mit Paddingsbytes auf 32 Byte</a:t>
             </a:r>
           </a:p>
           <a:p>
             <a:pPr lvl="1" indent="0">
               <a:buNone/>
             </a:pPr>
-            <a:endParaRPr lang="en-US" kern="0" dirty="0"/>
+            <a:endParaRPr lang="de-DE" kern="0"/>
           </a:p>
         </p:txBody>
       </p:sp>
@@ -22403,8 +21728,8 @@
           </a:p>
         </p:txBody>
       </p:sp>
-      <mc:AlternateContent xmlns:mc="http://schemas.openxmlformats.org/markup-compatibility/2006" xmlns:a14="http://schemas.microsoft.com/office/drawing/2010/main">
-        <mc:Choice Requires="a14">
+      <mc:AlternateContent xmlns:mc="http://schemas.openxmlformats.org/markup-compatibility/2006">
+        <mc:Choice xmlns:a14="http://schemas.microsoft.com/office/drawing/2010/main" Requires="a14">
           <p:sp>
             <p:nvSpPr>
               <p:cNvPr id="22" name="Rectangle 3">
@@ -22645,58 +21970,22 @@
                   <a:buChar char="•"/>
                 </a:pPr>
                 <a:r>
-                  <a:rPr lang="en-US" kern="0" dirty="0">
+                  <a:rPr lang="de-DE" kern="0" dirty="0">
                     <a:latin typeface="+mj-lt"/>
                   </a:rPr>
-                  <a:t>Konkatenieren von </a:t>
+                  <a:t>Konkatenieren von Funktionsselektor und Funktionsargument ergibt </a:t>
                 </a:r>
                 <a:r>
-                  <a:rPr lang="en-US" kern="0" dirty="0" err="1">
+                  <a:rPr lang="de-DE" kern="0" dirty="0" err="1">
                     <a:latin typeface="+mj-lt"/>
                   </a:rPr>
-                  <a:t>Funktionsselektor</a:t>
+                  <a:t>data</a:t>
                 </a:r>
                 <a:r>
-                  <a:rPr lang="en-US" kern="0" dirty="0">
+                  <a:rPr lang="de-DE" kern="0" dirty="0">
                     <a:latin typeface="+mj-lt"/>
                   </a:rPr>
-                  <a:t> und </a:t>
-                </a:r>
-                <a:r>
-                  <a:rPr lang="en-US" kern="0" dirty="0" err="1">
-                    <a:latin typeface="+mj-lt"/>
-                  </a:rPr>
-                  <a:t>Funktionsargument</a:t>
-                </a:r>
-                <a:r>
-                  <a:rPr lang="en-US" kern="0" dirty="0">
-                    <a:latin typeface="+mj-lt"/>
-                  </a:rPr>
-                  <a:t> </a:t>
-                </a:r>
-                <a:r>
-                  <a:rPr lang="en-US" kern="0" dirty="0" err="1">
-                    <a:latin typeface="+mj-lt"/>
-                  </a:rPr>
-                  <a:t>ergibt</a:t>
-                </a:r>
-                <a:r>
-                  <a:rPr lang="en-US" kern="0" dirty="0">
-                    <a:latin typeface="+mj-lt"/>
-                  </a:rPr>
-                  <a:t> data-Feld </a:t>
-                </a:r>
-                <a:r>
-                  <a:rPr lang="en-US" kern="0" dirty="0" err="1">
-                    <a:latin typeface="+mj-lt"/>
-                  </a:rPr>
-                  <a:t>Inhalt</a:t>
-                </a:r>
-                <a:r>
-                  <a:rPr lang="en-US" kern="0" dirty="0">
-                    <a:latin typeface="+mj-lt"/>
-                  </a:rPr>
-                  <a:t>:</a:t>
+                  <a:t>-Feld Inhalt:</a:t>
                 </a:r>
               </a:p>
               <a:p>
@@ -22708,7 +21997,7 @@
                     <m:sSub>
                       <m:sSubPr>
                         <m:ctrlPr>
-                          <a:rPr lang="en-US" i="1" kern="0" smtClean="0">
+                          <a:rPr lang="de-DE" i="1" kern="0" smtClean="0">
                             <a:latin typeface="Cambria Math" panose="02040503050406030204" pitchFamily="18" charset="0"/>
                           </a:rPr>
                         </m:ctrlPr>
@@ -22733,11 +22022,11 @@
                   </m:oMath>
                 </a14:m>
                 <a:r>
-                  <a:rPr lang="en-US" kern="0" dirty="0"/>
+                  <a:rPr lang="de-DE" kern="0" dirty="0"/>
                   <a:t> = </a:t>
                 </a:r>
                 <a:r>
-                  <a:rPr lang="en-US" kern="0" dirty="0">
+                  <a:rPr lang="de-DE" kern="0" dirty="0">
                     <a:latin typeface="JetBrains Mono" panose="020B0509020102050004" pitchFamily="49" charset="0"/>
                   </a:rPr>
                   <a:t>{</a:t>
@@ -22748,10 +22037,22 @@
                   <a:buNone/>
                 </a:pPr>
                 <a:r>
-                  <a:rPr lang="en-US" kern="0" dirty="0">
+                  <a:rPr lang="de-DE" kern="0" dirty="0">
                     <a:latin typeface="JetBrains Mono" panose="020B0509020102050004" pitchFamily="49" charset="0"/>
                   </a:rPr>
-                  <a:t>    data: </a:t>
+                  <a:t>    </a:t>
+                </a:r>
+                <a:r>
+                  <a:rPr lang="de-DE" kern="0" dirty="0" err="1">
+                    <a:latin typeface="JetBrains Mono" panose="020B0509020102050004" pitchFamily="49" charset="0"/>
+                  </a:rPr>
+                  <a:t>data</a:t>
+                </a:r>
+                <a:r>
+                  <a:rPr lang="de-DE" kern="0" dirty="0">
+                    <a:latin typeface="JetBrains Mono" panose="020B0509020102050004" pitchFamily="49" charset="0"/>
+                  </a:rPr>
+                  <a:t>: </a:t>
                 </a:r>
                 <a:r>
                   <a:rPr lang="de-DE" dirty="0">
@@ -22815,7 +22116,7 @@
                   </a:rPr>
                   <a:t>    …</a:t>
                 </a:r>
-                <a:endParaRPr lang="en-US" kern="0" dirty="0">
+                <a:endParaRPr lang="de-DE" kern="0" dirty="0">
                   <a:latin typeface="JetBrains Mono" panose="020B0509020102050004" pitchFamily="49" charset="0"/>
                 </a:endParaRPr>
               </a:p>
@@ -22824,7 +22125,7 @@
                   <a:buNone/>
                 </a:pPr>
                 <a:r>
-                  <a:rPr lang="en-US" kern="0" dirty="0">
+                  <a:rPr lang="de-DE" kern="0" dirty="0">
                     <a:latin typeface="JetBrains Mono" panose="020B0509020102050004" pitchFamily="49" charset="0"/>
                   </a:rPr>
                   <a:t>}</a:t>
@@ -22833,73 +22134,28 @@
               <a:p>
                 <a:pPr lvl="1"/>
                 <a:r>
-                  <a:rPr lang="en-US" kern="0" dirty="0">
+                  <a:rPr lang="de-DE" kern="0" dirty="0">
                     <a:latin typeface="+mj-lt"/>
                   </a:rPr>
-                  <a:t>Es </a:t>
+                  <a:t>Es soll 1 Ether dem Kontraktkonto hinzugefügt werden</a:t>
                 </a:r>
-                <a:r>
-                  <a:rPr lang="en-US" kern="0" dirty="0" err="1">
-                    <a:latin typeface="+mj-lt"/>
-                  </a:rPr>
-                  <a:t>soll</a:t>
-                </a:r>
-                <a:r>
-                  <a:rPr lang="en-US" kern="0" dirty="0">
-                    <a:latin typeface="+mj-lt"/>
-                  </a:rPr>
-                  <a:t> 1 Ether dem </a:t>
-                </a:r>
-                <a:r>
-                  <a:rPr lang="en-US" kern="0" dirty="0" err="1">
-                    <a:latin typeface="+mj-lt"/>
-                  </a:rPr>
-                  <a:t>Kontraktkonto</a:t>
-                </a:r>
-                <a:r>
-                  <a:rPr lang="en-US" kern="0" dirty="0">
-                    <a:latin typeface="+mj-lt"/>
-                  </a:rPr>
-                  <a:t> </a:t>
-                </a:r>
-                <a:r>
-                  <a:rPr lang="en-US" kern="0" dirty="0" err="1">
-                    <a:latin typeface="+mj-lt"/>
-                  </a:rPr>
-                  <a:t>hinzugefügt</a:t>
-                </a:r>
-                <a:r>
-                  <a:rPr lang="en-US" kern="0" dirty="0">
-                    <a:latin typeface="+mj-lt"/>
-                  </a:rPr>
-                  <a:t> </a:t>
-                </a:r>
-                <a:r>
-                  <a:rPr lang="en-US" kern="0" dirty="0" err="1">
-                    <a:latin typeface="+mj-lt"/>
-                  </a:rPr>
-                  <a:t>werden</a:t>
-                </a:r>
-                <a:endParaRPr lang="en-US" kern="0" dirty="0">
-                  <a:latin typeface="+mj-lt"/>
-                </a:endParaRPr>
               </a:p>
               <a:p>
                 <a:pPr marL="358775" lvl="2" indent="0">
                   <a:buNone/>
                 </a:pPr>
                 <a:r>
-                  <a:rPr lang="en-US" kern="0" dirty="0">
+                  <a:rPr lang="de-DE" kern="0" dirty="0">
                     <a:latin typeface="+mj-lt"/>
                   </a:rPr>
                   <a:t>1 Ether ≙ </a:t>
                 </a:r>
                 <a:r>
                   <a:rPr lang="de-DE" dirty="0"/>
-                  <a:t>1000000000000000000 Wei </a:t>
+                  <a:t>1.000.000.000.000.000.000 Wei </a:t>
                 </a:r>
                 <a:r>
-                  <a:rPr lang="en-US" kern="0" dirty="0"/>
+                  <a:rPr lang="de-DE" kern="0" dirty="0"/>
                   <a:t>≙ </a:t>
                 </a:r>
                 <a:r>
@@ -22922,7 +22178,7 @@
                     <m:sSub>
                       <m:sSubPr>
                         <m:ctrlPr>
-                          <a:rPr lang="en-US" i="1" kern="0" smtClean="0">
+                          <a:rPr lang="de-DE" i="1" kern="0" smtClean="0">
                             <a:latin typeface="Cambria Math" panose="02040503050406030204" pitchFamily="18" charset="0"/>
                           </a:rPr>
                         </m:ctrlPr>
@@ -22947,11 +22203,11 @@
                   </m:oMath>
                 </a14:m>
                 <a:r>
-                  <a:rPr lang="en-US" kern="0" dirty="0"/>
+                  <a:rPr lang="de-DE" kern="0" dirty="0"/>
                   <a:t> = </a:t>
                 </a:r>
                 <a:r>
-                  <a:rPr lang="en-US" kern="0" dirty="0">
+                  <a:rPr lang="de-DE" kern="0" dirty="0">
                     <a:latin typeface="JetBrains Mono" panose="020B0509020102050004" pitchFamily="49" charset="0"/>
                   </a:rPr>
                   <a:t>{</a:t>
@@ -22962,10 +22218,22 @@
                   <a:buNone/>
                 </a:pPr>
                 <a:r>
-                  <a:rPr lang="en-US" kern="0" dirty="0">
+                  <a:rPr lang="de-DE" kern="0" dirty="0">
                     <a:latin typeface="JetBrains Mono" panose="020B0509020102050004" pitchFamily="49" charset="0"/>
                   </a:rPr>
-                  <a:t>    data: </a:t>
+                  <a:t>    </a:t>
+                </a:r>
+                <a:r>
+                  <a:rPr lang="de-DE" kern="0" dirty="0" err="1">
+                    <a:latin typeface="JetBrains Mono" panose="020B0509020102050004" pitchFamily="49" charset="0"/>
+                  </a:rPr>
+                  <a:t>data</a:t>
+                </a:r>
+                <a:r>
+                  <a:rPr lang="de-DE" kern="0" dirty="0">
+                    <a:latin typeface="JetBrains Mono" panose="020B0509020102050004" pitchFamily="49" charset="0"/>
+                  </a:rPr>
+                  <a:t>: </a:t>
                 </a:r>
                 <a:r>
                   <a:rPr lang="de-DE" dirty="0">
@@ -23028,7 +22296,7 @@
                   </a:rPr>
                   <a:t>    …</a:t>
                 </a:r>
-                <a:endParaRPr lang="en-US" kern="0" dirty="0">
+                <a:endParaRPr lang="de-DE" kern="0" dirty="0">
                   <a:latin typeface="JetBrains Mono" panose="020B0509020102050004" pitchFamily="49" charset="0"/>
                 </a:endParaRPr>
               </a:p>
@@ -23037,7 +22305,7 @@
                   <a:buNone/>
                 </a:pPr>
                 <a:r>
-                  <a:rPr lang="en-US" kern="0" dirty="0">
+                  <a:rPr lang="de-DE" kern="0" dirty="0">
                     <a:latin typeface="JetBrains Mono" panose="020B0509020102050004" pitchFamily="49" charset="0"/>
                   </a:rPr>
                   <a:t>}</a:t>
@@ -23047,7 +22315,7 @@
                 <a:pPr marL="358775" lvl="2" indent="0">
                   <a:buNone/>
                 </a:pPr>
-                <a:endParaRPr lang="en-US" sz="1800" kern="0" dirty="0">
+                <a:endParaRPr lang="de-DE" sz="1800" kern="0" dirty="0">
                   <a:latin typeface="+mj-lt"/>
                 </a:endParaRPr>
               </a:p>
@@ -23056,7 +22324,7 @@
                   <a:buFont typeface="Arial" panose="020B0604020202020204" pitchFamily="34" charset="0"/>
                   <a:buChar char="•"/>
                 </a:pPr>
-                <a:endParaRPr lang="en-US" kern="0" dirty="0">
+                <a:endParaRPr lang="de-DE" kern="0" dirty="0">
                   <a:latin typeface="+mj-lt"/>
                 </a:endParaRPr>
               </a:p>
@@ -23065,14 +22333,14 @@
                   <a:buFont typeface="Arial" panose="020B0604020202020204" pitchFamily="34" charset="0"/>
                   <a:buChar char="•"/>
                 </a:pPr>
-                <a:endParaRPr lang="en-US" kern="0" dirty="0">
+                <a:endParaRPr lang="de-DE" kern="0" dirty="0">
                   <a:latin typeface="+mj-lt"/>
                 </a:endParaRPr>
               </a:p>
             </p:txBody>
           </p:sp>
         </mc:Choice>
-        <mc:Fallback xmlns="">
+        <mc:Fallback>
           <p:sp>
             <p:nvSpPr>
               <p:cNvPr id="22" name="Rectangle 3">
@@ -23107,14 +22375,14 @@
               <a:effectLst/>
               <a:extLst>
                 <a:ext uri="{909E8E84-426E-40dd-AFC4-6F175D3DCCD1}">
-                  <a14:hiddenFill xmlns:a14="http://schemas.microsoft.com/office/drawing/2010/main" xmlns="">
+                  <a14:hiddenFill xmlns="" xmlns:a14="http://schemas.microsoft.com/office/drawing/2010/main">
                     <a:solidFill>
                       <a:schemeClr val="accent1"/>
                     </a:solidFill>
                   </a14:hiddenFill>
                 </a:ext>
                 <a:ext uri="{91240B29-F687-4f45-9708-019B960494DF}">
-                  <a14:hiddenLine xmlns:a14="http://schemas.microsoft.com/office/drawing/2010/main" xmlns="" w="9525">
+                  <a14:hiddenLine xmlns="" xmlns:a14="http://schemas.microsoft.com/office/drawing/2010/main" w="9525">
                     <a:solidFill>
                       <a:schemeClr val="tx1"/>
                     </a:solidFill>
@@ -23124,7 +22392,7 @@
                   </a14:hiddenLine>
                 </a:ext>
                 <a:ext uri="{AF507438-7753-43e0-B8FC-AC1667EBCBE1}">
-                  <a14:hiddenEffects xmlns:a14="http://schemas.microsoft.com/office/drawing/2010/main" xmlns="">
+                  <a14:hiddenEffects xmlns="" xmlns:a14="http://schemas.microsoft.com/office/drawing/2010/main">
                     <a:effectLst>
                       <a:outerShdw dist="35921" dir="2700000" algn="ctr" rotWithShape="0">
                         <a:schemeClr val="bg2"/>
@@ -23655,34 +22923,9 @@
               <a:buChar char="•"/>
             </a:pPr>
             <a:r>
-              <a:rPr lang="en-US" kern="0" dirty="0" err="1"/>
-              <a:t>Konzeptioneller</a:t>
-            </a:r>
-            <a:r>
-              <a:rPr lang="en-US" kern="0" dirty="0"/>
-              <a:t> </a:t>
-            </a:r>
-            <a:r>
-              <a:rPr lang="en-US" kern="0" dirty="0" err="1"/>
-              <a:t>Lösungsansatz</a:t>
-            </a:r>
-            <a:r>
-              <a:rPr lang="en-US" kern="0" dirty="0"/>
-              <a:t> </a:t>
-            </a:r>
-            <a:r>
-              <a:rPr lang="en-US" kern="0" dirty="0" err="1"/>
-              <a:t>für</a:t>
-            </a:r>
-            <a:r>
-              <a:rPr lang="en-US" kern="0" dirty="0"/>
-              <a:t> das </a:t>
-            </a:r>
-            <a:r>
-              <a:rPr lang="en-US" kern="0" dirty="0" err="1"/>
-              <a:t>Halteproblem</a:t>
-            </a:r>
-            <a:endParaRPr lang="en-US" kern="0" dirty="0"/>
+              <a:rPr lang="de-DE" kern="0"/>
+              <a:t>Konzeptioneller Lösungsansatz für das Halteproblem</a:t>
+            </a:r>
           </a:p>
           <a:p>
             <a:pPr marL="285750" indent="-285750">
@@ -23690,26 +22933,9 @@
               <a:buChar char="•"/>
             </a:pPr>
             <a:r>
-              <a:rPr lang="en-US" kern="0" dirty="0" err="1"/>
-              <a:t>Bemisst</a:t>
-            </a:r>
-            <a:r>
-              <a:rPr lang="en-US" kern="0" dirty="0"/>
-              <a:t> den </a:t>
-            </a:r>
-            <a:r>
-              <a:rPr lang="en-US" kern="0" dirty="0" err="1"/>
-              <a:t>Ressourcenverbrauch</a:t>
-            </a:r>
-            <a:r>
-              <a:rPr lang="en-US" kern="0" dirty="0"/>
-              <a:t> des </a:t>
-            </a:r>
-            <a:r>
-              <a:rPr lang="en-US" kern="0" dirty="0" err="1"/>
-              <a:t>Weltcomputers</a:t>
-            </a:r>
-            <a:endParaRPr lang="en-US" kern="0" dirty="0"/>
+              <a:rPr lang="de-DE" kern="0"/>
+              <a:t>Bemisst den Ressourcenverbrauch des Weltcomputers</a:t>
+            </a:r>
           </a:p>
           <a:p>
             <a:pPr marL="285750" indent="-285750">
@@ -23717,66 +22943,13 @@
               <a:buChar char="•"/>
             </a:pPr>
             <a:r>
-              <a:rPr lang="en-US" kern="0" dirty="0" err="1"/>
-              <a:t>Kosten</a:t>
-            </a:r>
-            <a:r>
-              <a:rPr lang="en-US" kern="0" dirty="0"/>
-              <a:t> </a:t>
-            </a:r>
-            <a:r>
-              <a:rPr lang="en-US" kern="0" dirty="0" err="1"/>
-              <a:t>einer</a:t>
-            </a:r>
-            <a:r>
-              <a:rPr lang="en-US" kern="0" dirty="0"/>
-              <a:t> </a:t>
-            </a:r>
-            <a:r>
-              <a:rPr lang="en-US" kern="0" dirty="0" err="1"/>
-              <a:t>Transaktion</a:t>
-            </a:r>
-            <a:r>
-              <a:rPr lang="en-US" kern="0" dirty="0"/>
-              <a:t>: </a:t>
-            </a:r>
-            <a:r>
-              <a:rPr lang="en-US" i="1" kern="0" dirty="0" err="1"/>
-              <a:t>gasPrice</a:t>
-            </a:r>
-            <a:r>
-              <a:rPr lang="en-US" i="1" kern="0" dirty="0"/>
-              <a:t> × </a:t>
-            </a:r>
-            <a:r>
-              <a:rPr lang="en-US" i="1" kern="0" dirty="0" err="1"/>
-              <a:t>gasLimit</a:t>
-            </a:r>
-            <a:r>
-              <a:rPr lang="en-US" i="1" kern="0" dirty="0"/>
-              <a:t> </a:t>
-            </a:r>
-            <a:r>
-              <a:rPr lang="en-US" i="1" kern="0" dirty="0" err="1"/>
-              <a:t>bzw</a:t>
-            </a:r>
-            <a:r>
-              <a:rPr lang="en-US" i="1" kern="0" dirty="0"/>
-              <a:t>. </a:t>
-            </a:r>
-            <a:r>
-              <a:rPr lang="en-US" i="1" kern="0" dirty="0" err="1"/>
-              <a:t>gasPrice</a:t>
-            </a:r>
-            <a:r>
-              <a:rPr lang="en-US" i="1" kern="0" dirty="0"/>
-              <a:t> × </a:t>
-            </a:r>
-            <a:r>
-              <a:rPr lang="en-US" i="1" kern="0" dirty="0" err="1"/>
-              <a:t>gasUsed</a:t>
-            </a:r>
-            <a:endParaRPr lang="en-US" i="1" kern="0" dirty="0"/>
+              <a:rPr lang="de-DE" kern="0"/>
+              <a:t>Kosten einer Transaktion: </a:t>
+            </a:r>
+            <a:r>
+              <a:rPr lang="de-DE" i="1" kern="0"/>
+              <a:t>gasPrice × gasLimit bzw. gasPrice × gasUsed</a:t>
+            </a:r>
           </a:p>
         </p:txBody>
       </p:sp>
@@ -25271,8 +24444,8 @@
           </p:sp>
         </mc:Fallback>
       </mc:AlternateContent>
-      <mc:AlternateContent xmlns:mc="http://schemas.openxmlformats.org/markup-compatibility/2006" xmlns:a14="http://schemas.microsoft.com/office/drawing/2010/main">
-        <mc:Choice Requires="a14">
+      <mc:AlternateContent xmlns:mc="http://schemas.openxmlformats.org/markup-compatibility/2006">
+        <mc:Choice xmlns:a14="http://schemas.microsoft.com/office/drawing/2010/main" Requires="a14">
           <p:sp>
             <p:nvSpPr>
               <p:cNvPr id="6" name="Rectangle 3">
@@ -25517,7 +24690,7 @@
                     <m:sSub>
                       <m:sSubPr>
                         <m:ctrlPr>
-                          <a:rPr lang="en-US" i="1" kern="0" smtClean="0">
+                          <a:rPr lang="de-DE" i="1" kern="0" smtClean="0">
                             <a:latin typeface="Cambria Math" panose="02040503050406030204" pitchFamily="18" charset="0"/>
                           </a:rPr>
                         </m:ctrlPr>
@@ -25542,23 +24715,15 @@
                   </m:oMath>
                 </a14:m>
                 <a:r>
-                  <a:rPr lang="en-US" kern="0" dirty="0"/>
-                  <a:t> </a:t>
-                </a:r>
-                <a:r>
-                  <a:rPr lang="en-US" kern="0" dirty="0" err="1"/>
-                  <a:t>mit</a:t>
-                </a:r>
-                <a:r>
-                  <a:rPr lang="en-US" kern="0" dirty="0"/>
-                  <a:t> </a:t>
+                  <a:rPr lang="de-DE" kern="0" dirty="0"/>
+                  <a:t> mit </a:t>
                 </a:r>
                 <a14:m>
                   <m:oMath xmlns:m="http://schemas.openxmlformats.org/officeDocument/2006/math">
                     <m:sSub>
                       <m:sSubPr>
                         <m:ctrlPr>
-                          <a:rPr lang="en-US" i="1" kern="0" smtClean="0">
+                          <a:rPr lang="de-DE" i="1" kern="0" smtClean="0">
                             <a:latin typeface="Cambria Math" panose="02040503050406030204" pitchFamily="18" charset="0"/>
                           </a:rPr>
                         </m:ctrlPr>
@@ -25581,7 +24746,7 @@
                       </m:sub>
                     </m:sSub>
                     <m:r>
-                      <a:rPr lang="en-US" i="1" kern="0" smtClean="0">
+                      <a:rPr lang="de-DE" i="1" kern="0" smtClean="0">
                         <a:latin typeface="Cambria Math" panose="02040503050406030204" pitchFamily="18" charset="0"/>
                         <a:ea typeface="Cambria Math" panose="02040503050406030204" pitchFamily="18" charset="0"/>
                       </a:rPr>
@@ -25597,7 +24762,7 @@
                   </m:oMath>
                 </a14:m>
                 <a:r>
-                  <a:rPr lang="en-US" kern="0" dirty="0"/>
+                  <a:rPr lang="de-DE" kern="0" dirty="0"/>
                   <a:t> und </a:t>
                 </a:r>
                 <a14:m>
@@ -25605,7 +24770,7 @@
                     <m:sSub>
                       <m:sSubPr>
                         <m:ctrlPr>
-                          <a:rPr lang="en-US" i="1" kern="0" smtClean="0">
+                          <a:rPr lang="de-DE" i="1" kern="0" smtClean="0">
                             <a:latin typeface="Cambria Math" panose="02040503050406030204" pitchFamily="18" charset="0"/>
                           </a:rPr>
                         </m:ctrlPr>
@@ -25628,7 +24793,7 @@
                       </m:sub>
                     </m:sSub>
                     <m:r>
-                      <a:rPr lang="en-US" i="1" kern="0" smtClean="0">
+                      <a:rPr lang="de-DE" i="1" kern="0" smtClean="0">
                         <a:latin typeface="Cambria Math" panose="02040503050406030204" pitchFamily="18" charset="0"/>
                         <a:ea typeface="Cambria Math" panose="02040503050406030204" pitchFamily="18" charset="0"/>
                       </a:rPr>
@@ -25644,29 +24809,13 @@
                   </m:oMath>
                 </a14:m>
                 <a:r>
-                  <a:rPr lang="en-US" kern="0" dirty="0"/>
-                  <a:t> </a:t>
-                </a:r>
-                <a:r>
-                  <a:rPr lang="en-US" kern="0" dirty="0" err="1"/>
-                  <a:t>intrinsische</a:t>
-                </a:r>
-                <a:r>
-                  <a:rPr lang="en-US" kern="0" dirty="0"/>
-                  <a:t> </a:t>
-                </a:r>
-                <a:r>
-                  <a:rPr lang="en-US" kern="0" dirty="0" err="1"/>
-                  <a:t>Kosten</a:t>
-                </a:r>
-                <a:r>
-                  <a:rPr lang="en-US" kern="0" dirty="0"/>
-                  <a:t>:</a:t>
+                  <a:rPr lang="de-DE" kern="0" dirty="0"/>
+                  <a:t> intrinsische Kosten:</a:t>
                 </a:r>
               </a:p>
               <a:p>
                 <a:r>
-                  <a:rPr lang="en-US" kern="0" dirty="0"/>
+                  <a:rPr lang="de-DE" kern="0" dirty="0"/>
                   <a:t>	3524 gas + 21000 gas </a:t>
                 </a:r>
               </a:p>
@@ -25676,59 +24825,15 @@
                   <a:buChar char="•"/>
                 </a:pPr>
                 <a:r>
-                  <a:rPr lang="en-US" kern="0" dirty="0" err="1"/>
-                  <a:t>Abschätzung</a:t>
+                  <a:rPr lang="de-DE" kern="0" dirty="0"/>
+                  <a:t>Abschätzung: Wie viel Rechenleistung wird zusätzlich gebraucht?</a:t>
                 </a:r>
-                <a:r>
-                  <a:rPr lang="en-US" kern="0" dirty="0"/>
-                  <a:t>: Wie </a:t>
-                </a:r>
-                <a:r>
-                  <a:rPr lang="en-US" kern="0" dirty="0" err="1"/>
-                  <a:t>viel</a:t>
-                </a:r>
-                <a:r>
-                  <a:rPr lang="en-US" kern="0" dirty="0"/>
-                  <a:t> </a:t>
-                </a:r>
-                <a:r>
-                  <a:rPr lang="en-US" kern="0" dirty="0" err="1"/>
-                  <a:t>Rechenleistung</a:t>
-                </a:r>
-                <a:r>
-                  <a:rPr lang="en-US" kern="0" dirty="0"/>
-                  <a:t> </a:t>
-                </a:r>
-                <a:r>
-                  <a:rPr lang="en-US" kern="0" dirty="0" err="1"/>
-                  <a:t>wird</a:t>
-                </a:r>
-                <a:r>
-                  <a:rPr lang="en-US" kern="0" dirty="0"/>
-                  <a:t> </a:t>
-                </a:r>
-                <a:r>
-                  <a:rPr lang="en-US" kern="0" dirty="0" err="1"/>
-                  <a:t>zusätzlich</a:t>
-                </a:r>
-                <a:r>
-                  <a:rPr lang="en-US" kern="0" dirty="0"/>
-                  <a:t> </a:t>
-                </a:r>
-                <a:r>
-                  <a:rPr lang="en-US" kern="0" dirty="0" err="1"/>
-                  <a:t>gebraucht</a:t>
-                </a:r>
-                <a:r>
-                  <a:rPr lang="en-US" kern="0" dirty="0"/>
-                  <a:t>?</a:t>
-                </a:r>
-                <a:endParaRPr lang="en-US" i="1" kern="0" dirty="0"/>
+                <a:endParaRPr lang="de-DE" i="1" kern="0" dirty="0"/>
               </a:p>
             </p:txBody>
           </p:sp>
         </mc:Choice>
-        <mc:Fallback xmlns="">
+        <mc:Fallback>
           <p:sp>
             <p:nvSpPr>
               <p:cNvPr id="6" name="Rectangle 3">
@@ -26437,7 +25542,7 @@
             </a:r>
           </a:p>
           <a:p>
-            <a:endParaRPr lang="en-US" i="1" kern="0" dirty="0"/>
+            <a:endParaRPr lang="de-DE" i="1" kern="0" dirty="0"/>
           </a:p>
         </p:txBody>
       </p:sp>
@@ -26947,36 +26052,8 @@
               <a:buChar char="•"/>
             </a:pPr>
             <a:r>
-              <a:rPr lang="en-US" kern="0" dirty="0" err="1"/>
-              <a:t>Korrelation</a:t>
-            </a:r>
-            <a:r>
-              <a:rPr lang="en-US" kern="0" dirty="0"/>
-              <a:t> </a:t>
-            </a:r>
-            <a:r>
-              <a:rPr lang="en-US" kern="0" dirty="0" err="1"/>
-              <a:t>zwischen</a:t>
-            </a:r>
-            <a:r>
-              <a:rPr lang="en-US" kern="0" dirty="0"/>
-              <a:t> </a:t>
-            </a:r>
-            <a:r>
-              <a:rPr lang="en-US" kern="0" dirty="0" err="1"/>
-              <a:t>gasPrice</a:t>
-            </a:r>
-            <a:r>
-              <a:rPr lang="en-US" kern="0" dirty="0"/>
-              <a:t> und </a:t>
-            </a:r>
-            <a:r>
-              <a:rPr lang="en-US" kern="0" dirty="0" err="1"/>
-              <a:t>Latenz</a:t>
-            </a:r>
-            <a:r>
-              <a:rPr lang="en-US" kern="0" dirty="0"/>
-              <a:t>?</a:t>
+              <a:rPr lang="de-DE" kern="0"/>
+              <a:t>Korrelation zwischen gasPrice und Latenz?</a:t>
             </a:r>
           </a:p>
           <a:p>
@@ -26985,18 +26062,9 @@
               <a:buChar char="•"/>
             </a:pPr>
             <a:r>
-              <a:rPr lang="en-US" kern="0" dirty="0" err="1"/>
-              <a:t>Eskalation</a:t>
-            </a:r>
-            <a:r>
-              <a:rPr lang="en-US" kern="0" dirty="0"/>
-              <a:t> von </a:t>
-            </a:r>
-            <a:r>
-              <a:rPr lang="en-US" kern="0" dirty="0" err="1"/>
-              <a:t>Transaktionskosten</a:t>
-            </a:r>
-            <a:endParaRPr lang="en-US" kern="0" dirty="0"/>
+              <a:rPr lang="de-DE" kern="0"/>
+              <a:t>Eskalation von Transaktionskosten</a:t>
+            </a:r>
           </a:p>
         </p:txBody>
       </p:sp>
@@ -27954,8 +27022,8 @@
           </a:p>
         </p:txBody>
       </p:sp>
-      <mc:AlternateContent xmlns:mc="http://schemas.openxmlformats.org/markup-compatibility/2006" xmlns:a14="http://schemas.microsoft.com/office/drawing/2010/main">
-        <mc:Choice Requires="a14">
+      <mc:AlternateContent xmlns:mc="http://schemas.openxmlformats.org/markup-compatibility/2006">
+        <mc:Choice xmlns:a14="http://schemas.microsoft.com/office/drawing/2010/main" Requires="a14">
           <p:sp>
             <p:nvSpPr>
               <p:cNvPr id="8" name="Rectangle 3">
@@ -28196,7 +27264,7 @@
                   <a:buChar char="•"/>
                 </a:pPr>
                 <a:r>
-                  <a:rPr lang="en-US" kern="0" dirty="0"/>
+                  <a:rPr lang="de-DE" kern="0" dirty="0"/>
                   <a:t>um maximal  </a:t>
                 </a:r>
                 <a14:m>
@@ -28204,7 +27272,7 @@
                     <m:f>
                       <m:fPr>
                         <m:ctrlPr>
-                          <a:rPr lang="en-US" sz="2000" i="1" kern="0" smtClean="0">
+                          <a:rPr lang="de-DE" sz="2000" i="1" kern="0" smtClean="0">
                             <a:latin typeface="Cambria Math" panose="02040503050406030204" pitchFamily="18" charset="0"/>
                           </a:rPr>
                         </m:ctrlPr>
@@ -28213,7 +27281,7 @@
                         <m:sSub>
                           <m:sSubPr>
                             <m:ctrlPr>
-                              <a:rPr lang="en-US" sz="2000" i="1" kern="0" smtClean="0">
+                              <a:rPr lang="de-DE" sz="2000" i="1" kern="0" smtClean="0">
                                 <a:latin typeface="Cambria Math" panose="02040503050406030204" pitchFamily="18" charset="0"/>
                               </a:rPr>
                             </m:ctrlPr>
@@ -28272,23 +27340,15 @@
                   </m:oMath>
                 </a14:m>
                 <a:r>
-                  <a:rPr lang="en-US" kern="0" dirty="0"/>
-                  <a:t>  des </a:t>
-                </a:r>
-                <a:r>
-                  <a:rPr lang="en-US" kern="0" dirty="0" err="1"/>
-                  <a:t>alten</a:t>
-                </a:r>
-                <a:r>
-                  <a:rPr lang="en-US" kern="0" dirty="0"/>
-                  <a:t> Limits </a:t>
+                  <a:rPr lang="de-DE" kern="0" dirty="0"/>
+                  <a:t>  des alten Limits </a:t>
                 </a:r>
                 <a14:m>
                   <m:oMath xmlns:m="http://schemas.openxmlformats.org/officeDocument/2006/math">
                     <m:sSub>
                       <m:sSubPr>
                         <m:ctrlPr>
-                          <a:rPr lang="en-US" i="1" kern="0" smtClean="0">
+                          <a:rPr lang="de-DE" i="1" kern="0" smtClean="0">
                             <a:latin typeface="Cambria Math" panose="02040503050406030204" pitchFamily="18" charset="0"/>
                           </a:rPr>
                         </m:ctrlPr>
@@ -28337,43 +27397,14 @@
                   </m:oMath>
                 </a14:m>
                 <a:r>
-                  <a:rPr lang="en-US" kern="0" dirty="0"/>
-                  <a:t> </a:t>
+                  <a:rPr lang="de-DE" kern="0" dirty="0"/>
+                  <a:t> erhöht oder verringert werden darf</a:t>
                 </a:r>
-                <a:r>
-                  <a:rPr lang="en-US" kern="0" dirty="0" err="1"/>
-                  <a:t>erhöht</a:t>
-                </a:r>
-                <a:r>
-                  <a:rPr lang="en-US" kern="0" dirty="0"/>
-                  <a:t> </a:t>
-                </a:r>
-                <a:r>
-                  <a:rPr lang="en-US" kern="0" dirty="0" err="1"/>
-                  <a:t>oder</a:t>
-                </a:r>
-                <a:r>
-                  <a:rPr lang="en-US" kern="0" dirty="0"/>
-                  <a:t> </a:t>
-                </a:r>
-                <a:r>
-                  <a:rPr lang="en-US" kern="0" dirty="0" err="1"/>
-                  <a:t>verringert</a:t>
-                </a:r>
-                <a:r>
-                  <a:rPr lang="en-US" kern="0" dirty="0"/>
-                  <a:t> warden </a:t>
-                </a:r>
-                <a:r>
-                  <a:rPr lang="en-US" kern="0" dirty="0" err="1"/>
-                  <a:t>darf</a:t>
-                </a:r>
-                <a:endParaRPr lang="en-US" kern="0" dirty="0"/>
               </a:p>
             </p:txBody>
           </p:sp>
         </mc:Choice>
-        <mc:Fallback xmlns="">
+        <mc:Fallback>
           <p:sp>
             <p:nvSpPr>
               <p:cNvPr id="8" name="Rectangle 3">
@@ -28780,45 +27811,16 @@
             </a:pPr>
             <a:r>
               <a:rPr lang="de-DE" kern="0" dirty="0"/>
-              <a:t>Struktur</a:t>
-            </a:r>
-            <a:r>
-              <a:rPr lang="en-US" kern="0" dirty="0"/>
-              <a:t> und </a:t>
-            </a:r>
-            <a:r>
-              <a:rPr lang="en-US" kern="0" dirty="0" err="1"/>
-              <a:t>technische</a:t>
-            </a:r>
-            <a:r>
-              <a:rPr lang="en-US" kern="0" dirty="0"/>
-              <a:t> </a:t>
-            </a:r>
-            <a:r>
-              <a:rPr lang="en-US" kern="0" dirty="0" err="1"/>
-              <a:t>Umsetzung</a:t>
-            </a:r>
-            <a:endParaRPr lang="en-US" kern="0" dirty="0"/>
+              <a:t>Struktur und technische Umsetzung</a:t>
+            </a:r>
           </a:p>
           <a:p>
             <a:pPr marL="342900" indent="-342900">
               <a:buAutoNum type="arabicPeriod"/>
             </a:pPr>
             <a:r>
-              <a:rPr lang="en-US" kern="0" dirty="0" err="1"/>
-              <a:t>Komponenten</a:t>
-            </a:r>
-            <a:r>
-              <a:rPr lang="en-US" kern="0" dirty="0"/>
-              <a:t> </a:t>
-            </a:r>
-            <a:r>
-              <a:rPr lang="en-US" kern="0" dirty="0" err="1"/>
-              <a:t>im</a:t>
-            </a:r>
-            <a:r>
-              <a:rPr lang="en-US" kern="0" dirty="0"/>
-              <a:t> Detail</a:t>
+              <a:rPr lang="de-DE" kern="0" dirty="0"/>
+              <a:t>Komponenten im Detail</a:t>
             </a:r>
           </a:p>
           <a:p>
@@ -28826,20 +27828,18 @@
               <a:buAutoNum type="arabicPeriod"/>
             </a:pPr>
             <a:r>
-              <a:rPr lang="en-US" kern="0" dirty="0" err="1"/>
-              <a:t>Transaktionabwicklung</a:t>
-            </a:r>
-            <a:endParaRPr lang="en-US" kern="0" dirty="0"/>
+              <a:rPr lang="de-DE" kern="0" dirty="0"/>
+              <a:t>Transaktionsabwicklung</a:t>
+            </a:r>
           </a:p>
           <a:p>
             <a:pPr marL="342900" indent="-342900">
               <a:buAutoNum type="arabicPeriod"/>
             </a:pPr>
             <a:r>
-              <a:rPr lang="en-US" kern="0" dirty="0" err="1"/>
+              <a:rPr lang="de-DE" kern="0" dirty="0"/>
               <a:t>Ausblick</a:t>
             </a:r>
-            <a:endParaRPr lang="en-US" kern="0" dirty="0"/>
           </a:p>
         </p:txBody>
       </p:sp>
@@ -30607,8 +29607,8 @@
           </a:p>
         </p:txBody>
       </p:sp>
-      <mc:AlternateContent xmlns:mc="http://schemas.openxmlformats.org/markup-compatibility/2006" xmlns:a14="http://schemas.microsoft.com/office/drawing/2010/main">
-        <mc:Choice Requires="a14">
+      <mc:AlternateContent xmlns:mc="http://schemas.openxmlformats.org/markup-compatibility/2006">
+        <mc:Choice xmlns:a14="http://schemas.microsoft.com/office/drawing/2010/main" Requires="a14">
           <p:sp>
             <p:nvSpPr>
               <p:cNvPr id="6" name="Rectangle 3">
@@ -30849,67 +29849,19 @@
                   <a:buChar char="•"/>
                 </a:pPr>
                 <a:r>
-                  <a:rPr lang="en-US" kern="0" dirty="0"/>
-                  <a:t>Warum </a:t>
-                </a:r>
-                <a:r>
-                  <a:rPr lang="en-US" kern="0" dirty="0" err="1"/>
-                  <a:t>sollte</a:t>
-                </a:r>
-                <a:r>
-                  <a:rPr lang="en-US" kern="0" dirty="0"/>
-                  <a:t> ich </a:t>
-                </a:r>
-                <a:r>
-                  <a:rPr lang="en-US" kern="0" dirty="0" err="1"/>
-                  <a:t>Ressourcen</a:t>
-                </a:r>
-                <a:r>
-                  <a:rPr lang="en-US" kern="0" dirty="0"/>
-                  <a:t> </a:t>
-                </a:r>
-                <a:r>
-                  <a:rPr lang="en-US" kern="0" dirty="0" err="1"/>
-                  <a:t>für</a:t>
-                </a:r>
-                <a:r>
-                  <a:rPr lang="en-US" kern="0" dirty="0"/>
-                  <a:t> das System </a:t>
-                </a:r>
-                <a:r>
-                  <a:rPr lang="en-US" kern="0" dirty="0" err="1"/>
-                  <a:t>zur</a:t>
-                </a:r>
-                <a:r>
-                  <a:rPr lang="en-US" kern="0" dirty="0"/>
-                  <a:t> </a:t>
-                </a:r>
-                <a:r>
-                  <a:rPr lang="en-US" kern="0" dirty="0" err="1"/>
-                  <a:t>Verfügung</a:t>
-                </a:r>
-                <a:r>
-                  <a:rPr lang="en-US" kern="0" dirty="0"/>
-                  <a:t> </a:t>
-                </a:r>
-                <a:r>
-                  <a:rPr lang="en-US" kern="0" dirty="0" err="1"/>
-                  <a:t>stellen</a:t>
-                </a:r>
-                <a:r>
-                  <a:rPr lang="en-US" kern="0" dirty="0"/>
-                  <a:t>?</a:t>
+                  <a:rPr lang="de-DE" kern="0"/>
+                  <a:t>Warum sollte ich Ressourcen für das System zur Verfügung stellen?</a:t>
                 </a:r>
               </a:p>
               <a:p>
                 <a:r>
-                  <a:rPr lang="en-US" kern="0" dirty="0"/>
+                  <a:rPr lang="de-DE" kern="0"/>
                   <a:t>	</a:t>
                 </a:r>
                 <a14:m>
                   <m:oMath xmlns:m="http://schemas.openxmlformats.org/officeDocument/2006/math">
                     <m:r>
-                      <a:rPr lang="en-US" i="1" kern="0" smtClean="0">
+                      <a:rPr lang="de-DE" i="1" kern="0" smtClean="0">
                         <a:latin typeface="Cambria Math" panose="02040503050406030204" pitchFamily="18" charset="0"/>
                         <a:ea typeface="Cambria Math" panose="02040503050406030204" pitchFamily="18" charset="0"/>
                       </a:rPr>
@@ -30918,16 +29870,8 @@
                   </m:oMath>
                 </a14:m>
                 <a:r>
-                  <a:rPr lang="en-US" kern="0" dirty="0"/>
-                  <a:t> </a:t>
-                </a:r>
-                <a:r>
-                  <a:rPr lang="en-US" kern="0" dirty="0" err="1"/>
-                  <a:t>Cryptoeconomics</a:t>
-                </a:r>
-                <a:r>
-                  <a:rPr lang="en-US" kern="0" dirty="0"/>
-                  <a:t> </a:t>
+                  <a:rPr lang="de-DE" kern="0"/>
+                  <a:t> Cryptoeconomics </a:t>
                 </a:r>
               </a:p>
               <a:p>
@@ -30936,7 +29880,7 @@
                   <a:buChar char="•"/>
                 </a:pPr>
                 <a:r>
-                  <a:rPr lang="de-DE" kern="0" dirty="0"/>
+                  <a:rPr lang="de-DE" kern="0"/>
                   <a:t> Formalisierung des menschlichen Verhaltens durch Spieletheorie </a:t>
                 </a:r>
               </a:p>
@@ -30946,23 +29890,11 @@
                   <a:buChar char="•"/>
                 </a:pPr>
                 <a:r>
-                  <a:rPr lang="de-DE" i="1" kern="0" dirty="0" err="1"/>
-                  <a:t>utility</a:t>
+                  <a:rPr lang="de-DE" i="1" kern="0"/>
+                  <a:t>utility payoff </a:t>
                 </a:r>
                 <a:r>
-                  <a:rPr lang="de-DE" i="1" kern="0" dirty="0"/>
-                  <a:t> </a:t>
-                </a:r>
-                <a:r>
-                  <a:rPr lang="de-DE" i="1" kern="0" dirty="0" err="1"/>
-                  <a:t>payoff</a:t>
-                </a:r>
-                <a:r>
-                  <a:rPr lang="de-DE" i="1" kern="0" dirty="0"/>
-                  <a:t> </a:t>
-                </a:r>
-                <a:r>
-                  <a:rPr lang="de-DE" kern="0" dirty="0"/>
+                  <a:rPr lang="de-DE" kern="0"/>
                   <a:t>Nützlichkeitsfunktion </a:t>
                 </a:r>
                 <a14:m>
@@ -31005,7 +29937,7 @@
                   </m:oMath>
                 </a14:m>
                 <a:r>
-                  <a:rPr lang="de-DE" kern="0" dirty="0"/>
+                  <a:rPr lang="de-DE" kern="0"/>
                   <a:t> möglichst maximieren</a:t>
                 </a:r>
               </a:p>
@@ -31014,12 +29946,12 @@
                   <a:buFont typeface="Arial" panose="020B0604020202020204" pitchFamily="34" charset="0"/>
                   <a:buChar char="•"/>
                 </a:pPr>
-                <a:endParaRPr lang="en-US" kern="0" dirty="0"/>
+                <a:endParaRPr lang="de-DE" kern="0"/>
               </a:p>
             </p:txBody>
           </p:sp>
         </mc:Choice>
-        <mc:Fallback xmlns="">
+        <mc:Fallback>
           <p:sp>
             <p:nvSpPr>
               <p:cNvPr id="6" name="Rectangle 3">
@@ -34439,45 +33371,16 @@
             </a:pPr>
             <a:r>
               <a:rPr lang="de-DE" kern="0" dirty="0"/>
-              <a:t>Struktur</a:t>
-            </a:r>
-            <a:r>
-              <a:rPr lang="en-US" kern="0" dirty="0"/>
-              <a:t> und </a:t>
-            </a:r>
-            <a:r>
-              <a:rPr lang="en-US" kern="0" dirty="0" err="1"/>
-              <a:t>technische</a:t>
-            </a:r>
-            <a:r>
-              <a:rPr lang="en-US" kern="0" dirty="0"/>
-              <a:t> </a:t>
-            </a:r>
-            <a:r>
-              <a:rPr lang="en-US" kern="0" dirty="0" err="1"/>
-              <a:t>Umsetzung</a:t>
-            </a:r>
-            <a:endParaRPr lang="en-US" kern="0" dirty="0"/>
+              <a:t>Struktur und technische Umsetzung</a:t>
+            </a:r>
           </a:p>
           <a:p>
             <a:pPr marL="342900" indent="-342900">
               <a:buAutoNum type="arabicPeriod"/>
             </a:pPr>
             <a:r>
-              <a:rPr lang="en-US" kern="0" dirty="0" err="1"/>
-              <a:t>Komponenten</a:t>
-            </a:r>
-            <a:r>
-              <a:rPr lang="en-US" kern="0" dirty="0"/>
-              <a:t> </a:t>
-            </a:r>
-            <a:r>
-              <a:rPr lang="en-US" kern="0" dirty="0" err="1"/>
-              <a:t>im</a:t>
-            </a:r>
-            <a:r>
-              <a:rPr lang="en-US" kern="0" dirty="0"/>
-              <a:t> Detail</a:t>
+              <a:rPr lang="de-DE" kern="0" dirty="0"/>
+              <a:t>Komponenten im Detail</a:t>
             </a:r>
           </a:p>
           <a:p>
@@ -34485,20 +33388,18 @@
               <a:buAutoNum type="arabicPeriod"/>
             </a:pPr>
             <a:r>
-              <a:rPr lang="en-US" b="1" kern="0" dirty="0" err="1"/>
-              <a:t>Transaktionabwicklung</a:t>
-            </a:r>
-            <a:endParaRPr lang="en-US" b="1" kern="0" dirty="0"/>
+              <a:rPr lang="de-DE" b="1" kern="0" dirty="0"/>
+              <a:t>Transaktionsabwicklung</a:t>
+            </a:r>
           </a:p>
           <a:p>
             <a:pPr marL="342900" indent="-342900">
               <a:buAutoNum type="arabicPeriod"/>
             </a:pPr>
             <a:r>
-              <a:rPr lang="en-US" kern="0" dirty="0" err="1"/>
+              <a:rPr lang="de-DE" kern="0" dirty="0"/>
               <a:t>Ausblick</a:t>
             </a:r>
-            <a:endParaRPr lang="en-US" kern="0" dirty="0"/>
           </a:p>
         </p:txBody>
       </p:sp>
@@ -34754,8 +33655,8 @@
           </a:lstStyle>
           <a:p>
             <a:r>
-              <a:rPr lang="de-DE" kern="0" dirty="0" err="1"/>
-              <a:t>Transaktionabwicklung</a:t>
+              <a:rPr lang="de-DE" kern="0" dirty="0"/>
+              <a:t>Transaktionsabwicklung</a:t>
             </a:r>
             <a:br>
               <a:rPr lang="de-DE" kern="0" dirty="0"/>
@@ -38593,8 +37494,8 @@
           </a:lstStyle>
           <a:p>
             <a:r>
-              <a:rPr lang="de-DE" kern="0" dirty="0" err="1"/>
-              <a:t>Transaktionabwicklung</a:t>
+              <a:rPr lang="de-DE" kern="0" dirty="0"/>
+              <a:t>Transaktionsabwicklung</a:t>
             </a:r>
             <a:br>
               <a:rPr lang="de-DE" kern="0" dirty="0"/>
@@ -38603,12 +37504,11 @@
               <a:rPr lang="de-DE" sz="2400" b="0" i="1" kern="0" dirty="0"/>
               <a:t>Speicherung</a:t>
             </a:r>
-            <a:endParaRPr lang="en-US" sz="2400" b="0" i="1" kern="0" dirty="0"/>
           </a:p>
         </p:txBody>
       </p:sp>
-      <mc:AlternateContent xmlns:mc="http://schemas.openxmlformats.org/markup-compatibility/2006" xmlns:a14="http://schemas.microsoft.com/office/drawing/2010/main">
-        <mc:Choice Requires="a14">
+      <mc:AlternateContent xmlns:mc="http://schemas.openxmlformats.org/markup-compatibility/2006">
+        <mc:Choice xmlns:a14="http://schemas.microsoft.com/office/drawing/2010/main" Requires="a14">
           <p:sp>
             <p:nvSpPr>
               <p:cNvPr id="6" name="Rectangle 3">
@@ -38849,7 +37749,7 @@
                   <a:buChar char="•"/>
                 </a:pPr>
                 <a:r>
-                  <a:rPr lang="de-DE" kern="0" dirty="0"/>
+                  <a:rPr lang="de-DE" kern="0"/>
                   <a:t>Inkludierung im Block</a:t>
                 </a:r>
               </a:p>
@@ -38859,23 +37759,15 @@
                   <a:buChar char="•"/>
                 </a:pPr>
                 <a:r>
-                  <a:rPr lang="de-DE" kern="0" dirty="0"/>
-                  <a:t>Erstellung eines </a:t>
+                  <a:rPr lang="de-DE" kern="0"/>
+                  <a:t>Erstellung eines Receipts: </a:t>
                 </a:r>
                 <a:r>
-                  <a:rPr lang="de-DE" kern="0" dirty="0" err="1"/>
-                  <a:t>Receipts</a:t>
-                </a:r>
-                <a:r>
-                  <a:rPr lang="de-DE" kern="0" dirty="0"/>
-                  <a:t>: </a:t>
-                </a:r>
-                <a:r>
-                  <a:rPr lang="de-DE" i="1" kern="0" dirty="0" err="1"/>
+                  <a:rPr lang="de-DE" i="1" kern="0"/>
                   <a:t>receipt</a:t>
                 </a:r>
                 <a:r>
-                  <a:rPr lang="de-DE" kern="0" dirty="0"/>
+                  <a:rPr lang="de-DE" kern="0"/>
                   <a:t> besteht aus dem Zustand </a:t>
                 </a:r>
                 <a14:m>
@@ -38909,7 +37801,7 @@
                   </m:oMath>
                 </a14:m>
                 <a:r>
-                  <a:rPr lang="de-DE" kern="0" dirty="0"/>
+                  <a:rPr lang="de-DE" kern="0"/>
                   <a:t> nach der Transaktion, dem kumulierten, verbrauchten Gas nach der Transaktion </a:t>
                 </a:r>
                 <a14:m>
@@ -38942,7 +37834,7 @@
                   </m:oMath>
                 </a14:m>
                 <a:r>
-                  <a:rPr lang="de-DE" kern="0" dirty="0"/>
+                  <a:rPr lang="de-DE" kern="0"/>
                   <a:t> und den Logs </a:t>
                 </a:r>
                 <a14:m>
@@ -38974,7 +37866,7 @@
                     </m:sSub>
                   </m:oMath>
                 </a14:m>
-                <a:endParaRPr lang="de-DE" kern="0" dirty="0"/>
+                <a:endParaRPr lang="de-DE" kern="0"/>
               </a:p>
               <a:p>
                 <a:pPr marL="285750" indent="-285750">
@@ -38982,20 +37874,8 @@
                   <a:buChar char="•"/>
                 </a:pPr>
                 <a:r>
-                  <a:rPr lang="de-DE" i="1" kern="0" dirty="0" err="1"/>
-                  <a:t>bloom</a:t>
-                </a:r>
-                <a:r>
-                  <a:rPr lang="de-DE" i="1" kern="0" dirty="0"/>
-                  <a:t> </a:t>
-                </a:r>
-                <a:r>
-                  <a:rPr lang="de-DE" i="1" kern="0" dirty="0" err="1"/>
-                  <a:t>filter</a:t>
-                </a:r>
-                <a:r>
-                  <a:rPr lang="de-DE" i="1" kern="0" dirty="0"/>
-                  <a:t> </a:t>
+                  <a:rPr lang="de-DE" i="1" kern="0"/>
+                  <a:t>bloom filter </a:t>
                 </a:r>
                 <a14:m>
                   <m:oMath xmlns:m="http://schemas.openxmlformats.org/officeDocument/2006/math">
@@ -39027,11 +37907,11 @@
                   </m:oMath>
                 </a14:m>
                 <a:r>
-                  <a:rPr lang="de-DE" i="1" kern="0" dirty="0"/>
+                  <a:rPr lang="de-DE" i="1" kern="0"/>
                   <a:t> </a:t>
                 </a:r>
                 <a:r>
-                  <a:rPr lang="de-DE" kern="0" dirty="0"/>
+                  <a:rPr lang="de-DE" kern="0"/>
                   <a:t>von den Logs</a:t>
                 </a:r>
               </a:p>
@@ -39041,14 +37921,14 @@
                   <a:buChar char="•"/>
                 </a:pPr>
                 <a:r>
-                  <a:rPr lang="de-DE" kern="0" dirty="0"/>
+                  <a:rPr lang="de-DE" kern="0"/>
                   <a:t>Nach Konsens über Block unveränderlicher Teil der Blockchain</a:t>
                 </a:r>
               </a:p>
             </p:txBody>
           </p:sp>
         </mc:Choice>
-        <mc:Fallback xmlns="">
+        <mc:Fallback>
           <p:sp>
             <p:nvSpPr>
               <p:cNvPr id="6" name="Rectangle 3">
@@ -39206,8 +38086,8 @@
           </a:p>
         </p:txBody>
       </p:sp>
-      <mc:AlternateContent xmlns:mc="http://schemas.openxmlformats.org/markup-compatibility/2006" xmlns:a14="http://schemas.microsoft.com/office/drawing/2010/main">
-        <mc:Choice Requires="a14">
+      <mc:AlternateContent xmlns:mc="http://schemas.openxmlformats.org/markup-compatibility/2006">
+        <mc:Choice xmlns:a14="http://schemas.microsoft.com/office/drawing/2010/main" Requires="a14">
           <p:sp>
             <p:nvSpPr>
               <p:cNvPr id="9219" name="Rectangle 3"/>
@@ -39230,55 +38110,15 @@
                   <a:buChar char="•"/>
                 </a:pPr>
                 <a:r>
-                  <a:rPr lang="en-US" dirty="0"/>
-                  <a:t>Ethereum </a:t>
+                  <a:rPr lang="de-DE"/>
+                  <a:t>Ethereum ist ein „transaktionsbasierter Automat“ (</a:t>
                 </a:r>
                 <a:r>
-                  <a:rPr lang="en-US" dirty="0" err="1"/>
-                  <a:t>ist</a:t>
+                  <a:rPr lang="de-DE" i="1"/>
+                  <a:t>transaction-based state machine</a:t>
                 </a:r>
                 <a:r>
-                  <a:rPr lang="en-US" dirty="0"/>
-                  <a:t> </a:t>
-                </a:r>
-                <a:r>
-                  <a:rPr lang="en-US" dirty="0" err="1"/>
-                  <a:t>ein</a:t>
-                </a:r>
-                <a:r>
-                  <a:rPr lang="en-US" dirty="0"/>
-                  <a:t> </a:t>
-                </a:r>
-                <a:r>
-                  <a:rPr lang="de-DE" dirty="0"/>
-                  <a:t>„transaktionsbasierter Automat“ (</a:t>
-                </a:r>
-                <a:r>
-                  <a:rPr lang="de-DE" i="1" dirty="0"/>
-                  <a:t>transaction-</a:t>
-                </a:r>
-                <a:r>
-                  <a:rPr lang="de-DE" i="1" dirty="0" err="1"/>
-                  <a:t>based</a:t>
-                </a:r>
-                <a:r>
-                  <a:rPr lang="de-DE" i="1" dirty="0"/>
-                  <a:t> </a:t>
-                </a:r>
-                <a:r>
-                  <a:rPr lang="de-DE" i="1" dirty="0" err="1"/>
-                  <a:t>state</a:t>
-                </a:r>
-                <a:r>
-                  <a:rPr lang="de-DE" i="1" dirty="0"/>
-                  <a:t> </a:t>
-                </a:r>
-                <a:r>
-                  <a:rPr lang="de-DE" i="1" dirty="0" err="1"/>
-                  <a:t>machine</a:t>
-                </a:r>
-                <a:r>
-                  <a:rPr lang="de-DE" dirty="0"/>
+                  <a:rPr lang="de-DE"/>
                   <a:t>)</a:t>
                 </a:r>
               </a:p>
@@ -39288,13 +38128,13 @@
                   <a:buChar char="•"/>
                 </a:pPr>
                 <a:r>
-                  <a:rPr lang="de-DE" dirty="0"/>
+                  <a:rPr lang="de-DE"/>
                   <a:t>Definition einer Zustandsübergangsfunktion </a:t>
                 </a:r>
                 <a14:m>
                   <m:oMath xmlns:m="http://schemas.openxmlformats.org/officeDocument/2006/math">
                     <m:r>
-                      <a:rPr lang="el-GR" sz="1800" i="1">
+                      <a:rPr lang="de-DE" sz="1800" i="1" smtClean="0">
                         <a:solidFill>
                           <a:schemeClr val="tx2"/>
                         </a:solidFill>
@@ -39304,35 +38144,35 @@
                     </m:r>
                   </m:oMath>
                 </a14:m>
-                <a:endParaRPr lang="en-US" dirty="0"/>
+                <a:endParaRPr lang="de-DE"/>
               </a:p>
               <a:p>
                 <a:pPr marL="285750" indent="-285750">
                   <a:buFont typeface="Arial" panose="020B0604020202020204" pitchFamily="34" charset="0"/>
                   <a:buChar char="•"/>
                 </a:pPr>
-                <a:endParaRPr lang="en-US" dirty="0"/>
+                <a:endParaRPr lang="de-DE"/>
               </a:p>
               <a:p>
                 <a:pPr marL="285750" indent="-285750">
                   <a:buFont typeface="Arial" panose="020B0604020202020204" pitchFamily="34" charset="0"/>
                   <a:buChar char="•"/>
                 </a:pPr>
-                <a:endParaRPr lang="en-US" dirty="0"/>
+                <a:endParaRPr lang="de-DE"/>
               </a:p>
               <a:p>
                 <a:pPr marL="285750" indent="-285750">
                   <a:buFont typeface="Arial" panose="020B0604020202020204" pitchFamily="34" charset="0"/>
                   <a:buChar char="•"/>
                 </a:pPr>
-                <a:endParaRPr lang="en-US" dirty="0"/>
+                <a:endParaRPr lang="de-DE"/>
               </a:p>
               <a:p>
                 <a:pPr marL="285750" indent="-285750">
                   <a:buFont typeface="Arial" panose="020B0604020202020204" pitchFamily="34" charset="0"/>
                   <a:buChar char="•"/>
                 </a:pPr>
-                <a:endParaRPr lang="en-US" dirty="0"/>
+                <a:endParaRPr lang="de-DE"/>
               </a:p>
               <a:p>
                 <a:pPr marL="285750" indent="-285750">
@@ -39340,35 +38180,15 @@
                   <a:buChar char="•"/>
                 </a:pPr>
                 <a:r>
-                  <a:rPr lang="en-US" dirty="0" err="1"/>
-                  <a:t>Erläuterung</a:t>
-                </a:r>
-                <a:r>
-                  <a:rPr lang="en-US" dirty="0"/>
-                  <a:t> an </a:t>
-                </a:r>
-                <a:r>
-                  <a:rPr lang="en-US" dirty="0" err="1"/>
-                  <a:t>einer</a:t>
-                </a:r>
-                <a:r>
-                  <a:rPr lang="en-US" dirty="0"/>
-                  <a:t> </a:t>
-                </a:r>
-                <a:r>
-                  <a:rPr lang="en-US" dirty="0" err="1"/>
-                  <a:t>Bespieltransaktion</a:t>
-                </a:r>
-                <a:r>
-                  <a:rPr lang="en-US" dirty="0"/>
-                  <a:t> </a:t>
+                  <a:rPr lang="de-DE"/>
+                  <a:t>Erläuterung an einer Bespieltransaktion </a:t>
                 </a:r>
                 <a14:m>
                   <m:oMath xmlns:m="http://schemas.openxmlformats.org/officeDocument/2006/math">
                     <m:sSub>
                       <m:sSubPr>
                         <m:ctrlPr>
-                          <a:rPr lang="en-US" i="1" smtClean="0">
+                          <a:rPr lang="de-DE" i="1" smtClean="0">
                             <a:latin typeface="Cambria Math" panose="02040503050406030204" pitchFamily="18" charset="0"/>
                           </a:rPr>
                         </m:ctrlPr>
@@ -39392,12 +38212,12 @@
                     </m:sSub>
                   </m:oMath>
                 </a14:m>
-                <a:endParaRPr lang="en-US" dirty="0"/>
+                <a:endParaRPr lang="de-DE"/>
               </a:p>
             </p:txBody>
           </p:sp>
         </mc:Choice>
-        <mc:Fallback xmlns="">
+        <mc:Fallback>
           <p:sp>
             <p:nvSpPr>
               <p:cNvPr id="9219" name="Rectangle 3"/>
@@ -40283,7 +39103,7 @@
               <a:buAutoNum type="arabicPeriod"/>
             </a:pPr>
             <a:r>
-              <a:rPr lang="de-DE" kern="0" dirty="0"/>
+              <a:rPr lang="de-DE" kern="0"/>
               <a:t>Einführung</a:t>
             </a:r>
           </a:p>
@@ -40292,46 +39112,17 @@
               <a:buAutoNum type="arabicPeriod"/>
             </a:pPr>
             <a:r>
-              <a:rPr lang="de-DE" kern="0" dirty="0"/>
-              <a:t>Struktur</a:t>
-            </a:r>
-            <a:r>
-              <a:rPr lang="en-US" kern="0" dirty="0"/>
-              <a:t> und </a:t>
-            </a:r>
-            <a:r>
-              <a:rPr lang="en-US" kern="0" dirty="0" err="1"/>
-              <a:t>technische</a:t>
-            </a:r>
-            <a:r>
-              <a:rPr lang="en-US" kern="0" dirty="0"/>
-              <a:t> </a:t>
-            </a:r>
-            <a:r>
-              <a:rPr lang="en-US" kern="0" dirty="0" err="1"/>
-              <a:t>Umsetzung</a:t>
-            </a:r>
-            <a:endParaRPr lang="en-US" kern="0" dirty="0"/>
+              <a:rPr lang="de-DE" kern="0"/>
+              <a:t>Struktur und technische Umsetzung</a:t>
+            </a:r>
           </a:p>
           <a:p>
             <a:pPr marL="342900" indent="-342900">
               <a:buAutoNum type="arabicPeriod"/>
             </a:pPr>
             <a:r>
-              <a:rPr lang="en-US" kern="0" dirty="0" err="1"/>
-              <a:t>Komponenten</a:t>
-            </a:r>
-            <a:r>
-              <a:rPr lang="en-US" kern="0" dirty="0"/>
-              <a:t> </a:t>
-            </a:r>
-            <a:r>
-              <a:rPr lang="en-US" kern="0" dirty="0" err="1"/>
-              <a:t>im</a:t>
-            </a:r>
-            <a:r>
-              <a:rPr lang="en-US" kern="0" dirty="0"/>
-              <a:t> Detail</a:t>
+              <a:rPr lang="de-DE" kern="0"/>
+              <a:t>Komponenten im Detail</a:t>
             </a:r>
           </a:p>
           <a:p>
@@ -40339,20 +39130,18 @@
               <a:buAutoNum type="arabicPeriod"/>
             </a:pPr>
             <a:r>
-              <a:rPr lang="en-US" kern="0" dirty="0" err="1"/>
+              <a:rPr lang="de-DE" kern="0"/>
               <a:t>Transaktionabwicklung</a:t>
             </a:r>
-            <a:endParaRPr lang="en-US" kern="0" dirty="0"/>
           </a:p>
           <a:p>
             <a:pPr marL="342900" indent="-342900">
               <a:buAutoNum type="arabicPeriod"/>
             </a:pPr>
             <a:r>
-              <a:rPr lang="en-US" b="1" kern="0" dirty="0" err="1"/>
+              <a:rPr lang="de-DE" b="1" kern="0"/>
               <a:t>Ausblick</a:t>
             </a:r>
-            <a:endParaRPr lang="en-US" b="1" kern="0" dirty="0"/>
           </a:p>
         </p:txBody>
       </p:sp>
@@ -40402,7 +39191,7 @@
           <a:lstStyle/>
           <a:p>
             <a:r>
-              <a:rPr lang="de-DE"/>
+              <a:rPr lang="de-DE" dirty="0"/>
               <a:t>Seite </a:t>
             </a:r>
             <a:fld id="{CAEED438-B660-4C04-BC25-4C23CCFBC7F4}" type="slidenum">
@@ -40410,7 +39199,7 @@
               <a:pPr/>
               <a:t>41</a:t>
             </a:fld>
-            <a:endParaRPr lang="de-DE"/>
+            <a:endParaRPr lang="de-DE" dirty="0"/>
           </a:p>
         </p:txBody>
       </p:sp>
@@ -41053,36 +39842,8 @@
           <a:lstStyle/>
           <a:p>
             <a:r>
-              <a:rPr lang="en-US" dirty="0" err="1"/>
-              <a:t>Vielen</a:t>
-            </a:r>
-            <a:r>
-              <a:rPr lang="en-US" dirty="0"/>
-              <a:t> Dank </a:t>
-            </a:r>
-            <a:r>
-              <a:rPr lang="en-US" dirty="0" err="1"/>
-              <a:t>für</a:t>
-            </a:r>
-            <a:r>
-              <a:rPr lang="en-US" dirty="0"/>
-              <a:t> </a:t>
-            </a:r>
-            <a:r>
-              <a:rPr lang="en-US" dirty="0" err="1"/>
-              <a:t>Ihre</a:t>
-            </a:r>
-            <a:r>
-              <a:rPr lang="en-US" dirty="0"/>
-              <a:t> </a:t>
-            </a:r>
-            <a:r>
-              <a:rPr lang="en-US" dirty="0" err="1"/>
-              <a:t>Aufmerksamkeit</a:t>
-            </a:r>
-            <a:r>
-              <a:rPr lang="en-US" dirty="0"/>
-              <a:t>!</a:t>
+              <a:rPr lang="de-DE"/>
+              <a:t>Vielen Dank für Ihre Aufmerksamkeit!</a:t>
             </a:r>
           </a:p>
         </p:txBody>
@@ -41412,45 +40173,16 @@
             </a:pPr>
             <a:r>
               <a:rPr lang="de-DE" b="1" kern="0" dirty="0"/>
-              <a:t>Struktur</a:t>
-            </a:r>
-            <a:r>
-              <a:rPr lang="en-US" b="1" kern="0" dirty="0"/>
-              <a:t> und </a:t>
-            </a:r>
-            <a:r>
-              <a:rPr lang="en-US" b="1" kern="0" dirty="0" err="1"/>
-              <a:t>technische</a:t>
-            </a:r>
-            <a:r>
-              <a:rPr lang="en-US" b="1" kern="0" dirty="0"/>
-              <a:t> </a:t>
-            </a:r>
-            <a:r>
-              <a:rPr lang="en-US" b="1" kern="0" dirty="0" err="1"/>
-              <a:t>Umsetzung</a:t>
-            </a:r>
-            <a:endParaRPr lang="en-US" b="1" kern="0" dirty="0"/>
+              <a:t>Struktur und technische Umsetzung</a:t>
+            </a:r>
           </a:p>
           <a:p>
             <a:pPr marL="342900" indent="-342900">
               <a:buAutoNum type="arabicPeriod"/>
             </a:pPr>
             <a:r>
-              <a:rPr lang="en-US" kern="0" dirty="0" err="1"/>
-              <a:t>Komponenten</a:t>
-            </a:r>
-            <a:r>
-              <a:rPr lang="en-US" kern="0" dirty="0"/>
-              <a:t> </a:t>
-            </a:r>
-            <a:r>
-              <a:rPr lang="en-US" kern="0" dirty="0" err="1"/>
-              <a:t>im</a:t>
-            </a:r>
-            <a:r>
-              <a:rPr lang="en-US" kern="0" dirty="0"/>
-              <a:t> Detail</a:t>
+              <a:rPr lang="de-DE" kern="0" dirty="0"/>
+              <a:t>Komponenten im Detail</a:t>
             </a:r>
           </a:p>
           <a:p>
@@ -41458,20 +40190,19 @@
               <a:buAutoNum type="arabicPeriod"/>
             </a:pPr>
             <a:r>
-              <a:rPr lang="en-US" kern="0" dirty="0" err="1"/>
+              <a:rPr lang="de-DE" kern="0" dirty="0" err="1"/>
               <a:t>Transaktionabwicklung</a:t>
             </a:r>
-            <a:endParaRPr lang="en-US" kern="0" dirty="0"/>
+            <a:endParaRPr lang="de-DE" kern="0" dirty="0"/>
           </a:p>
           <a:p>
             <a:pPr marL="342900" indent="-342900">
               <a:buAutoNum type="arabicPeriod"/>
             </a:pPr>
             <a:r>
-              <a:rPr lang="en-US" kern="0" dirty="0" err="1"/>
+              <a:rPr lang="de-DE" kern="0" dirty="0"/>
               <a:t>Ausblick</a:t>
             </a:r>
-            <a:endParaRPr lang="en-US" kern="0" dirty="0"/>
           </a:p>
         </p:txBody>
       </p:sp>
@@ -41686,7 +40417,7 @@
           <p:nvPr>
             <p:extLst>
               <p:ext uri="{D42A27DB-BD31-4B8C-83A1-F6EECF244321}">
-                <p14:modId xmlns:p14="http://schemas.microsoft.com/office/powerpoint/2010/main" val="1219939754"/>
+                <p14:modId xmlns:p14="http://schemas.microsoft.com/office/powerpoint/2010/main" val="1309933154"/>
               </p:ext>
             </p:extLst>
           </p:nvPr>
@@ -41850,7 +40581,7 @@
                         <a:rPr lang="de-DE" sz="1700" dirty="0" err="1">
                           <a:latin typeface="JetBrains Mono" panose="020B0509020102050004"/>
                         </a:rPr>
-                        <a:t>To</a:t>
+                        <a:t>to</a:t>
                       </a:r>
                       <a:r>
                         <a:rPr lang="de-DE" sz="1700" dirty="0">
@@ -42375,18 +41106,10 @@
           <a:lstStyle/>
           <a:p>
             <a:r>
-              <a:rPr lang="en-US" dirty="0" err="1"/>
-              <a:t>Typen</a:t>
-            </a:r>
-            <a:r>
-              <a:rPr lang="en-US" dirty="0"/>
-              <a:t> von </a:t>
-            </a:r>
-            <a:r>
-              <a:rPr lang="en-US" dirty="0" err="1"/>
-              <a:t>Transkationen</a:t>
-            </a:r>
-            <a:endParaRPr lang="en-US" sz="2400" b="0" i="1" dirty="0"/>
+              <a:rPr lang="de-DE"/>
+              <a:t>Typen von Transkationen</a:t>
+            </a:r>
+            <a:endParaRPr lang="de-DE" sz="2400" b="0" i="1"/>
           </a:p>
         </p:txBody>
       </p:sp>
@@ -42411,20 +41134,11 @@
           <a:lstStyle/>
           <a:p>
             <a:r>
-              <a:rPr lang="en-US" dirty="0">
+              <a:rPr lang="de-DE">
                 <a:latin typeface="+mj-lt"/>
               </a:rPr>
-              <a:t>1. Message-Call-</a:t>
-            </a:r>
-            <a:r>
-              <a:rPr lang="en-US" dirty="0" err="1">
-                <a:latin typeface="+mj-lt"/>
-              </a:rPr>
-              <a:t>Transaktionen</a:t>
-            </a:r>
-            <a:endParaRPr lang="en-US" dirty="0">
-              <a:latin typeface="+mj-lt"/>
-            </a:endParaRPr>
+              <a:t>1. Message-Call-Transaktionen</a:t>
+            </a:r>
           </a:p>
         </p:txBody>
       </p:sp>
@@ -43782,18 +42496,10 @@
           <a:lstStyle/>
           <a:p>
             <a:r>
-              <a:rPr lang="en-US" dirty="0" err="1"/>
-              <a:t>Typen</a:t>
-            </a:r>
-            <a:r>
-              <a:rPr lang="en-US" dirty="0"/>
-              <a:t> von </a:t>
-            </a:r>
-            <a:r>
-              <a:rPr lang="en-US" dirty="0" err="1"/>
-              <a:t>Transkationen</a:t>
-            </a:r>
-            <a:endParaRPr lang="en-US" sz="2400" b="0" i="1" dirty="0"/>
+              <a:rPr lang="de-DE"/>
+              <a:t>Typen von Transkationen</a:t>
+            </a:r>
+            <a:endParaRPr lang="de-DE" sz="2400" b="0" i="1"/>
           </a:p>
         </p:txBody>
       </p:sp>
@@ -43818,20 +42524,11 @@
           <a:lstStyle/>
           <a:p>
             <a:r>
-              <a:rPr lang="en-US" dirty="0">
+              <a:rPr lang="de-DE">
                 <a:latin typeface="+mj-lt"/>
               </a:rPr>
-              <a:t>2. Contract-Creation-</a:t>
-            </a:r>
-            <a:r>
-              <a:rPr lang="en-US" dirty="0" err="1">
-                <a:latin typeface="+mj-lt"/>
-              </a:rPr>
-              <a:t>Transaktionen</a:t>
-            </a:r>
-            <a:endParaRPr lang="en-US" dirty="0">
-              <a:latin typeface="+mj-lt"/>
-            </a:endParaRPr>
+              <a:t>2. Contract-Creation-Transaktionen</a:t>
+            </a:r>
           </a:p>
         </p:txBody>
       </p:sp>
@@ -44461,68 +43158,32 @@
           </a:lstStyle>
           <a:p>
             <a:r>
-              <a:rPr lang="en-US" sz="900" kern="0" dirty="0" err="1">
+              <a:rPr lang="de-DE" sz="900" kern="0">
                 <a:latin typeface="+mj-lt"/>
               </a:rPr>
-              <a:t>Bildquelle</a:t>
-            </a:r>
-            <a:r>
-              <a:rPr lang="en-US" sz="900" kern="0" dirty="0">
-                <a:latin typeface="+mj-lt"/>
-              </a:rPr>
-              <a:t> </a:t>
-            </a:r>
-            <a:r>
-              <a:rPr lang="en-US" sz="900" kern="0" dirty="0" err="1">
-                <a:latin typeface="+mj-lt"/>
-              </a:rPr>
-              <a:t>Neuschild</a:t>
-            </a:r>
-            <a:r>
-              <a:rPr lang="en-US" sz="900" kern="0" dirty="0">
-                <a:latin typeface="+mj-lt"/>
-              </a:rPr>
-              <a:t>: </a:t>
-            </a:r>
-            <a:r>
-              <a:rPr lang="en-US" sz="900" kern="0" dirty="0" err="1">
-                <a:latin typeface="+mj-lt"/>
-              </a:rPr>
-              <a:t>Flaticon</a:t>
-            </a:r>
-            <a:r>
-              <a:rPr lang="en-US" sz="900" kern="0" dirty="0">
-                <a:latin typeface="+mj-lt"/>
-              </a:rPr>
-              <a:t>, </a:t>
-            </a:r>
-            <a:r>
-              <a:rPr lang="en-US" sz="900" kern="0" dirty="0" err="1">
-                <a:latin typeface="+mj-lt"/>
-              </a:rPr>
-              <a:t>Freepik</a:t>
+              <a:t>Bildquelle Neuschild: Flaticon, Freepik</a:t>
             </a:r>
             <a:br>
-              <a:rPr lang="en-US" sz="900" kern="0" dirty="0">
+              <a:rPr lang="de-DE" sz="900" kern="0">
                 <a:latin typeface="+mj-lt"/>
               </a:rPr>
             </a:br>
             <a:r>
-              <a:rPr lang="en-US" sz="900" kern="0" dirty="0">
+              <a:rPr lang="de-DE" sz="900" kern="0">
                 <a:latin typeface="+mj-lt"/>
                 <a:hlinkClick r:id="rId5"/>
               </a:rPr>
               <a:t>https://www.flaticon.com/authors/freepik</a:t>
             </a:r>
             <a:r>
-              <a:rPr lang="en-US" sz="900" kern="0" dirty="0">
+              <a:rPr lang="de-DE" sz="900" kern="0">
                 <a:latin typeface="+mj-lt"/>
               </a:rPr>
               <a:t> </a:t>
             </a:r>
           </a:p>
           <a:p>
-            <a:endParaRPr lang="en-US" sz="900" kern="0" dirty="0">
+            <a:endParaRPr lang="de-DE" sz="900" kern="0">
               <a:latin typeface="+mj-lt"/>
             </a:endParaRPr>
           </a:p>
@@ -44602,10 +43263,10 @@
           <a:lstStyle/>
           <a:p>
             <a:r>
-              <a:rPr lang="en-US" dirty="0" err="1"/>
+              <a:rPr lang="de-DE"/>
               <a:t>Verteilung</a:t>
             </a:r>
-            <a:endParaRPr lang="en-US" sz="2400" b="0" i="1" dirty="0"/>
+            <a:endParaRPr lang="de-DE" sz="2400" b="0" i="1"/>
           </a:p>
         </p:txBody>
       </p:sp>
@@ -44849,48 +43510,8 @@
               <a:buChar char="•"/>
             </a:pPr>
             <a:r>
-              <a:rPr lang="en-US" kern="0" dirty="0"/>
-              <a:t> 22.748.700 </a:t>
-            </a:r>
-            <a:r>
-              <a:rPr lang="en-US" kern="0" dirty="0" err="1"/>
-              <a:t>Transkationen</a:t>
-            </a:r>
-            <a:r>
-              <a:rPr lang="en-US" kern="0" dirty="0"/>
-              <a:t> </a:t>
-            </a:r>
-            <a:r>
-              <a:rPr lang="en-US" kern="0" dirty="0" err="1"/>
-              <a:t>wurden</a:t>
-            </a:r>
-            <a:r>
-              <a:rPr lang="en-US" kern="0" dirty="0"/>
-              <a:t> </a:t>
-            </a:r>
-            <a:r>
-              <a:rPr lang="en-US" kern="0" dirty="0" err="1"/>
-              <a:t>im</a:t>
-            </a:r>
-            <a:r>
-              <a:rPr lang="en-US" kern="0" dirty="0"/>
-              <a:t> </a:t>
-            </a:r>
-            <a:r>
-              <a:rPr lang="en-US" kern="0" dirty="0" err="1"/>
-              <a:t>Zeitraum</a:t>
-            </a:r>
-            <a:r>
-              <a:rPr lang="en-US" kern="0" dirty="0"/>
-              <a:t> 01.03.2020 bis 31.03.2020 </a:t>
-            </a:r>
-            <a:r>
-              <a:rPr lang="en-US" kern="0" dirty="0" err="1"/>
-              <a:t>getätigt</a:t>
-            </a:r>
-            <a:r>
-              <a:rPr lang="en-US" kern="0" dirty="0"/>
-              <a:t>:</a:t>
+              <a:rPr lang="de-DE" kern="0"/>
+              <a:t> 22.748.700 Transkationen wurden im Zeitraum 01.03.2020 bis 31.03.2020 getätigt:</a:t>
             </a:r>
           </a:p>
           <a:p>
@@ -44899,22 +43520,9 @@
               <a:buChar char="•"/>
             </a:pPr>
             <a:r>
-              <a:rPr lang="en-US" kern="0" dirty="0"/>
-              <a:t>2,1% </a:t>
-            </a:r>
-            <a:r>
-              <a:rPr lang="en-US" kern="0" dirty="0" err="1"/>
-              <a:t>sind</a:t>
-            </a:r>
-            <a:r>
-              <a:rPr lang="en-US" kern="0" dirty="0"/>
-              <a:t> </a:t>
-            </a:r>
-            <a:r>
-              <a:rPr lang="en-US" kern="0" dirty="0" err="1"/>
-              <a:t>Kontrakterzeugungen</a:t>
-            </a:r>
-            <a:endParaRPr lang="en-US" kern="0" dirty="0"/>
+              <a:rPr lang="de-DE" kern="0"/>
+              <a:t>2,1% sind Kontrakterzeugungen</a:t>
+            </a:r>
           </a:p>
           <a:p>
             <a:pPr marL="285750" indent="-285750">
@@ -44922,62 +43530,9 @@
               <a:buChar char="•"/>
             </a:pPr>
             <a:r>
-              <a:rPr lang="en-US" kern="0" dirty="0"/>
-              <a:t>Die </a:t>
-            </a:r>
-            <a:r>
-              <a:rPr lang="en-US" kern="0" dirty="0" err="1"/>
-              <a:t>ersten</a:t>
-            </a:r>
-            <a:r>
-              <a:rPr lang="en-US" kern="0" dirty="0"/>
-              <a:t> 100 </a:t>
-            </a:r>
-            <a:r>
-              <a:rPr lang="en-US" kern="0" dirty="0" err="1"/>
-              <a:t>Adressen</a:t>
-            </a:r>
-            <a:r>
-              <a:rPr lang="en-US" kern="0" dirty="0"/>
-              <a:t> </a:t>
-            </a:r>
-            <a:r>
-              <a:rPr lang="en-US" kern="0" dirty="0" err="1"/>
-              <a:t>machen</a:t>
-            </a:r>
-            <a:r>
-              <a:rPr lang="en-US" kern="0" dirty="0"/>
-              <a:t> 2,3% des </a:t>
-            </a:r>
-            <a:r>
-              <a:rPr lang="en-US" kern="0" dirty="0" err="1"/>
-              <a:t>Gesamtwertes</a:t>
-            </a:r>
-            <a:r>
-              <a:rPr lang="en-US" kern="0" dirty="0"/>
-              <a:t> </a:t>
-            </a:r>
-            <a:r>
-              <a:rPr lang="en-US" kern="0" dirty="0" err="1"/>
-              <a:t>aller</a:t>
-            </a:r>
-            <a:r>
-              <a:rPr lang="en-US" kern="0" dirty="0"/>
-              <a:t> </a:t>
-            </a:r>
-            <a:r>
-              <a:rPr lang="en-US" kern="0" dirty="0" err="1"/>
-              <a:t>Transaktionen</a:t>
-            </a:r>
-            <a:r>
-              <a:rPr lang="en-US" kern="0" dirty="0"/>
-              <a:t> </a:t>
-            </a:r>
-            <a:r>
-              <a:rPr lang="en-US" kern="0" dirty="0" err="1"/>
-              <a:t>aus</a:t>
-            </a:r>
-            <a:endParaRPr lang="en-US" kern="0" dirty="0"/>
+              <a:rPr lang="de-DE" kern="0"/>
+              <a:t>Die ersten 100 Adressen machen 2,3% des Gesamtwertes aller Transaktionen aus</a:t>
+            </a:r>
           </a:p>
           <a:p>
             <a:pPr marL="285750" indent="-285750">
@@ -44985,54 +43540,9 @@
               <a:buChar char="•"/>
             </a:pPr>
             <a:r>
-              <a:rPr lang="en-US" kern="0" dirty="0"/>
-              <a:t>44,2% </a:t>
-            </a:r>
-            <a:r>
-              <a:rPr lang="en-US" kern="0" dirty="0" err="1"/>
-              <a:t>aller</a:t>
-            </a:r>
-            <a:r>
-              <a:rPr lang="en-US" kern="0" dirty="0"/>
-              <a:t> </a:t>
-            </a:r>
-            <a:r>
-              <a:rPr lang="en-US" kern="0" dirty="0" err="1"/>
-              <a:t>Transaktionen</a:t>
-            </a:r>
-            <a:r>
-              <a:rPr lang="en-US" kern="0" dirty="0"/>
-              <a:t> </a:t>
-            </a:r>
-            <a:r>
-              <a:rPr lang="en-US" kern="0" dirty="0" err="1"/>
-              <a:t>sind</a:t>
-            </a:r>
-            <a:r>
-              <a:rPr lang="en-US" kern="0" dirty="0"/>
-              <a:t> an </a:t>
-            </a:r>
-            <a:r>
-              <a:rPr lang="en-US" kern="0" dirty="0" err="1"/>
-              <a:t>diese</a:t>
-            </a:r>
-            <a:r>
-              <a:rPr lang="en-US" kern="0" dirty="0"/>
-              <a:t> </a:t>
-            </a:r>
-            <a:r>
-              <a:rPr lang="en-US" kern="0" dirty="0" err="1"/>
-              <a:t>Adressen</a:t>
-            </a:r>
-            <a:r>
-              <a:rPr lang="en-US" kern="0" dirty="0"/>
-              <a:t> </a:t>
-            </a:r>
-            <a:r>
-              <a:rPr lang="en-US" kern="0" dirty="0" err="1"/>
-              <a:t>gerichtet</a:t>
-            </a:r>
-            <a:endParaRPr lang="en-US" kern="0" dirty="0"/>
+              <a:rPr lang="de-DE" kern="0"/>
+              <a:t>44,2% aller Transaktionen sind an diese Adressen gerichtet</a:t>
+            </a:r>
           </a:p>
           <a:p>
             <a:pPr marL="555625" lvl="1" indent="-285750">
@@ -45040,46 +43550,17 @@
               <a:buChar char="•"/>
             </a:pPr>
             <a:r>
-              <a:rPr lang="en-US" kern="0" dirty="0"/>
-              <a:t>15% </a:t>
-            </a:r>
-            <a:r>
-              <a:rPr lang="en-US" kern="0" dirty="0" err="1"/>
-              <a:t>dieser</a:t>
-            </a:r>
-            <a:r>
-              <a:rPr lang="en-US" kern="0" dirty="0"/>
-              <a:t> </a:t>
-            </a:r>
-            <a:r>
-              <a:rPr lang="en-US" kern="0" dirty="0" err="1"/>
-              <a:t>sind</a:t>
-            </a:r>
-            <a:r>
-              <a:rPr lang="en-US" kern="0" dirty="0"/>
-              <a:t> an den </a:t>
-            </a:r>
-            <a:r>
-              <a:rPr lang="en-US" kern="0" dirty="0" err="1"/>
-              <a:t>Kontrakt</a:t>
-            </a:r>
-            <a:r>
-              <a:rPr lang="en-US" kern="0" dirty="0"/>
-              <a:t> des Tokens </a:t>
-            </a:r>
-            <a:r>
-              <a:rPr lang="de-DE" dirty="0"/>
+              <a:rPr lang="de-DE" kern="0"/>
+              <a:t>15% dieser sind an den Kontrakt des Tokens </a:t>
+            </a:r>
+            <a:r>
+              <a:rPr lang="de-DE"/>
               <a:t>„</a:t>
             </a:r>
             <a:r>
-              <a:rPr lang="en-US" kern="0" dirty="0"/>
-              <a:t>Tether” </a:t>
-            </a:r>
-            <a:r>
-              <a:rPr lang="en-US" kern="0" dirty="0" err="1"/>
-              <a:t>gerichtet</a:t>
-            </a:r>
-            <a:endParaRPr lang="en-US" kern="0" dirty="0"/>
+              <a:rPr lang="de-DE" kern="0"/>
+              <a:t>Tether” gerichtet</a:t>
+            </a:r>
           </a:p>
         </p:txBody>
       </p:sp>

--- a/Ethereum_Präsentation_Jannes/Ethereum-Transaktionen.pptx
+++ b/Ethereum_Präsentation_Jannes/Ethereum-Transaktionen.pptx
@@ -7355,7 +7355,7 @@
             </a:pPr>
             <a:r>
               <a:rPr lang="de-DE" kern="0" dirty="0"/>
-              <a:t>Einführung</a:t>
+              <a:t>Einleitung</a:t>
             </a:r>
           </a:p>
           <a:p>
@@ -14399,8 +14399,8 @@
           </a:p>
         </p:txBody>
       </p:sp>
-      <mc:AlternateContent xmlns:mc="http://schemas.openxmlformats.org/markup-compatibility/2006">
-        <mc:Choice xmlns:a14="http://schemas.microsoft.com/office/drawing/2010/main" Requires="a14">
+      <mc:AlternateContent xmlns:mc="http://schemas.openxmlformats.org/markup-compatibility/2006" xmlns:a14="http://schemas.microsoft.com/office/drawing/2010/main">
+        <mc:Choice Requires="a14">
           <p:sp>
             <p:nvSpPr>
               <p:cNvPr id="22" name="Rectangle 3">
@@ -14724,7 +14724,7 @@
             </p:txBody>
           </p:sp>
         </mc:Choice>
-        <mc:Fallback>
+        <mc:Fallback xmlns="">
           <p:sp>
             <p:nvSpPr>
               <p:cNvPr id="22" name="Rectangle 3">
@@ -18875,7 +18875,7 @@
             </a:pPr>
             <a:r>
               <a:rPr lang="de-DE" kern="0" dirty="0"/>
-              <a:t>Einführung</a:t>
+              <a:t>Einleitung</a:t>
             </a:r>
           </a:p>
           <a:p>
@@ -21728,8 +21728,8 @@
           </a:p>
         </p:txBody>
       </p:sp>
-      <mc:AlternateContent xmlns:mc="http://schemas.openxmlformats.org/markup-compatibility/2006">
-        <mc:Choice xmlns:a14="http://schemas.microsoft.com/office/drawing/2010/main" Requires="a14">
+      <mc:AlternateContent xmlns:mc="http://schemas.openxmlformats.org/markup-compatibility/2006" xmlns:a14="http://schemas.microsoft.com/office/drawing/2010/main">
+        <mc:Choice Requires="a14">
           <p:sp>
             <p:nvSpPr>
               <p:cNvPr id="22" name="Rectangle 3">
@@ -22340,7 +22340,7 @@
             </p:txBody>
           </p:sp>
         </mc:Choice>
-        <mc:Fallback>
+        <mc:Fallback xmlns="">
           <p:sp>
             <p:nvSpPr>
               <p:cNvPr id="22" name="Rectangle 3">
@@ -24444,8 +24444,8 @@
           </p:sp>
         </mc:Fallback>
       </mc:AlternateContent>
-      <mc:AlternateContent xmlns:mc="http://schemas.openxmlformats.org/markup-compatibility/2006">
-        <mc:Choice xmlns:a14="http://schemas.microsoft.com/office/drawing/2010/main" Requires="a14">
+      <mc:AlternateContent xmlns:mc="http://schemas.openxmlformats.org/markup-compatibility/2006" xmlns:a14="http://schemas.microsoft.com/office/drawing/2010/main">
+        <mc:Choice Requires="a14">
           <p:sp>
             <p:nvSpPr>
               <p:cNvPr id="6" name="Rectangle 3">
@@ -24757,7 +24757,7 @@
                         <a:latin typeface="Cambria Math" panose="02040503050406030204" pitchFamily="18" charset="0"/>
                         <a:ea typeface="Cambria Math" panose="02040503050406030204" pitchFamily="18" charset="0"/>
                       </a:rPr>
-                      <m:t>4</m:t>
+                      <m:t>84</m:t>
                     </m:r>
                   </m:oMath>
                 </a14:m>
@@ -24804,7 +24804,7 @@
                         <a:latin typeface="Cambria Math" panose="02040503050406030204" pitchFamily="18" charset="0"/>
                         <a:ea typeface="Cambria Math" panose="02040503050406030204" pitchFamily="18" charset="0"/>
                       </a:rPr>
-                      <m:t>68 →</m:t>
+                      <m:t>12 →</m:t>
                     </m:r>
                   </m:oMath>
                 </a14:m>
@@ -24816,7 +24816,7 @@
               <a:p>
                 <a:r>
                   <a:rPr lang="de-DE" kern="0" dirty="0"/>
-                  <a:t>	3524 gas + 21000 gas </a:t>
+                  <a:t>	3252 gas + 21000 gas </a:t>
                 </a:r>
               </a:p>
               <a:p>
@@ -24833,7 +24833,7 @@
             </p:txBody>
           </p:sp>
         </mc:Choice>
-        <mc:Fallback>
+        <mc:Fallback xmlns="">
           <p:sp>
             <p:nvSpPr>
               <p:cNvPr id="6" name="Rectangle 3">
@@ -24900,7 +24900,7 @@
               <a:lstStyle/>
               <a:p>
                 <a:r>
-                  <a:rPr lang="de-DE">
+                  <a:rPr lang="en-GB">
                     <a:noFill/>
                   </a:rPr>
                   <a:t> </a:t>
@@ -26352,7 +26352,7 @@
             </p:nvSpPr>
             <p:spPr bwMode="auto">
               <a:xfrm>
-                <a:off x="1429145" y="3349377"/>
+                <a:off x="656659" y="3349377"/>
                 <a:ext cx="10592363" cy="864096"/>
               </a:xfrm>
               <a:prstGeom prst="rect">
@@ -26696,7 +26696,7 @@
             </p:nvSpPr>
             <p:spPr bwMode="auto">
               <a:xfrm>
-                <a:off x="1429145" y="3349377"/>
+                <a:off x="656659" y="3349377"/>
                 <a:ext cx="10592363" cy="864096"/>
               </a:xfrm>
               <a:prstGeom prst="rect">
@@ -26746,7 +26746,7 @@
               <a:lstStyle/>
               <a:p>
                 <a:r>
-                  <a:rPr lang="de-DE">
+                  <a:rPr lang="en-GB">
                     <a:noFill/>
                   </a:rPr>
                   <a:t> </a:t>
@@ -27022,8 +27022,8 @@
           </a:p>
         </p:txBody>
       </p:sp>
-      <mc:AlternateContent xmlns:mc="http://schemas.openxmlformats.org/markup-compatibility/2006">
-        <mc:Choice xmlns:a14="http://schemas.microsoft.com/office/drawing/2010/main" Requires="a14">
+      <mc:AlternateContent xmlns:mc="http://schemas.openxmlformats.org/markup-compatibility/2006" xmlns:a14="http://schemas.microsoft.com/office/drawing/2010/main">
+        <mc:Choice Requires="a14">
           <p:sp>
             <p:nvSpPr>
               <p:cNvPr id="8" name="Rectangle 3">
@@ -27404,7 +27404,7 @@
             </p:txBody>
           </p:sp>
         </mc:Choice>
-        <mc:Fallback>
+        <mc:Fallback xmlns="">
           <p:sp>
             <p:nvSpPr>
               <p:cNvPr id="8" name="Rectangle 3">
@@ -27802,7 +27802,7 @@
             </a:pPr>
             <a:r>
               <a:rPr lang="de-DE" b="1" kern="0" dirty="0"/>
-              <a:t>Einführung</a:t>
+              <a:t>Einleitung</a:t>
             </a:r>
           </a:p>
           <a:p>
@@ -29607,8 +29607,8 @@
           </a:p>
         </p:txBody>
       </p:sp>
-      <mc:AlternateContent xmlns:mc="http://schemas.openxmlformats.org/markup-compatibility/2006">
-        <mc:Choice xmlns:a14="http://schemas.microsoft.com/office/drawing/2010/main" Requires="a14">
+      <mc:AlternateContent xmlns:mc="http://schemas.openxmlformats.org/markup-compatibility/2006" xmlns:a14="http://schemas.microsoft.com/office/drawing/2010/main">
+        <mc:Choice Requires="a14">
           <p:sp>
             <p:nvSpPr>
               <p:cNvPr id="6" name="Rectangle 3">
@@ -29951,7 +29951,7 @@
             </p:txBody>
           </p:sp>
         </mc:Choice>
-        <mc:Fallback>
+        <mc:Fallback xmlns="">
           <p:sp>
             <p:nvSpPr>
               <p:cNvPr id="6" name="Rectangle 3">
@@ -32310,7 +32310,7 @@
           <p:nvPr>
             <p:extLst>
               <p:ext uri="{D42A27DB-BD31-4B8C-83A1-F6EECF244321}">
-                <p14:modId xmlns:p14="http://schemas.microsoft.com/office/powerpoint/2010/main" val="1379612688"/>
+                <p14:modId xmlns:p14="http://schemas.microsoft.com/office/powerpoint/2010/main" val="1098982583"/>
               </p:ext>
             </p:extLst>
           </p:nvPr>
@@ -32473,7 +32473,7 @@
                         <a:rPr lang="de-DE" sz="1700" dirty="0">
                           <a:latin typeface="JetBrains Mono" panose="020B0509020102050004" pitchFamily="49" charset="0"/>
                         </a:rPr>
-                        <a:t>0x30000</a:t>
+                        <a:t>0x1117a</a:t>
                       </a:r>
                     </a:p>
                   </a:txBody>
@@ -33362,7 +33362,7 @@
             </a:pPr>
             <a:r>
               <a:rPr lang="de-DE" kern="0" dirty="0"/>
-              <a:t>Einführung</a:t>
+              <a:t>Einleitung</a:t>
             </a:r>
           </a:p>
           <a:p>
@@ -37507,8 +37507,8 @@
           </a:p>
         </p:txBody>
       </p:sp>
-      <mc:AlternateContent xmlns:mc="http://schemas.openxmlformats.org/markup-compatibility/2006">
-        <mc:Choice xmlns:a14="http://schemas.microsoft.com/office/drawing/2010/main" Requires="a14">
+      <mc:AlternateContent xmlns:mc="http://schemas.openxmlformats.org/markup-compatibility/2006" xmlns:a14="http://schemas.microsoft.com/office/drawing/2010/main">
+        <mc:Choice Requires="a14">
           <p:sp>
             <p:nvSpPr>
               <p:cNvPr id="6" name="Rectangle 3">
@@ -37928,7 +37928,7 @@
             </p:txBody>
           </p:sp>
         </mc:Choice>
-        <mc:Fallback>
+        <mc:Fallback xmlns="">
           <p:sp>
             <p:nvSpPr>
               <p:cNvPr id="6" name="Rectangle 3">
@@ -38086,8 +38086,8 @@
           </a:p>
         </p:txBody>
       </p:sp>
-      <mc:AlternateContent xmlns:mc="http://schemas.openxmlformats.org/markup-compatibility/2006">
-        <mc:Choice xmlns:a14="http://schemas.microsoft.com/office/drawing/2010/main" Requires="a14">
+      <mc:AlternateContent xmlns:mc="http://schemas.openxmlformats.org/markup-compatibility/2006" xmlns:a14="http://schemas.microsoft.com/office/drawing/2010/main">
+        <mc:Choice Requires="a14">
           <p:sp>
             <p:nvSpPr>
               <p:cNvPr id="9219" name="Rectangle 3"/>
@@ -38217,7 +38217,7 @@
             </p:txBody>
           </p:sp>
         </mc:Choice>
-        <mc:Fallback>
+        <mc:Fallback xmlns="">
           <p:sp>
             <p:nvSpPr>
               <p:cNvPr id="9219" name="Rectangle 3"/>
@@ -39103,8 +39103,8 @@
               <a:buAutoNum type="arabicPeriod"/>
             </a:pPr>
             <a:r>
-              <a:rPr lang="de-DE" kern="0"/>
-              <a:t>Einführung</a:t>
+              <a:rPr lang="de-DE" kern="0" dirty="0"/>
+              <a:t>Einleitung</a:t>
             </a:r>
           </a:p>
           <a:p>
@@ -39112,7 +39112,7 @@
               <a:buAutoNum type="arabicPeriod"/>
             </a:pPr>
             <a:r>
-              <a:rPr lang="de-DE" kern="0"/>
+              <a:rPr lang="de-DE" kern="0" dirty="0"/>
               <a:t>Struktur und technische Umsetzung</a:t>
             </a:r>
           </a:p>
@@ -39121,7 +39121,7 @@
               <a:buAutoNum type="arabicPeriod"/>
             </a:pPr>
             <a:r>
-              <a:rPr lang="de-DE" kern="0"/>
+              <a:rPr lang="de-DE" kern="0" dirty="0"/>
               <a:t>Komponenten im Detail</a:t>
             </a:r>
           </a:p>
@@ -39130,16 +39130,17 @@
               <a:buAutoNum type="arabicPeriod"/>
             </a:pPr>
             <a:r>
-              <a:rPr lang="de-DE" kern="0"/>
+              <a:rPr lang="de-DE" kern="0" dirty="0" err="1"/>
               <a:t>Transaktionabwicklung</a:t>
             </a:r>
+            <a:endParaRPr lang="de-DE" kern="0" dirty="0"/>
           </a:p>
           <a:p>
             <a:pPr marL="342900" indent="-342900">
               <a:buAutoNum type="arabicPeriod"/>
             </a:pPr>
             <a:r>
-              <a:rPr lang="de-DE" b="1" kern="0"/>
+              <a:rPr lang="de-DE" b="1" kern="0" dirty="0"/>
               <a:t>Ausblick</a:t>
             </a:r>
           </a:p>
@@ -40164,7 +40165,7 @@
             </a:pPr>
             <a:r>
               <a:rPr lang="de-DE" kern="0" dirty="0"/>
-              <a:t>Einführung</a:t>
+              <a:t>Einleitung</a:t>
             </a:r>
           </a:p>
           <a:p>
